--- a/Malware Presentation and Demonstration.pptx
+++ b/Malware Presentation and Demonstration.pptx
@@ -6,15 +6,18 @@
   </p:sldMasterIdLst>
   <p:sldIdLst>
     <p:sldId id="256" r:id="rId2"/>
-    <p:sldId id="260" r:id="rId3"/>
-    <p:sldId id="257" r:id="rId4"/>
-    <p:sldId id="258" r:id="rId5"/>
-    <p:sldId id="261" r:id="rId6"/>
-    <p:sldId id="263" r:id="rId7"/>
-    <p:sldId id="264" r:id="rId8"/>
-    <p:sldId id="259" r:id="rId9"/>
-    <p:sldId id="262" r:id="rId10"/>
-    <p:sldId id="265" r:id="rId11"/>
+    <p:sldId id="258" r:id="rId3"/>
+    <p:sldId id="261" r:id="rId4"/>
+    <p:sldId id="263" r:id="rId5"/>
+    <p:sldId id="257" r:id="rId6"/>
+    <p:sldId id="259" r:id="rId7"/>
+    <p:sldId id="267" r:id="rId8"/>
+    <p:sldId id="268" r:id="rId9"/>
+    <p:sldId id="269" r:id="rId10"/>
+    <p:sldId id="270" r:id="rId11"/>
+    <p:sldId id="271" r:id="rId12"/>
+    <p:sldId id="272" r:id="rId13"/>
+    <p:sldId id="273" r:id="rId14"/>
   </p:sldIdLst>
   <p:sldSz cx="12192000" cy="6858000"/>
   <p:notesSz cx="6858000" cy="9144000"/>
@@ -113,23 +116,261 @@
       </a:defRPr>
     </a:lvl9pPr>
   </p:defaultTextStyle>
+  <p:extLst>
+    <p:ext uri="{EFAFB233-063F-42B5-8137-9DF3F51BA10A}">
+      <p15:sldGuideLst xmlns:p15="http://schemas.microsoft.com/office/powerpoint/2012/main"/>
+    </p:ext>
+  </p:extLst>
 </p:presentation>
-</file>
-
-<file path=ppt/revisionInfo.xml><?xml version="1.0" encoding="utf-8"?>
-<p1510:revInfo xmlns:a="http://schemas.openxmlformats.org/drawingml/2006/main" xmlns:r="http://schemas.openxmlformats.org/officeDocument/2006/relationships" xmlns:p1510="http://schemas.microsoft.com/office/powerpoint/2015/10/main">
-  <p1510:revLst>
-    <p1510:client id="{C956333D-8D4E-41E9-9A04-8E5E0A0AF90C}" v="2" dt="2025-03-02T17:59:31.212"/>
-  </p1510:revLst>
-</p1510:revInfo>
 </file>
 
 <file path=ppt/changesInfos/changesInfo1.xml><?xml version="1.0" encoding="utf-8"?>
 <pc:chgInfo xmlns:a="http://schemas.openxmlformats.org/drawingml/2006/main" xmlns:r="http://schemas.openxmlformats.org/officeDocument/2006/relationships" xmlns:ac="http://schemas.microsoft.com/office/drawing/2013/main/command" xmlns:pc="http://schemas.microsoft.com/office/powerpoint/2013/main/command">
   <pc:docChgLst>
+    <pc:chgData name="Jacob Chlebowski" userId="d6bffc96ba4fbc68" providerId="Windows Live" clId="Web-{D13812BD-BFC0-F525-2555-A0E05AB80E9D}"/>
+    <pc:docChg chg="addSld delSld modSld sldOrd">
+      <pc:chgData name="Jacob Chlebowski" userId="d6bffc96ba4fbc68" providerId="Windows Live" clId="Web-{D13812BD-BFC0-F525-2555-A0E05AB80E9D}" dt="2025-03-05T21:05:25.742" v="74" actId="20577"/>
+      <pc:docMkLst>
+        <pc:docMk/>
+      </pc:docMkLst>
+      <pc:sldChg chg="modSp ord">
+        <pc:chgData name="Jacob Chlebowski" userId="d6bffc96ba4fbc68" providerId="Windows Live" clId="Web-{D13812BD-BFC0-F525-2555-A0E05AB80E9D}" dt="2025-03-05T20:42:03.268" v="2"/>
+        <pc:sldMkLst>
+          <pc:docMk/>
+          <pc:sldMk cId="481389460" sldId="257"/>
+        </pc:sldMkLst>
+        <pc:spChg chg="mod">
+          <ac:chgData name="Jacob Chlebowski" userId="d6bffc96ba4fbc68" providerId="Windows Live" clId="Web-{D13812BD-BFC0-F525-2555-A0E05AB80E9D}" dt="2025-03-05T20:41:59.440" v="1" actId="20577"/>
+          <ac:spMkLst>
+            <pc:docMk/>
+            <pc:sldMk cId="481389460" sldId="257"/>
+            <ac:spMk id="2" creationId="{4D46AE18-E156-1DF4-4F10-1445DFE9FF94}"/>
+          </ac:spMkLst>
+        </pc:spChg>
+      </pc:sldChg>
+      <pc:sldChg chg="addSp modSp">
+        <pc:chgData name="Jacob Chlebowski" userId="d6bffc96ba4fbc68" providerId="Windows Live" clId="Web-{D13812BD-BFC0-F525-2555-A0E05AB80E9D}" dt="2025-03-05T20:44:47.056" v="12" actId="1076"/>
+        <pc:sldMkLst>
+          <pc:docMk/>
+          <pc:sldMk cId="2111512407" sldId="258"/>
+        </pc:sldMkLst>
+        <pc:picChg chg="add mod">
+          <ac:chgData name="Jacob Chlebowski" userId="d6bffc96ba4fbc68" providerId="Windows Live" clId="Web-{D13812BD-BFC0-F525-2555-A0E05AB80E9D}" dt="2025-03-05T20:44:03.351" v="8" actId="1076"/>
+          <ac:picMkLst>
+            <pc:docMk/>
+            <pc:sldMk cId="2111512407" sldId="258"/>
+            <ac:picMk id="3" creationId="{F6035CC9-F854-5799-F8E5-3967AF2BD189}"/>
+          </ac:picMkLst>
+        </pc:picChg>
+        <pc:picChg chg="add mod">
+          <ac:chgData name="Jacob Chlebowski" userId="d6bffc96ba4fbc68" providerId="Windows Live" clId="Web-{D13812BD-BFC0-F525-2555-A0E05AB80E9D}" dt="2025-03-05T20:44:47.056" v="12" actId="1076"/>
+          <ac:picMkLst>
+            <pc:docMk/>
+            <pc:sldMk cId="2111512407" sldId="258"/>
+            <ac:picMk id="4" creationId="{58CE0FA4-BF40-DDF4-C3E3-4C131357433C}"/>
+          </ac:picMkLst>
+        </pc:picChg>
+        <pc:picChg chg="mod">
+          <ac:chgData name="Jacob Chlebowski" userId="d6bffc96ba4fbc68" providerId="Windows Live" clId="Web-{D13812BD-BFC0-F525-2555-A0E05AB80E9D}" dt="2025-03-05T20:42:15.581" v="3" actId="1076"/>
+          <ac:picMkLst>
+            <pc:docMk/>
+            <pc:sldMk cId="2111512407" sldId="258"/>
+            <ac:picMk id="5" creationId="{CB6BABB8-861D-1F7E-90A7-4933E2654779}"/>
+          </ac:picMkLst>
+        </pc:picChg>
+      </pc:sldChg>
+      <pc:sldChg chg="ord">
+        <pc:chgData name="Jacob Chlebowski" userId="d6bffc96ba4fbc68" providerId="Windows Live" clId="Web-{D13812BD-BFC0-F525-2555-A0E05AB80E9D}" dt="2025-03-05T20:43:14.427" v="4"/>
+        <pc:sldMkLst>
+          <pc:docMk/>
+          <pc:sldMk cId="3811100687" sldId="259"/>
+        </pc:sldMkLst>
+      </pc:sldChg>
+      <pc:sldChg chg="del">
+        <pc:chgData name="Jacob Chlebowski" userId="d6bffc96ba4fbc68" providerId="Windows Live" clId="Web-{D13812BD-BFC0-F525-2555-A0E05AB80E9D}" dt="2025-03-05T20:41:25.048" v="0"/>
+        <pc:sldMkLst>
+          <pc:docMk/>
+          <pc:sldMk cId="2500887417" sldId="260"/>
+        </pc:sldMkLst>
+      </pc:sldChg>
+      <pc:sldChg chg="del">
+        <pc:chgData name="Jacob Chlebowski" userId="d6bffc96ba4fbc68" providerId="Windows Live" clId="Web-{D13812BD-BFC0-F525-2555-A0E05AB80E9D}" dt="2025-03-05T20:45:24.135" v="13"/>
+        <pc:sldMkLst>
+          <pc:docMk/>
+          <pc:sldMk cId="162222067" sldId="262"/>
+        </pc:sldMkLst>
+      </pc:sldChg>
+      <pc:sldChg chg="modSp del">
+        <pc:chgData name="Jacob Chlebowski" userId="d6bffc96ba4fbc68" providerId="Windows Live" clId="Web-{D13812BD-BFC0-F525-2555-A0E05AB80E9D}" dt="2025-03-05T20:49:00.112" v="17"/>
+        <pc:sldMkLst>
+          <pc:docMk/>
+          <pc:sldMk cId="1602578628" sldId="264"/>
+        </pc:sldMkLst>
+        <pc:spChg chg="mod">
+          <ac:chgData name="Jacob Chlebowski" userId="d6bffc96ba4fbc68" providerId="Windows Live" clId="Web-{D13812BD-BFC0-F525-2555-A0E05AB80E9D}" dt="2025-03-05T20:48:54.784" v="16" actId="20577"/>
+          <ac:spMkLst>
+            <pc:docMk/>
+            <pc:sldMk cId="1602578628" sldId="264"/>
+            <ac:spMk id="2" creationId="{A0BDC68B-05D6-F22D-C382-D06711E499BD}"/>
+          </ac:spMkLst>
+        </pc:spChg>
+      </pc:sldChg>
+      <pc:sldChg chg="del">
+        <pc:chgData name="Jacob Chlebowski" userId="d6bffc96ba4fbc68" providerId="Windows Live" clId="Web-{D13812BD-BFC0-F525-2555-A0E05AB80E9D}" dt="2025-03-05T20:49:16.441" v="30"/>
+        <pc:sldMkLst>
+          <pc:docMk/>
+          <pc:sldMk cId="3864048936" sldId="265"/>
+        </pc:sldMkLst>
+      </pc:sldChg>
+      <pc:sldChg chg="new del">
+        <pc:chgData name="Jacob Chlebowski" userId="d6bffc96ba4fbc68" providerId="Windows Live" clId="Web-{D13812BD-BFC0-F525-2555-A0E05AB80E9D}" dt="2025-03-05T20:49:13.222" v="29"/>
+        <pc:sldMkLst>
+          <pc:docMk/>
+          <pc:sldMk cId="3944531272" sldId="266"/>
+        </pc:sldMkLst>
+      </pc:sldChg>
+      <pc:sldChg chg="modSp new">
+        <pc:chgData name="Jacob Chlebowski" userId="d6bffc96ba4fbc68" providerId="Windows Live" clId="Web-{D13812BD-BFC0-F525-2555-A0E05AB80E9D}" dt="2025-03-05T21:05:07.117" v="49" actId="20577"/>
+        <pc:sldMkLst>
+          <pc:docMk/>
+          <pc:sldMk cId="2752528023" sldId="267"/>
+        </pc:sldMkLst>
+        <pc:spChg chg="mod">
+          <ac:chgData name="Jacob Chlebowski" userId="d6bffc96ba4fbc68" providerId="Windows Live" clId="Web-{D13812BD-BFC0-F525-2555-A0E05AB80E9D}" dt="2025-03-05T20:49:08.159" v="26" actId="20577"/>
+          <ac:spMkLst>
+            <pc:docMk/>
+            <pc:sldMk cId="2752528023" sldId="267"/>
+            <ac:spMk id="2" creationId="{A5918626-EF3A-E046-3C95-E2F226FEDB18}"/>
+          </ac:spMkLst>
+        </pc:spChg>
+        <pc:spChg chg="mod">
+          <ac:chgData name="Jacob Chlebowski" userId="d6bffc96ba4fbc68" providerId="Windows Live" clId="Web-{D13812BD-BFC0-F525-2555-A0E05AB80E9D}" dt="2025-03-05T21:05:07.117" v="49" actId="20577"/>
+          <ac:spMkLst>
+            <pc:docMk/>
+            <pc:sldMk cId="2752528023" sldId="267"/>
+            <ac:spMk id="3" creationId="{39895282-8A90-5D28-250E-9AB0A2998D52}"/>
+          </ac:spMkLst>
+        </pc:spChg>
+      </pc:sldChg>
+      <pc:sldChg chg="new del">
+        <pc:chgData name="Jacob Chlebowski" userId="d6bffc96ba4fbc68" providerId="Windows Live" clId="Web-{D13812BD-BFC0-F525-2555-A0E05AB80E9D}" dt="2025-03-05T20:57:37.912" v="32"/>
+        <pc:sldMkLst>
+          <pc:docMk/>
+          <pc:sldMk cId="830189529" sldId="268"/>
+        </pc:sldMkLst>
+      </pc:sldChg>
+      <pc:sldChg chg="addSp delSp modSp new">
+        <pc:chgData name="Jacob Chlebowski" userId="d6bffc96ba4fbc68" providerId="Windows Live" clId="Web-{D13812BD-BFC0-F525-2555-A0E05AB80E9D}" dt="2025-03-05T21:04:43.803" v="46" actId="1076"/>
+        <pc:sldMkLst>
+          <pc:docMk/>
+          <pc:sldMk cId="1117155002" sldId="268"/>
+        </pc:sldMkLst>
+        <pc:spChg chg="mod">
+          <ac:chgData name="Jacob Chlebowski" userId="d6bffc96ba4fbc68" providerId="Windows Live" clId="Web-{D13812BD-BFC0-F525-2555-A0E05AB80E9D}" dt="2025-03-05T21:04:41.819" v="44" actId="20577"/>
+          <ac:spMkLst>
+            <pc:docMk/>
+            <pc:sldMk cId="1117155002" sldId="268"/>
+            <ac:spMk id="2" creationId="{93612BF9-B276-ED92-58A9-1F4A9236E054}"/>
+          </ac:spMkLst>
+        </pc:spChg>
+        <pc:spChg chg="del">
+          <ac:chgData name="Jacob Chlebowski" userId="d6bffc96ba4fbc68" providerId="Windows Live" clId="Web-{D13812BD-BFC0-F525-2555-A0E05AB80E9D}" dt="2025-03-05T21:04:42.694" v="45"/>
+          <ac:spMkLst>
+            <pc:docMk/>
+            <pc:sldMk cId="1117155002" sldId="268"/>
+            <ac:spMk id="3" creationId="{5BDE0117-8290-12B7-F308-305201212D81}"/>
+          </ac:spMkLst>
+        </pc:spChg>
+        <pc:picChg chg="add mod ord">
+          <ac:chgData name="Jacob Chlebowski" userId="d6bffc96ba4fbc68" providerId="Windows Live" clId="Web-{D13812BD-BFC0-F525-2555-A0E05AB80E9D}" dt="2025-03-05T21:04:43.803" v="46" actId="1076"/>
+          <ac:picMkLst>
+            <pc:docMk/>
+            <pc:sldMk cId="1117155002" sldId="268"/>
+            <ac:picMk id="4" creationId="{A2E22021-532B-94FF-C85C-58EFE77B6EFC}"/>
+          </ac:picMkLst>
+        </pc:picChg>
+      </pc:sldChg>
+      <pc:sldChg chg="modSp new">
+        <pc:chgData name="Jacob Chlebowski" userId="d6bffc96ba4fbc68" providerId="Windows Live" clId="Web-{D13812BD-BFC0-F525-2555-A0E05AB80E9D}" dt="2025-03-05T21:05:14.633" v="57" actId="20577"/>
+        <pc:sldMkLst>
+          <pc:docMk/>
+          <pc:sldMk cId="172783545" sldId="269"/>
+        </pc:sldMkLst>
+        <pc:spChg chg="mod">
+          <ac:chgData name="Jacob Chlebowski" userId="d6bffc96ba4fbc68" providerId="Windows Live" clId="Web-{D13812BD-BFC0-F525-2555-A0E05AB80E9D}" dt="2025-03-05T21:05:14.633" v="57" actId="20577"/>
+          <ac:spMkLst>
+            <pc:docMk/>
+            <pc:sldMk cId="172783545" sldId="269"/>
+            <ac:spMk id="2" creationId="{F6F90FE8-0148-8DD8-93A7-D9AD190B8D61}"/>
+          </ac:spMkLst>
+        </pc:spChg>
+      </pc:sldChg>
+      <pc:sldChg chg="modSp new">
+        <pc:chgData name="Jacob Chlebowski" userId="d6bffc96ba4fbc68" providerId="Windows Live" clId="Web-{D13812BD-BFC0-F525-2555-A0E05AB80E9D}" dt="2025-03-05T21:05:16.492" v="60" actId="20577"/>
+        <pc:sldMkLst>
+          <pc:docMk/>
+          <pc:sldMk cId="4268275556" sldId="270"/>
+        </pc:sldMkLst>
+        <pc:spChg chg="mod">
+          <ac:chgData name="Jacob Chlebowski" userId="d6bffc96ba4fbc68" providerId="Windows Live" clId="Web-{D13812BD-BFC0-F525-2555-A0E05AB80E9D}" dt="2025-03-05T21:05:16.492" v="60" actId="20577"/>
+          <ac:spMkLst>
+            <pc:docMk/>
+            <pc:sldMk cId="4268275556" sldId="270"/>
+            <ac:spMk id="2" creationId="{63F65449-F4DF-022E-B6BD-6917E15DE0E0}"/>
+          </ac:spMkLst>
+        </pc:spChg>
+      </pc:sldChg>
+      <pc:sldChg chg="modSp new">
+        <pc:chgData name="Jacob Chlebowski" userId="d6bffc96ba4fbc68" providerId="Windows Live" clId="Web-{D13812BD-BFC0-F525-2555-A0E05AB80E9D}" dt="2025-03-05T21:05:19.555" v="64" actId="20577"/>
+        <pc:sldMkLst>
+          <pc:docMk/>
+          <pc:sldMk cId="3590882102" sldId="271"/>
+        </pc:sldMkLst>
+        <pc:spChg chg="mod">
+          <ac:chgData name="Jacob Chlebowski" userId="d6bffc96ba4fbc68" providerId="Windows Live" clId="Web-{D13812BD-BFC0-F525-2555-A0E05AB80E9D}" dt="2025-03-05T21:05:19.555" v="64" actId="20577"/>
+          <ac:spMkLst>
+            <pc:docMk/>
+            <pc:sldMk cId="3590882102" sldId="271"/>
+            <ac:spMk id="2" creationId="{18601794-0444-99A8-4D0D-F7EB44E86091}"/>
+          </ac:spMkLst>
+        </pc:spChg>
+      </pc:sldChg>
+      <pc:sldChg chg="modSp new">
+        <pc:chgData name="Jacob Chlebowski" userId="d6bffc96ba4fbc68" providerId="Windows Live" clId="Web-{D13812BD-BFC0-F525-2555-A0E05AB80E9D}" dt="2025-03-05T21:05:22.820" v="69" actId="20577"/>
+        <pc:sldMkLst>
+          <pc:docMk/>
+          <pc:sldMk cId="2574752443" sldId="272"/>
+        </pc:sldMkLst>
+        <pc:spChg chg="mod">
+          <ac:chgData name="Jacob Chlebowski" userId="d6bffc96ba4fbc68" providerId="Windows Live" clId="Web-{D13812BD-BFC0-F525-2555-A0E05AB80E9D}" dt="2025-03-05T21:05:22.820" v="69" actId="20577"/>
+          <ac:spMkLst>
+            <pc:docMk/>
+            <pc:sldMk cId="2574752443" sldId="272"/>
+            <ac:spMk id="2" creationId="{1A7B3871-6F03-130D-714B-A4C5567F1A0C}"/>
+          </ac:spMkLst>
+        </pc:spChg>
+      </pc:sldChg>
+      <pc:sldChg chg="modSp new">
+        <pc:chgData name="Jacob Chlebowski" userId="d6bffc96ba4fbc68" providerId="Windows Live" clId="Web-{D13812BD-BFC0-F525-2555-A0E05AB80E9D}" dt="2025-03-05T21:05:25.742" v="74" actId="20577"/>
+        <pc:sldMkLst>
+          <pc:docMk/>
+          <pc:sldMk cId="2526388626" sldId="273"/>
+        </pc:sldMkLst>
+        <pc:spChg chg="mod">
+          <ac:chgData name="Jacob Chlebowski" userId="d6bffc96ba4fbc68" providerId="Windows Live" clId="Web-{D13812BD-BFC0-F525-2555-A0E05AB80E9D}" dt="2025-03-05T21:05:25.742" v="74" actId="20577"/>
+          <ac:spMkLst>
+            <pc:docMk/>
+            <pc:sldMk cId="2526388626" sldId="273"/>
+            <ac:spMk id="2" creationId="{4556966C-E46D-D664-D91D-894FB51B5514}"/>
+          </ac:spMkLst>
+        </pc:spChg>
+      </pc:sldChg>
+    </pc:docChg>
+  </pc:docChgLst>
+  <pc:docChgLst>
     <pc:chgData name="Jacob Chlebowski" userId="d6bffc96ba4fbc68" providerId="LiveId" clId="{C956333D-8D4E-41E9-9A04-8E5E0A0AF90C}"/>
     <pc:docChg chg="undo custSel addSld delSld modSld sldOrd">
-      <pc:chgData name="Jacob Chlebowski" userId="d6bffc96ba4fbc68" providerId="LiveId" clId="{C956333D-8D4E-41E9-9A04-8E5E0A0AF90C}" dt="2025-03-02T19:07:32.749" v="1178"/>
+      <pc:chgData name="Jacob Chlebowski" userId="d6bffc96ba4fbc68" providerId="LiveId" clId="{C956333D-8D4E-41E9-9A04-8E5E0A0AF90C}" dt="2025-03-06T21:47:04.119" v="1191" actId="47"/>
       <pc:docMkLst>
         <pc:docMk/>
       </pc:docMkLst>
@@ -170,14 +411,6 @@
             <ac:spMk id="2" creationId="{4D46AE18-E156-1DF4-4F10-1445DFE9FF94}"/>
           </ac:spMkLst>
         </pc:spChg>
-        <pc:spChg chg="del">
-          <ac:chgData name="Jacob Chlebowski" userId="d6bffc96ba4fbc68" providerId="LiveId" clId="{C956333D-8D4E-41E9-9A04-8E5E0A0AF90C}" dt="2025-03-02T17:55:19.059" v="23" actId="478"/>
-          <ac:spMkLst>
-            <pc:docMk/>
-            <pc:sldMk cId="481389460" sldId="257"/>
-            <ac:spMk id="3" creationId="{E7A38B6B-BB8C-E896-5026-7B03043C3CFD}"/>
-          </ac:spMkLst>
-        </pc:spChg>
         <pc:spChg chg="add mod">
           <ac:chgData name="Jacob Chlebowski" userId="d6bffc96ba4fbc68" providerId="LiveId" clId="{C956333D-8D4E-41E9-9A04-8E5E0A0AF90C}" dt="2025-03-02T17:59:34.843" v="472" actId="1076"/>
           <ac:spMkLst>
@@ -207,14 +440,6 @@
             <pc:docMk/>
             <pc:sldMk cId="2111512407" sldId="258"/>
             <ac:spMk id="2" creationId="{4A741A49-98FB-A315-07C2-E5CED3E069E5}"/>
-          </ac:spMkLst>
-        </pc:spChg>
-        <pc:spChg chg="del">
-          <ac:chgData name="Jacob Chlebowski" userId="d6bffc96ba4fbc68" providerId="LiveId" clId="{C956333D-8D4E-41E9-9A04-8E5E0A0AF90C}" dt="2025-03-02T18:07:57.271" v="491" actId="478"/>
-          <ac:spMkLst>
-            <pc:docMk/>
-            <pc:sldMk cId="2111512407" sldId="258"/>
-            <ac:spMk id="3" creationId="{A36ED008-FEF0-EB81-7F4C-3B4235B507DE}"/>
           </ac:spMkLst>
         </pc:spChg>
         <pc:picChg chg="add mod">
@@ -270,22 +495,6 @@
           <pc:docMk/>
           <pc:sldMk cId="2621649691" sldId="260"/>
         </pc:sldMkLst>
-        <pc:spChg chg="mod">
-          <ac:chgData name="Jacob Chlebowski" userId="d6bffc96ba4fbc68" providerId="LiveId" clId="{C956333D-8D4E-41E9-9A04-8E5E0A0AF90C}" dt="2025-03-02T17:56:09.585" v="85" actId="20577"/>
-          <ac:spMkLst>
-            <pc:docMk/>
-            <pc:sldMk cId="2621649691" sldId="260"/>
-            <ac:spMk id="2" creationId="{1882C690-7618-05AF-E722-41B56DC12D5B}"/>
-          </ac:spMkLst>
-        </pc:spChg>
-        <pc:spChg chg="mod">
-          <ac:chgData name="Jacob Chlebowski" userId="d6bffc96ba4fbc68" providerId="LiveId" clId="{C956333D-8D4E-41E9-9A04-8E5E0A0AF90C}" dt="2025-03-02T17:55:56.601" v="43" actId="20577"/>
-          <ac:spMkLst>
-            <pc:docMk/>
-            <pc:sldMk cId="2621649691" sldId="260"/>
-            <ac:spMk id="3" creationId="{867F1F2D-90B8-5166-0043-AD5FBCC825DF}"/>
-          </ac:spMkLst>
-        </pc:spChg>
       </pc:sldChg>
       <pc:sldChg chg="modSp new mod">
         <pc:chgData name="Jacob Chlebowski" userId="d6bffc96ba4fbc68" providerId="LiveId" clId="{C956333D-8D4E-41E9-9A04-8E5E0A0AF90C}" dt="2025-03-02T19:03:33.344" v="1154" actId="20577"/>
@@ -347,14 +556,6 @@
             <ac:spMk id="2" creationId="{452F3815-4FD3-CD41-8EBD-804B987E7F8B}"/>
           </ac:spMkLst>
         </pc:spChg>
-        <pc:spChg chg="del mod">
-          <ac:chgData name="Jacob Chlebowski" userId="d6bffc96ba4fbc68" providerId="LiveId" clId="{C956333D-8D4E-41E9-9A04-8E5E0A0AF90C}" dt="2025-03-02T19:06:47.181" v="1172" actId="22"/>
-          <ac:spMkLst>
-            <pc:docMk/>
-            <pc:sldMk cId="2175494058" sldId="263"/>
-            <ac:spMk id="3" creationId="{EADAC5C7-3BBB-67EB-AC17-C328930AE70C}"/>
-          </ac:spMkLst>
-        </pc:spChg>
         <pc:picChg chg="add mod ord">
           <ac:chgData name="Jacob Chlebowski" userId="d6bffc96ba4fbc68" providerId="LiveId" clId="{C956333D-8D4E-41E9-9A04-8E5E0A0AF90C}" dt="2025-03-02T19:06:47.181" v="1172" actId="22"/>
           <ac:picMkLst>
@@ -386,6 +587,21 @@
           </ac:spMkLst>
         </pc:spChg>
       </pc:sldChg>
+      <pc:sldChg chg="modSp new del mod">
+        <pc:chgData name="Jacob Chlebowski" userId="d6bffc96ba4fbc68" providerId="LiveId" clId="{C956333D-8D4E-41E9-9A04-8E5E0A0AF90C}" dt="2025-03-06T21:47:04.119" v="1191" actId="47"/>
+        <pc:sldMkLst>
+          <pc:docMk/>
+          <pc:sldMk cId="3387718683" sldId="274"/>
+        </pc:sldMkLst>
+        <pc:spChg chg="mod">
+          <ac:chgData name="Jacob Chlebowski" userId="d6bffc96ba4fbc68" providerId="LiveId" clId="{C956333D-8D4E-41E9-9A04-8E5E0A0AF90C}" dt="2025-03-06T21:47:02.657" v="1190" actId="20577"/>
+          <ac:spMkLst>
+            <pc:docMk/>
+            <pc:sldMk cId="3387718683" sldId="274"/>
+            <ac:spMk id="2" creationId="{2B5A1E33-27FE-829F-CB75-895C361432CD}"/>
+          </ac:spMkLst>
+        </pc:spChg>
+      </pc:sldChg>
     </pc:docChg>
   </pc:docChgLst>
 </pc:chgInfo>
@@ -538,7 +754,7 @@
           <a:p>
             <a:fld id="{2E4CB86E-2CCC-46A0-9B4A-DCFB23CBA353}" type="datetimeFigureOut">
               <a:rPr lang="en-US" smtClean="0"/>
-              <a:t>3/2/2025</a:t>
+              <a:t>3/6/2025</a:t>
             </a:fld>
             <a:endParaRPr lang="en-US"/>
           </a:p>
@@ -736,7 +952,7 @@
           <a:p>
             <a:fld id="{2E4CB86E-2CCC-46A0-9B4A-DCFB23CBA353}" type="datetimeFigureOut">
               <a:rPr lang="en-US" smtClean="0"/>
-              <a:t>3/2/2025</a:t>
+              <a:t>3/6/2025</a:t>
             </a:fld>
             <a:endParaRPr lang="en-US"/>
           </a:p>
@@ -944,7 +1160,7 @@
           <a:p>
             <a:fld id="{2E4CB86E-2CCC-46A0-9B4A-DCFB23CBA353}" type="datetimeFigureOut">
               <a:rPr lang="en-US" smtClean="0"/>
-              <a:t>3/2/2025</a:t>
+              <a:t>3/6/2025</a:t>
             </a:fld>
             <a:endParaRPr lang="en-US"/>
           </a:p>
@@ -1142,7 +1358,7 @@
           <a:p>
             <a:fld id="{2E4CB86E-2CCC-46A0-9B4A-DCFB23CBA353}" type="datetimeFigureOut">
               <a:rPr lang="en-US" smtClean="0"/>
-              <a:t>3/2/2025</a:t>
+              <a:t>3/6/2025</a:t>
             </a:fld>
             <a:endParaRPr lang="en-US"/>
           </a:p>
@@ -1417,7 +1633,7 @@
           <a:p>
             <a:fld id="{2E4CB86E-2CCC-46A0-9B4A-DCFB23CBA353}" type="datetimeFigureOut">
               <a:rPr lang="en-US" smtClean="0"/>
-              <a:t>3/2/2025</a:t>
+              <a:t>3/6/2025</a:t>
             </a:fld>
             <a:endParaRPr lang="en-US"/>
           </a:p>
@@ -1682,7 +1898,7 @@
           <a:p>
             <a:fld id="{2E4CB86E-2CCC-46A0-9B4A-DCFB23CBA353}" type="datetimeFigureOut">
               <a:rPr lang="en-US" smtClean="0"/>
-              <a:t>3/2/2025</a:t>
+              <a:t>3/6/2025</a:t>
             </a:fld>
             <a:endParaRPr lang="en-US"/>
           </a:p>
@@ -2094,7 +2310,7 @@
           <a:p>
             <a:fld id="{2E4CB86E-2CCC-46A0-9B4A-DCFB23CBA353}" type="datetimeFigureOut">
               <a:rPr lang="en-US" smtClean="0"/>
-              <a:t>3/2/2025</a:t>
+              <a:t>3/6/2025</a:t>
             </a:fld>
             <a:endParaRPr lang="en-US"/>
           </a:p>
@@ -2235,7 +2451,7 @@
           <a:p>
             <a:fld id="{2E4CB86E-2CCC-46A0-9B4A-DCFB23CBA353}" type="datetimeFigureOut">
               <a:rPr lang="en-US" smtClean="0"/>
-              <a:t>3/2/2025</a:t>
+              <a:t>3/6/2025</a:t>
             </a:fld>
             <a:endParaRPr lang="en-US"/>
           </a:p>
@@ -2348,7 +2564,7 @@
           <a:p>
             <a:fld id="{2E4CB86E-2CCC-46A0-9B4A-DCFB23CBA353}" type="datetimeFigureOut">
               <a:rPr lang="en-US" smtClean="0"/>
-              <a:t>3/2/2025</a:t>
+              <a:t>3/6/2025</a:t>
             </a:fld>
             <a:endParaRPr lang="en-US"/>
           </a:p>
@@ -2659,7 +2875,7 @@
           <a:p>
             <a:fld id="{2E4CB86E-2CCC-46A0-9B4A-DCFB23CBA353}" type="datetimeFigureOut">
               <a:rPr lang="en-US" smtClean="0"/>
-              <a:t>3/2/2025</a:t>
+              <a:t>3/6/2025</a:t>
             </a:fld>
             <a:endParaRPr lang="en-US"/>
           </a:p>
@@ -2947,7 +3163,7 @@
           <a:p>
             <a:fld id="{2E4CB86E-2CCC-46A0-9B4A-DCFB23CBA353}" type="datetimeFigureOut">
               <a:rPr lang="en-US" smtClean="0"/>
-              <a:t>3/2/2025</a:t>
+              <a:t>3/6/2025</a:t>
             </a:fld>
             <a:endParaRPr lang="en-US"/>
           </a:p>
@@ -3188,7 +3404,7 @@
           <a:p>
             <a:fld id="{2E4CB86E-2CCC-46A0-9B4A-DCFB23CBA353}" type="datetimeFigureOut">
               <a:rPr lang="en-US" smtClean="0"/>
-              <a:t>3/2/2025</a:t>
+              <a:t>3/6/2025</a:t>
             </a:fld>
             <a:endParaRPr lang="en-US"/>
           </a:p>
@@ -3703,7 +3919,7 @@
           <p:cNvPr id="2" name="Title 1">
             <a:extLst>
               <a:ext uri="{FF2B5EF4-FFF2-40B4-BE49-F238E27FC236}">
-                <a16:creationId xmlns:a16="http://schemas.microsoft.com/office/drawing/2014/main" id="{3A596948-4498-E3D4-07EB-471D7FF374DD}"/>
+                <a16:creationId xmlns:a16="http://schemas.microsoft.com/office/drawing/2014/main" id="{63F65449-F4DF-022E-B6BD-6917E15DE0E0}"/>
               </a:ext>
             </a:extLst>
           </p:cNvPr>
@@ -3720,8 +3936,8 @@
           <a:lstStyle/>
           <a:p>
             <a:r>
-              <a:rPr lang="en-US" dirty="0"/>
-              <a:t>Our MQP Focused on malware</a:t>
+              <a:rPr lang="en-US"/>
+              <a:t>Level 3</a:t>
             </a:r>
           </a:p>
         </p:txBody>
@@ -3731,7 +3947,7 @@
           <p:cNvPr id="3" name="Content Placeholder 2">
             <a:extLst>
               <a:ext uri="{FF2B5EF4-FFF2-40B4-BE49-F238E27FC236}">
-                <a16:creationId xmlns:a16="http://schemas.microsoft.com/office/drawing/2014/main" id="{763ABA14-2CE4-F512-B805-CB9D97BD191D}"/>
+                <a16:creationId xmlns:a16="http://schemas.microsoft.com/office/drawing/2014/main" id="{9C3BE6AB-2A6F-AF85-445F-3D5CBBBBA2DF}"/>
               </a:ext>
             </a:extLst>
           </p:cNvPr>
@@ -3754,7 +3970,256 @@
     </p:spTree>
     <p:extLst>
       <p:ext uri="{BB962C8B-B14F-4D97-AF65-F5344CB8AC3E}">
-        <p14:creationId xmlns:p14="http://schemas.microsoft.com/office/powerpoint/2010/main" val="3864048936"/>
+        <p14:creationId xmlns:p14="http://schemas.microsoft.com/office/powerpoint/2010/main" val="4268275556"/>
+      </p:ext>
+    </p:extLst>
+  </p:cSld>
+  <p:clrMapOvr>
+    <a:masterClrMapping/>
+  </p:clrMapOvr>
+</p:sld>
+</file>
+
+<file path=ppt/slides/slide11.xml><?xml version="1.0" encoding="utf-8"?>
+<p:sld xmlns:a="http://schemas.openxmlformats.org/drawingml/2006/main" xmlns:r="http://schemas.openxmlformats.org/officeDocument/2006/relationships" xmlns:p="http://schemas.openxmlformats.org/presentationml/2006/main">
+  <p:cSld>
+    <p:spTree>
+      <p:nvGrpSpPr>
+        <p:cNvPr id="1" name=""/>
+        <p:cNvGrpSpPr/>
+        <p:nvPr/>
+      </p:nvGrpSpPr>
+      <p:grpSpPr>
+        <a:xfrm>
+          <a:off x="0" y="0"/>
+          <a:ext cx="0" cy="0"/>
+          <a:chOff x="0" y="0"/>
+          <a:chExt cx="0" cy="0"/>
+        </a:xfrm>
+      </p:grpSpPr>
+      <p:sp>
+        <p:nvSpPr>
+          <p:cNvPr id="2" name="Title 1">
+            <a:extLst>
+              <a:ext uri="{FF2B5EF4-FFF2-40B4-BE49-F238E27FC236}">
+                <a16:creationId xmlns:a16="http://schemas.microsoft.com/office/drawing/2014/main" id="{18601794-0444-99A8-4D0D-F7EB44E86091}"/>
+              </a:ext>
+            </a:extLst>
+          </p:cNvPr>
+          <p:cNvSpPr>
+            <a:spLocks noGrp="1"/>
+          </p:cNvSpPr>
+          <p:nvPr>
+            <p:ph type="title"/>
+          </p:nvPr>
+        </p:nvSpPr>
+        <p:spPr/>
+        <p:txBody>
+          <a:bodyPr/>
+          <a:lstStyle/>
+          <a:p>
+            <a:r>
+              <a:rPr lang="en-US"/>
+              <a:t>Level 4</a:t>
+            </a:r>
+          </a:p>
+        </p:txBody>
+      </p:sp>
+      <p:sp>
+        <p:nvSpPr>
+          <p:cNvPr id="3" name="Content Placeholder 2">
+            <a:extLst>
+              <a:ext uri="{FF2B5EF4-FFF2-40B4-BE49-F238E27FC236}">
+                <a16:creationId xmlns:a16="http://schemas.microsoft.com/office/drawing/2014/main" id="{C24D26C4-0FF6-458A-AA98-556232B3E21B}"/>
+              </a:ext>
+            </a:extLst>
+          </p:cNvPr>
+          <p:cNvSpPr>
+            <a:spLocks noGrp="1"/>
+          </p:cNvSpPr>
+          <p:nvPr>
+            <p:ph idx="1"/>
+          </p:nvPr>
+        </p:nvSpPr>
+        <p:spPr/>
+        <p:txBody>
+          <a:bodyPr/>
+          <a:lstStyle/>
+          <a:p>
+            <a:endParaRPr lang="en-US"/>
+          </a:p>
+        </p:txBody>
+      </p:sp>
+    </p:spTree>
+    <p:extLst>
+      <p:ext uri="{BB962C8B-B14F-4D97-AF65-F5344CB8AC3E}">
+        <p14:creationId xmlns:p14="http://schemas.microsoft.com/office/powerpoint/2010/main" val="3590882102"/>
+      </p:ext>
+    </p:extLst>
+  </p:cSld>
+  <p:clrMapOvr>
+    <a:masterClrMapping/>
+  </p:clrMapOvr>
+</p:sld>
+</file>
+
+<file path=ppt/slides/slide12.xml><?xml version="1.0" encoding="utf-8"?>
+<p:sld xmlns:a="http://schemas.openxmlformats.org/drawingml/2006/main" xmlns:r="http://schemas.openxmlformats.org/officeDocument/2006/relationships" xmlns:p="http://schemas.openxmlformats.org/presentationml/2006/main">
+  <p:cSld>
+    <p:spTree>
+      <p:nvGrpSpPr>
+        <p:cNvPr id="1" name=""/>
+        <p:cNvGrpSpPr/>
+        <p:nvPr/>
+      </p:nvGrpSpPr>
+      <p:grpSpPr>
+        <a:xfrm>
+          <a:off x="0" y="0"/>
+          <a:ext cx="0" cy="0"/>
+          <a:chOff x="0" y="0"/>
+          <a:chExt cx="0" cy="0"/>
+        </a:xfrm>
+      </p:grpSpPr>
+      <p:sp>
+        <p:nvSpPr>
+          <p:cNvPr id="2" name="Title 1">
+            <a:extLst>
+              <a:ext uri="{FF2B5EF4-FFF2-40B4-BE49-F238E27FC236}">
+                <a16:creationId xmlns:a16="http://schemas.microsoft.com/office/drawing/2014/main" id="{1A7B3871-6F03-130D-714B-A4C5567F1A0C}"/>
+              </a:ext>
+            </a:extLst>
+          </p:cNvPr>
+          <p:cNvSpPr>
+            <a:spLocks noGrp="1"/>
+          </p:cNvSpPr>
+          <p:nvPr>
+            <p:ph type="title"/>
+          </p:nvPr>
+        </p:nvSpPr>
+        <p:spPr/>
+        <p:txBody>
+          <a:bodyPr/>
+          <a:lstStyle/>
+          <a:p>
+            <a:r>
+              <a:rPr lang="en-US"/>
+              <a:t>Level 5</a:t>
+            </a:r>
+          </a:p>
+        </p:txBody>
+      </p:sp>
+      <p:sp>
+        <p:nvSpPr>
+          <p:cNvPr id="3" name="Content Placeholder 2">
+            <a:extLst>
+              <a:ext uri="{FF2B5EF4-FFF2-40B4-BE49-F238E27FC236}">
+                <a16:creationId xmlns:a16="http://schemas.microsoft.com/office/drawing/2014/main" id="{3A55D104-98C5-700B-F02D-B1BF2418D73D}"/>
+              </a:ext>
+            </a:extLst>
+          </p:cNvPr>
+          <p:cNvSpPr>
+            <a:spLocks noGrp="1"/>
+          </p:cNvSpPr>
+          <p:nvPr>
+            <p:ph idx="1"/>
+          </p:nvPr>
+        </p:nvSpPr>
+        <p:spPr/>
+        <p:txBody>
+          <a:bodyPr/>
+          <a:lstStyle/>
+          <a:p>
+            <a:endParaRPr lang="en-US"/>
+          </a:p>
+        </p:txBody>
+      </p:sp>
+    </p:spTree>
+    <p:extLst>
+      <p:ext uri="{BB962C8B-B14F-4D97-AF65-F5344CB8AC3E}">
+        <p14:creationId xmlns:p14="http://schemas.microsoft.com/office/powerpoint/2010/main" val="2574752443"/>
+      </p:ext>
+    </p:extLst>
+  </p:cSld>
+  <p:clrMapOvr>
+    <a:masterClrMapping/>
+  </p:clrMapOvr>
+</p:sld>
+</file>
+
+<file path=ppt/slides/slide13.xml><?xml version="1.0" encoding="utf-8"?>
+<p:sld xmlns:a="http://schemas.openxmlformats.org/drawingml/2006/main" xmlns:r="http://schemas.openxmlformats.org/officeDocument/2006/relationships" xmlns:p="http://schemas.openxmlformats.org/presentationml/2006/main">
+  <p:cSld>
+    <p:spTree>
+      <p:nvGrpSpPr>
+        <p:cNvPr id="1" name=""/>
+        <p:cNvGrpSpPr/>
+        <p:nvPr/>
+      </p:nvGrpSpPr>
+      <p:grpSpPr>
+        <a:xfrm>
+          <a:off x="0" y="0"/>
+          <a:ext cx="0" cy="0"/>
+          <a:chOff x="0" y="0"/>
+          <a:chExt cx="0" cy="0"/>
+        </a:xfrm>
+      </p:grpSpPr>
+      <p:sp>
+        <p:nvSpPr>
+          <p:cNvPr id="2" name="Title 1">
+            <a:extLst>
+              <a:ext uri="{FF2B5EF4-FFF2-40B4-BE49-F238E27FC236}">
+                <a16:creationId xmlns:a16="http://schemas.microsoft.com/office/drawing/2014/main" id="{4556966C-E46D-D664-D91D-894FB51B5514}"/>
+              </a:ext>
+            </a:extLst>
+          </p:cNvPr>
+          <p:cNvSpPr>
+            <a:spLocks noGrp="1"/>
+          </p:cNvSpPr>
+          <p:nvPr>
+            <p:ph type="title"/>
+          </p:nvPr>
+        </p:nvSpPr>
+        <p:spPr/>
+        <p:txBody>
+          <a:bodyPr/>
+          <a:lstStyle/>
+          <a:p>
+            <a:r>
+              <a:rPr lang="en-US"/>
+              <a:t>Level 6</a:t>
+            </a:r>
+          </a:p>
+        </p:txBody>
+      </p:sp>
+      <p:sp>
+        <p:nvSpPr>
+          <p:cNvPr id="3" name="Content Placeholder 2">
+            <a:extLst>
+              <a:ext uri="{FF2B5EF4-FFF2-40B4-BE49-F238E27FC236}">
+                <a16:creationId xmlns:a16="http://schemas.microsoft.com/office/drawing/2014/main" id="{60E8DD77-F082-4E05-D03B-9FC377896F7E}"/>
+              </a:ext>
+            </a:extLst>
+          </p:cNvPr>
+          <p:cNvSpPr>
+            <a:spLocks noGrp="1"/>
+          </p:cNvSpPr>
+          <p:nvPr>
+            <p:ph idx="1"/>
+          </p:nvPr>
+        </p:nvSpPr>
+        <p:spPr/>
+        <p:txBody>
+          <a:bodyPr/>
+          <a:lstStyle/>
+          <a:p>
+            <a:endParaRPr lang="en-US"/>
+          </a:p>
+        </p:txBody>
+      </p:sp>
+    </p:spTree>
+    <p:extLst>
+      <p:ext uri="{BB962C8B-B14F-4D97-AF65-F5344CB8AC3E}">
+        <p14:creationId xmlns:p14="http://schemas.microsoft.com/office/powerpoint/2010/main" val="2526388626"/>
       </p:ext>
     </p:extLst>
   </p:cSld>
@@ -3786,7 +4251,7 @@
           <p:cNvPr id="2" name="Title 1">
             <a:extLst>
               <a:ext uri="{FF2B5EF4-FFF2-40B4-BE49-F238E27FC236}">
-                <a16:creationId xmlns:a16="http://schemas.microsoft.com/office/drawing/2014/main" id="{1763B2EF-17CB-8417-BD2A-964F8ED74F1A}"/>
+                <a16:creationId xmlns:a16="http://schemas.microsoft.com/office/drawing/2014/main" id="{4A741A49-98FB-A315-07C2-E5CED3E069E5}"/>
               </a:ext>
             </a:extLst>
           </p:cNvPr>
@@ -3799,45 +4264,120 @@
         </p:nvSpPr>
         <p:spPr/>
         <p:txBody>
-          <a:bodyPr/>
+          <a:bodyPr>
+            <a:normAutofit fontScale="90000"/>
+          </a:bodyPr>
           <a:lstStyle/>
           <a:p>
             <a:r>
               <a:rPr lang="en-US" dirty="0"/>
-              <a:t>Jumping right into it</a:t>
-            </a:r>
-          </a:p>
-        </p:txBody>
-      </p:sp>
-      <p:sp>
-        <p:nvSpPr>
-          <p:cNvPr id="3" name="Content Placeholder 2">
-            <a:extLst>
-              <a:ext uri="{FF2B5EF4-FFF2-40B4-BE49-F238E27FC236}">
-                <a16:creationId xmlns:a16="http://schemas.microsoft.com/office/drawing/2014/main" id="{E40CEE79-AFF6-CA75-F25C-A0885C3E9664}"/>
-              </a:ext>
-            </a:extLst>
-          </p:cNvPr>
-          <p:cNvSpPr>
-            <a:spLocks noGrp="1"/>
-          </p:cNvSpPr>
-          <p:nvPr>
-            <p:ph idx="1"/>
-          </p:nvPr>
-        </p:nvSpPr>
-        <p:spPr/>
-        <p:txBody>
-          <a:bodyPr/>
-          <a:lstStyle/>
-          <a:p>
-            <a:endParaRPr lang="en-US"/>
-          </a:p>
-        </p:txBody>
-      </p:sp>
+              <a:t>WannaCrypt.exe (AKA </a:t>
+            </a:r>
+            <a:r>
+              <a:rPr lang="en-US" dirty="0" err="1"/>
+              <a:t>wannacry</a:t>
+            </a:r>
+            <a:r>
+              <a:rPr lang="en-US" dirty="0"/>
+              <a:t>?) (try restarting after running too to see if it persists) (ransomware)</a:t>
+            </a:r>
+          </a:p>
+        </p:txBody>
+      </p:sp>
+      <p:pic>
+        <p:nvPicPr>
+          <p:cNvPr id="5" name="Picture 4">
+            <a:extLst>
+              <a:ext uri="{FF2B5EF4-FFF2-40B4-BE49-F238E27FC236}">
+                <a16:creationId xmlns:a16="http://schemas.microsoft.com/office/drawing/2014/main" id="{CB6BABB8-861D-1F7E-90A7-4933E2654779}"/>
+              </a:ext>
+            </a:extLst>
+          </p:cNvPr>
+          <p:cNvPicPr>
+            <a:picLocks noChangeAspect="1"/>
+          </p:cNvPicPr>
+          <p:nvPr/>
+        </p:nvPicPr>
+        <p:blipFill>
+          <a:blip r:embed="rId2"/>
+          <a:stretch>
+            <a:fillRect/>
+          </a:stretch>
+        </p:blipFill>
+        <p:spPr>
+          <a:xfrm>
+            <a:off x="415566" y="1785957"/>
+            <a:ext cx="6422712" cy="4819836"/>
+          </a:xfrm>
+          <a:prstGeom prst="rect">
+            <a:avLst/>
+          </a:prstGeom>
+        </p:spPr>
+      </p:pic>
+      <p:pic>
+        <p:nvPicPr>
+          <p:cNvPr id="3" name="Picture 2" descr="WannaCry Ransomware">
+            <a:extLst>
+              <a:ext uri="{FF2B5EF4-FFF2-40B4-BE49-F238E27FC236}">
+                <a16:creationId xmlns:a16="http://schemas.microsoft.com/office/drawing/2014/main" id="{F6035CC9-F854-5799-F8E5-3967AF2BD189}"/>
+              </a:ext>
+            </a:extLst>
+          </p:cNvPr>
+          <p:cNvPicPr>
+            <a:picLocks noChangeAspect="1"/>
+          </p:cNvPicPr>
+          <p:nvPr/>
+        </p:nvPicPr>
+        <p:blipFill>
+          <a:blip r:embed="rId3"/>
+          <a:stretch>
+            <a:fillRect/>
+          </a:stretch>
+        </p:blipFill>
+        <p:spPr>
+          <a:xfrm>
+            <a:off x="6746240" y="2297085"/>
+            <a:ext cx="5445760" cy="2721029"/>
+          </a:xfrm>
+          <a:prstGeom prst="rect">
+            <a:avLst/>
+          </a:prstGeom>
+        </p:spPr>
+      </p:pic>
+      <p:pic>
+        <p:nvPicPr>
+          <p:cNvPr id="4" name="Picture 3" descr="WannaCry Malware Profile | Mandiant | Google Cloud Blog">
+            <a:extLst>
+              <a:ext uri="{FF2B5EF4-FFF2-40B4-BE49-F238E27FC236}">
+                <a16:creationId xmlns:a16="http://schemas.microsoft.com/office/drawing/2014/main" id="{58CE0FA4-BF40-DDF4-C3E3-4C131357433C}"/>
+              </a:ext>
+            </a:extLst>
+          </p:cNvPr>
+          <p:cNvPicPr>
+            <a:picLocks noChangeAspect="1"/>
+          </p:cNvPicPr>
+          <p:nvPr/>
+        </p:nvPicPr>
+        <p:blipFill>
+          <a:blip r:embed="rId4"/>
+          <a:stretch>
+            <a:fillRect/>
+          </a:stretch>
+        </p:blipFill>
+        <p:spPr>
+          <a:xfrm>
+            <a:off x="7355840" y="3547376"/>
+            <a:ext cx="4236719" cy="2943328"/>
+          </a:xfrm>
+          <a:prstGeom prst="rect">
+            <a:avLst/>
+          </a:prstGeom>
+        </p:spPr>
+      </p:pic>
     </p:spTree>
     <p:extLst>
       <p:ext uri="{BB962C8B-B14F-4D97-AF65-F5344CB8AC3E}">
-        <p14:creationId xmlns:p14="http://schemas.microsoft.com/office/powerpoint/2010/main" val="2500887417"/>
+        <p14:creationId xmlns:p14="http://schemas.microsoft.com/office/powerpoint/2010/main" val="2111512407"/>
       </p:ext>
     </p:extLst>
   </p:cSld>
@@ -3869,233 +4409,6 @@
           <p:cNvPr id="2" name="Title 1">
             <a:extLst>
               <a:ext uri="{FF2B5EF4-FFF2-40B4-BE49-F238E27FC236}">
-                <a16:creationId xmlns:a16="http://schemas.microsoft.com/office/drawing/2014/main" id="{4D46AE18-E156-1DF4-4F10-1445DFE9FF94}"/>
-              </a:ext>
-            </a:extLst>
-          </p:cNvPr>
-          <p:cNvSpPr>
-            <a:spLocks noGrp="1"/>
-          </p:cNvSpPr>
-          <p:nvPr>
-            <p:ph type="title"/>
-          </p:nvPr>
-        </p:nvSpPr>
-        <p:spPr/>
-        <p:txBody>
-          <a:bodyPr/>
-          <a:lstStyle/>
-          <a:p>
-            <a:r>
-              <a:rPr lang="en-US" dirty="0"/>
-              <a:t>Petya2.exe (ransomware – coolest one)</a:t>
-            </a:r>
-          </a:p>
-        </p:txBody>
-      </p:sp>
-      <p:pic>
-        <p:nvPicPr>
-          <p:cNvPr id="5" name="Picture 4">
-            <a:extLst>
-              <a:ext uri="{FF2B5EF4-FFF2-40B4-BE49-F238E27FC236}">
-                <a16:creationId xmlns:a16="http://schemas.microsoft.com/office/drawing/2014/main" id="{B75715AD-40CB-2FE8-DC31-4F48FBACB56D}"/>
-              </a:ext>
-            </a:extLst>
-          </p:cNvPr>
-          <p:cNvPicPr>
-            <a:picLocks noChangeAspect="1"/>
-          </p:cNvPicPr>
-          <p:nvPr/>
-        </p:nvPicPr>
-        <p:blipFill>
-          <a:blip r:embed="rId2"/>
-          <a:stretch>
-            <a:fillRect/>
-          </a:stretch>
-        </p:blipFill>
-        <p:spPr>
-          <a:xfrm>
-            <a:off x="233277" y="1614234"/>
-            <a:ext cx="6677957" cy="3629532"/>
-          </a:xfrm>
-          <a:prstGeom prst="rect">
-            <a:avLst/>
-          </a:prstGeom>
-        </p:spPr>
-      </p:pic>
-      <p:sp>
-        <p:nvSpPr>
-          <p:cNvPr id="6" name="TextBox 5">
-            <a:extLst>
-              <a:ext uri="{FF2B5EF4-FFF2-40B4-BE49-F238E27FC236}">
-                <a16:creationId xmlns:a16="http://schemas.microsoft.com/office/drawing/2014/main" id="{7B3C0BD2-FE73-15A0-44CB-27296569DEAF}"/>
-              </a:ext>
-            </a:extLst>
-          </p:cNvPr>
-          <p:cNvSpPr txBox="1"/>
-          <p:nvPr/>
-        </p:nvSpPr>
-        <p:spPr>
-          <a:xfrm>
-            <a:off x="7082118" y="1732488"/>
-            <a:ext cx="5109882" cy="646331"/>
-          </a:xfrm>
-          <a:prstGeom prst="rect">
-            <a:avLst/>
-          </a:prstGeom>
-          <a:noFill/>
-        </p:spPr>
-        <p:txBody>
-          <a:bodyPr wrap="square" rtlCol="0">
-            <a:spAutoFit/>
-          </a:bodyPr>
-          <a:lstStyle/>
-          <a:p>
-            <a:r>
-              <a:rPr lang="en-US" dirty="0">
-                <a:hlinkClick r:id="rId3"/>
-              </a:rPr>
-              <a:t>https://www.youtube.com/watch?v=FDveBXEnRn8</a:t>
-            </a:r>
-            <a:r>
-              <a:rPr lang="en-US" dirty="0"/>
-              <a:t> </a:t>
-            </a:r>
-          </a:p>
-        </p:txBody>
-      </p:sp>
-    </p:spTree>
-    <p:extLst>
-      <p:ext uri="{BB962C8B-B14F-4D97-AF65-F5344CB8AC3E}">
-        <p14:creationId xmlns:p14="http://schemas.microsoft.com/office/powerpoint/2010/main" val="481389460"/>
-      </p:ext>
-    </p:extLst>
-  </p:cSld>
-  <p:clrMapOvr>
-    <a:masterClrMapping/>
-  </p:clrMapOvr>
-</p:sld>
-</file>
-
-<file path=ppt/slides/slide4.xml><?xml version="1.0" encoding="utf-8"?>
-<p:sld xmlns:a="http://schemas.openxmlformats.org/drawingml/2006/main" xmlns:r="http://schemas.openxmlformats.org/officeDocument/2006/relationships" xmlns:p="http://schemas.openxmlformats.org/presentationml/2006/main">
-  <p:cSld>
-    <p:spTree>
-      <p:nvGrpSpPr>
-        <p:cNvPr id="1" name=""/>
-        <p:cNvGrpSpPr/>
-        <p:nvPr/>
-      </p:nvGrpSpPr>
-      <p:grpSpPr>
-        <a:xfrm>
-          <a:off x="0" y="0"/>
-          <a:ext cx="0" cy="0"/>
-          <a:chOff x="0" y="0"/>
-          <a:chExt cx="0" cy="0"/>
-        </a:xfrm>
-      </p:grpSpPr>
-      <p:sp>
-        <p:nvSpPr>
-          <p:cNvPr id="2" name="Title 1">
-            <a:extLst>
-              <a:ext uri="{FF2B5EF4-FFF2-40B4-BE49-F238E27FC236}">
-                <a16:creationId xmlns:a16="http://schemas.microsoft.com/office/drawing/2014/main" id="{4A741A49-98FB-A315-07C2-E5CED3E069E5}"/>
-              </a:ext>
-            </a:extLst>
-          </p:cNvPr>
-          <p:cNvSpPr>
-            <a:spLocks noGrp="1"/>
-          </p:cNvSpPr>
-          <p:nvPr>
-            <p:ph type="title"/>
-          </p:nvPr>
-        </p:nvSpPr>
-        <p:spPr/>
-        <p:txBody>
-          <a:bodyPr>
-            <a:normAutofit fontScale="90000"/>
-          </a:bodyPr>
-          <a:lstStyle/>
-          <a:p>
-            <a:r>
-              <a:rPr lang="en-US" dirty="0"/>
-              <a:t>WannaCrypt.exe (AKA </a:t>
-            </a:r>
-            <a:r>
-              <a:rPr lang="en-US" dirty="0" err="1"/>
-              <a:t>wannacry</a:t>
-            </a:r>
-            <a:r>
-              <a:rPr lang="en-US" dirty="0"/>
-              <a:t>?) (try restarting after running too to see if it persists) (ransomware)</a:t>
-            </a:r>
-          </a:p>
-        </p:txBody>
-      </p:sp>
-      <p:pic>
-        <p:nvPicPr>
-          <p:cNvPr id="5" name="Picture 4">
-            <a:extLst>
-              <a:ext uri="{FF2B5EF4-FFF2-40B4-BE49-F238E27FC236}">
-                <a16:creationId xmlns:a16="http://schemas.microsoft.com/office/drawing/2014/main" id="{CB6BABB8-861D-1F7E-90A7-4933E2654779}"/>
-              </a:ext>
-            </a:extLst>
-          </p:cNvPr>
-          <p:cNvPicPr>
-            <a:picLocks noChangeAspect="1"/>
-          </p:cNvPicPr>
-          <p:nvPr/>
-        </p:nvPicPr>
-        <p:blipFill>
-          <a:blip r:embed="rId2"/>
-          <a:stretch>
-            <a:fillRect/>
-          </a:stretch>
-        </p:blipFill>
-        <p:spPr>
-          <a:xfrm>
-            <a:off x="354606" y="1796117"/>
-            <a:ext cx="6422712" cy="4819836"/>
-          </a:xfrm>
-          <a:prstGeom prst="rect">
-            <a:avLst/>
-          </a:prstGeom>
-        </p:spPr>
-      </p:pic>
-    </p:spTree>
-    <p:extLst>
-      <p:ext uri="{BB962C8B-B14F-4D97-AF65-F5344CB8AC3E}">
-        <p14:creationId xmlns:p14="http://schemas.microsoft.com/office/powerpoint/2010/main" val="2111512407"/>
-      </p:ext>
-    </p:extLst>
-  </p:cSld>
-  <p:clrMapOvr>
-    <a:masterClrMapping/>
-  </p:clrMapOvr>
-</p:sld>
-</file>
-
-<file path=ppt/slides/slide5.xml><?xml version="1.0" encoding="utf-8"?>
-<p:sld xmlns:a="http://schemas.openxmlformats.org/drawingml/2006/main" xmlns:r="http://schemas.openxmlformats.org/officeDocument/2006/relationships" xmlns:p="http://schemas.openxmlformats.org/presentationml/2006/main">
-  <p:cSld>
-    <p:spTree>
-      <p:nvGrpSpPr>
-        <p:cNvPr id="1" name=""/>
-        <p:cNvGrpSpPr/>
-        <p:nvPr/>
-      </p:nvGrpSpPr>
-      <p:grpSpPr>
-        <a:xfrm>
-          <a:off x="0" y="0"/>
-          <a:ext cx="0" cy="0"/>
-          <a:chOff x="0" y="0"/>
-          <a:chExt cx="0" cy="0"/>
-        </a:xfrm>
-      </p:grpSpPr>
-      <p:sp>
-        <p:nvSpPr>
-          <p:cNvPr id="2" name="Title 1">
-            <a:extLst>
-              <a:ext uri="{FF2B5EF4-FFF2-40B4-BE49-F238E27FC236}">
                 <a16:creationId xmlns:a16="http://schemas.microsoft.com/office/drawing/2014/main" id="{01031E0E-81BB-4F7A-7F23-614BA8E7E734}"/>
               </a:ext>
             </a:extLst>
@@ -4170,7 +4483,7 @@
 </p:sld>
 </file>
 
-<file path=ppt/slides/slide6.xml><?xml version="1.0" encoding="utf-8"?>
+<file path=ppt/slides/slide4.xml><?xml version="1.0" encoding="utf-8"?>
 <p:sld xmlns:a="http://schemas.openxmlformats.org/drawingml/2006/main" xmlns:r="http://schemas.openxmlformats.org/officeDocument/2006/relationships" xmlns:p="http://schemas.openxmlformats.org/presentationml/2006/main">
   <p:cSld>
     <p:spTree>
@@ -4257,6 +4570,235 @@
 </p:sld>
 </file>
 
+<file path=ppt/slides/slide5.xml><?xml version="1.0" encoding="utf-8"?>
+<p:sld xmlns:a="http://schemas.openxmlformats.org/drawingml/2006/main" xmlns:r="http://schemas.openxmlformats.org/officeDocument/2006/relationships" xmlns:p="http://schemas.openxmlformats.org/presentationml/2006/main">
+  <p:cSld>
+    <p:spTree>
+      <p:nvGrpSpPr>
+        <p:cNvPr id="1" name=""/>
+        <p:cNvGrpSpPr/>
+        <p:nvPr/>
+      </p:nvGrpSpPr>
+      <p:grpSpPr>
+        <a:xfrm>
+          <a:off x="0" y="0"/>
+          <a:ext cx="0" cy="0"/>
+          <a:chOff x="0" y="0"/>
+          <a:chExt cx="0" cy="0"/>
+        </a:xfrm>
+      </p:grpSpPr>
+      <p:sp>
+        <p:nvSpPr>
+          <p:cNvPr id="2" name="Title 1">
+            <a:extLst>
+              <a:ext uri="{FF2B5EF4-FFF2-40B4-BE49-F238E27FC236}">
+                <a16:creationId xmlns:a16="http://schemas.microsoft.com/office/drawing/2014/main" id="{4D46AE18-E156-1DF4-4F10-1445DFE9FF94}"/>
+              </a:ext>
+            </a:extLst>
+          </p:cNvPr>
+          <p:cNvSpPr>
+            <a:spLocks noGrp="1"/>
+          </p:cNvSpPr>
+          <p:nvPr>
+            <p:ph type="title"/>
+          </p:nvPr>
+        </p:nvSpPr>
+        <p:spPr/>
+        <p:txBody>
+          <a:bodyPr/>
+          <a:lstStyle/>
+          <a:p>
+            <a:r>
+              <a:rPr lang="en-US" dirty="0"/>
+              <a:t>Petya2.exe</a:t>
+            </a:r>
+          </a:p>
+        </p:txBody>
+      </p:sp>
+      <p:pic>
+        <p:nvPicPr>
+          <p:cNvPr id="5" name="Picture 4">
+            <a:extLst>
+              <a:ext uri="{FF2B5EF4-FFF2-40B4-BE49-F238E27FC236}">
+                <a16:creationId xmlns:a16="http://schemas.microsoft.com/office/drawing/2014/main" id="{B75715AD-40CB-2FE8-DC31-4F48FBACB56D}"/>
+              </a:ext>
+            </a:extLst>
+          </p:cNvPr>
+          <p:cNvPicPr>
+            <a:picLocks noChangeAspect="1"/>
+          </p:cNvPicPr>
+          <p:nvPr/>
+        </p:nvPicPr>
+        <p:blipFill>
+          <a:blip r:embed="rId2"/>
+          <a:stretch>
+            <a:fillRect/>
+          </a:stretch>
+        </p:blipFill>
+        <p:spPr>
+          <a:xfrm>
+            <a:off x="233277" y="1614234"/>
+            <a:ext cx="6677957" cy="3629532"/>
+          </a:xfrm>
+          <a:prstGeom prst="rect">
+            <a:avLst/>
+          </a:prstGeom>
+        </p:spPr>
+      </p:pic>
+      <p:sp>
+        <p:nvSpPr>
+          <p:cNvPr id="6" name="TextBox 5">
+            <a:extLst>
+              <a:ext uri="{FF2B5EF4-FFF2-40B4-BE49-F238E27FC236}">
+                <a16:creationId xmlns:a16="http://schemas.microsoft.com/office/drawing/2014/main" id="{7B3C0BD2-FE73-15A0-44CB-27296569DEAF}"/>
+              </a:ext>
+            </a:extLst>
+          </p:cNvPr>
+          <p:cNvSpPr txBox="1"/>
+          <p:nvPr/>
+        </p:nvSpPr>
+        <p:spPr>
+          <a:xfrm>
+            <a:off x="7082118" y="1732488"/>
+            <a:ext cx="5109882" cy="646331"/>
+          </a:xfrm>
+          <a:prstGeom prst="rect">
+            <a:avLst/>
+          </a:prstGeom>
+          <a:noFill/>
+        </p:spPr>
+        <p:txBody>
+          <a:bodyPr wrap="square" rtlCol="0">
+            <a:spAutoFit/>
+          </a:bodyPr>
+          <a:lstStyle/>
+          <a:p>
+            <a:r>
+              <a:rPr lang="en-US" dirty="0">
+                <a:hlinkClick r:id="rId3"/>
+              </a:rPr>
+              <a:t>https://www.youtube.com/watch?v=FDveBXEnRn8</a:t>
+            </a:r>
+            <a:r>
+              <a:rPr lang="en-US" dirty="0"/>
+              <a:t> </a:t>
+            </a:r>
+          </a:p>
+        </p:txBody>
+      </p:sp>
+    </p:spTree>
+    <p:extLst>
+      <p:ext uri="{BB962C8B-B14F-4D97-AF65-F5344CB8AC3E}">
+        <p14:creationId xmlns:p14="http://schemas.microsoft.com/office/powerpoint/2010/main" val="481389460"/>
+      </p:ext>
+    </p:extLst>
+  </p:cSld>
+  <p:clrMapOvr>
+    <a:masterClrMapping/>
+  </p:clrMapOvr>
+</p:sld>
+</file>
+
+<file path=ppt/slides/slide6.xml><?xml version="1.0" encoding="utf-8"?>
+<p:sld xmlns:a="http://schemas.openxmlformats.org/drawingml/2006/main" xmlns:r="http://schemas.openxmlformats.org/officeDocument/2006/relationships" xmlns:p="http://schemas.openxmlformats.org/presentationml/2006/main">
+  <p:cSld>
+    <p:spTree>
+      <p:nvGrpSpPr>
+        <p:cNvPr id="1" name=""/>
+        <p:cNvGrpSpPr/>
+        <p:nvPr/>
+      </p:nvGrpSpPr>
+      <p:grpSpPr>
+        <a:xfrm>
+          <a:off x="0" y="0"/>
+          <a:ext cx="0" cy="0"/>
+          <a:chOff x="0" y="0"/>
+          <a:chExt cx="0" cy="0"/>
+        </a:xfrm>
+      </p:grpSpPr>
+      <p:sp>
+        <p:nvSpPr>
+          <p:cNvPr id="2" name="Title 1">
+            <a:extLst>
+              <a:ext uri="{FF2B5EF4-FFF2-40B4-BE49-F238E27FC236}">
+                <a16:creationId xmlns:a16="http://schemas.microsoft.com/office/drawing/2014/main" id="{234CB306-7B8E-4722-0641-07DF2CC3B5A7}"/>
+              </a:ext>
+            </a:extLst>
+          </p:cNvPr>
+          <p:cNvSpPr>
+            <a:spLocks noGrp="1"/>
+          </p:cNvSpPr>
+          <p:nvPr>
+            <p:ph type="title"/>
+          </p:nvPr>
+        </p:nvSpPr>
+        <p:spPr/>
+        <p:txBody>
+          <a:bodyPr/>
+          <a:lstStyle/>
+          <a:p>
+            <a:r>
+              <a:rPr lang="en-US" dirty="0"/>
+              <a:t>ShellLocker.exe</a:t>
+            </a:r>
+          </a:p>
+        </p:txBody>
+      </p:sp>
+      <p:sp>
+        <p:nvSpPr>
+          <p:cNvPr id="3" name="Content Placeholder 2">
+            <a:extLst>
+              <a:ext uri="{FF2B5EF4-FFF2-40B4-BE49-F238E27FC236}">
+                <a16:creationId xmlns:a16="http://schemas.microsoft.com/office/drawing/2014/main" id="{741EA172-4E9F-4149-30C3-BA8B112FA88E}"/>
+              </a:ext>
+            </a:extLst>
+          </p:cNvPr>
+          <p:cNvSpPr>
+            <a:spLocks noGrp="1"/>
+          </p:cNvSpPr>
+          <p:nvPr>
+            <p:ph idx="1"/>
+          </p:nvPr>
+        </p:nvSpPr>
+        <p:spPr/>
+        <p:txBody>
+          <a:bodyPr/>
+          <a:lstStyle/>
+          <a:p>
+            <a:r>
+              <a:rPr lang="en-US" dirty="0"/>
+              <a:t>Funny and all but I literally just closed it in task manager</a:t>
+            </a:r>
+          </a:p>
+          <a:p>
+            <a:r>
+              <a:rPr lang="en-US" dirty="0"/>
+              <a:t>I think the </a:t>
+            </a:r>
+            <a:r>
+              <a:rPr lang="en-US" dirty="0" err="1"/>
+              <a:t>github</a:t>
+            </a:r>
+            <a:r>
+              <a:rPr lang="en-US" dirty="0"/>
+              <a:t> version I downloaded was changed?</a:t>
+            </a:r>
+          </a:p>
+        </p:txBody>
+      </p:sp>
+    </p:spTree>
+    <p:extLst>
+      <p:ext uri="{BB962C8B-B14F-4D97-AF65-F5344CB8AC3E}">
+        <p14:creationId xmlns:p14="http://schemas.microsoft.com/office/powerpoint/2010/main" val="3811100687"/>
+      </p:ext>
+    </p:extLst>
+  </p:cSld>
+  <p:clrMapOvr>
+    <a:masterClrMapping/>
+  </p:clrMapOvr>
+</p:sld>
+</file>
+
 <file path=ppt/slides/slide7.xml><?xml version="1.0" encoding="utf-8"?>
 <p:sld xmlns:a="http://schemas.openxmlformats.org/drawingml/2006/main" xmlns:r="http://schemas.openxmlformats.org/officeDocument/2006/relationships" xmlns:p="http://schemas.openxmlformats.org/presentationml/2006/main">
   <p:cSld>
@@ -4279,46 +4821,69 @@
           <p:cNvPr id="2" name="Title 1">
             <a:extLst>
               <a:ext uri="{FF2B5EF4-FFF2-40B4-BE49-F238E27FC236}">
-                <a16:creationId xmlns:a16="http://schemas.microsoft.com/office/drawing/2014/main" id="{A0BDC68B-05D6-F22D-C382-D06711E499BD}"/>
-              </a:ext>
-            </a:extLst>
-          </p:cNvPr>
-          <p:cNvSpPr>
-            <a:spLocks noGrp="1"/>
-          </p:cNvSpPr>
-          <p:nvPr>
-            <p:ph type="title"/>
-          </p:nvPr>
-        </p:nvSpPr>
-        <p:spPr/>
-        <p:txBody>
-          <a:bodyPr/>
-          <a:lstStyle/>
-          <a:p>
+                <a16:creationId xmlns:a16="http://schemas.microsoft.com/office/drawing/2014/main" id="{A5918626-EF3A-E046-3C95-E2F226FEDB18}"/>
+              </a:ext>
+            </a:extLst>
+          </p:cNvPr>
+          <p:cNvSpPr>
+            <a:spLocks noGrp="1"/>
+          </p:cNvSpPr>
+          <p:nvPr>
+            <p:ph type="ctrTitle"/>
+          </p:nvPr>
+        </p:nvSpPr>
+        <p:spPr/>
+        <p:txBody>
+          <a:bodyPr/>
+          <a:lstStyle/>
+          <a:p>
+            <a:r>
+              <a:rPr lang="en-US"/>
+              <a:t>XSS</a:t>
+            </a:r>
+          </a:p>
+        </p:txBody>
+      </p:sp>
+      <p:sp>
+        <p:nvSpPr>
+          <p:cNvPr id="3" name="Subtitle 2">
+            <a:extLst>
+              <a:ext uri="{FF2B5EF4-FFF2-40B4-BE49-F238E27FC236}">
+                <a16:creationId xmlns:a16="http://schemas.microsoft.com/office/drawing/2014/main" id="{39895282-8A90-5D28-250E-9AB0A2998D52}"/>
+              </a:ext>
+            </a:extLst>
+          </p:cNvPr>
+          <p:cNvSpPr>
+            <a:spLocks noGrp="1"/>
+          </p:cNvSpPr>
+          <p:nvPr>
+            <p:ph type="subTitle" idx="1"/>
+          </p:nvPr>
+        </p:nvSpPr>
+        <p:spPr/>
+        <p:txBody>
+          <a:bodyPr vert="horz" lIns="91440" tIns="45720" rIns="91440" bIns="45720" rtlCol="0" anchor="t">
+            <a:normAutofit/>
+          </a:bodyPr>
+          <a:lstStyle/>
+          <a:p>
+            <a:r>
+              <a:rPr lang="en-US">
+                <a:ea typeface="+mn-lt"/>
+                <a:cs typeface="+mn-lt"/>
+                <a:hlinkClick r:id="rId2"/>
+              </a:rPr>
+              <a:t>https://xss-game.appspot.com/</a:t>
+            </a:r>
+            <a:r>
+              <a:rPr lang="en-US">
+                <a:ea typeface="+mn-lt"/>
+                <a:cs typeface="+mn-lt"/>
+              </a:rPr>
+              <a:t> </a:t>
+            </a:r>
             <a:endParaRPr lang="en-US"/>
           </a:p>
-        </p:txBody>
-      </p:sp>
-      <p:sp>
-        <p:nvSpPr>
-          <p:cNvPr id="3" name="Content Placeholder 2">
-            <a:extLst>
-              <a:ext uri="{FF2B5EF4-FFF2-40B4-BE49-F238E27FC236}">
-                <a16:creationId xmlns:a16="http://schemas.microsoft.com/office/drawing/2014/main" id="{0965B286-D15D-910F-4D66-201A40E43FE4}"/>
-              </a:ext>
-            </a:extLst>
-          </p:cNvPr>
-          <p:cNvSpPr>
-            <a:spLocks noGrp="1"/>
-          </p:cNvSpPr>
-          <p:nvPr>
-            <p:ph idx="1"/>
-          </p:nvPr>
-        </p:nvSpPr>
-        <p:spPr/>
-        <p:txBody>
-          <a:bodyPr/>
-          <a:lstStyle/>
           <a:p>
             <a:endParaRPr lang="en-US"/>
           </a:p>
@@ -4327,7 +4892,7 @@
     </p:spTree>
     <p:extLst>
       <p:ext uri="{BB962C8B-B14F-4D97-AF65-F5344CB8AC3E}">
-        <p14:creationId xmlns:p14="http://schemas.microsoft.com/office/powerpoint/2010/main" val="1602578628"/>
+        <p14:creationId xmlns:p14="http://schemas.microsoft.com/office/powerpoint/2010/main" val="2752528023"/>
       </p:ext>
     </p:extLst>
   </p:cSld>
@@ -4359,7 +4924,7 @@
           <p:cNvPr id="2" name="Title 1">
             <a:extLst>
               <a:ext uri="{FF2B5EF4-FFF2-40B4-BE49-F238E27FC236}">
-                <a16:creationId xmlns:a16="http://schemas.microsoft.com/office/drawing/2014/main" id="{234CB306-7B8E-4722-0641-07DF2CC3B5A7}"/>
+                <a16:creationId xmlns:a16="http://schemas.microsoft.com/office/drawing/2014/main" id="{93612BF9-B276-ED92-58A9-1F4A9236E054}"/>
               </a:ext>
             </a:extLst>
           </p:cNvPr>
@@ -4376,58 +4941,45 @@
           <a:lstStyle/>
           <a:p>
             <a:r>
-              <a:rPr lang="en-US" dirty="0"/>
-              <a:t>ShellLocker.exe</a:t>
-            </a:r>
-          </a:p>
-        </p:txBody>
-      </p:sp>
-      <p:sp>
-        <p:nvSpPr>
-          <p:cNvPr id="3" name="Content Placeholder 2">
-            <a:extLst>
-              <a:ext uri="{FF2B5EF4-FFF2-40B4-BE49-F238E27FC236}">
-                <a16:creationId xmlns:a16="http://schemas.microsoft.com/office/drawing/2014/main" id="{741EA172-4E9F-4149-30C3-BA8B112FA88E}"/>
-              </a:ext>
-            </a:extLst>
-          </p:cNvPr>
-          <p:cNvSpPr>
-            <a:spLocks noGrp="1"/>
-          </p:cNvSpPr>
+              <a:rPr lang="en-US"/>
+              <a:t>Level 1</a:t>
+            </a:r>
+          </a:p>
+        </p:txBody>
+      </p:sp>
+      <p:pic>
+        <p:nvPicPr>
+          <p:cNvPr id="4" name="Content Placeholder 3">
+            <a:extLst>
+              <a:ext uri="{FF2B5EF4-FFF2-40B4-BE49-F238E27FC236}">
+                <a16:creationId xmlns:a16="http://schemas.microsoft.com/office/drawing/2014/main" id="{A2E22021-532B-94FF-C85C-58EFE77B6EFC}"/>
+              </a:ext>
+            </a:extLst>
+          </p:cNvPr>
+          <p:cNvPicPr>
+            <a:picLocks noGrp="1" noChangeAspect="1"/>
+          </p:cNvPicPr>
           <p:nvPr>
             <p:ph idx="1"/>
           </p:nvPr>
-        </p:nvSpPr>
-        <p:spPr/>
-        <p:txBody>
-          <a:bodyPr/>
-          <a:lstStyle/>
-          <a:p>
-            <a:r>
-              <a:rPr lang="en-US" dirty="0"/>
-              <a:t>Funny and all but I literally just closed it in task manager</a:t>
-            </a:r>
-          </a:p>
-          <a:p>
-            <a:r>
-              <a:rPr lang="en-US" dirty="0"/>
-              <a:t>I think the </a:t>
-            </a:r>
-            <a:r>
-              <a:rPr lang="en-US" dirty="0" err="1"/>
-              <a:t>github</a:t>
-            </a:r>
-            <a:r>
-              <a:rPr lang="en-US" dirty="0"/>
-              <a:t> version I downloaded was changed?</a:t>
-            </a:r>
-          </a:p>
-        </p:txBody>
-      </p:sp>
+        </p:nvPicPr>
+        <p:blipFill>
+          <a:blip r:embed="rId2"/>
+          <a:stretch>
+            <a:fillRect/>
+          </a:stretch>
+        </p:blipFill>
+        <p:spPr>
+          <a:xfrm>
+            <a:off x="672576" y="2303948"/>
+            <a:ext cx="7029450" cy="790575"/>
+          </a:xfrm>
+        </p:spPr>
+      </p:pic>
     </p:spTree>
     <p:extLst>
       <p:ext uri="{BB962C8B-B14F-4D97-AF65-F5344CB8AC3E}">
-        <p14:creationId xmlns:p14="http://schemas.microsoft.com/office/powerpoint/2010/main" val="3811100687"/>
+        <p14:creationId xmlns:p14="http://schemas.microsoft.com/office/powerpoint/2010/main" val="1117155002"/>
       </p:ext>
     </p:extLst>
   </p:cSld>
@@ -4459,7 +5011,7 @@
           <p:cNvPr id="2" name="Title 1">
             <a:extLst>
               <a:ext uri="{FF2B5EF4-FFF2-40B4-BE49-F238E27FC236}">
-                <a16:creationId xmlns:a16="http://schemas.microsoft.com/office/drawing/2014/main" id="{D65C9F9D-F9B2-47AC-CB3F-307AE7AC13DB}"/>
+                <a16:creationId xmlns:a16="http://schemas.microsoft.com/office/drawing/2014/main" id="{F6F90FE8-0148-8DD8-93A7-D9AD190B8D61}"/>
               </a:ext>
             </a:extLst>
           </p:cNvPr>
@@ -4476,8 +5028,8 @@
           <a:lstStyle/>
           <a:p>
             <a:r>
-              <a:rPr lang="en-US" dirty="0"/>
-              <a:t>How do they work? What do they have in common?</a:t>
+              <a:rPr lang="en-US"/>
+              <a:t>Level 2</a:t>
             </a:r>
           </a:p>
         </p:txBody>
@@ -4487,7 +5039,7 @@
           <p:cNvPr id="3" name="Content Placeholder 2">
             <a:extLst>
               <a:ext uri="{FF2B5EF4-FFF2-40B4-BE49-F238E27FC236}">
-                <a16:creationId xmlns:a16="http://schemas.microsoft.com/office/drawing/2014/main" id="{CF77710F-C99A-3A2F-FDDC-8EAFBCA41943}"/>
+                <a16:creationId xmlns:a16="http://schemas.microsoft.com/office/drawing/2014/main" id="{3B2AA6D7-6CBB-D6BD-3F21-EB114A380A9C}"/>
               </a:ext>
             </a:extLst>
           </p:cNvPr>
@@ -4503,23 +5055,14 @@
           <a:bodyPr/>
           <a:lstStyle/>
           <a:p>
-            <a:r>
-              <a:rPr lang="en-US" dirty="0"/>
-              <a:t>Collectively, they all exploit some underlying code/machine  code x86</a:t>
-            </a:r>
-          </a:p>
-          <a:p>
-            <a:r>
-              <a:rPr lang="en-US" dirty="0"/>
-              <a:t>Show image of that here</a:t>
-            </a:r>
+            <a:endParaRPr lang="en-US"/>
           </a:p>
         </p:txBody>
       </p:sp>
     </p:spTree>
     <p:extLst>
       <p:ext uri="{BB962C8B-B14F-4D97-AF65-F5344CB8AC3E}">
-        <p14:creationId xmlns:p14="http://schemas.microsoft.com/office/powerpoint/2010/main" val="162222067"/>
+        <p14:creationId xmlns:p14="http://schemas.microsoft.com/office/powerpoint/2010/main" val="172783545"/>
       </p:ext>
     </p:extLst>
   </p:cSld>

--- a/Malware Presentation and Demonstration.pptx
+++ b/Malware Presentation and Demonstration.pptx
@@ -4,20 +4,27 @@
   <p:sldMasterIdLst>
     <p:sldMasterId id="2147483648" r:id="rId1"/>
   </p:sldMasterIdLst>
+  <p:notesMasterIdLst>
+    <p:notesMasterId r:id="rId19"/>
+  </p:notesMasterIdLst>
   <p:sldIdLst>
     <p:sldId id="256" r:id="rId2"/>
-    <p:sldId id="258" r:id="rId3"/>
-    <p:sldId id="261" r:id="rId4"/>
-    <p:sldId id="263" r:id="rId5"/>
-    <p:sldId id="257" r:id="rId6"/>
-    <p:sldId id="259" r:id="rId7"/>
-    <p:sldId id="267" r:id="rId8"/>
-    <p:sldId id="268" r:id="rId9"/>
-    <p:sldId id="269" r:id="rId10"/>
-    <p:sldId id="270" r:id="rId11"/>
-    <p:sldId id="271" r:id="rId12"/>
-    <p:sldId id="272" r:id="rId13"/>
-    <p:sldId id="273" r:id="rId14"/>
+    <p:sldId id="261" r:id="rId3"/>
+    <p:sldId id="274" r:id="rId4"/>
+    <p:sldId id="275" r:id="rId5"/>
+    <p:sldId id="276" r:id="rId6"/>
+    <p:sldId id="263" r:id="rId7"/>
+    <p:sldId id="257" r:id="rId8"/>
+    <p:sldId id="258" r:id="rId9"/>
+    <p:sldId id="259" r:id="rId10"/>
+    <p:sldId id="267" r:id="rId11"/>
+    <p:sldId id="268" r:id="rId12"/>
+    <p:sldId id="269" r:id="rId13"/>
+    <p:sldId id="270" r:id="rId14"/>
+    <p:sldId id="271" r:id="rId15"/>
+    <p:sldId id="272" r:id="rId16"/>
+    <p:sldId id="273" r:id="rId17"/>
+    <p:sldId id="277" r:id="rId18"/>
   </p:sldIdLst>
   <p:sldSz cx="12192000" cy="6858000"/>
   <p:notesSz cx="6858000" cy="9144000"/>
@@ -124,8 +131,55 @@
 </p:presentation>
 </file>
 
+<file path=ppt/revisionInfo.xml><?xml version="1.0" encoding="utf-8"?>
+<p1510:revInfo xmlns:a="http://schemas.openxmlformats.org/drawingml/2006/main" xmlns:r="http://schemas.openxmlformats.org/officeDocument/2006/relationships" xmlns:p1510="http://schemas.microsoft.com/office/powerpoint/2015/10/main">
+  <p1510:revLst>
+    <p1510:client id="{53EB0742-86D2-4191-BA44-FD6D455E96F0}" v="7" dt="2025-03-16T17:09:44.360"/>
+    <p1510:client id="{6FD05CE9-3092-435F-ACE6-7F83C4A9AFD8}" v="1" dt="2025-03-17T16:55:52.597"/>
+  </p1510:revLst>
+</p1510:revInfo>
+</file>
+
 <file path=ppt/changesInfos/changesInfo1.xml><?xml version="1.0" encoding="utf-8"?>
 <pc:chgInfo xmlns:a="http://schemas.openxmlformats.org/drawingml/2006/main" xmlns:r="http://schemas.openxmlformats.org/officeDocument/2006/relationships" xmlns:ac="http://schemas.microsoft.com/office/drawing/2013/main/command" xmlns:pc="http://schemas.microsoft.com/office/powerpoint/2013/main/command">
+  <pc:docChgLst>
+    <pc:chgData name="Guest User" providerId="Windows Live" clId="Web-{53EB0742-86D2-4191-BA44-FD6D455E96F0}"/>
+    <pc:docChg chg="modSld">
+      <pc:chgData name="Guest User" userId="" providerId="Windows Live" clId="Web-{53EB0742-86D2-4191-BA44-FD6D455E96F0}" dt="2025-03-16T17:22:49.062" v="629"/>
+      <pc:docMkLst>
+        <pc:docMk/>
+      </pc:docMkLst>
+      <pc:sldChg chg="modSp modNotes">
+        <pc:chgData name="Guest User" userId="" providerId="Windows Live" clId="Web-{53EB0742-86D2-4191-BA44-FD6D455E96F0}" dt="2025-03-16T17:02:30.234" v="233"/>
+        <pc:sldMkLst>
+          <pc:docMk/>
+          <pc:sldMk cId="2752528023" sldId="267"/>
+        </pc:sldMkLst>
+        <pc:spChg chg="mod">
+          <ac:chgData name="Guest User" userId="" providerId="Windows Live" clId="Web-{53EB0742-86D2-4191-BA44-FD6D455E96F0}" dt="2025-03-16T16:56:33.468" v="4" actId="20577"/>
+          <ac:spMkLst>
+            <pc:docMk/>
+            <pc:sldMk cId="2752528023" sldId="267"/>
+            <ac:spMk id="3" creationId="{39895282-8A90-5D28-250E-9AB0A2998D52}"/>
+          </ac:spMkLst>
+        </pc:spChg>
+      </pc:sldChg>
+      <pc:sldChg chg="modNotes">
+        <pc:chgData name="Guest User" userId="" providerId="Windows Live" clId="Web-{53EB0742-86D2-4191-BA44-FD6D455E96F0}" dt="2025-03-16T17:09:44.251" v="365"/>
+        <pc:sldMkLst>
+          <pc:docMk/>
+          <pc:sldMk cId="1117155002" sldId="268"/>
+        </pc:sldMkLst>
+      </pc:sldChg>
+      <pc:sldChg chg="modNotes">
+        <pc:chgData name="Guest User" userId="" providerId="Windows Live" clId="Web-{53EB0742-86D2-4191-BA44-FD6D455E96F0}" dt="2025-03-16T17:22:49.062" v="629"/>
+        <pc:sldMkLst>
+          <pc:docMk/>
+          <pc:sldMk cId="172783545" sldId="269"/>
+        </pc:sldMkLst>
+      </pc:sldChg>
+    </pc:docChg>
+  </pc:docChgLst>
   <pc:docChgLst>
     <pc:chgData name="Jacob Chlebowski" userId="d6bffc96ba4fbc68" providerId="Windows Live" clId="Web-{D13812BD-BFC0-F525-2555-A0E05AB80E9D}"/>
     <pc:docChg chg="addSld delSld modSld sldOrd">
@@ -206,14 +260,6 @@
           <pc:docMk/>
           <pc:sldMk cId="1602578628" sldId="264"/>
         </pc:sldMkLst>
-        <pc:spChg chg="mod">
-          <ac:chgData name="Jacob Chlebowski" userId="d6bffc96ba4fbc68" providerId="Windows Live" clId="Web-{D13812BD-BFC0-F525-2555-A0E05AB80E9D}" dt="2025-03-05T20:48:54.784" v="16" actId="20577"/>
-          <ac:spMkLst>
-            <pc:docMk/>
-            <pc:sldMk cId="1602578628" sldId="264"/>
-            <ac:spMk id="2" creationId="{A0BDC68B-05D6-F22D-C382-D06711E499BD}"/>
-          </ac:spMkLst>
-        </pc:spChg>
       </pc:sldChg>
       <pc:sldChg chg="del">
         <pc:chgData name="Jacob Chlebowski" userId="d6bffc96ba4fbc68" providerId="Windows Live" clId="Web-{D13812BD-BFC0-F525-2555-A0E05AB80E9D}" dt="2025-03-05T20:49:16.441" v="30"/>
@@ -271,14 +317,6 @@
             <pc:docMk/>
             <pc:sldMk cId="1117155002" sldId="268"/>
             <ac:spMk id="2" creationId="{93612BF9-B276-ED92-58A9-1F4A9236E054}"/>
-          </ac:spMkLst>
-        </pc:spChg>
-        <pc:spChg chg="del">
-          <ac:chgData name="Jacob Chlebowski" userId="d6bffc96ba4fbc68" providerId="Windows Live" clId="Web-{D13812BD-BFC0-F525-2555-A0E05AB80E9D}" dt="2025-03-05T21:04:42.694" v="45"/>
-          <ac:spMkLst>
-            <pc:docMk/>
-            <pc:sldMk cId="1117155002" sldId="268"/>
-            <ac:spMk id="3" creationId="{5BDE0117-8290-12B7-F308-305201212D81}"/>
           </ac:spMkLst>
         </pc:spChg>
         <pc:picChg chg="add mod ord">
@@ -370,18 +408,18 @@
   <pc:docChgLst>
     <pc:chgData name="Jacob Chlebowski" userId="d6bffc96ba4fbc68" providerId="LiveId" clId="{C956333D-8D4E-41E9-9A04-8E5E0A0AF90C}"/>
     <pc:docChg chg="undo custSel addSld delSld modSld sldOrd">
-      <pc:chgData name="Jacob Chlebowski" userId="d6bffc96ba4fbc68" providerId="LiveId" clId="{C956333D-8D4E-41E9-9A04-8E5E0A0AF90C}" dt="2025-03-06T21:47:04.119" v="1191" actId="47"/>
+      <pc:chgData name="Jacob Chlebowski" userId="d6bffc96ba4fbc68" providerId="LiveId" clId="{C956333D-8D4E-41E9-9A04-8E5E0A0AF90C}" dt="2025-03-09T18:55:40.025" v="2075"/>
       <pc:docMkLst>
         <pc:docMk/>
       </pc:docMkLst>
-      <pc:sldChg chg="modSp new mod">
-        <pc:chgData name="Jacob Chlebowski" userId="d6bffc96ba4fbc68" providerId="LiveId" clId="{C956333D-8D4E-41E9-9A04-8E5E0A0AF90C}" dt="2025-03-02T17:57:50.227" v="468" actId="20577"/>
+      <pc:sldChg chg="addSp delSp modSp new mod setBg addAnim delAnim">
+        <pc:chgData name="Jacob Chlebowski" userId="d6bffc96ba4fbc68" providerId="LiveId" clId="{C956333D-8D4E-41E9-9A04-8E5E0A0AF90C}" dt="2025-03-06T23:08:52.745" v="1447" actId="26606"/>
         <pc:sldMkLst>
           <pc:docMk/>
           <pc:sldMk cId="3402335718" sldId="256"/>
         </pc:sldMkLst>
         <pc:spChg chg="mod">
-          <ac:chgData name="Jacob Chlebowski" userId="d6bffc96ba4fbc68" providerId="LiveId" clId="{C956333D-8D4E-41E9-9A04-8E5E0A0AF90C}" dt="2025-03-02T17:55:09.835" v="7" actId="20577"/>
+          <ac:chgData name="Jacob Chlebowski" userId="d6bffc96ba4fbc68" providerId="LiveId" clId="{C956333D-8D4E-41E9-9A04-8E5E0A0AF90C}" dt="2025-03-06T23:08:52.745" v="1447" actId="26606"/>
           <ac:spMkLst>
             <pc:docMk/>
             <pc:sldMk cId="3402335718" sldId="256"/>
@@ -389,13 +427,45 @@
           </ac:spMkLst>
         </pc:spChg>
         <pc:spChg chg="mod">
-          <ac:chgData name="Jacob Chlebowski" userId="d6bffc96ba4fbc68" providerId="LiveId" clId="{C956333D-8D4E-41E9-9A04-8E5E0A0AF90C}" dt="2025-03-02T17:57:50.227" v="468" actId="20577"/>
+          <ac:chgData name="Jacob Chlebowski" userId="d6bffc96ba4fbc68" providerId="LiveId" clId="{C956333D-8D4E-41E9-9A04-8E5E0A0AF90C}" dt="2025-03-06T23:08:52.745" v="1447" actId="26606"/>
           <ac:spMkLst>
             <pc:docMk/>
             <pc:sldMk cId="3402335718" sldId="256"/>
             <ac:spMk id="3" creationId="{846BCD82-EE07-A8AD-4016-241CE2EBFD0C}"/>
           </ac:spMkLst>
         </pc:spChg>
+        <pc:spChg chg="add">
+          <ac:chgData name="Jacob Chlebowski" userId="d6bffc96ba4fbc68" providerId="LiveId" clId="{C956333D-8D4E-41E9-9A04-8E5E0A0AF90C}" dt="2025-03-06T23:08:52.745" v="1447" actId="26606"/>
+          <ac:spMkLst>
+            <pc:docMk/>
+            <pc:sldMk cId="3402335718" sldId="256"/>
+            <ac:spMk id="20" creationId="{A3363022-C969-41E9-8EB2-E4C94908C1FA}"/>
+          </ac:spMkLst>
+        </pc:spChg>
+        <pc:spChg chg="add">
+          <ac:chgData name="Jacob Chlebowski" userId="d6bffc96ba4fbc68" providerId="LiveId" clId="{C956333D-8D4E-41E9-9A04-8E5E0A0AF90C}" dt="2025-03-06T23:08:52.745" v="1447" actId="26606"/>
+          <ac:spMkLst>
+            <pc:docMk/>
+            <pc:sldMk cId="3402335718" sldId="256"/>
+            <ac:spMk id="21" creationId="{8D1AD6B3-BE88-4CEB-BA17-790657CC4729}"/>
+          </ac:spMkLst>
+        </pc:spChg>
+        <pc:grpChg chg="add">
+          <ac:chgData name="Jacob Chlebowski" userId="d6bffc96ba4fbc68" providerId="LiveId" clId="{C956333D-8D4E-41E9-9A04-8E5E0A0AF90C}" dt="2025-03-06T23:08:52.745" v="1447" actId="26606"/>
+          <ac:grpSpMkLst>
+            <pc:docMk/>
+            <pc:sldMk cId="3402335718" sldId="256"/>
+            <ac:grpSpMk id="22" creationId="{89D1390B-7E13-4B4F-9CB2-391063412E54}"/>
+          </ac:grpSpMkLst>
+        </pc:grpChg>
+        <pc:picChg chg="add">
+          <ac:chgData name="Jacob Chlebowski" userId="d6bffc96ba4fbc68" providerId="LiveId" clId="{C956333D-8D4E-41E9-9A04-8E5E0A0AF90C}" dt="2025-03-06T23:08:52.745" v="1447" actId="26606"/>
+          <ac:picMkLst>
+            <pc:docMk/>
+            <pc:sldMk cId="3402335718" sldId="256"/>
+            <ac:picMk id="7" creationId="{878BDAD5-D9D3-B928-0FD3-6006A3607537}"/>
+          </ac:picMkLst>
+        </pc:picChg>
       </pc:sldChg>
       <pc:sldChg chg="addSp delSp modSp new mod">
         <pc:chgData name="Jacob Chlebowski" userId="d6bffc96ba4fbc68" providerId="LiveId" clId="{C956333D-8D4E-41E9-9A04-8E5E0A0AF90C}" dt="2025-03-02T18:14:50.639" v="629" actId="20577"/>
@@ -428,20 +498,36 @@
           </ac:picMkLst>
         </pc:picChg>
       </pc:sldChg>
-      <pc:sldChg chg="addSp delSp modSp new mod">
-        <pc:chgData name="Jacob Chlebowski" userId="d6bffc96ba4fbc68" providerId="LiveId" clId="{C956333D-8D4E-41E9-9A04-8E5E0A0AF90C}" dt="2025-03-02T18:16:41.688" v="635" actId="20577"/>
+      <pc:sldChg chg="addSp delSp modSp new mod ord">
+        <pc:chgData name="Jacob Chlebowski" userId="d6bffc96ba4fbc68" providerId="LiveId" clId="{C956333D-8D4E-41E9-9A04-8E5E0A0AF90C}" dt="2025-03-06T23:08:17.655" v="1436"/>
         <pc:sldMkLst>
           <pc:docMk/>
           <pc:sldMk cId="2111512407" sldId="258"/>
         </pc:sldMkLst>
         <pc:spChg chg="mod">
-          <ac:chgData name="Jacob Chlebowski" userId="d6bffc96ba4fbc68" providerId="LiveId" clId="{C956333D-8D4E-41E9-9A04-8E5E0A0AF90C}" dt="2025-03-02T18:16:41.688" v="635" actId="20577"/>
+          <ac:chgData name="Jacob Chlebowski" userId="d6bffc96ba4fbc68" providerId="LiveId" clId="{C956333D-8D4E-41E9-9A04-8E5E0A0AF90C}" dt="2025-03-06T22:57:29.656" v="1230" actId="20577"/>
           <ac:spMkLst>
             <pc:docMk/>
             <pc:sldMk cId="2111512407" sldId="258"/>
             <ac:spMk id="2" creationId="{4A741A49-98FB-A315-07C2-E5CED3E069E5}"/>
           </ac:spMkLst>
         </pc:spChg>
+        <pc:picChg chg="mod">
+          <ac:chgData name="Jacob Chlebowski" userId="d6bffc96ba4fbc68" providerId="LiveId" clId="{C956333D-8D4E-41E9-9A04-8E5E0A0AF90C}" dt="2025-03-06T22:57:22.474" v="1202" actId="1076"/>
+          <ac:picMkLst>
+            <pc:docMk/>
+            <pc:sldMk cId="2111512407" sldId="258"/>
+            <ac:picMk id="3" creationId="{F6035CC9-F854-5799-F8E5-3967AF2BD189}"/>
+          </ac:picMkLst>
+        </pc:picChg>
+        <pc:picChg chg="mod">
+          <ac:chgData name="Jacob Chlebowski" userId="d6bffc96ba4fbc68" providerId="LiveId" clId="{C956333D-8D4E-41E9-9A04-8E5E0A0AF90C}" dt="2025-03-06T22:57:21.829" v="1201" actId="1076"/>
+          <ac:picMkLst>
+            <pc:docMk/>
+            <pc:sldMk cId="2111512407" sldId="258"/>
+            <ac:picMk id="4" creationId="{58CE0FA4-BF40-DDF4-C3E3-4C131357433C}"/>
+          </ac:picMkLst>
+        </pc:picChg>
         <pc:picChg chg="add mod">
           <ac:chgData name="Jacob Chlebowski" userId="d6bffc96ba4fbc68" providerId="LiveId" clId="{C956333D-8D4E-41E9-9A04-8E5E0A0AF90C}" dt="2025-03-02T18:08:07.835" v="495" actId="14100"/>
           <ac:picMkLst>
@@ -480,14 +566,6 @@
           <pc:docMk/>
           <pc:sldMk cId="2500887417" sldId="260"/>
         </pc:sldMkLst>
-        <pc:spChg chg="mod">
-          <ac:chgData name="Jacob Chlebowski" userId="d6bffc96ba4fbc68" providerId="LiveId" clId="{C956333D-8D4E-41E9-9A04-8E5E0A0AF90C}" dt="2025-03-02T17:56:25.862" v="112" actId="20577"/>
-          <ac:spMkLst>
-            <pc:docMk/>
-            <pc:sldMk cId="2500887417" sldId="260"/>
-            <ac:spMk id="2" creationId="{1763B2EF-17CB-8417-BD2A-964F8ED74F1A}"/>
-          </ac:spMkLst>
-        </pc:spChg>
       </pc:sldChg>
       <pc:sldChg chg="modSp new del mod">
         <pc:chgData name="Jacob Chlebowski" userId="d6bffc96ba4fbc68" providerId="LiveId" clId="{C956333D-8D4E-41E9-9A04-8E5E0A0AF90C}" dt="2025-03-02T17:56:10.891" v="86" actId="47"/>
@@ -496,14 +574,14 @@
           <pc:sldMk cId="2621649691" sldId="260"/>
         </pc:sldMkLst>
       </pc:sldChg>
-      <pc:sldChg chg="modSp new mod">
-        <pc:chgData name="Jacob Chlebowski" userId="d6bffc96ba4fbc68" providerId="LiveId" clId="{C956333D-8D4E-41E9-9A04-8E5E0A0AF90C}" dt="2025-03-02T19:03:33.344" v="1154" actId="20577"/>
+      <pc:sldChg chg="addSp modSp new mod setBg">
+        <pc:chgData name="Jacob Chlebowski" userId="d6bffc96ba4fbc68" providerId="LiveId" clId="{C956333D-8D4E-41E9-9A04-8E5E0A0AF90C}" dt="2025-03-09T18:30:40.296" v="1655" actId="20577"/>
         <pc:sldMkLst>
           <pc:docMk/>
           <pc:sldMk cId="380495582" sldId="261"/>
         </pc:sldMkLst>
         <pc:spChg chg="mod">
-          <ac:chgData name="Jacob Chlebowski" userId="d6bffc96ba4fbc68" providerId="LiveId" clId="{C956333D-8D4E-41E9-9A04-8E5E0A0AF90C}" dt="2025-03-02T19:03:24.383" v="1097" actId="20577"/>
+          <ac:chgData name="Jacob Chlebowski" userId="d6bffc96ba4fbc68" providerId="LiveId" clId="{C956333D-8D4E-41E9-9A04-8E5E0A0AF90C}" dt="2025-03-09T18:30:40.296" v="1655" actId="20577"/>
           <ac:spMkLst>
             <pc:docMk/>
             <pc:sldMk cId="380495582" sldId="261"/>
@@ -511,13 +589,37 @@
           </ac:spMkLst>
         </pc:spChg>
         <pc:spChg chg="mod">
-          <ac:chgData name="Jacob Chlebowski" userId="d6bffc96ba4fbc68" providerId="LiveId" clId="{C956333D-8D4E-41E9-9A04-8E5E0A0AF90C}" dt="2025-03-02T19:03:33.344" v="1154" actId="20577"/>
+          <ac:chgData name="Jacob Chlebowski" userId="d6bffc96ba4fbc68" providerId="LiveId" clId="{C956333D-8D4E-41E9-9A04-8E5E0A0AF90C}" dt="2025-03-06T23:07:48.058" v="1426" actId="26606"/>
           <ac:spMkLst>
             <pc:docMk/>
             <pc:sldMk cId="380495582" sldId="261"/>
             <ac:spMk id="3" creationId="{98E59D74-0136-2289-36AE-A1AD74F75ED3}"/>
           </ac:spMkLst>
         </pc:spChg>
+        <pc:spChg chg="add">
+          <ac:chgData name="Jacob Chlebowski" userId="d6bffc96ba4fbc68" providerId="LiveId" clId="{C956333D-8D4E-41E9-9A04-8E5E0A0AF90C}" dt="2025-03-06T23:07:48.058" v="1426" actId="26606"/>
+          <ac:spMkLst>
+            <pc:docMk/>
+            <pc:sldMk cId="380495582" sldId="261"/>
+            <ac:spMk id="10" creationId="{2B97F24A-32CE-4C1C-A50D-3016B394DCFB}"/>
+          </ac:spMkLst>
+        </pc:spChg>
+        <pc:spChg chg="add">
+          <ac:chgData name="Jacob Chlebowski" userId="d6bffc96ba4fbc68" providerId="LiveId" clId="{C956333D-8D4E-41E9-9A04-8E5E0A0AF90C}" dt="2025-03-06T23:07:48.058" v="1426" actId="26606"/>
+          <ac:spMkLst>
+            <pc:docMk/>
+            <pc:sldMk cId="380495582" sldId="261"/>
+            <ac:spMk id="12" creationId="{CD8B4F24-440B-49E9-B85D-733523DC064B}"/>
+          </ac:spMkLst>
+        </pc:spChg>
+        <pc:picChg chg="add mod">
+          <ac:chgData name="Jacob Chlebowski" userId="d6bffc96ba4fbc68" providerId="LiveId" clId="{C956333D-8D4E-41E9-9A04-8E5E0A0AF90C}" dt="2025-03-06T23:08:04.248" v="1434" actId="14100"/>
+          <ac:picMkLst>
+            <pc:docMk/>
+            <pc:sldMk cId="380495582" sldId="261"/>
+            <ac:picMk id="5" creationId="{914F987A-A871-8280-7813-282D02D71418}"/>
+          </ac:picMkLst>
+        </pc:picChg>
       </pc:sldChg>
       <pc:sldChg chg="modSp new mod ord">
         <pc:chgData name="Jacob Chlebowski" userId="d6bffc96ba4fbc68" providerId="LiveId" clId="{C956333D-8D4E-41E9-9A04-8E5E0A0AF90C}" dt="2025-03-02T18:59:54.641" v="977"/>
@@ -525,31 +627,15 @@
           <pc:docMk/>
           <pc:sldMk cId="162222067" sldId="262"/>
         </pc:sldMkLst>
-        <pc:spChg chg="mod">
-          <ac:chgData name="Jacob Chlebowski" userId="d6bffc96ba4fbc68" providerId="LiveId" clId="{C956333D-8D4E-41E9-9A04-8E5E0A0AF90C}" dt="2025-03-02T17:57:01.983" v="252" actId="20577"/>
-          <ac:spMkLst>
-            <pc:docMk/>
-            <pc:sldMk cId="162222067" sldId="262"/>
-            <ac:spMk id="2" creationId="{D65C9F9D-F9B2-47AC-CB3F-307AE7AC13DB}"/>
-          </ac:spMkLst>
-        </pc:spChg>
-        <pc:spChg chg="mod">
-          <ac:chgData name="Jacob Chlebowski" userId="d6bffc96ba4fbc68" providerId="LiveId" clId="{C956333D-8D4E-41E9-9A04-8E5E0A0AF90C}" dt="2025-03-02T17:57:22.954" v="389" actId="20577"/>
-          <ac:spMkLst>
-            <pc:docMk/>
-            <pc:sldMk cId="162222067" sldId="262"/>
-            <ac:spMk id="3" creationId="{CF77710F-C99A-3A2F-FDDC-8EAFBCA41943}"/>
-          </ac:spMkLst>
-        </pc:spChg>
       </pc:sldChg>
       <pc:sldChg chg="addSp delSp modSp new mod ord">
-        <pc:chgData name="Jacob Chlebowski" userId="d6bffc96ba4fbc68" providerId="LiveId" clId="{C956333D-8D4E-41E9-9A04-8E5E0A0AF90C}" dt="2025-03-02T19:06:49.639" v="1174" actId="20577"/>
+        <pc:chgData name="Jacob Chlebowski" userId="d6bffc96ba4fbc68" providerId="LiveId" clId="{C956333D-8D4E-41E9-9A04-8E5E0A0AF90C}" dt="2025-03-06T23:17:22.677" v="1451" actId="20577"/>
         <pc:sldMkLst>
           <pc:docMk/>
           <pc:sldMk cId="2175494058" sldId="263"/>
         </pc:sldMkLst>
         <pc:spChg chg="mod">
-          <ac:chgData name="Jacob Chlebowski" userId="d6bffc96ba4fbc68" providerId="LiveId" clId="{C956333D-8D4E-41E9-9A04-8E5E0A0AF90C}" dt="2025-03-02T19:06:49.639" v="1174" actId="20577"/>
+          <ac:chgData name="Jacob Chlebowski" userId="d6bffc96ba4fbc68" providerId="LiveId" clId="{C956333D-8D4E-41E9-9A04-8E5E0A0AF90C}" dt="2025-03-06T23:17:22.677" v="1451" actId="20577"/>
           <ac:spMkLst>
             <pc:docMk/>
             <pc:sldMk cId="2175494058" sldId="263"/>
@@ -578,14 +664,37 @@
           <pc:docMk/>
           <pc:sldMk cId="3864048936" sldId="265"/>
         </pc:sldMkLst>
+      </pc:sldChg>
+      <pc:sldChg chg="addSp delSp modSp new mod">
+        <pc:chgData name="Jacob Chlebowski" userId="d6bffc96ba4fbc68" providerId="LiveId" clId="{C956333D-8D4E-41E9-9A04-8E5E0A0AF90C}" dt="2025-03-09T18:30:46.479" v="1682" actId="20577"/>
+        <pc:sldMkLst>
+          <pc:docMk/>
+          <pc:sldMk cId="2289118170" sldId="274"/>
+        </pc:sldMkLst>
         <pc:spChg chg="mod">
-          <ac:chgData name="Jacob Chlebowski" userId="d6bffc96ba4fbc68" providerId="LiveId" clId="{C956333D-8D4E-41E9-9A04-8E5E0A0AF90C}" dt="2025-03-02T19:00:07.365" v="1043" actId="20577"/>
+          <ac:chgData name="Jacob Chlebowski" userId="d6bffc96ba4fbc68" providerId="LiveId" clId="{C956333D-8D4E-41E9-9A04-8E5E0A0AF90C}" dt="2025-03-09T18:30:46.479" v="1682" actId="20577"/>
           <ac:spMkLst>
             <pc:docMk/>
-            <pc:sldMk cId="3864048936" sldId="265"/>
-            <ac:spMk id="2" creationId="{3A596948-4498-E3D4-07EB-471D7FF374DD}"/>
+            <pc:sldMk cId="2289118170" sldId="274"/>
+            <ac:spMk id="2" creationId="{38BC143C-D276-E65D-85B6-467A6C05540D}"/>
           </ac:spMkLst>
         </pc:spChg>
+        <pc:spChg chg="add del mod">
+          <ac:chgData name="Jacob Chlebowski" userId="d6bffc96ba4fbc68" providerId="LiveId" clId="{C956333D-8D4E-41E9-9A04-8E5E0A0AF90C}" dt="2025-03-07T19:41:56.016" v="1627" actId="20577"/>
+          <ac:spMkLst>
+            <pc:docMk/>
+            <pc:sldMk cId="2289118170" sldId="274"/>
+            <ac:spMk id="3" creationId="{BEEE0608-0198-D165-1D60-23C95AADACED}"/>
+          </ac:spMkLst>
+        </pc:spChg>
+        <pc:picChg chg="add mod">
+          <ac:chgData name="Jacob Chlebowski" userId="d6bffc96ba4fbc68" providerId="LiveId" clId="{C956333D-8D4E-41E9-9A04-8E5E0A0AF90C}" dt="2025-03-07T19:38:53.132" v="1472" actId="1076"/>
+          <ac:picMkLst>
+            <pc:docMk/>
+            <pc:sldMk cId="2289118170" sldId="274"/>
+            <ac:picMk id="7" creationId="{ADD73EFC-F279-BEE1-5CB4-DD74278EB6B9}"/>
+          </ac:picMkLst>
+        </pc:picChg>
       </pc:sldChg>
       <pc:sldChg chg="modSp new del mod">
         <pc:chgData name="Jacob Chlebowski" userId="d6bffc96ba4fbc68" providerId="LiveId" clId="{C956333D-8D4E-41E9-9A04-8E5E0A0AF90C}" dt="2025-03-06T21:47:04.119" v="1191" actId="47"/>
@@ -593,18 +702,1145 @@
           <pc:docMk/>
           <pc:sldMk cId="3387718683" sldId="274"/>
         </pc:sldMkLst>
+      </pc:sldChg>
+      <pc:sldChg chg="addSp modSp new mod">
+        <pc:chgData name="Jacob Chlebowski" userId="d6bffc96ba4fbc68" providerId="LiveId" clId="{C956333D-8D4E-41E9-9A04-8E5E0A0AF90C}" dt="2025-03-09T18:55:31.353" v="2073" actId="20577"/>
+        <pc:sldMkLst>
+          <pc:docMk/>
+          <pc:sldMk cId="300458079" sldId="275"/>
+        </pc:sldMkLst>
         <pc:spChg chg="mod">
-          <ac:chgData name="Jacob Chlebowski" userId="d6bffc96ba4fbc68" providerId="LiveId" clId="{C956333D-8D4E-41E9-9A04-8E5E0A0AF90C}" dt="2025-03-06T21:47:02.657" v="1190" actId="20577"/>
+          <ac:chgData name="Jacob Chlebowski" userId="d6bffc96ba4fbc68" providerId="LiveId" clId="{C956333D-8D4E-41E9-9A04-8E5E0A0AF90C}" dt="2025-03-09T18:55:31.353" v="2073" actId="20577"/>
           <ac:spMkLst>
             <pc:docMk/>
-            <pc:sldMk cId="3387718683" sldId="274"/>
-            <ac:spMk id="2" creationId="{2B5A1E33-27FE-829F-CB75-895C361432CD}"/>
+            <pc:sldMk cId="300458079" sldId="275"/>
+            <ac:spMk id="2" creationId="{26B73B04-F5E7-0139-FB67-A7C55CABB107}"/>
           </ac:spMkLst>
         </pc:spChg>
+        <pc:spChg chg="mod">
+          <ac:chgData name="Jacob Chlebowski" userId="d6bffc96ba4fbc68" providerId="LiveId" clId="{C956333D-8D4E-41E9-9A04-8E5E0A0AF90C}" dt="2025-03-09T18:33:18.117" v="1946" actId="20577"/>
+          <ac:spMkLst>
+            <pc:docMk/>
+            <pc:sldMk cId="300458079" sldId="275"/>
+            <ac:spMk id="3" creationId="{93E09060-F771-5F81-53AA-1444DD51D162}"/>
+          </ac:spMkLst>
+        </pc:spChg>
+        <pc:picChg chg="add mod">
+          <ac:chgData name="Jacob Chlebowski" userId="d6bffc96ba4fbc68" providerId="LiveId" clId="{C956333D-8D4E-41E9-9A04-8E5E0A0AF90C}" dt="2025-03-09T18:31:01.368" v="1695" actId="1076"/>
+          <ac:picMkLst>
+            <pc:docMk/>
+            <pc:sldMk cId="300458079" sldId="275"/>
+            <ac:picMk id="5" creationId="{9C04EBDB-11C9-C3D0-C54A-21A96C97CCA6}"/>
+          </ac:picMkLst>
+        </pc:picChg>
+      </pc:sldChg>
+      <pc:sldChg chg="addSp modSp new mod">
+        <pc:chgData name="Jacob Chlebowski" userId="d6bffc96ba4fbc68" providerId="LiveId" clId="{C956333D-8D4E-41E9-9A04-8E5E0A0AF90C}" dt="2025-03-09T18:55:40.025" v="2075"/>
+        <pc:sldMkLst>
+          <pc:docMk/>
+          <pc:sldMk cId="673710426" sldId="276"/>
+        </pc:sldMkLst>
+        <pc:spChg chg="mod">
+          <ac:chgData name="Jacob Chlebowski" userId="d6bffc96ba4fbc68" providerId="LiveId" clId="{C956333D-8D4E-41E9-9A04-8E5E0A0AF90C}" dt="2025-03-09T18:55:40.025" v="2075"/>
+          <ac:spMkLst>
+            <pc:docMk/>
+            <pc:sldMk cId="673710426" sldId="276"/>
+            <ac:spMk id="2" creationId="{20C60E75-8AD5-E715-35CA-F58D609235BB}"/>
+          </ac:spMkLst>
+        </pc:spChg>
+        <pc:spChg chg="mod">
+          <ac:chgData name="Jacob Chlebowski" userId="d6bffc96ba4fbc68" providerId="LiveId" clId="{C956333D-8D4E-41E9-9A04-8E5E0A0AF90C}" dt="2025-03-09T18:54:00.417" v="2016" actId="14100"/>
+          <ac:spMkLst>
+            <pc:docMk/>
+            <pc:sldMk cId="673710426" sldId="276"/>
+            <ac:spMk id="3" creationId="{82001FB9-2536-CD78-8A98-E4C490138D1C}"/>
+          </ac:spMkLst>
+        </pc:spChg>
+        <pc:picChg chg="add mod">
+          <ac:chgData name="Jacob Chlebowski" userId="d6bffc96ba4fbc68" providerId="LiveId" clId="{C956333D-8D4E-41E9-9A04-8E5E0A0AF90C}" dt="2025-03-09T18:55:13.053" v="2021" actId="1076"/>
+          <ac:picMkLst>
+            <pc:docMk/>
+            <pc:sldMk cId="673710426" sldId="276"/>
+            <ac:picMk id="5" creationId="{F74561F9-B85B-B9BC-52FB-4EEBA66D14A7}"/>
+          </ac:picMkLst>
+        </pc:picChg>
+      </pc:sldChg>
+    </pc:docChg>
+  </pc:docChgLst>
+  <pc:docChgLst>
+    <pc:chgData name="Guest User" providerId="Windows Live" clId="Web-{6FD05CE9-3092-435F-ACE6-7F83C4A9AFD8}"/>
+    <pc:docChg chg="modSld">
+      <pc:chgData name="Guest User" userId="" providerId="Windows Live" clId="Web-{6FD05CE9-3092-435F-ACE6-7F83C4A9AFD8}" dt="2025-03-17T17:36:24.473" v="144"/>
+      <pc:docMkLst>
+        <pc:docMk/>
+      </pc:docMkLst>
+      <pc:sldChg chg="modNotes">
+        <pc:chgData name="Guest User" userId="" providerId="Windows Live" clId="Web-{6FD05CE9-3092-435F-ACE6-7F83C4A9AFD8}" dt="2025-03-17T16:55:51.925" v="49"/>
+        <pc:sldMkLst>
+          <pc:docMk/>
+          <pc:sldMk cId="172783545" sldId="269"/>
+        </pc:sldMkLst>
+      </pc:sldChg>
+      <pc:sldChg chg="modNotes">
+        <pc:chgData name="Guest User" userId="" providerId="Windows Live" clId="Web-{6FD05CE9-3092-435F-ACE6-7F83C4A9AFD8}" dt="2025-03-17T17:36:24.473" v="144"/>
+        <pc:sldMkLst>
+          <pc:docMk/>
+          <pc:sldMk cId="4268275556" sldId="270"/>
+        </pc:sldMkLst>
+      </pc:sldChg>
+    </pc:docChg>
+  </pc:docChgLst>
+  <pc:docChgLst>
+    <pc:chgData name="Jacob Chlebowski" userId="d6bffc96ba4fbc68" providerId="Windows Live" clId="Web-{5FC095F9-B367-2918-F49D-309F5ADF1310}"/>
+    <pc:docChg chg="addSld modSld">
+      <pc:chgData name="Jacob Chlebowski" userId="d6bffc96ba4fbc68" providerId="Windows Live" clId="Web-{5FC095F9-B367-2918-F49D-309F5ADF1310}" dt="2025-03-10T19:38:18.806" v="5"/>
+      <pc:docMkLst>
+        <pc:docMk/>
+      </pc:docMkLst>
+      <pc:sldChg chg="addSp delSp modSp new mod setBg">
+        <pc:chgData name="Jacob Chlebowski" userId="d6bffc96ba4fbc68" providerId="Windows Live" clId="Web-{5FC095F9-B367-2918-F49D-309F5ADF1310}" dt="2025-03-10T19:38:18.806" v="5"/>
+        <pc:sldMkLst>
+          <pc:docMk/>
+          <pc:sldMk cId="2279852048" sldId="277"/>
+        </pc:sldMkLst>
+        <pc:spChg chg="mod">
+          <ac:chgData name="Jacob Chlebowski" userId="d6bffc96ba4fbc68" providerId="Windows Live" clId="Web-{5FC095F9-B367-2918-F49D-309F5ADF1310}" dt="2025-03-10T19:38:18.806" v="5"/>
+          <ac:spMkLst>
+            <pc:docMk/>
+            <pc:sldMk cId="2279852048" sldId="277"/>
+            <ac:spMk id="2" creationId="{30FD2BEB-5B53-5F35-C8A8-D6046485CE36}"/>
+          </ac:spMkLst>
+        </pc:spChg>
+        <pc:spChg chg="del mod">
+          <ac:chgData name="Jacob Chlebowski" userId="d6bffc96ba4fbc68" providerId="Windows Live" clId="Web-{5FC095F9-B367-2918-F49D-309F5ADF1310}" dt="2025-03-10T19:38:18.806" v="5"/>
+          <ac:spMkLst>
+            <pc:docMk/>
+            <pc:sldMk cId="2279852048" sldId="277"/>
+            <ac:spMk id="3" creationId="{7439721B-4640-D712-10E6-F0A02EE8D558}"/>
+          </ac:spMkLst>
+        </pc:spChg>
+        <pc:spChg chg="add">
+          <ac:chgData name="Jacob Chlebowski" userId="d6bffc96ba4fbc68" providerId="Windows Live" clId="Web-{5FC095F9-B367-2918-F49D-309F5ADF1310}" dt="2025-03-10T19:38:18.806" v="5"/>
+          <ac:spMkLst>
+            <pc:docMk/>
+            <pc:sldMk cId="2279852048" sldId="277"/>
+            <ac:spMk id="10" creationId="{A3363022-C969-41E9-8EB2-E4C94908C1FA}"/>
+          </ac:spMkLst>
+        </pc:spChg>
+        <pc:spChg chg="add">
+          <ac:chgData name="Jacob Chlebowski" userId="d6bffc96ba4fbc68" providerId="Windows Live" clId="Web-{5FC095F9-B367-2918-F49D-309F5ADF1310}" dt="2025-03-10T19:38:18.806" v="5"/>
+          <ac:spMkLst>
+            <pc:docMk/>
+            <pc:sldMk cId="2279852048" sldId="277"/>
+            <ac:spMk id="12" creationId="{8D1AD6B3-BE88-4CEB-BA17-790657CC4729}"/>
+          </ac:spMkLst>
+        </pc:spChg>
+        <pc:grpChg chg="add">
+          <ac:chgData name="Jacob Chlebowski" userId="d6bffc96ba4fbc68" providerId="Windows Live" clId="Web-{5FC095F9-B367-2918-F49D-309F5ADF1310}" dt="2025-03-10T19:38:18.806" v="5"/>
+          <ac:grpSpMkLst>
+            <pc:docMk/>
+            <pc:sldMk cId="2279852048" sldId="277"/>
+            <ac:grpSpMk id="14" creationId="{89D1390B-7E13-4B4F-9CB2-391063412E54}"/>
+          </ac:grpSpMkLst>
+        </pc:grpChg>
+        <pc:picChg chg="add">
+          <ac:chgData name="Jacob Chlebowski" userId="d6bffc96ba4fbc68" providerId="Windows Live" clId="Web-{5FC095F9-B367-2918-F49D-309F5ADF1310}" dt="2025-03-10T19:38:18.806" v="5"/>
+          <ac:picMkLst>
+            <pc:docMk/>
+            <pc:sldMk cId="2279852048" sldId="277"/>
+            <ac:picMk id="7" creationId="{C3D1CE50-DD5C-9777-B017-9B9F9C07FAC8}"/>
+          </ac:picMkLst>
+        </pc:picChg>
       </pc:sldChg>
     </pc:docChg>
   </pc:docChgLst>
 </pc:chgInfo>
+</file>
+
+<file path=ppt/notesMasters/notesMaster1.xml><?xml version="1.0" encoding="utf-8"?>
+<p:notesMaster xmlns:a="http://schemas.openxmlformats.org/drawingml/2006/main" xmlns:r="http://schemas.openxmlformats.org/officeDocument/2006/relationships" xmlns:p="http://schemas.openxmlformats.org/presentationml/2006/main">
+  <p:cSld>
+    <p:bg>
+      <p:bgRef idx="1001">
+        <a:schemeClr val="bg1"/>
+      </p:bgRef>
+    </p:bg>
+    <p:spTree>
+      <p:nvGrpSpPr>
+        <p:cNvPr id="1" name=""/>
+        <p:cNvGrpSpPr/>
+        <p:nvPr/>
+      </p:nvGrpSpPr>
+      <p:grpSpPr>
+        <a:xfrm>
+          <a:off x="0" y="0"/>
+          <a:ext cx="0" cy="0"/>
+          <a:chOff x="0" y="0"/>
+          <a:chExt cx="0" cy="0"/>
+        </a:xfrm>
+      </p:grpSpPr>
+      <p:sp>
+        <p:nvSpPr>
+          <p:cNvPr id="2" name="Header Placeholder 1"/>
+          <p:cNvSpPr>
+            <a:spLocks noGrp="1"/>
+          </p:cNvSpPr>
+          <p:nvPr>
+            <p:ph type="hdr" sz="quarter"/>
+          </p:nvPr>
+        </p:nvSpPr>
+        <p:spPr>
+          <a:xfrm>
+            <a:off x="0" y="0"/>
+            <a:ext cx="2971800" cy="458788"/>
+          </a:xfrm>
+          <a:prstGeom prst="rect">
+            <a:avLst/>
+          </a:prstGeom>
+        </p:spPr>
+        <p:txBody>
+          <a:bodyPr vert="horz" lIns="91440" tIns="45720" rIns="91440" bIns="45720" rtlCol="0"/>
+          <a:lstStyle>
+            <a:lvl1pPr algn="l">
+              <a:defRPr sz="1200"/>
+            </a:lvl1pPr>
+          </a:lstStyle>
+          <a:p>
+            <a:endParaRPr lang="en-US"/>
+          </a:p>
+        </p:txBody>
+      </p:sp>
+      <p:sp>
+        <p:nvSpPr>
+          <p:cNvPr id="3" name="Date Placeholder 2"/>
+          <p:cNvSpPr>
+            <a:spLocks noGrp="1"/>
+          </p:cNvSpPr>
+          <p:nvPr>
+            <p:ph type="dt" idx="1"/>
+          </p:nvPr>
+        </p:nvSpPr>
+        <p:spPr>
+          <a:xfrm>
+            <a:off x="3884613" y="0"/>
+            <a:ext cx="2971800" cy="458788"/>
+          </a:xfrm>
+          <a:prstGeom prst="rect">
+            <a:avLst/>
+          </a:prstGeom>
+        </p:spPr>
+        <p:txBody>
+          <a:bodyPr vert="horz" lIns="91440" tIns="45720" rIns="91440" bIns="45720" rtlCol="0"/>
+          <a:lstStyle>
+            <a:lvl1pPr algn="r">
+              <a:defRPr sz="1200"/>
+            </a:lvl1pPr>
+          </a:lstStyle>
+          <a:p>
+            <a:fld id="{849489AC-F3DC-4481-A02A-F9A9472A992E}" type="datetimeFigureOut">
+              <a:t>3/17/2025</a:t>
+            </a:fld>
+            <a:endParaRPr lang="en-US"/>
+          </a:p>
+        </p:txBody>
+      </p:sp>
+      <p:sp>
+        <p:nvSpPr>
+          <p:cNvPr id="4" name="Slide Image Placeholder 3"/>
+          <p:cNvSpPr>
+            <a:spLocks noGrp="1" noRot="1" noChangeAspect="1"/>
+          </p:cNvSpPr>
+          <p:nvPr>
+            <p:ph type="sldImg" idx="2"/>
+          </p:nvPr>
+        </p:nvSpPr>
+        <p:spPr>
+          <a:xfrm>
+            <a:off x="685800" y="1143000"/>
+            <a:ext cx="5486400" cy="3086100"/>
+          </a:xfrm>
+          <a:prstGeom prst="rect">
+            <a:avLst/>
+          </a:prstGeom>
+          <a:noFill/>
+          <a:ln w="12700">
+            <a:solidFill>
+              <a:prstClr val="black"/>
+            </a:solidFill>
+          </a:ln>
+        </p:spPr>
+        <p:txBody>
+          <a:bodyPr vert="horz" lIns="91440" tIns="45720" rIns="91440" bIns="45720" rtlCol="0" anchor="ctr"/>
+          <a:lstStyle/>
+          <a:p>
+            <a:endParaRPr lang="en-US"/>
+          </a:p>
+        </p:txBody>
+      </p:sp>
+      <p:sp>
+        <p:nvSpPr>
+          <p:cNvPr id="5" name="Notes Placeholder 4"/>
+          <p:cNvSpPr>
+            <a:spLocks noGrp="1"/>
+          </p:cNvSpPr>
+          <p:nvPr>
+            <p:ph type="body" sz="quarter" idx="3"/>
+          </p:nvPr>
+        </p:nvSpPr>
+        <p:spPr>
+          <a:xfrm>
+            <a:off x="685800" y="4400550"/>
+            <a:ext cx="5486400" cy="3600450"/>
+          </a:xfrm>
+          <a:prstGeom prst="rect">
+            <a:avLst/>
+          </a:prstGeom>
+        </p:spPr>
+        <p:txBody>
+          <a:bodyPr vert="horz" lIns="91440" tIns="45720" rIns="91440" bIns="45720" rtlCol="0"/>
+          <a:lstStyle/>
+          <a:p>
+            <a:pPr lvl="0"/>
+            <a:r>
+              <a:rPr lang="en-US"/>
+              <a:t>Click to edit Master text styles</a:t>
+            </a:r>
+          </a:p>
+          <a:p>
+            <a:pPr lvl="1"/>
+            <a:r>
+              <a:rPr lang="en-US"/>
+              <a:t>Second level</a:t>
+            </a:r>
+          </a:p>
+          <a:p>
+            <a:pPr lvl="2"/>
+            <a:r>
+              <a:rPr lang="en-US"/>
+              <a:t>Third level</a:t>
+            </a:r>
+          </a:p>
+          <a:p>
+            <a:pPr lvl="3"/>
+            <a:r>
+              <a:rPr lang="en-US"/>
+              <a:t>Fourth level</a:t>
+            </a:r>
+          </a:p>
+          <a:p>
+            <a:pPr lvl="4"/>
+            <a:r>
+              <a:rPr lang="en-US"/>
+              <a:t>Fifth level</a:t>
+            </a:r>
+          </a:p>
+        </p:txBody>
+      </p:sp>
+      <p:sp>
+        <p:nvSpPr>
+          <p:cNvPr id="6" name="Footer Placeholder 5"/>
+          <p:cNvSpPr>
+            <a:spLocks noGrp="1"/>
+          </p:cNvSpPr>
+          <p:nvPr>
+            <p:ph type="ftr" sz="quarter" idx="4"/>
+          </p:nvPr>
+        </p:nvSpPr>
+        <p:spPr>
+          <a:xfrm>
+            <a:off x="0" y="8685213"/>
+            <a:ext cx="2971800" cy="458787"/>
+          </a:xfrm>
+          <a:prstGeom prst="rect">
+            <a:avLst/>
+          </a:prstGeom>
+        </p:spPr>
+        <p:txBody>
+          <a:bodyPr vert="horz" lIns="91440" tIns="45720" rIns="91440" bIns="45720" rtlCol="0" anchor="b"/>
+          <a:lstStyle>
+            <a:lvl1pPr algn="l">
+              <a:defRPr sz="1200"/>
+            </a:lvl1pPr>
+          </a:lstStyle>
+          <a:p>
+            <a:endParaRPr lang="en-US"/>
+          </a:p>
+        </p:txBody>
+      </p:sp>
+      <p:sp>
+        <p:nvSpPr>
+          <p:cNvPr id="7" name="Slide Number Placeholder 6"/>
+          <p:cNvSpPr>
+            <a:spLocks noGrp="1"/>
+          </p:cNvSpPr>
+          <p:nvPr>
+            <p:ph type="sldNum" sz="quarter" idx="5"/>
+          </p:nvPr>
+        </p:nvSpPr>
+        <p:spPr>
+          <a:xfrm>
+            <a:off x="3884613" y="8685213"/>
+            <a:ext cx="2971800" cy="458787"/>
+          </a:xfrm>
+          <a:prstGeom prst="rect">
+            <a:avLst/>
+          </a:prstGeom>
+        </p:spPr>
+        <p:txBody>
+          <a:bodyPr vert="horz" lIns="91440" tIns="45720" rIns="91440" bIns="45720" rtlCol="0" anchor="b"/>
+          <a:lstStyle>
+            <a:lvl1pPr algn="r">
+              <a:defRPr sz="1200"/>
+            </a:lvl1pPr>
+          </a:lstStyle>
+          <a:p>
+            <a:fld id="{A3AD175B-9D4F-477E-BA2F-537557C3DD77}" type="slidenum">
+              <a:t>‹#›</a:t>
+            </a:fld>
+            <a:endParaRPr lang="en-US"/>
+          </a:p>
+        </p:txBody>
+      </p:sp>
+    </p:spTree>
+    <p:extLst>
+      <p:ext uri="{BB962C8B-B14F-4D97-AF65-F5344CB8AC3E}">
+        <p14:creationId xmlns:p14="http://schemas.microsoft.com/office/powerpoint/2010/main" val="1066619676"/>
+      </p:ext>
+    </p:extLst>
+  </p:cSld>
+  <p:clrMap bg1="lt1" tx1="dk1" bg2="lt2" tx2="dk2" accent1="accent1" accent2="accent2" accent3="accent3" accent4="accent4" accent5="accent5" accent6="accent6" hlink="hlink" folHlink="folHlink"/>
+  <p:notesStyle>
+    <a:lvl1pPr marL="0" algn="l" defTabSz="914400" rtl="0" eaLnBrk="1" latinLnBrk="0" hangingPunct="1">
+      <a:defRPr sz="1200" kern="1200">
+        <a:solidFill>
+          <a:schemeClr val="tx1"/>
+        </a:solidFill>
+        <a:latin typeface="+mn-lt"/>
+        <a:ea typeface="+mn-ea"/>
+        <a:cs typeface="+mn-cs"/>
+      </a:defRPr>
+    </a:lvl1pPr>
+    <a:lvl2pPr marL="457200" algn="l" defTabSz="914400" rtl="0" eaLnBrk="1" latinLnBrk="0" hangingPunct="1">
+      <a:defRPr sz="1200" kern="1200">
+        <a:solidFill>
+          <a:schemeClr val="tx1"/>
+        </a:solidFill>
+        <a:latin typeface="+mn-lt"/>
+        <a:ea typeface="+mn-ea"/>
+        <a:cs typeface="+mn-cs"/>
+      </a:defRPr>
+    </a:lvl2pPr>
+    <a:lvl3pPr marL="914400" algn="l" defTabSz="914400" rtl="0" eaLnBrk="1" latinLnBrk="0" hangingPunct="1">
+      <a:defRPr sz="1200" kern="1200">
+        <a:solidFill>
+          <a:schemeClr val="tx1"/>
+        </a:solidFill>
+        <a:latin typeface="+mn-lt"/>
+        <a:ea typeface="+mn-ea"/>
+        <a:cs typeface="+mn-cs"/>
+      </a:defRPr>
+    </a:lvl3pPr>
+    <a:lvl4pPr marL="1371600" algn="l" defTabSz="914400" rtl="0" eaLnBrk="1" latinLnBrk="0" hangingPunct="1">
+      <a:defRPr sz="1200" kern="1200">
+        <a:solidFill>
+          <a:schemeClr val="tx1"/>
+        </a:solidFill>
+        <a:latin typeface="+mn-lt"/>
+        <a:ea typeface="+mn-ea"/>
+        <a:cs typeface="+mn-cs"/>
+      </a:defRPr>
+    </a:lvl4pPr>
+    <a:lvl5pPr marL="1828800" algn="l" defTabSz="914400" rtl="0" eaLnBrk="1" latinLnBrk="0" hangingPunct="1">
+      <a:defRPr sz="1200" kern="1200">
+        <a:solidFill>
+          <a:schemeClr val="tx1"/>
+        </a:solidFill>
+        <a:latin typeface="+mn-lt"/>
+        <a:ea typeface="+mn-ea"/>
+        <a:cs typeface="+mn-cs"/>
+      </a:defRPr>
+    </a:lvl5pPr>
+    <a:lvl6pPr marL="2286000" algn="l" defTabSz="914400" rtl="0" eaLnBrk="1" latinLnBrk="0" hangingPunct="1">
+      <a:defRPr sz="1200" kern="1200">
+        <a:solidFill>
+          <a:schemeClr val="tx1"/>
+        </a:solidFill>
+        <a:latin typeface="+mn-lt"/>
+        <a:ea typeface="+mn-ea"/>
+        <a:cs typeface="+mn-cs"/>
+      </a:defRPr>
+    </a:lvl6pPr>
+    <a:lvl7pPr marL="2743200" algn="l" defTabSz="914400" rtl="0" eaLnBrk="1" latinLnBrk="0" hangingPunct="1">
+      <a:defRPr sz="1200" kern="1200">
+        <a:solidFill>
+          <a:schemeClr val="tx1"/>
+        </a:solidFill>
+        <a:latin typeface="+mn-lt"/>
+        <a:ea typeface="+mn-ea"/>
+        <a:cs typeface="+mn-cs"/>
+      </a:defRPr>
+    </a:lvl7pPr>
+    <a:lvl8pPr marL="3200400" algn="l" defTabSz="914400" rtl="0" eaLnBrk="1" latinLnBrk="0" hangingPunct="1">
+      <a:defRPr sz="1200" kern="1200">
+        <a:solidFill>
+          <a:schemeClr val="tx1"/>
+        </a:solidFill>
+        <a:latin typeface="+mn-lt"/>
+        <a:ea typeface="+mn-ea"/>
+        <a:cs typeface="+mn-cs"/>
+      </a:defRPr>
+    </a:lvl8pPr>
+    <a:lvl9pPr marL="3657600" algn="l" defTabSz="914400" rtl="0" eaLnBrk="1" latinLnBrk="0" hangingPunct="1">
+      <a:defRPr sz="1200" kern="1200">
+        <a:solidFill>
+          <a:schemeClr val="tx1"/>
+        </a:solidFill>
+        <a:latin typeface="+mn-lt"/>
+        <a:ea typeface="+mn-ea"/>
+        <a:cs typeface="+mn-cs"/>
+      </a:defRPr>
+    </a:lvl9pPr>
+  </p:notesStyle>
+</p:notesMaster>
+</file>
+
+<file path=ppt/notesSlides/notesSlide1.xml><?xml version="1.0" encoding="utf-8"?>
+<p:notes xmlns:a="http://schemas.openxmlformats.org/drawingml/2006/main" xmlns:r="http://schemas.openxmlformats.org/officeDocument/2006/relationships" xmlns:p="http://schemas.openxmlformats.org/presentationml/2006/main">
+  <p:cSld>
+    <p:spTree>
+      <p:nvGrpSpPr>
+        <p:cNvPr id="1" name=""/>
+        <p:cNvGrpSpPr/>
+        <p:nvPr/>
+      </p:nvGrpSpPr>
+      <p:grpSpPr>
+        <a:xfrm>
+          <a:off x="0" y="0"/>
+          <a:ext cx="0" cy="0"/>
+          <a:chOff x="0" y="0"/>
+          <a:chExt cx="0" cy="0"/>
+        </a:xfrm>
+      </p:grpSpPr>
+      <p:sp>
+        <p:nvSpPr>
+          <p:cNvPr id="2" name="Slide Image Placeholder 1"/>
+          <p:cNvSpPr>
+            <a:spLocks noGrp="1" noRot="1" noChangeAspect="1"/>
+          </p:cNvSpPr>
+          <p:nvPr>
+            <p:ph type="sldImg"/>
+          </p:nvPr>
+        </p:nvSpPr>
+        <p:spPr/>
+      </p:sp>
+      <p:sp>
+        <p:nvSpPr>
+          <p:cNvPr id="3" name="Notes Placeholder 2"/>
+          <p:cNvSpPr>
+            <a:spLocks noGrp="1"/>
+          </p:cNvSpPr>
+          <p:nvPr>
+            <p:ph type="body" idx="1"/>
+          </p:nvPr>
+        </p:nvSpPr>
+        <p:spPr/>
+        <p:txBody>
+          <a:bodyPr/>
+          <a:lstStyle/>
+          <a:p>
+            <a:r>
+              <a:rPr lang="en-US" dirty="0">
+                <a:ea typeface="Calibri"/>
+                <a:cs typeface="Calibri"/>
+              </a:rPr>
+              <a:t>Teaches people about cross-site scripting. Cross-site scripting a web security vulnerability where people can insert malicious scripts into websites. The dangers can range heavily depending on the skills of the attacker and the lack of security on the website. Attackers could cause many things to happen, such as data theft, account hijacking, redirection to malicious websites, or simply popping an alert, as we will do in a minute with this website.</a:t>
+            </a:r>
+          </a:p>
+        </p:txBody>
+      </p:sp>
+      <p:sp>
+        <p:nvSpPr>
+          <p:cNvPr id="4" name="Slide Number Placeholder 3"/>
+          <p:cNvSpPr>
+            <a:spLocks noGrp="1"/>
+          </p:cNvSpPr>
+          <p:nvPr>
+            <p:ph type="sldNum" sz="quarter" idx="5"/>
+          </p:nvPr>
+        </p:nvSpPr>
+        <p:spPr/>
+        <p:txBody>
+          <a:bodyPr/>
+          <a:lstStyle/>
+          <a:p>
+            <a:fld id="{A3AD175B-9D4F-477E-BA2F-537557C3DD77}" type="slidenum">
+              <a:t>10</a:t>
+            </a:fld>
+            <a:endParaRPr lang="en-US"/>
+          </a:p>
+        </p:txBody>
+      </p:sp>
+    </p:spTree>
+    <p:extLst>
+      <p:ext uri="{BB962C8B-B14F-4D97-AF65-F5344CB8AC3E}">
+        <p14:creationId xmlns:p14="http://schemas.microsoft.com/office/powerpoint/2010/main" val="2714990103"/>
+      </p:ext>
+    </p:extLst>
+  </p:cSld>
+  <p:clrMapOvr>
+    <a:masterClrMapping/>
+  </p:clrMapOvr>
+</p:notes>
+</file>
+
+<file path=ppt/notesSlides/notesSlide2.xml><?xml version="1.0" encoding="utf-8"?>
+<p:notes xmlns:a="http://schemas.openxmlformats.org/drawingml/2006/main" xmlns:r="http://schemas.openxmlformats.org/officeDocument/2006/relationships" xmlns:p="http://schemas.openxmlformats.org/presentationml/2006/main">
+  <p:cSld>
+    <p:spTree>
+      <p:nvGrpSpPr>
+        <p:cNvPr id="1" name=""/>
+        <p:cNvGrpSpPr/>
+        <p:nvPr/>
+      </p:nvGrpSpPr>
+      <p:grpSpPr>
+        <a:xfrm>
+          <a:off x="0" y="0"/>
+          <a:ext cx="0" cy="0"/>
+          <a:chOff x="0" y="0"/>
+          <a:chExt cx="0" cy="0"/>
+        </a:xfrm>
+      </p:grpSpPr>
+      <p:sp>
+        <p:nvSpPr>
+          <p:cNvPr id="2" name="Slide Image Placeholder 1"/>
+          <p:cNvSpPr>
+            <a:spLocks noGrp="1" noRot="1" noChangeAspect="1"/>
+          </p:cNvSpPr>
+          <p:nvPr>
+            <p:ph type="sldImg"/>
+          </p:nvPr>
+        </p:nvSpPr>
+        <p:spPr/>
+      </p:sp>
+      <p:sp>
+        <p:nvSpPr>
+          <p:cNvPr id="3" name="Notes Placeholder 2"/>
+          <p:cNvSpPr>
+            <a:spLocks noGrp="1"/>
+          </p:cNvSpPr>
+          <p:nvPr>
+            <p:ph type="body" idx="1"/>
+          </p:nvPr>
+        </p:nvSpPr>
+        <p:spPr/>
+        <p:txBody>
+          <a:bodyPr/>
+          <a:lstStyle/>
+          <a:p>
+            <a:r>
+              <a:rPr lang="en-US" dirty="0">
+                <a:ea typeface="Calibri"/>
+                <a:cs typeface="Calibri"/>
+              </a:rPr>
+              <a:t>Our objective through all of these challenges will be to pop an alert at the top of the screen. </a:t>
+            </a:r>
+          </a:p>
+          <a:p>
+            <a:endParaRPr lang="en-US" dirty="0">
+              <a:ea typeface="Calibri"/>
+              <a:cs typeface="Calibri"/>
+            </a:endParaRPr>
+          </a:p>
+          <a:p>
+            <a:r>
+              <a:rPr lang="en-US" dirty="0">
+                <a:ea typeface="Calibri"/>
+                <a:cs typeface="Calibri"/>
+              </a:rPr>
+              <a:t>Hint 1: Open developer tools with f12, or right clicking then pressing inspect.</a:t>
+            </a:r>
+          </a:p>
+          <a:p>
+            <a:r>
+              <a:rPr lang="en-US" dirty="0">
+                <a:ea typeface="Calibri"/>
+                <a:cs typeface="Calibri"/>
+              </a:rPr>
+              <a:t>Hint 2: Headers, such as &lt;h1&gt;Hello&lt;/h1&gt;, &lt;p&gt;, etc.</a:t>
+            </a:r>
+          </a:p>
+          <a:p>
+            <a:r>
+              <a:rPr lang="en-US" dirty="0">
+                <a:ea typeface="Calibri"/>
+                <a:cs typeface="Calibri"/>
+              </a:rPr>
+              <a:t>Hint 3: &lt;script&gt;&lt;/script&gt; allows you to execute </a:t>
+            </a:r>
+            <a:r>
+              <a:rPr lang="en-US" dirty="0" err="1">
+                <a:ea typeface="Calibri"/>
+                <a:cs typeface="Calibri"/>
+              </a:rPr>
+              <a:t>javascript</a:t>
+            </a:r>
+            <a:r>
+              <a:rPr lang="en-US" dirty="0">
+                <a:ea typeface="Calibri"/>
+                <a:cs typeface="Calibri"/>
+              </a:rPr>
+              <a:t> code in a webpage</a:t>
+            </a:r>
+          </a:p>
+          <a:p>
+            <a:endParaRPr lang="en-US" dirty="0">
+              <a:ea typeface="Calibri"/>
+              <a:cs typeface="Calibri"/>
+            </a:endParaRPr>
+          </a:p>
+          <a:p>
+            <a:r>
+              <a:rPr lang="en-US" dirty="0">
+                <a:ea typeface="Calibri"/>
+                <a:cs typeface="Calibri"/>
+              </a:rPr>
+              <a:t>Solution: &lt;script&gt;alert("We made an alert")&lt;/script&gt;</a:t>
+            </a:r>
+          </a:p>
+        </p:txBody>
+      </p:sp>
+      <p:sp>
+        <p:nvSpPr>
+          <p:cNvPr id="4" name="Slide Number Placeholder 3"/>
+          <p:cNvSpPr>
+            <a:spLocks noGrp="1"/>
+          </p:cNvSpPr>
+          <p:nvPr>
+            <p:ph type="sldNum" sz="quarter" idx="5"/>
+          </p:nvPr>
+        </p:nvSpPr>
+        <p:spPr/>
+        <p:txBody>
+          <a:bodyPr/>
+          <a:lstStyle/>
+          <a:p>
+            <a:fld id="{A3AD175B-9D4F-477E-BA2F-537557C3DD77}" type="slidenum">
+              <a:t>11</a:t>
+            </a:fld>
+            <a:endParaRPr lang="en-US"/>
+          </a:p>
+        </p:txBody>
+      </p:sp>
+    </p:spTree>
+    <p:extLst>
+      <p:ext uri="{BB962C8B-B14F-4D97-AF65-F5344CB8AC3E}">
+        <p14:creationId xmlns:p14="http://schemas.microsoft.com/office/powerpoint/2010/main" val="39394559"/>
+      </p:ext>
+    </p:extLst>
+  </p:cSld>
+  <p:clrMapOvr>
+    <a:masterClrMapping/>
+  </p:clrMapOvr>
+</p:notes>
+</file>
+
+<file path=ppt/notesSlides/notesSlide3.xml><?xml version="1.0" encoding="utf-8"?>
+<p:notes xmlns:a="http://schemas.openxmlformats.org/drawingml/2006/main" xmlns:r="http://schemas.openxmlformats.org/officeDocument/2006/relationships" xmlns:p="http://schemas.openxmlformats.org/presentationml/2006/main">
+  <p:cSld>
+    <p:spTree>
+      <p:nvGrpSpPr>
+        <p:cNvPr id="1" name=""/>
+        <p:cNvGrpSpPr/>
+        <p:nvPr/>
+      </p:nvGrpSpPr>
+      <p:grpSpPr>
+        <a:xfrm>
+          <a:off x="0" y="0"/>
+          <a:ext cx="0" cy="0"/>
+          <a:chOff x="0" y="0"/>
+          <a:chExt cx="0" cy="0"/>
+        </a:xfrm>
+      </p:grpSpPr>
+      <p:sp>
+        <p:nvSpPr>
+          <p:cNvPr id="2" name="Slide Image Placeholder 1"/>
+          <p:cNvSpPr>
+            <a:spLocks noGrp="1" noRot="1" noChangeAspect="1"/>
+          </p:cNvSpPr>
+          <p:nvPr>
+            <p:ph type="sldImg"/>
+          </p:nvPr>
+        </p:nvSpPr>
+        <p:spPr/>
+      </p:sp>
+      <p:sp>
+        <p:nvSpPr>
+          <p:cNvPr id="3" name="Notes Placeholder 2"/>
+          <p:cNvSpPr>
+            <a:spLocks noGrp="1"/>
+          </p:cNvSpPr>
+          <p:nvPr>
+            <p:ph type="body" idx="1"/>
+          </p:nvPr>
+        </p:nvSpPr>
+        <p:spPr/>
+        <p:txBody>
+          <a:bodyPr/>
+          <a:lstStyle/>
+          <a:p>
+            <a:r>
+              <a:rPr lang="en-US" dirty="0">
+                <a:ea typeface="Calibri"/>
+                <a:cs typeface="Calibri"/>
+              </a:rPr>
+              <a:t>Level 2 will be a bit tougher. Our solution from last problem isn't going to work on this one. (read prompt) </a:t>
+            </a:r>
+            <a:br>
+              <a:rPr lang="en-US" dirty="0">
+                <a:ea typeface="Calibri"/>
+                <a:cs typeface="Calibri"/>
+              </a:rPr>
+            </a:br>
+            <a:br>
+              <a:rPr lang="en-US" dirty="0">
+                <a:ea typeface="Calibri"/>
+                <a:cs typeface="Calibri"/>
+              </a:rPr>
+            </a:br>
+            <a:r>
+              <a:rPr lang="en-US" dirty="0">
+                <a:ea typeface="Calibri"/>
+                <a:cs typeface="Calibri"/>
+              </a:rPr>
+              <a:t>Execution sinks </a:t>
+            </a:r>
+            <a:br>
+              <a:rPr lang="en-US" dirty="0">
+                <a:ea typeface="Calibri"/>
+                <a:cs typeface="+mn-lt"/>
+              </a:rPr>
+            </a:br>
+            <a:br>
+              <a:rPr lang="en-US" dirty="0">
+                <a:ea typeface="Calibri"/>
+                <a:cs typeface="+mn-lt"/>
+              </a:rPr>
+            </a:br>
+            <a:r>
+              <a:rPr lang="en-US" dirty="0">
+                <a:ea typeface="Calibri"/>
+                <a:cs typeface="Calibri"/>
+              </a:rPr>
+              <a:t>Hint 1: You can see that the welcome message has HTML so simply typing &lt;script&gt; won't escape your posted status</a:t>
+            </a:r>
+          </a:p>
+          <a:p>
+            <a:r>
+              <a:rPr lang="en-US" dirty="0">
+                <a:ea typeface="Calibri"/>
+                <a:cs typeface="Calibri"/>
+              </a:rPr>
+              <a:t>Hint 2: Try a different </a:t>
+            </a:r>
+            <a:r>
+              <a:rPr lang="en-US" dirty="0" err="1">
+                <a:ea typeface="Calibri"/>
+                <a:cs typeface="Calibri"/>
+              </a:rPr>
+              <a:t>javascript</a:t>
+            </a:r>
+            <a:r>
+              <a:rPr lang="en-US" dirty="0">
+                <a:ea typeface="Calibri"/>
+                <a:cs typeface="Calibri"/>
+              </a:rPr>
+              <a:t> attribute, but which one?</a:t>
+            </a:r>
+          </a:p>
+          <a:p>
+            <a:r>
+              <a:rPr lang="en-US" dirty="0">
+                <a:ea typeface="Calibri"/>
+                <a:cs typeface="Calibri"/>
+              </a:rPr>
+              <a:t>Hint 3: &lt;</a:t>
+            </a:r>
+            <a:r>
+              <a:rPr lang="en-US" dirty="0" err="1">
+                <a:ea typeface="Calibri"/>
+                <a:cs typeface="Calibri"/>
+              </a:rPr>
+              <a:t>img</a:t>
+            </a:r>
+            <a:r>
+              <a:rPr lang="en-US" dirty="0">
+                <a:ea typeface="Calibri"/>
+                <a:cs typeface="Calibri"/>
+              </a:rPr>
+              <a:t> </a:t>
+            </a:r>
+            <a:r>
+              <a:rPr lang="en-US" dirty="0" err="1">
+                <a:ea typeface="Calibri"/>
+                <a:cs typeface="Calibri"/>
+              </a:rPr>
+              <a:t>src</a:t>
+            </a:r>
+            <a:r>
+              <a:rPr lang="en-US" dirty="0">
+                <a:ea typeface="Calibri"/>
+                <a:cs typeface="Calibri"/>
+              </a:rPr>
+              <a:t>="", </a:t>
+            </a:r>
+            <a:r>
+              <a:rPr lang="en-US" dirty="0" err="1">
+                <a:ea typeface="Calibri"/>
+                <a:cs typeface="Calibri"/>
+              </a:rPr>
+              <a:t>onerror</a:t>
+            </a:r>
+            <a:r>
+              <a:rPr lang="en-US" dirty="0">
+                <a:ea typeface="Calibri"/>
+                <a:cs typeface="Calibri"/>
+              </a:rPr>
+              <a:t>=""&gt;</a:t>
+            </a:r>
+          </a:p>
+          <a:p>
+            <a:endParaRPr lang="en-US" dirty="0">
+              <a:ea typeface="Calibri"/>
+              <a:cs typeface="Calibri"/>
+            </a:endParaRPr>
+          </a:p>
+          <a:p>
+            <a:r>
+              <a:rPr lang="en-US" dirty="0">
+                <a:ea typeface="Calibri"/>
+                <a:cs typeface="Calibri"/>
+              </a:rPr>
+              <a:t>Solution: </a:t>
+            </a:r>
+            <a:r>
+              <a:rPr lang="en-US" dirty="0"/>
+              <a:t>&lt;</a:t>
+            </a:r>
+            <a:r>
+              <a:rPr lang="en-US" dirty="0" err="1"/>
+              <a:t>img</a:t>
+            </a:r>
+            <a:r>
+              <a:rPr lang="en-US" dirty="0"/>
+              <a:t> </a:t>
+            </a:r>
+            <a:r>
+              <a:rPr lang="en-US" dirty="0" err="1"/>
+              <a:t>src</a:t>
+            </a:r>
+            <a:r>
+              <a:rPr lang="en-US" dirty="0"/>
+              <a:t>="image.gif" </a:t>
+            </a:r>
+            <a:r>
+              <a:rPr lang="en-US" dirty="0" err="1"/>
+              <a:t>onerror</a:t>
+            </a:r>
+            <a:r>
+              <a:rPr lang="en-US" dirty="0"/>
+              <a:t>="alert()"&gt;</a:t>
+            </a:r>
+            <a:endParaRPr lang="en-US" dirty="0">
+              <a:ea typeface="Calibri"/>
+              <a:cs typeface="Calibri"/>
+            </a:endParaRPr>
+          </a:p>
+          <a:p>
+            <a:endParaRPr lang="en-US" dirty="0">
+              <a:ea typeface="Calibri"/>
+              <a:cs typeface="Calibri"/>
+            </a:endParaRPr>
+          </a:p>
+        </p:txBody>
+      </p:sp>
+      <p:sp>
+        <p:nvSpPr>
+          <p:cNvPr id="4" name="Slide Number Placeholder 3"/>
+          <p:cNvSpPr>
+            <a:spLocks noGrp="1"/>
+          </p:cNvSpPr>
+          <p:nvPr>
+            <p:ph type="sldNum" sz="quarter" idx="5"/>
+          </p:nvPr>
+        </p:nvSpPr>
+        <p:spPr/>
+        <p:txBody>
+          <a:bodyPr/>
+          <a:lstStyle/>
+          <a:p>
+            <a:fld id="{A3AD175B-9D4F-477E-BA2F-537557C3DD77}" type="slidenum">
+              <a:t>12</a:t>
+            </a:fld>
+            <a:endParaRPr lang="en-US"/>
+          </a:p>
+        </p:txBody>
+      </p:sp>
+    </p:spTree>
+    <p:extLst>
+      <p:ext uri="{BB962C8B-B14F-4D97-AF65-F5344CB8AC3E}">
+        <p14:creationId xmlns:p14="http://schemas.microsoft.com/office/powerpoint/2010/main" val="3484142675"/>
+      </p:ext>
+    </p:extLst>
+  </p:cSld>
+  <p:clrMapOvr>
+    <a:masterClrMapping/>
+  </p:clrMapOvr>
+</p:notes>
+</file>
+
+<file path=ppt/notesSlides/notesSlide4.xml><?xml version="1.0" encoding="utf-8"?>
+<p:notes xmlns:a="http://schemas.openxmlformats.org/drawingml/2006/main" xmlns:r="http://schemas.openxmlformats.org/officeDocument/2006/relationships" xmlns:p="http://schemas.openxmlformats.org/presentationml/2006/main">
+  <p:cSld>
+    <p:spTree>
+      <p:nvGrpSpPr>
+        <p:cNvPr id="1" name=""/>
+        <p:cNvGrpSpPr/>
+        <p:nvPr/>
+      </p:nvGrpSpPr>
+      <p:grpSpPr>
+        <a:xfrm>
+          <a:off x="0" y="0"/>
+          <a:ext cx="0" cy="0"/>
+          <a:chOff x="0" y="0"/>
+          <a:chExt cx="0" cy="0"/>
+        </a:xfrm>
+      </p:grpSpPr>
+      <p:sp>
+        <p:nvSpPr>
+          <p:cNvPr id="2" name="Slide Image Placeholder 1"/>
+          <p:cNvSpPr>
+            <a:spLocks noGrp="1" noRot="1" noChangeAspect="1"/>
+          </p:cNvSpPr>
+          <p:nvPr>
+            <p:ph type="sldImg"/>
+          </p:nvPr>
+        </p:nvSpPr>
+        <p:spPr/>
+      </p:sp>
+      <p:sp>
+        <p:nvSpPr>
+          <p:cNvPr id="3" name="Notes Placeholder 2"/>
+          <p:cNvSpPr>
+            <a:spLocks noGrp="1"/>
+          </p:cNvSpPr>
+          <p:nvPr>
+            <p:ph type="body" idx="1"/>
+          </p:nvPr>
+        </p:nvSpPr>
+        <p:spPr/>
+        <p:txBody>
+          <a:bodyPr/>
+          <a:lstStyle/>
+          <a:p>
+            <a:r>
+              <a:rPr lang="en-US"/>
+              <a:t>Level 3 is going a level further into execution sinks. </a:t>
+            </a:r>
+          </a:p>
+          <a:p>
+            <a:br>
+              <a:rPr lang="en-US" dirty="0">
+                <a:cs typeface="+mn-lt"/>
+              </a:rPr>
+            </a:br>
+            <a:r>
+              <a:rPr lang="en-US" dirty="0"/>
+              <a:t>Hint 1: </a:t>
+            </a:r>
+            <a:r>
+              <a:rPr lang="en-US" dirty="0" err="1"/>
+              <a:t>window.location</a:t>
+            </a:r>
+            <a:r>
+              <a:rPr lang="en-US"/>
+              <a:t> can be manipulated</a:t>
+            </a:r>
+            <a:endParaRPr lang="en-US">
+              <a:ea typeface="Calibri"/>
+              <a:cs typeface="Calibri"/>
+            </a:endParaRPr>
+          </a:p>
+          <a:p>
+            <a:r>
+              <a:rPr lang="en-US"/>
+              <a:t>Hint 2: How you sneak in your malicious code now that we've identified the vulnerability?</a:t>
+            </a:r>
+          </a:p>
+          <a:p>
+            <a:endParaRPr lang="en-US" dirty="0"/>
+          </a:p>
+          <a:p>
+            <a:r>
+              <a:rPr lang="en-US" dirty="0"/>
+              <a:t>Solution: ' </a:t>
+            </a:r>
+            <a:r>
+              <a:rPr lang="en-US" dirty="0" err="1"/>
+              <a:t>onerror</a:t>
+            </a:r>
+            <a:r>
+              <a:rPr lang="en-US" dirty="0"/>
+              <a:t>="alert()"&gt; The key is the apostrophe breaks you out of the </a:t>
+            </a:r>
+            <a:r>
+              <a:rPr lang="en-US" dirty="0" err="1"/>
+              <a:t>src</a:t>
+            </a:r>
+            <a:r>
+              <a:rPr lang="en-US"/>
+              <a:t> attribute, allowing you to input your own script.</a:t>
+            </a:r>
+            <a:endParaRPr lang="en-US" dirty="0">
+              <a:ea typeface="Calibri"/>
+              <a:cs typeface="Calibri"/>
+            </a:endParaRPr>
+          </a:p>
+        </p:txBody>
+      </p:sp>
+      <p:sp>
+        <p:nvSpPr>
+          <p:cNvPr id="4" name="Slide Number Placeholder 3"/>
+          <p:cNvSpPr>
+            <a:spLocks noGrp="1"/>
+          </p:cNvSpPr>
+          <p:nvPr>
+            <p:ph type="sldNum" sz="quarter" idx="5"/>
+          </p:nvPr>
+        </p:nvSpPr>
+        <p:spPr/>
+        <p:txBody>
+          <a:bodyPr/>
+          <a:lstStyle/>
+          <a:p>
+            <a:fld id="{A3AD175B-9D4F-477E-BA2F-537557C3DD77}" type="slidenum">
+              <a:rPr lang="en-US"/>
+              <a:t>13</a:t>
+            </a:fld>
+            <a:endParaRPr lang="en-US"/>
+          </a:p>
+        </p:txBody>
+      </p:sp>
+    </p:spTree>
+    <p:extLst>
+      <p:ext uri="{BB962C8B-B14F-4D97-AF65-F5344CB8AC3E}">
+        <p14:creationId xmlns:p14="http://schemas.microsoft.com/office/powerpoint/2010/main" val="3703336852"/>
+      </p:ext>
+    </p:extLst>
+  </p:cSld>
+  <p:clrMapOvr>
+    <a:masterClrMapping/>
+  </p:clrMapOvr>
+</p:notes>
 </file>
 
 <file path=ppt/slideLayouts/slideLayout1.xml><?xml version="1.0" encoding="utf-8"?>
@@ -754,7 +1990,7 @@
           <a:p>
             <a:fld id="{2E4CB86E-2CCC-46A0-9B4A-DCFB23CBA353}" type="datetimeFigureOut">
               <a:rPr lang="en-US" smtClean="0"/>
-              <a:t>3/6/2025</a:t>
+              <a:t>3/17/2025</a:t>
             </a:fld>
             <a:endParaRPr lang="en-US"/>
           </a:p>
@@ -952,7 +2188,7 @@
           <a:p>
             <a:fld id="{2E4CB86E-2CCC-46A0-9B4A-DCFB23CBA353}" type="datetimeFigureOut">
               <a:rPr lang="en-US" smtClean="0"/>
-              <a:t>3/6/2025</a:t>
+              <a:t>3/17/2025</a:t>
             </a:fld>
             <a:endParaRPr lang="en-US"/>
           </a:p>
@@ -1160,7 +2396,7 @@
           <a:p>
             <a:fld id="{2E4CB86E-2CCC-46A0-9B4A-DCFB23CBA353}" type="datetimeFigureOut">
               <a:rPr lang="en-US" smtClean="0"/>
-              <a:t>3/6/2025</a:t>
+              <a:t>3/17/2025</a:t>
             </a:fld>
             <a:endParaRPr lang="en-US"/>
           </a:p>
@@ -1358,7 +2594,7 @@
           <a:p>
             <a:fld id="{2E4CB86E-2CCC-46A0-9B4A-DCFB23CBA353}" type="datetimeFigureOut">
               <a:rPr lang="en-US" smtClean="0"/>
-              <a:t>3/6/2025</a:t>
+              <a:t>3/17/2025</a:t>
             </a:fld>
             <a:endParaRPr lang="en-US"/>
           </a:p>
@@ -1633,7 +2869,7 @@
           <a:p>
             <a:fld id="{2E4CB86E-2CCC-46A0-9B4A-DCFB23CBA353}" type="datetimeFigureOut">
               <a:rPr lang="en-US" smtClean="0"/>
-              <a:t>3/6/2025</a:t>
+              <a:t>3/17/2025</a:t>
             </a:fld>
             <a:endParaRPr lang="en-US"/>
           </a:p>
@@ -1898,7 +3134,7 @@
           <a:p>
             <a:fld id="{2E4CB86E-2CCC-46A0-9B4A-DCFB23CBA353}" type="datetimeFigureOut">
               <a:rPr lang="en-US" smtClean="0"/>
-              <a:t>3/6/2025</a:t>
+              <a:t>3/17/2025</a:t>
             </a:fld>
             <a:endParaRPr lang="en-US"/>
           </a:p>
@@ -2310,7 +3546,7 @@
           <a:p>
             <a:fld id="{2E4CB86E-2CCC-46A0-9B4A-DCFB23CBA353}" type="datetimeFigureOut">
               <a:rPr lang="en-US" smtClean="0"/>
-              <a:t>3/6/2025</a:t>
+              <a:t>3/17/2025</a:t>
             </a:fld>
             <a:endParaRPr lang="en-US"/>
           </a:p>
@@ -2451,7 +3687,7 @@
           <a:p>
             <a:fld id="{2E4CB86E-2CCC-46A0-9B4A-DCFB23CBA353}" type="datetimeFigureOut">
               <a:rPr lang="en-US" smtClean="0"/>
-              <a:t>3/6/2025</a:t>
+              <a:t>3/17/2025</a:t>
             </a:fld>
             <a:endParaRPr lang="en-US"/>
           </a:p>
@@ -2564,7 +3800,7 @@
           <a:p>
             <a:fld id="{2E4CB86E-2CCC-46A0-9B4A-DCFB23CBA353}" type="datetimeFigureOut">
               <a:rPr lang="en-US" smtClean="0"/>
-              <a:t>3/6/2025</a:t>
+              <a:t>3/17/2025</a:t>
             </a:fld>
             <a:endParaRPr lang="en-US"/>
           </a:p>
@@ -2875,7 +4111,7 @@
           <a:p>
             <a:fld id="{2E4CB86E-2CCC-46A0-9B4A-DCFB23CBA353}" type="datetimeFigureOut">
               <a:rPr lang="en-US" smtClean="0"/>
-              <a:t>3/6/2025</a:t>
+              <a:t>3/17/2025</a:t>
             </a:fld>
             <a:endParaRPr lang="en-US"/>
           </a:p>
@@ -3163,7 +4399,7 @@
           <a:p>
             <a:fld id="{2E4CB86E-2CCC-46A0-9B4A-DCFB23CBA353}" type="datetimeFigureOut">
               <a:rPr lang="en-US" smtClean="0"/>
-              <a:t>3/6/2025</a:t>
+              <a:t>3/17/2025</a:t>
             </a:fld>
             <a:endParaRPr lang="en-US"/>
           </a:p>
@@ -3404,7 +4640,7 @@
           <a:p>
             <a:fld id="{2E4CB86E-2CCC-46A0-9B4A-DCFB23CBA353}" type="datetimeFigureOut">
               <a:rPr lang="en-US" smtClean="0"/>
-              <a:t>3/6/2025</a:t>
+              <a:t>3/17/2025</a:t>
             </a:fld>
             <a:endParaRPr lang="en-US"/>
           </a:p>
@@ -3807,6 +5043,14 @@
 <file path=ppt/slides/slide1.xml><?xml version="1.0" encoding="utf-8"?>
 <p:sld xmlns:a="http://schemas.openxmlformats.org/drawingml/2006/main" xmlns:r="http://schemas.openxmlformats.org/officeDocument/2006/relationships" xmlns:p="http://schemas.openxmlformats.org/presentationml/2006/main">
   <p:cSld>
+    <p:bg>
+      <p:bgPr>
+        <a:solidFill>
+          <a:schemeClr val="bg1"/>
+        </a:solidFill>
+        <a:effectLst/>
+      </p:bgPr>
+    </p:bg>
     <p:spTree>
       <p:nvGrpSpPr>
         <p:cNvPr id="1" name=""/>
@@ -3821,6 +5065,129 @@
           <a:chExt cx="0" cy="0"/>
         </a:xfrm>
       </p:grpSpPr>
+      <p:sp useBgFill="1">
+        <p:nvSpPr>
+          <p:cNvPr id="20" name="Rectangle 19">
+            <a:extLst>
+              <a:ext uri="{FF2B5EF4-FFF2-40B4-BE49-F238E27FC236}">
+                <a16:creationId xmlns:a16="http://schemas.microsoft.com/office/drawing/2014/main" id="{A3363022-C969-41E9-8EB2-E4C94908C1FA}"/>
+              </a:ext>
+              <a:ext uri="{C183D7F6-B498-43B3-948B-1728B52AA6E4}">
+                <adec:decorative xmlns:adec="http://schemas.microsoft.com/office/drawing/2017/decorative" val="1"/>
+              </a:ext>
+            </a:extLst>
+          </p:cNvPr>
+          <p:cNvSpPr>
+            <a:spLocks noGrp="1" noRot="1" noChangeAspect="1" noMove="1" noResize="1" noEditPoints="1" noAdjustHandles="1" noChangeArrowheads="1" noChangeShapeType="1" noTextEdit="1"/>
+          </p:cNvSpPr>
+          <p:nvPr>
+            <p:extLst>
+              <p:ext uri="{386F3935-93C4-4BCD-93E2-E3B085C9AB24}">
+                <p16:designElem xmlns:p16="http://schemas.microsoft.com/office/powerpoint/2015/main" val="1"/>
+              </p:ext>
+            </p:extLst>
+          </p:nvPr>
+        </p:nvSpPr>
+        <p:spPr>
+          <a:xfrm>
+            <a:off x="0" y="-1"/>
+            <a:ext cx="12191695" cy="6852025"/>
+          </a:xfrm>
+          <a:prstGeom prst="rect">
+            <a:avLst/>
+          </a:prstGeom>
+          <a:ln>
+            <a:noFill/>
+          </a:ln>
+        </p:spPr>
+        <p:style>
+          <a:lnRef idx="2">
+            <a:schemeClr val="accent1">
+              <a:shade val="50000"/>
+            </a:schemeClr>
+          </a:lnRef>
+          <a:fillRef idx="1">
+            <a:schemeClr val="accent1"/>
+          </a:fillRef>
+          <a:effectRef idx="0">
+            <a:schemeClr val="accent1"/>
+          </a:effectRef>
+          <a:fontRef idx="minor">
+            <a:schemeClr val="lt1"/>
+          </a:fontRef>
+        </p:style>
+        <p:txBody>
+          <a:bodyPr rtlCol="0" anchor="ctr"/>
+          <a:lstStyle/>
+          <a:p>
+            <a:pPr algn="ctr"/>
+            <a:endParaRPr lang="en-US"/>
+          </a:p>
+        </p:txBody>
+      </p:sp>
+      <p:sp>
+        <p:nvSpPr>
+          <p:cNvPr id="21" name="Rectangle 20">
+            <a:extLst>
+              <a:ext uri="{FF2B5EF4-FFF2-40B4-BE49-F238E27FC236}">
+                <a16:creationId xmlns:a16="http://schemas.microsoft.com/office/drawing/2014/main" id="{8D1AD6B3-BE88-4CEB-BA17-790657CC4729}"/>
+              </a:ext>
+              <a:ext uri="{C183D7F6-B498-43B3-948B-1728B52AA6E4}">
+                <adec:decorative xmlns:adec="http://schemas.microsoft.com/office/drawing/2017/decorative" val="1"/>
+              </a:ext>
+            </a:extLst>
+          </p:cNvPr>
+          <p:cNvSpPr>
+            <a:spLocks noGrp="1" noRot="1" noChangeAspect="1" noMove="1" noResize="1" noEditPoints="1" noAdjustHandles="1" noChangeArrowheads="1" noChangeShapeType="1" noTextEdit="1"/>
+          </p:cNvSpPr>
+          <p:nvPr>
+            <p:extLst>
+              <p:ext uri="{386F3935-93C4-4BCD-93E2-E3B085C9AB24}">
+                <p16:designElem xmlns:p16="http://schemas.microsoft.com/office/powerpoint/2015/main" val="1"/>
+              </p:ext>
+            </p:extLst>
+          </p:nvPr>
+        </p:nvSpPr>
+        <p:spPr>
+          <a:xfrm>
+            <a:off x="305" y="0"/>
+            <a:ext cx="12191695" cy="6858000"/>
+          </a:xfrm>
+          <a:prstGeom prst="rect">
+            <a:avLst/>
+          </a:prstGeom>
+          <a:solidFill>
+            <a:schemeClr val="bg1"/>
+          </a:solidFill>
+          <a:ln>
+            <a:noFill/>
+          </a:ln>
+        </p:spPr>
+        <p:style>
+          <a:lnRef idx="2">
+            <a:schemeClr val="accent1">
+              <a:shade val="50000"/>
+            </a:schemeClr>
+          </a:lnRef>
+          <a:fillRef idx="1">
+            <a:schemeClr val="accent1"/>
+          </a:fillRef>
+          <a:effectRef idx="0">
+            <a:schemeClr val="accent1"/>
+          </a:effectRef>
+          <a:fontRef idx="minor">
+            <a:schemeClr val="lt1"/>
+          </a:fontRef>
+        </p:style>
+        <p:txBody>
+          <a:bodyPr rtlCol="0" anchor="ctr"/>
+          <a:lstStyle/>
+          <a:p>
+            <a:pPr algn="ctr"/>
+            <a:endParaRPr lang="en-US"/>
+          </a:p>
+        </p:txBody>
+      </p:sp>
       <p:sp>
         <p:nvSpPr>
           <p:cNvPr id="2" name="Title 1">
@@ -3837,13 +5204,25 @@
             <p:ph type="ctrTitle"/>
           </p:nvPr>
         </p:nvSpPr>
-        <p:spPr/>
+        <p:spPr>
+          <a:xfrm>
+            <a:off x="6590662" y="4267832"/>
+            <a:ext cx="4805996" cy="1297115"/>
+          </a:xfrm>
+        </p:spPr>
         <p:txBody>
-          <a:bodyPr/>
+          <a:bodyPr anchor="t">
+            <a:normAutofit/>
+          </a:bodyPr>
           <a:lstStyle/>
           <a:p>
-            <a:r>
-              <a:rPr lang="en-US" dirty="0"/>
+            <a:pPr algn="l"/>
+            <a:r>
+              <a:rPr lang="en-US" sz="4000" dirty="0">
+                <a:solidFill>
+                  <a:schemeClr val="tx2"/>
+                </a:solidFill>
+              </a:rPr>
               <a:t>Malware</a:t>
             </a:r>
           </a:p>
@@ -3865,25 +5244,2163 @@
             <p:ph type="subTitle" idx="1"/>
           </p:nvPr>
         </p:nvSpPr>
-        <p:spPr/>
+        <p:spPr>
+          <a:xfrm>
+            <a:off x="6590966" y="3428999"/>
+            <a:ext cx="4805691" cy="838831"/>
+          </a:xfrm>
+        </p:spPr>
         <p:txBody>
-          <a:bodyPr/>
+          <a:bodyPr anchor="b">
+            <a:normAutofit/>
+          </a:bodyPr>
           <a:lstStyle/>
           <a:p>
-            <a:r>
-              <a:rPr lang="en-US" dirty="0"/>
+            <a:pPr algn="l"/>
+            <a:r>
+              <a:rPr lang="en-US" sz="2000" dirty="0">
+                <a:solidFill>
+                  <a:schemeClr val="tx2"/>
+                </a:solidFill>
+              </a:rPr>
               <a:t>Please be careful if you run malware </a:t>
             </a:r>
             <a:r>
-              <a:rPr lang="en-US" dirty="0">
+              <a:rPr lang="en-US" sz="2000" dirty="0">
+                <a:solidFill>
+                  <a:schemeClr val="tx2"/>
+                </a:solidFill>
                 <a:sym typeface="Wingdings" panose="05000000000000000000" pitchFamily="2" charset="2"/>
               </a:rPr>
               <a:t></a:t>
             </a:r>
-            <a:endParaRPr lang="en-US" dirty="0"/>
+            <a:endParaRPr lang="en-US" sz="2000" dirty="0">
+              <a:solidFill>
+                <a:schemeClr val="tx2"/>
+              </a:solidFill>
+            </a:endParaRPr>
           </a:p>
         </p:txBody>
       </p:sp>
+      <p:pic>
+        <p:nvPicPr>
+          <p:cNvPr id="7" name="Graphic 6" descr="Bug">
+            <a:extLst>
+              <a:ext uri="{FF2B5EF4-FFF2-40B4-BE49-F238E27FC236}">
+                <a16:creationId xmlns:a16="http://schemas.microsoft.com/office/drawing/2014/main" id="{878BDAD5-D9D3-B928-0FD3-6006A3607537}"/>
+              </a:ext>
+            </a:extLst>
+          </p:cNvPr>
+          <p:cNvPicPr>
+            <a:picLocks noChangeAspect="1"/>
+          </p:cNvPicPr>
+          <p:nvPr/>
+        </p:nvPicPr>
+        <p:blipFill>
+          <a:blip r:embed="rId2">
+            <a:extLst>
+              <a:ext uri="{28A0092B-C50C-407E-A947-70E740481C1C}">
+                <a14:useLocalDpi xmlns:a14="http://schemas.microsoft.com/office/drawing/2010/main" val="0"/>
+              </a:ext>
+              <a:ext uri="{96DAC541-7B7A-43D3-8B79-37D633B846F1}">
+                <asvg:svgBlip xmlns:asvg="http://schemas.microsoft.com/office/drawing/2016/SVG/main" r:embed="rId3"/>
+              </a:ext>
+            </a:extLst>
+          </a:blip>
+          <a:stretch>
+            <a:fillRect/>
+          </a:stretch>
+        </p:blipFill>
+        <p:spPr>
+          <a:xfrm>
+            <a:off x="340470" y="1815320"/>
+            <a:ext cx="4141760" cy="4141760"/>
+          </a:xfrm>
+          <a:custGeom>
+            <a:avLst/>
+            <a:gdLst/>
+            <a:ahLst/>
+            <a:cxnLst/>
+            <a:rect l="l" t="t" r="r" b="b"/>
+            <a:pathLst>
+              <a:path w="4141760" h="4377846">
+                <a:moveTo>
+                  <a:pt x="0" y="0"/>
+                </a:moveTo>
+                <a:lnTo>
+                  <a:pt x="4141760" y="0"/>
+                </a:lnTo>
+                <a:lnTo>
+                  <a:pt x="4141760" y="4377846"/>
+                </a:lnTo>
+                <a:lnTo>
+                  <a:pt x="0" y="4377846"/>
+                </a:lnTo>
+                <a:close/>
+              </a:path>
+            </a:pathLst>
+          </a:custGeom>
+        </p:spPr>
+      </p:pic>
+      <p:grpSp>
+        <p:nvGrpSpPr>
+          <p:cNvPr id="22" name="Group 21">
+            <a:extLst>
+              <a:ext uri="{FF2B5EF4-FFF2-40B4-BE49-F238E27FC236}">
+                <a16:creationId xmlns:a16="http://schemas.microsoft.com/office/drawing/2014/main" id="{89D1390B-7E13-4B4F-9CB2-391063412E54}"/>
+              </a:ext>
+              <a:ext uri="{C183D7F6-B498-43B3-948B-1728B52AA6E4}">
+                <adec:decorative xmlns:adec="http://schemas.microsoft.com/office/drawing/2017/decorative" val="1"/>
+              </a:ext>
+            </a:extLst>
+          </p:cNvPr>
+          <p:cNvGrpSpPr>
+            <a:grpSpLocks noGrp="1" noUngrp="1" noRot="1" noChangeAspect="1" noMove="1" noResize="1"/>
+          </p:cNvGrpSpPr>
+          <p:nvPr>
+            <p:extLst>
+              <p:ext uri="{386F3935-93C4-4BCD-93E2-E3B085C9AB24}">
+                <p16:designElem xmlns:p16="http://schemas.microsoft.com/office/powerpoint/2015/main" val="1"/>
+              </p:ext>
+            </p:extLst>
+          </p:nvPr>
+        </p:nvGrpSpPr>
+        <p:grpSpPr>
+          <a:xfrm>
+            <a:off x="-4253" y="-5977"/>
+            <a:ext cx="6238675" cy="6863979"/>
+            <a:chOff x="305" y="-5977"/>
+            <a:chExt cx="6238675" cy="6863979"/>
+          </a:xfrm>
+        </p:grpSpPr>
+        <p:sp>
+          <p:nvSpPr>
+            <p:cNvPr id="23" name="Freeform: Shape 22">
+              <a:extLst>
+                <a:ext uri="{FF2B5EF4-FFF2-40B4-BE49-F238E27FC236}">
+                  <a16:creationId xmlns:a16="http://schemas.microsoft.com/office/drawing/2014/main" id="{9E720206-AA49-4786-A932-A2650DE09183}"/>
+                </a:ext>
+                <a:ext uri="{C183D7F6-B498-43B3-948B-1728B52AA6E4}">
+                  <adec:decorative xmlns:adec="http://schemas.microsoft.com/office/drawing/2017/decorative" val="1"/>
+                </a:ext>
+              </a:extLst>
+            </p:cNvPr>
+            <p:cNvSpPr/>
+            <p:nvPr>
+              <p:extLst>
+                <p:ext uri="{386F3935-93C4-4BCD-93E2-E3B085C9AB24}">
+                  <p16:designElem xmlns:p16="http://schemas.microsoft.com/office/powerpoint/2015/main" val="1"/>
+                </p:ext>
+              </p:extLst>
+            </p:nvPr>
+          </p:nvSpPr>
+          <p:spPr>
+            <a:xfrm flipH="1">
+              <a:off x="305" y="34854"/>
+              <a:ext cx="6028697" cy="6817170"/>
+            </a:xfrm>
+            <a:custGeom>
+              <a:avLst/>
+              <a:gdLst>
+                <a:gd name="connsiteX0" fmla="*/ 6028697 w 6028697"/>
+                <a:gd name="connsiteY0" fmla="*/ 6155323 h 6817170"/>
+                <a:gd name="connsiteX1" fmla="*/ 6028697 w 6028697"/>
+                <a:gd name="connsiteY1" fmla="*/ 6817170 h 6817170"/>
+                <a:gd name="connsiteX2" fmla="*/ 5157862 w 6028697"/>
+                <a:gd name="connsiteY2" fmla="*/ 6817170 h 6817170"/>
+                <a:gd name="connsiteX3" fmla="*/ 5347156 w 6028697"/>
+                <a:gd name="connsiteY3" fmla="*/ 6687553 h 6817170"/>
+                <a:gd name="connsiteX4" fmla="*/ 5487470 w 6028697"/>
+                <a:gd name="connsiteY4" fmla="*/ 6581714 h 6817170"/>
+                <a:gd name="connsiteX5" fmla="*/ 5627642 w 6028697"/>
+                <a:gd name="connsiteY5" fmla="*/ 6472328 h 6817170"/>
+                <a:gd name="connsiteX6" fmla="*/ 5911392 w 6028697"/>
+                <a:gd name="connsiteY6" fmla="*/ 6245328 h 6817170"/>
+                <a:gd name="connsiteX7" fmla="*/ 4481066 w 6028697"/>
+                <a:gd name="connsiteY7" fmla="*/ 478 h 6817170"/>
+                <a:gd name="connsiteX8" fmla="*/ 4672258 w 6028697"/>
+                <a:gd name="connsiteY8" fmla="*/ 7519 h 6817170"/>
+                <a:gd name="connsiteX9" fmla="*/ 5429869 w 6028697"/>
+                <a:gd name="connsiteY9" fmla="*/ 125134 h 6817170"/>
+                <a:gd name="connsiteX10" fmla="*/ 5976319 w 6028697"/>
+                <a:gd name="connsiteY10" fmla="*/ 314893 h 6817170"/>
+                <a:gd name="connsiteX11" fmla="*/ 6028697 w 6028697"/>
+                <a:gd name="connsiteY11" fmla="*/ 339901 h 6817170"/>
+                <a:gd name="connsiteX12" fmla="*/ 6028697 w 6028697"/>
+                <a:gd name="connsiteY12" fmla="*/ 732458 h 6817170"/>
+                <a:gd name="connsiteX13" fmla="*/ 5990985 w 6028697"/>
+                <a:gd name="connsiteY13" fmla="*/ 712211 h 6817170"/>
+                <a:gd name="connsiteX14" fmla="*/ 5341339 w 6028697"/>
+                <a:gd name="connsiteY14" fmla="*/ 475281 h 6817170"/>
+                <a:gd name="connsiteX15" fmla="*/ 4651969 w 6028697"/>
+                <a:gd name="connsiteY15" fmla="*/ 377104 h 6817170"/>
+                <a:gd name="connsiteX16" fmla="*/ 3953093 w 6028697"/>
+                <a:gd name="connsiteY16" fmla="*/ 402498 h 6817170"/>
+                <a:gd name="connsiteX17" fmla="*/ 3267413 w 6028697"/>
+                <a:gd name="connsiteY17" fmla="*/ 546643 h 6817170"/>
+                <a:gd name="connsiteX18" fmla="*/ 1439498 w 6028697"/>
+                <a:gd name="connsiteY18" fmla="*/ 1568141 h 6817170"/>
+                <a:gd name="connsiteX19" fmla="*/ 960671 w 6028697"/>
+                <a:gd name="connsiteY19" fmla="*/ 2082013 h 6817170"/>
+                <a:gd name="connsiteX20" fmla="*/ 581866 w 6028697"/>
+                <a:gd name="connsiteY20" fmla="*/ 2672638 h 6817170"/>
+                <a:gd name="connsiteX21" fmla="*/ 324789 w 6028697"/>
+                <a:gd name="connsiteY21" fmla="*/ 3325262 h 6817170"/>
+                <a:gd name="connsiteX22" fmla="*/ 231151 w 6028697"/>
+                <a:gd name="connsiteY22" fmla="*/ 4022292 h 6817170"/>
+                <a:gd name="connsiteX23" fmla="*/ 270592 w 6028697"/>
+                <a:gd name="connsiteY23" fmla="*/ 4362792 h 6817170"/>
+                <a:gd name="connsiteX24" fmla="*/ 387213 w 6028697"/>
+                <a:gd name="connsiteY24" fmla="*/ 4681585 h 6817170"/>
+                <a:gd name="connsiteX25" fmla="*/ 468507 w 6028697"/>
+                <a:gd name="connsiteY25" fmla="*/ 4831546 h 6817170"/>
+                <a:gd name="connsiteX26" fmla="*/ 561862 w 6028697"/>
+                <a:gd name="connsiteY26" fmla="*/ 4976826 h 6817170"/>
+                <a:gd name="connsiteX27" fmla="*/ 777511 w 6028697"/>
+                <a:gd name="connsiteY27" fmla="*/ 5257597 h 6817170"/>
+                <a:gd name="connsiteX28" fmla="*/ 1010895 w 6028697"/>
+                <a:gd name="connsiteY28" fmla="*/ 5540494 h 6817170"/>
+                <a:gd name="connsiteX29" fmla="*/ 1126948 w 6028697"/>
+                <a:gd name="connsiteY29" fmla="*/ 5688186 h 6817170"/>
+                <a:gd name="connsiteX30" fmla="*/ 1182706 w 6028697"/>
+                <a:gd name="connsiteY30" fmla="*/ 5760543 h 6817170"/>
+                <a:gd name="connsiteX31" fmla="*/ 1237327 w 6028697"/>
+                <a:gd name="connsiteY31" fmla="*/ 5830060 h 6817170"/>
+                <a:gd name="connsiteX32" fmla="*/ 1706649 w 6028697"/>
+                <a:gd name="connsiteY32" fmla="*/ 6342797 h 6817170"/>
+                <a:gd name="connsiteX33" fmla="*/ 1956207 w 6028697"/>
+                <a:gd name="connsiteY33" fmla="*/ 6573484 h 6817170"/>
+                <a:gd name="connsiteX34" fmla="*/ 2217681 w 6028697"/>
+                <a:gd name="connsiteY34" fmla="*/ 6786297 h 6817170"/>
+                <a:gd name="connsiteX35" fmla="*/ 2260820 w 6028697"/>
+                <a:gd name="connsiteY35" fmla="*/ 6817170 h 6817170"/>
+                <a:gd name="connsiteX36" fmla="*/ 1429497 w 6028697"/>
+                <a:gd name="connsiteY36" fmla="*/ 6817170 h 6817170"/>
+                <a:gd name="connsiteX37" fmla="*/ 1327275 w 6028697"/>
+                <a:gd name="connsiteY37" fmla="*/ 6713800 h 6817170"/>
+                <a:gd name="connsiteX38" fmla="*/ 1080556 w 6028697"/>
+                <a:gd name="connsiteY38" fmla="*/ 6414443 h 6817170"/>
+                <a:gd name="connsiteX39" fmla="*/ 865189 w 6028697"/>
+                <a:gd name="connsiteY39" fmla="*/ 6097496 h 6817170"/>
+                <a:gd name="connsiteX40" fmla="*/ 814823 w 6028697"/>
+                <a:gd name="connsiteY40" fmla="*/ 6016911 h 6817170"/>
+                <a:gd name="connsiteX41" fmla="*/ 766729 w 6028697"/>
+                <a:gd name="connsiteY41" fmla="*/ 5938453 h 6817170"/>
+                <a:gd name="connsiteX42" fmla="*/ 671672 w 6028697"/>
+                <a:gd name="connsiteY42" fmla="*/ 5786648 h 6817170"/>
+                <a:gd name="connsiteX43" fmla="*/ 474608 w 6028697"/>
+                <a:gd name="connsiteY43" fmla="*/ 5474664 h 6817170"/>
+                <a:gd name="connsiteX44" fmla="*/ 282652 w 6028697"/>
+                <a:gd name="connsiteY44" fmla="*/ 5146508 h 6817170"/>
+                <a:gd name="connsiteX45" fmla="*/ 196108 w 6028697"/>
+                <a:gd name="connsiteY45" fmla="*/ 4972712 h 6817170"/>
+                <a:gd name="connsiteX46" fmla="*/ 122474 w 6028697"/>
+                <a:gd name="connsiteY46" fmla="*/ 4791821 h 6817170"/>
+                <a:gd name="connsiteX47" fmla="*/ 65724 w 6028697"/>
+                <a:gd name="connsiteY47" fmla="*/ 4603129 h 6817170"/>
+                <a:gd name="connsiteX48" fmla="*/ 44727 w 6028697"/>
+                <a:gd name="connsiteY48" fmla="*/ 4506937 h 6817170"/>
+                <a:gd name="connsiteX49" fmla="*/ 35505 w 6028697"/>
+                <a:gd name="connsiteY49" fmla="*/ 4458699 h 6817170"/>
+                <a:gd name="connsiteX50" fmla="*/ 27845 w 6028697"/>
+                <a:gd name="connsiteY50" fmla="*/ 4410320 h 6817170"/>
+                <a:gd name="connsiteX51" fmla="*/ 37 w 6028697"/>
+                <a:gd name="connsiteY51" fmla="*/ 4022292 h 6817170"/>
+                <a:gd name="connsiteX52" fmla="*/ 78777 w 6028697"/>
+                <a:gd name="connsiteY52" fmla="*/ 3267236 h 6817170"/>
+                <a:gd name="connsiteX53" fmla="*/ 315424 w 6028697"/>
+                <a:gd name="connsiteY53" fmla="*/ 2543673 h 6817170"/>
+                <a:gd name="connsiteX54" fmla="*/ 1202710 w 6028697"/>
+                <a:gd name="connsiteY54" fmla="*/ 1314895 h 6817170"/>
+                <a:gd name="connsiteX55" fmla="*/ 1791065 w 6028697"/>
+                <a:gd name="connsiteY55" fmla="*/ 833514 h 6817170"/>
+                <a:gd name="connsiteX56" fmla="*/ 3908404 w 6028697"/>
+                <a:gd name="connsiteY56" fmla="*/ 29794 h 6817170"/>
+                <a:gd name="connsiteX57" fmla="*/ 4481066 w 6028697"/>
+                <a:gd name="connsiteY57" fmla="*/ 478 h 6817170"/>
+              </a:gdLst>
+              <a:ahLst/>
+              <a:cxnLst>
+                <a:cxn ang="0">
+                  <a:pos x="connsiteX0" y="connsiteY0"/>
+                </a:cxn>
+                <a:cxn ang="0">
+                  <a:pos x="connsiteX1" y="connsiteY1"/>
+                </a:cxn>
+                <a:cxn ang="0">
+                  <a:pos x="connsiteX2" y="connsiteY2"/>
+                </a:cxn>
+                <a:cxn ang="0">
+                  <a:pos x="connsiteX3" y="connsiteY3"/>
+                </a:cxn>
+                <a:cxn ang="0">
+                  <a:pos x="connsiteX4" y="connsiteY4"/>
+                </a:cxn>
+                <a:cxn ang="0">
+                  <a:pos x="connsiteX5" y="connsiteY5"/>
+                </a:cxn>
+                <a:cxn ang="0">
+                  <a:pos x="connsiteX6" y="connsiteY6"/>
+                </a:cxn>
+                <a:cxn ang="0">
+                  <a:pos x="connsiteX7" y="connsiteY7"/>
+                </a:cxn>
+                <a:cxn ang="0">
+                  <a:pos x="connsiteX8" y="connsiteY8"/>
+                </a:cxn>
+                <a:cxn ang="0">
+                  <a:pos x="connsiteX9" y="connsiteY9"/>
+                </a:cxn>
+                <a:cxn ang="0">
+                  <a:pos x="connsiteX10" y="connsiteY10"/>
+                </a:cxn>
+                <a:cxn ang="0">
+                  <a:pos x="connsiteX11" y="connsiteY11"/>
+                </a:cxn>
+                <a:cxn ang="0">
+                  <a:pos x="connsiteX12" y="connsiteY12"/>
+                </a:cxn>
+                <a:cxn ang="0">
+                  <a:pos x="connsiteX13" y="connsiteY13"/>
+                </a:cxn>
+                <a:cxn ang="0">
+                  <a:pos x="connsiteX14" y="connsiteY14"/>
+                </a:cxn>
+                <a:cxn ang="0">
+                  <a:pos x="connsiteX15" y="connsiteY15"/>
+                </a:cxn>
+                <a:cxn ang="0">
+                  <a:pos x="connsiteX16" y="connsiteY16"/>
+                </a:cxn>
+                <a:cxn ang="0">
+                  <a:pos x="connsiteX17" y="connsiteY17"/>
+                </a:cxn>
+                <a:cxn ang="0">
+                  <a:pos x="connsiteX18" y="connsiteY18"/>
+                </a:cxn>
+                <a:cxn ang="0">
+                  <a:pos x="connsiteX19" y="connsiteY19"/>
+                </a:cxn>
+                <a:cxn ang="0">
+                  <a:pos x="connsiteX20" y="connsiteY20"/>
+                </a:cxn>
+                <a:cxn ang="0">
+                  <a:pos x="connsiteX21" y="connsiteY21"/>
+                </a:cxn>
+                <a:cxn ang="0">
+                  <a:pos x="connsiteX22" y="connsiteY22"/>
+                </a:cxn>
+                <a:cxn ang="0">
+                  <a:pos x="connsiteX23" y="connsiteY23"/>
+                </a:cxn>
+                <a:cxn ang="0">
+                  <a:pos x="connsiteX24" y="connsiteY24"/>
+                </a:cxn>
+                <a:cxn ang="0">
+                  <a:pos x="connsiteX25" y="connsiteY25"/>
+                </a:cxn>
+                <a:cxn ang="0">
+                  <a:pos x="connsiteX26" y="connsiteY26"/>
+                </a:cxn>
+                <a:cxn ang="0">
+                  <a:pos x="connsiteX27" y="connsiteY27"/>
+                </a:cxn>
+                <a:cxn ang="0">
+                  <a:pos x="connsiteX28" y="connsiteY28"/>
+                </a:cxn>
+                <a:cxn ang="0">
+                  <a:pos x="connsiteX29" y="connsiteY29"/>
+                </a:cxn>
+                <a:cxn ang="0">
+                  <a:pos x="connsiteX30" y="connsiteY30"/>
+                </a:cxn>
+                <a:cxn ang="0">
+                  <a:pos x="connsiteX31" y="connsiteY31"/>
+                </a:cxn>
+                <a:cxn ang="0">
+                  <a:pos x="connsiteX32" y="connsiteY32"/>
+                </a:cxn>
+                <a:cxn ang="0">
+                  <a:pos x="connsiteX33" y="connsiteY33"/>
+                </a:cxn>
+                <a:cxn ang="0">
+                  <a:pos x="connsiteX34" y="connsiteY34"/>
+                </a:cxn>
+                <a:cxn ang="0">
+                  <a:pos x="connsiteX35" y="connsiteY35"/>
+                </a:cxn>
+                <a:cxn ang="0">
+                  <a:pos x="connsiteX36" y="connsiteY36"/>
+                </a:cxn>
+                <a:cxn ang="0">
+                  <a:pos x="connsiteX37" y="connsiteY37"/>
+                </a:cxn>
+                <a:cxn ang="0">
+                  <a:pos x="connsiteX38" y="connsiteY38"/>
+                </a:cxn>
+                <a:cxn ang="0">
+                  <a:pos x="connsiteX39" y="connsiteY39"/>
+                </a:cxn>
+                <a:cxn ang="0">
+                  <a:pos x="connsiteX40" y="connsiteY40"/>
+                </a:cxn>
+                <a:cxn ang="0">
+                  <a:pos x="connsiteX41" y="connsiteY41"/>
+                </a:cxn>
+                <a:cxn ang="0">
+                  <a:pos x="connsiteX42" y="connsiteY42"/>
+                </a:cxn>
+                <a:cxn ang="0">
+                  <a:pos x="connsiteX43" y="connsiteY43"/>
+                </a:cxn>
+                <a:cxn ang="0">
+                  <a:pos x="connsiteX44" y="connsiteY44"/>
+                </a:cxn>
+                <a:cxn ang="0">
+                  <a:pos x="connsiteX45" y="connsiteY45"/>
+                </a:cxn>
+                <a:cxn ang="0">
+                  <a:pos x="connsiteX46" y="connsiteY46"/>
+                </a:cxn>
+                <a:cxn ang="0">
+                  <a:pos x="connsiteX47" y="connsiteY47"/>
+                </a:cxn>
+                <a:cxn ang="0">
+                  <a:pos x="connsiteX48" y="connsiteY48"/>
+                </a:cxn>
+                <a:cxn ang="0">
+                  <a:pos x="connsiteX49" y="connsiteY49"/>
+                </a:cxn>
+                <a:cxn ang="0">
+                  <a:pos x="connsiteX50" y="connsiteY50"/>
+                </a:cxn>
+                <a:cxn ang="0">
+                  <a:pos x="connsiteX51" y="connsiteY51"/>
+                </a:cxn>
+                <a:cxn ang="0">
+                  <a:pos x="connsiteX52" y="connsiteY52"/>
+                </a:cxn>
+                <a:cxn ang="0">
+                  <a:pos x="connsiteX53" y="connsiteY53"/>
+                </a:cxn>
+                <a:cxn ang="0">
+                  <a:pos x="connsiteX54" y="connsiteY54"/>
+                </a:cxn>
+                <a:cxn ang="0">
+                  <a:pos x="connsiteX55" y="connsiteY55"/>
+                </a:cxn>
+                <a:cxn ang="0">
+                  <a:pos x="connsiteX56" y="connsiteY56"/>
+                </a:cxn>
+                <a:cxn ang="0">
+                  <a:pos x="connsiteX57" y="connsiteY57"/>
+                </a:cxn>
+              </a:cxnLst>
+              <a:rect l="l" t="t" r="r" b="b"/>
+              <a:pathLst>
+                <a:path w="6028697" h="6817170">
+                  <a:moveTo>
+                    <a:pt x="6028697" y="6155323"/>
+                  </a:moveTo>
+                  <a:lnTo>
+                    <a:pt x="6028697" y="6817170"/>
+                  </a:lnTo>
+                  <a:lnTo>
+                    <a:pt x="5157862" y="6817170"/>
+                  </a:lnTo>
+                  <a:lnTo>
+                    <a:pt x="5347156" y="6687553"/>
+                  </a:lnTo>
+                  <a:cubicBezTo>
+                    <a:pt x="5394117" y="6653219"/>
+                    <a:pt x="5440793" y="6617608"/>
+                    <a:pt x="5487470" y="6581714"/>
+                  </a:cubicBezTo>
+                  <a:cubicBezTo>
+                    <a:pt x="5534147" y="6545820"/>
+                    <a:pt x="5580966" y="6509358"/>
+                    <a:pt x="5627642" y="6472328"/>
+                  </a:cubicBezTo>
+                  <a:lnTo>
+                    <a:pt x="5911392" y="6245328"/>
+                  </a:lnTo>
+                  <a:close/>
+                  <a:moveTo>
+                    <a:pt x="4481066" y="478"/>
+                  </a:moveTo>
+                  <a:cubicBezTo>
+                    <a:pt x="4544817" y="1422"/>
+                    <a:pt x="4608563" y="3769"/>
+                    <a:pt x="4672258" y="7519"/>
+                  </a:cubicBezTo>
+                  <a:cubicBezTo>
+                    <a:pt x="4927973" y="22364"/>
+                    <a:pt x="5181687" y="61751"/>
+                    <a:pt x="5429869" y="125134"/>
+                  </a:cubicBezTo>
+                  <a:cubicBezTo>
+                    <a:pt x="5617090" y="173104"/>
+                    <a:pt x="5799867" y="236595"/>
+                    <a:pt x="5976319" y="314893"/>
+                  </a:cubicBezTo>
+                  <a:lnTo>
+                    <a:pt x="6028697" y="339901"/>
+                  </a:lnTo>
+                  <a:lnTo>
+                    <a:pt x="6028697" y="732458"/>
+                  </a:lnTo>
+                  <a:lnTo>
+                    <a:pt x="5990985" y="712211"/>
+                  </a:lnTo>
+                  <a:cubicBezTo>
+                    <a:pt x="5783917" y="609342"/>
+                    <a:pt x="5566013" y="529876"/>
+                    <a:pt x="5341339" y="475281"/>
+                  </a:cubicBezTo>
+                  <a:cubicBezTo>
+                    <a:pt x="5115233" y="420503"/>
+                    <a:pt x="4884375" y="387624"/>
+                    <a:pt x="4651969" y="377104"/>
+                  </a:cubicBezTo>
+                  <a:cubicBezTo>
+                    <a:pt x="4418713" y="365171"/>
+                    <a:pt x="4184861" y="373670"/>
+                    <a:pt x="3953093" y="402498"/>
+                  </a:cubicBezTo>
+                  <a:cubicBezTo>
+                    <a:pt x="3721001" y="431832"/>
+                    <a:pt x="3491675" y="480040"/>
+                    <a:pt x="3267413" y="546643"/>
+                  </a:cubicBezTo>
+                  <a:cubicBezTo>
+                    <a:pt x="2591323" y="750761"/>
+                    <a:pt x="1967642" y="1099289"/>
+                    <a:pt x="1439498" y="1568141"/>
+                  </a:cubicBezTo>
+                  <a:cubicBezTo>
+                    <a:pt x="1265589" y="1725523"/>
+                    <a:pt x="1105393" y="1897434"/>
+                    <a:pt x="960671" y="2082013"/>
+                  </a:cubicBezTo>
+                  <a:cubicBezTo>
+                    <a:pt x="815775" y="2266294"/>
+                    <a:pt x="688923" y="2464081"/>
+                    <a:pt x="581866" y="2672638"/>
+                  </a:cubicBezTo>
+                  <a:cubicBezTo>
+                    <a:pt x="473765" y="2880669"/>
+                    <a:pt x="387610" y="3099397"/>
+                    <a:pt x="324789" y="3325262"/>
+                  </a:cubicBezTo>
+                  <a:cubicBezTo>
+                    <a:pt x="262714" y="3552403"/>
+                    <a:pt x="231223" y="3786822"/>
+                    <a:pt x="231151" y="4022292"/>
+                  </a:cubicBezTo>
+                  <a:cubicBezTo>
+                    <a:pt x="231413" y="4136912"/>
+                    <a:pt x="244645" y="4251136"/>
+                    <a:pt x="270592" y="4362792"/>
+                  </a:cubicBezTo>
+                  <a:cubicBezTo>
+                    <a:pt x="297885" y="4472943"/>
+                    <a:pt x="336983" y="4579833"/>
+                    <a:pt x="387213" y="4681585"/>
+                  </a:cubicBezTo>
+                  <a:cubicBezTo>
+                    <a:pt x="412042" y="4732517"/>
+                    <a:pt x="439423" y="4782457"/>
+                    <a:pt x="468507" y="4831546"/>
+                  </a:cubicBezTo>
+                  <a:cubicBezTo>
+                    <a:pt x="497591" y="4880636"/>
+                    <a:pt x="529230" y="4929015"/>
+                    <a:pt x="561862" y="4976826"/>
+                  </a:cubicBezTo>
+                  <a:cubicBezTo>
+                    <a:pt x="627975" y="5072166"/>
+                    <a:pt x="701466" y="5164668"/>
+                    <a:pt x="777511" y="5257597"/>
+                  </a:cubicBezTo>
+                  <a:cubicBezTo>
+                    <a:pt x="853556" y="5350524"/>
+                    <a:pt x="933574" y="5443594"/>
+                    <a:pt x="1010895" y="5540494"/>
+                  </a:cubicBezTo>
+                  <a:cubicBezTo>
+                    <a:pt x="1049957" y="5588732"/>
+                    <a:pt x="1088642" y="5637963"/>
+                    <a:pt x="1126948" y="5688186"/>
+                  </a:cubicBezTo>
+                  <a:lnTo>
+                    <a:pt x="1182706" y="5760543"/>
+                  </a:lnTo>
+                  <a:cubicBezTo>
+                    <a:pt x="1201007" y="5783669"/>
+                    <a:pt x="1218458" y="5807503"/>
+                    <a:pt x="1237327" y="5830060"/>
+                  </a:cubicBezTo>
+                  <a:cubicBezTo>
+                    <a:pt x="1383714" y="6009916"/>
+                    <a:pt x="1540413" y="6181116"/>
+                    <a:pt x="1706649" y="6342797"/>
+                  </a:cubicBezTo>
+                  <a:cubicBezTo>
+                    <a:pt x="1788084" y="6422531"/>
+                    <a:pt x="1871265" y="6499427"/>
+                    <a:pt x="1956207" y="6573484"/>
+                  </a:cubicBezTo>
+                  <a:cubicBezTo>
+                    <a:pt x="2041332" y="6647402"/>
+                    <a:pt x="2127733" y="6718907"/>
+                    <a:pt x="2217681" y="6786297"/>
+                  </a:cubicBezTo>
+                  <a:lnTo>
+                    <a:pt x="2260820" y="6817170"/>
+                  </a:lnTo>
+                  <a:lnTo>
+                    <a:pt x="1429497" y="6817170"/>
+                  </a:lnTo>
+                  <a:lnTo>
+                    <a:pt x="1327275" y="6713800"/>
+                  </a:lnTo>
+                  <a:cubicBezTo>
+                    <a:pt x="1239186" y="6618984"/>
+                    <a:pt x="1156797" y="6519019"/>
+                    <a:pt x="1080556" y="6414443"/>
+                  </a:cubicBezTo>
+                  <a:cubicBezTo>
+                    <a:pt x="1004653" y="6310734"/>
+                    <a:pt x="932439" y="6205177"/>
+                    <a:pt x="865189" y="6097496"/>
+                  </a:cubicBezTo>
+                  <a:cubicBezTo>
+                    <a:pt x="847881" y="6070823"/>
+                    <a:pt x="831565" y="6043725"/>
+                    <a:pt x="814823" y="6016911"/>
+                  </a:cubicBezTo>
+                  <a:lnTo>
+                    <a:pt x="766729" y="5938453"/>
+                  </a:lnTo>
+                  <a:cubicBezTo>
+                    <a:pt x="735941" y="5887947"/>
+                    <a:pt x="703878" y="5837581"/>
+                    <a:pt x="671672" y="5786648"/>
+                  </a:cubicBezTo>
+                  <a:lnTo>
+                    <a:pt x="474608" y="5474664"/>
+                  </a:lnTo>
+                  <a:cubicBezTo>
+                    <a:pt x="408778" y="5368968"/>
+                    <a:pt x="343516" y="5260008"/>
+                    <a:pt x="282652" y="5146508"/>
+                  </a:cubicBezTo>
+                  <a:cubicBezTo>
+                    <a:pt x="252290" y="5089759"/>
+                    <a:pt x="223065" y="5032015"/>
+                    <a:pt x="196108" y="4972712"/>
+                  </a:cubicBezTo>
+                  <a:cubicBezTo>
+                    <a:pt x="169152" y="4913408"/>
+                    <a:pt x="144607" y="4853111"/>
+                    <a:pt x="122474" y="4791821"/>
+                  </a:cubicBezTo>
+                  <a:cubicBezTo>
+                    <a:pt x="100342" y="4730532"/>
+                    <a:pt x="81757" y="4666830"/>
+                    <a:pt x="65724" y="4603129"/>
+                  </a:cubicBezTo>
+                  <a:cubicBezTo>
+                    <a:pt x="58205" y="4571064"/>
+                    <a:pt x="50828" y="4539143"/>
+                    <a:pt x="44727" y="4506937"/>
+                  </a:cubicBezTo>
+                  <a:lnTo>
+                    <a:pt x="35505" y="4458699"/>
+                  </a:lnTo>
+                  <a:lnTo>
+                    <a:pt x="27845" y="4410320"/>
+                  </a:lnTo>
+                  <a:cubicBezTo>
+                    <a:pt x="8635" y="4281881"/>
+                    <a:pt x="-661" y="4152150"/>
+                    <a:pt x="37" y="4022292"/>
+                  </a:cubicBezTo>
+                  <a:cubicBezTo>
+                    <a:pt x="712" y="3768592"/>
+                    <a:pt x="27094" y="3515615"/>
+                    <a:pt x="78777" y="3267236"/>
+                  </a:cubicBezTo>
+                  <a:cubicBezTo>
+                    <a:pt x="130048" y="3017876"/>
+                    <a:pt x="209439" y="2775142"/>
+                    <a:pt x="315424" y="2543673"/>
+                  </a:cubicBezTo>
+                  <a:cubicBezTo>
+                    <a:pt x="528236" y="2081161"/>
+                    <a:pt x="838234" y="1667312"/>
+                    <a:pt x="1202710" y="1314895"/>
+                  </a:cubicBezTo>
+                  <a:cubicBezTo>
+                    <a:pt x="1385514" y="1138814"/>
+                    <a:pt x="1582282" y="977831"/>
+                    <a:pt x="1791065" y="833514"/>
+                  </a:cubicBezTo>
+                  <a:cubicBezTo>
+                    <a:pt x="2420037" y="395614"/>
+                    <a:pt x="3147288" y="119557"/>
+                    <a:pt x="3908404" y="29794"/>
+                  </a:cubicBezTo>
+                  <a:cubicBezTo>
+                    <a:pt x="4098509" y="7429"/>
+                    <a:pt x="4289811" y="-2355"/>
+                    <a:pt x="4481066" y="478"/>
+                  </a:cubicBezTo>
+                  <a:close/>
+                </a:path>
+              </a:pathLst>
+            </a:custGeom>
+            <a:gradFill>
+              <a:gsLst>
+                <a:gs pos="2000">
+                  <a:schemeClr val="bg1">
+                    <a:alpha val="10000"/>
+                  </a:schemeClr>
+                </a:gs>
+                <a:gs pos="16000">
+                  <a:schemeClr val="accent6">
+                    <a:alpha val="10000"/>
+                  </a:schemeClr>
+                </a:gs>
+                <a:gs pos="100000">
+                  <a:schemeClr val="bg1">
+                    <a:alpha val="10000"/>
+                  </a:schemeClr>
+                </a:gs>
+                <a:gs pos="85000">
+                  <a:schemeClr val="accent1">
+                    <a:alpha val="10000"/>
+                  </a:schemeClr>
+                </a:gs>
+              </a:gsLst>
+              <a:lin ang="12000000" scaled="0"/>
+            </a:gradFill>
+            <a:ln>
+              <a:noFill/>
+            </a:ln>
+          </p:spPr>
+          <p:style>
+            <a:lnRef idx="2">
+              <a:schemeClr val="accent1">
+                <a:shade val="50000"/>
+              </a:schemeClr>
+            </a:lnRef>
+            <a:fillRef idx="1">
+              <a:schemeClr val="accent1"/>
+            </a:fillRef>
+            <a:effectRef idx="0">
+              <a:schemeClr val="accent1"/>
+            </a:effectRef>
+            <a:fontRef idx="minor">
+              <a:schemeClr val="lt1"/>
+            </a:fontRef>
+          </p:style>
+          <p:txBody>
+            <a:bodyPr rtlCol="0" anchor="ctr"/>
+            <a:lstStyle/>
+            <a:p>
+              <a:pPr algn="ctr"/>
+              <a:endParaRPr lang="en-US" dirty="0"/>
+            </a:p>
+          </p:txBody>
+        </p:sp>
+        <p:sp>
+          <p:nvSpPr>
+            <p:cNvPr id="24" name="Freeform: Shape 23">
+              <a:extLst>
+                <a:ext uri="{FF2B5EF4-FFF2-40B4-BE49-F238E27FC236}">
+                  <a16:creationId xmlns:a16="http://schemas.microsoft.com/office/drawing/2014/main" id="{C72F6EE6-EDE9-45A5-8F6D-02B9B7CB2C2F}"/>
+                </a:ext>
+                <a:ext uri="{C183D7F6-B498-43B3-948B-1728B52AA6E4}">
+                  <adec:decorative xmlns:adec="http://schemas.microsoft.com/office/drawing/2017/decorative" val="1"/>
+                </a:ext>
+              </a:extLst>
+            </p:cNvPr>
+            <p:cNvSpPr/>
+            <p:nvPr>
+              <p:extLst>
+                <p:ext uri="{386F3935-93C4-4BCD-93E2-E3B085C9AB24}">
+                  <p16:designElem xmlns:p16="http://schemas.microsoft.com/office/powerpoint/2015/main" val="1"/>
+                </p:ext>
+              </p:extLst>
+            </p:nvPr>
+          </p:nvSpPr>
+          <p:spPr>
+            <a:xfrm flipH="1">
+              <a:off x="305" y="1"/>
+              <a:ext cx="6165116" cy="6858001"/>
+            </a:xfrm>
+            <a:custGeom>
+              <a:avLst/>
+              <a:gdLst>
+                <a:gd name="connsiteX0" fmla="*/ 6264586 w 6264586"/>
+                <a:gd name="connsiteY0" fmla="*/ 6646464 h 6858001"/>
+                <a:gd name="connsiteX1" fmla="*/ 6264586 w 6264586"/>
+                <a:gd name="connsiteY1" fmla="*/ 6858001 h 6858001"/>
+                <a:gd name="connsiteX2" fmla="*/ 5997170 w 6264586"/>
+                <a:gd name="connsiteY2" fmla="*/ 6858001 h 6858001"/>
+                <a:gd name="connsiteX3" fmla="*/ 6121512 w 6264586"/>
+                <a:gd name="connsiteY3" fmla="*/ 6761029 h 6858001"/>
+                <a:gd name="connsiteX4" fmla="*/ 2693206 w 6264586"/>
+                <a:gd name="connsiteY4" fmla="*/ 0 h 6858001"/>
+                <a:gd name="connsiteX5" fmla="*/ 5872285 w 6264586"/>
+                <a:gd name="connsiteY5" fmla="*/ 0 h 6858001"/>
+                <a:gd name="connsiteX6" fmla="*/ 6024875 w 6264586"/>
+                <a:gd name="connsiteY6" fmla="*/ 68385 h 6858001"/>
+                <a:gd name="connsiteX7" fmla="*/ 6206432 w 6264586"/>
+                <a:gd name="connsiteY7" fmla="*/ 162336 h 6858001"/>
+                <a:gd name="connsiteX8" fmla="*/ 6264586 w 6264586"/>
+                <a:gd name="connsiteY8" fmla="*/ 196704 h 6858001"/>
+                <a:gd name="connsiteX9" fmla="*/ 6264586 w 6264586"/>
+                <a:gd name="connsiteY9" fmla="*/ 537242 h 6858001"/>
+                <a:gd name="connsiteX10" fmla="*/ 6230189 w 6264586"/>
+                <a:gd name="connsiteY10" fmla="*/ 517260 h 6858001"/>
+                <a:gd name="connsiteX11" fmla="*/ 5540536 w 6264586"/>
+                <a:gd name="connsiteY11" fmla="*/ 249543 h 6858001"/>
+                <a:gd name="connsiteX12" fmla="*/ 5178896 w 6264586"/>
+                <a:gd name="connsiteY12" fmla="*/ 178606 h 6858001"/>
+                <a:gd name="connsiteX13" fmla="*/ 4814279 w 6264586"/>
+                <a:gd name="connsiteY13" fmla="*/ 146683 h 6858001"/>
+                <a:gd name="connsiteX14" fmla="*/ 4655095 w 6264586"/>
+                <a:gd name="connsiteY14" fmla="*/ 143421 h 6858001"/>
+                <a:gd name="connsiteX15" fmla="*/ 4081069 w 6264586"/>
+                <a:gd name="connsiteY15" fmla="*/ 185983 h 6858001"/>
+                <a:gd name="connsiteX16" fmla="*/ 3720566 w 6264586"/>
+                <a:gd name="connsiteY16" fmla="*/ 256921 h 6858001"/>
+                <a:gd name="connsiteX17" fmla="*/ 3365879 w 6264586"/>
+                <a:gd name="connsiteY17" fmla="*/ 357651 h 6858001"/>
+                <a:gd name="connsiteX18" fmla="*/ 3020555 w 6264586"/>
+                <a:gd name="connsiteY18" fmla="*/ 486190 h 6858001"/>
+                <a:gd name="connsiteX19" fmla="*/ 2685163 w 6264586"/>
+                <a:gd name="connsiteY19" fmla="*/ 641542 h 6858001"/>
+                <a:gd name="connsiteX20" fmla="*/ 2047720 w 6264586"/>
+                <a:gd name="connsiteY20" fmla="*/ 1025030 h 6858001"/>
+                <a:gd name="connsiteX21" fmla="*/ 1897333 w 6264586"/>
+                <a:gd name="connsiteY21" fmla="*/ 1134983 h 6858001"/>
+                <a:gd name="connsiteX22" fmla="*/ 1835758 w 6264586"/>
+                <a:gd name="connsiteY22" fmla="*/ 1182227 h 6858001"/>
+                <a:gd name="connsiteX23" fmla="*/ 1823273 w 6264586"/>
+                <a:gd name="connsiteY23" fmla="*/ 1192016 h 6858001"/>
+                <a:gd name="connsiteX24" fmla="*/ 1750918 w 6264586"/>
+                <a:gd name="connsiteY24" fmla="*/ 1249760 h 6858001"/>
+                <a:gd name="connsiteX25" fmla="*/ 1469297 w 6264586"/>
+                <a:gd name="connsiteY25" fmla="*/ 1496906 h 6858001"/>
+                <a:gd name="connsiteX26" fmla="*/ 967769 w 6264586"/>
+                <a:gd name="connsiteY26" fmla="*/ 2056602 h 6858001"/>
+                <a:gd name="connsiteX27" fmla="*/ 754105 w 6264586"/>
+                <a:gd name="connsiteY27" fmla="*/ 2368727 h 6858001"/>
+                <a:gd name="connsiteX28" fmla="*/ 572364 w 6264586"/>
+                <a:gd name="connsiteY28" fmla="*/ 2701140 h 6858001"/>
+                <a:gd name="connsiteX29" fmla="*/ 532497 w 6264586"/>
+                <a:gd name="connsiteY29" fmla="*/ 2786265 h 6858001"/>
+                <a:gd name="connsiteX30" fmla="*/ 512918 w 6264586"/>
+                <a:gd name="connsiteY30" fmla="*/ 2828827 h 6858001"/>
+                <a:gd name="connsiteX31" fmla="*/ 494475 w 6264586"/>
+                <a:gd name="connsiteY31" fmla="*/ 2872240 h 6858001"/>
+                <a:gd name="connsiteX32" fmla="*/ 491637 w 6264586"/>
+                <a:gd name="connsiteY32" fmla="*/ 2878908 h 6858001"/>
+                <a:gd name="connsiteX33" fmla="*/ 459290 w 6264586"/>
+                <a:gd name="connsiteY33" fmla="*/ 2959635 h 6858001"/>
+                <a:gd name="connsiteX34" fmla="*/ 446805 w 6264586"/>
+                <a:gd name="connsiteY34" fmla="*/ 2992408 h 6858001"/>
+                <a:gd name="connsiteX35" fmla="*/ 426090 w 6264586"/>
+                <a:gd name="connsiteY35" fmla="*/ 3049158 h 6858001"/>
+                <a:gd name="connsiteX36" fmla="*/ 426090 w 6264586"/>
+                <a:gd name="connsiteY36" fmla="*/ 3049867 h 6858001"/>
+                <a:gd name="connsiteX37" fmla="*/ 318124 w 6264586"/>
+                <a:gd name="connsiteY37" fmla="*/ 3414202 h 6858001"/>
+                <a:gd name="connsiteX38" fmla="*/ 230729 w 6264586"/>
+                <a:gd name="connsiteY38" fmla="*/ 4169260 h 6858001"/>
+                <a:gd name="connsiteX39" fmla="*/ 268893 w 6264586"/>
+                <a:gd name="connsiteY39" fmla="*/ 4544236 h 6858001"/>
+                <a:gd name="connsiteX40" fmla="*/ 379840 w 6264586"/>
+                <a:gd name="connsiteY40" fmla="*/ 4900056 h 6858001"/>
+                <a:gd name="connsiteX41" fmla="*/ 406512 w 6264586"/>
+                <a:gd name="connsiteY41" fmla="*/ 4960211 h 6858001"/>
+                <a:gd name="connsiteX42" fmla="*/ 417862 w 6264586"/>
+                <a:gd name="connsiteY42" fmla="*/ 4984613 h 6858001"/>
+                <a:gd name="connsiteX43" fmla="*/ 428077 w 6264586"/>
+                <a:gd name="connsiteY43" fmla="*/ 5005043 h 6858001"/>
+                <a:gd name="connsiteX44" fmla="*/ 460140 w 6264586"/>
+                <a:gd name="connsiteY44" fmla="*/ 5067327 h 6858001"/>
+                <a:gd name="connsiteX45" fmla="*/ 555197 w 6264586"/>
+                <a:gd name="connsiteY45" fmla="*/ 5229773 h 6858001"/>
+                <a:gd name="connsiteX46" fmla="*/ 660611 w 6264586"/>
+                <a:gd name="connsiteY46" fmla="*/ 5387396 h 6858001"/>
+                <a:gd name="connsiteX47" fmla="*/ 774110 w 6264586"/>
+                <a:gd name="connsiteY47" fmla="*/ 5542182 h 6858001"/>
+                <a:gd name="connsiteX48" fmla="*/ 917829 w 6264586"/>
+                <a:gd name="connsiteY48" fmla="*/ 5727896 h 6858001"/>
+                <a:gd name="connsiteX49" fmla="*/ 1012885 w 6264586"/>
+                <a:gd name="connsiteY49" fmla="*/ 5849767 h 6858001"/>
+                <a:gd name="connsiteX50" fmla="*/ 1133053 w 6264586"/>
+                <a:gd name="connsiteY50" fmla="*/ 6006822 h 6858001"/>
+                <a:gd name="connsiteX51" fmla="*/ 1194343 w 6264586"/>
+                <a:gd name="connsiteY51" fmla="*/ 6090245 h 6858001"/>
+                <a:gd name="connsiteX52" fmla="*/ 1249390 w 6264586"/>
+                <a:gd name="connsiteY52" fmla="*/ 6165155 h 6858001"/>
+                <a:gd name="connsiteX53" fmla="*/ 1345724 w 6264586"/>
+                <a:gd name="connsiteY53" fmla="*/ 6292132 h 6858001"/>
+                <a:gd name="connsiteX54" fmla="*/ 1364310 w 6264586"/>
+                <a:gd name="connsiteY54" fmla="*/ 6316251 h 6858001"/>
+                <a:gd name="connsiteX55" fmla="*/ 1373673 w 6264586"/>
+                <a:gd name="connsiteY55" fmla="*/ 6327885 h 6858001"/>
+                <a:gd name="connsiteX56" fmla="*/ 1484619 w 6264586"/>
+                <a:gd name="connsiteY56" fmla="*/ 6462240 h 6858001"/>
+                <a:gd name="connsiteX57" fmla="*/ 1739000 w 6264586"/>
+                <a:gd name="connsiteY57" fmla="*/ 6737335 h 6858001"/>
+                <a:gd name="connsiteX58" fmla="*/ 1866801 w 6264586"/>
+                <a:gd name="connsiteY58" fmla="*/ 6858001 h 6858001"/>
+                <a:gd name="connsiteX59" fmla="*/ 1144149 w 6264586"/>
+                <a:gd name="connsiteY59" fmla="*/ 6858001 h 6858001"/>
+                <a:gd name="connsiteX60" fmla="*/ 1058349 w 6264586"/>
+                <a:gd name="connsiteY60" fmla="*/ 6766452 h 6858001"/>
+                <a:gd name="connsiteX61" fmla="*/ 580309 w 6264586"/>
+                <a:gd name="connsiteY61" fmla="*/ 6105000 h 6858001"/>
+                <a:gd name="connsiteX62" fmla="*/ 1 w 6264586"/>
+                <a:gd name="connsiteY62" fmla="*/ 3960094 h 6858001"/>
+                <a:gd name="connsiteX63" fmla="*/ 2599292 w 6264586"/>
+                <a:gd name="connsiteY63" fmla="*/ 37050 h 6858001"/>
+              </a:gdLst>
+              <a:ahLst/>
+              <a:cxnLst>
+                <a:cxn ang="0">
+                  <a:pos x="connsiteX0" y="connsiteY0"/>
+                </a:cxn>
+                <a:cxn ang="0">
+                  <a:pos x="connsiteX1" y="connsiteY1"/>
+                </a:cxn>
+                <a:cxn ang="0">
+                  <a:pos x="connsiteX2" y="connsiteY2"/>
+                </a:cxn>
+                <a:cxn ang="0">
+                  <a:pos x="connsiteX3" y="connsiteY3"/>
+                </a:cxn>
+                <a:cxn ang="0">
+                  <a:pos x="connsiteX4" y="connsiteY4"/>
+                </a:cxn>
+                <a:cxn ang="0">
+                  <a:pos x="connsiteX5" y="connsiteY5"/>
+                </a:cxn>
+                <a:cxn ang="0">
+                  <a:pos x="connsiteX6" y="connsiteY6"/>
+                </a:cxn>
+                <a:cxn ang="0">
+                  <a:pos x="connsiteX7" y="connsiteY7"/>
+                </a:cxn>
+                <a:cxn ang="0">
+                  <a:pos x="connsiteX8" y="connsiteY8"/>
+                </a:cxn>
+                <a:cxn ang="0">
+                  <a:pos x="connsiteX9" y="connsiteY9"/>
+                </a:cxn>
+                <a:cxn ang="0">
+                  <a:pos x="connsiteX10" y="connsiteY10"/>
+                </a:cxn>
+                <a:cxn ang="0">
+                  <a:pos x="connsiteX11" y="connsiteY11"/>
+                </a:cxn>
+                <a:cxn ang="0">
+                  <a:pos x="connsiteX12" y="connsiteY12"/>
+                </a:cxn>
+                <a:cxn ang="0">
+                  <a:pos x="connsiteX13" y="connsiteY13"/>
+                </a:cxn>
+                <a:cxn ang="0">
+                  <a:pos x="connsiteX14" y="connsiteY14"/>
+                </a:cxn>
+                <a:cxn ang="0">
+                  <a:pos x="connsiteX15" y="connsiteY15"/>
+                </a:cxn>
+                <a:cxn ang="0">
+                  <a:pos x="connsiteX16" y="connsiteY16"/>
+                </a:cxn>
+                <a:cxn ang="0">
+                  <a:pos x="connsiteX17" y="connsiteY17"/>
+                </a:cxn>
+                <a:cxn ang="0">
+                  <a:pos x="connsiteX18" y="connsiteY18"/>
+                </a:cxn>
+                <a:cxn ang="0">
+                  <a:pos x="connsiteX19" y="connsiteY19"/>
+                </a:cxn>
+                <a:cxn ang="0">
+                  <a:pos x="connsiteX20" y="connsiteY20"/>
+                </a:cxn>
+                <a:cxn ang="0">
+                  <a:pos x="connsiteX21" y="connsiteY21"/>
+                </a:cxn>
+                <a:cxn ang="0">
+                  <a:pos x="connsiteX22" y="connsiteY22"/>
+                </a:cxn>
+                <a:cxn ang="0">
+                  <a:pos x="connsiteX23" y="connsiteY23"/>
+                </a:cxn>
+                <a:cxn ang="0">
+                  <a:pos x="connsiteX24" y="connsiteY24"/>
+                </a:cxn>
+                <a:cxn ang="0">
+                  <a:pos x="connsiteX25" y="connsiteY25"/>
+                </a:cxn>
+                <a:cxn ang="0">
+                  <a:pos x="connsiteX26" y="connsiteY26"/>
+                </a:cxn>
+                <a:cxn ang="0">
+                  <a:pos x="connsiteX27" y="connsiteY27"/>
+                </a:cxn>
+                <a:cxn ang="0">
+                  <a:pos x="connsiteX28" y="connsiteY28"/>
+                </a:cxn>
+                <a:cxn ang="0">
+                  <a:pos x="connsiteX29" y="connsiteY29"/>
+                </a:cxn>
+                <a:cxn ang="0">
+                  <a:pos x="connsiteX30" y="connsiteY30"/>
+                </a:cxn>
+                <a:cxn ang="0">
+                  <a:pos x="connsiteX31" y="connsiteY31"/>
+                </a:cxn>
+                <a:cxn ang="0">
+                  <a:pos x="connsiteX32" y="connsiteY32"/>
+                </a:cxn>
+                <a:cxn ang="0">
+                  <a:pos x="connsiteX33" y="connsiteY33"/>
+                </a:cxn>
+                <a:cxn ang="0">
+                  <a:pos x="connsiteX34" y="connsiteY34"/>
+                </a:cxn>
+                <a:cxn ang="0">
+                  <a:pos x="connsiteX35" y="connsiteY35"/>
+                </a:cxn>
+                <a:cxn ang="0">
+                  <a:pos x="connsiteX36" y="connsiteY36"/>
+                </a:cxn>
+                <a:cxn ang="0">
+                  <a:pos x="connsiteX37" y="connsiteY37"/>
+                </a:cxn>
+                <a:cxn ang="0">
+                  <a:pos x="connsiteX38" y="connsiteY38"/>
+                </a:cxn>
+                <a:cxn ang="0">
+                  <a:pos x="connsiteX39" y="connsiteY39"/>
+                </a:cxn>
+                <a:cxn ang="0">
+                  <a:pos x="connsiteX40" y="connsiteY40"/>
+                </a:cxn>
+                <a:cxn ang="0">
+                  <a:pos x="connsiteX41" y="connsiteY41"/>
+                </a:cxn>
+                <a:cxn ang="0">
+                  <a:pos x="connsiteX42" y="connsiteY42"/>
+                </a:cxn>
+                <a:cxn ang="0">
+                  <a:pos x="connsiteX43" y="connsiteY43"/>
+                </a:cxn>
+                <a:cxn ang="0">
+                  <a:pos x="connsiteX44" y="connsiteY44"/>
+                </a:cxn>
+                <a:cxn ang="0">
+                  <a:pos x="connsiteX45" y="connsiteY45"/>
+                </a:cxn>
+                <a:cxn ang="0">
+                  <a:pos x="connsiteX46" y="connsiteY46"/>
+                </a:cxn>
+                <a:cxn ang="0">
+                  <a:pos x="connsiteX47" y="connsiteY47"/>
+                </a:cxn>
+                <a:cxn ang="0">
+                  <a:pos x="connsiteX48" y="connsiteY48"/>
+                </a:cxn>
+                <a:cxn ang="0">
+                  <a:pos x="connsiteX49" y="connsiteY49"/>
+                </a:cxn>
+                <a:cxn ang="0">
+                  <a:pos x="connsiteX50" y="connsiteY50"/>
+                </a:cxn>
+                <a:cxn ang="0">
+                  <a:pos x="connsiteX51" y="connsiteY51"/>
+                </a:cxn>
+                <a:cxn ang="0">
+                  <a:pos x="connsiteX52" y="connsiteY52"/>
+                </a:cxn>
+                <a:cxn ang="0">
+                  <a:pos x="connsiteX53" y="connsiteY53"/>
+                </a:cxn>
+                <a:cxn ang="0">
+                  <a:pos x="connsiteX54" y="connsiteY54"/>
+                </a:cxn>
+                <a:cxn ang="0">
+                  <a:pos x="connsiteX55" y="connsiteY55"/>
+                </a:cxn>
+                <a:cxn ang="0">
+                  <a:pos x="connsiteX56" y="connsiteY56"/>
+                </a:cxn>
+                <a:cxn ang="0">
+                  <a:pos x="connsiteX57" y="connsiteY57"/>
+                </a:cxn>
+                <a:cxn ang="0">
+                  <a:pos x="connsiteX58" y="connsiteY58"/>
+                </a:cxn>
+                <a:cxn ang="0">
+                  <a:pos x="connsiteX59" y="connsiteY59"/>
+                </a:cxn>
+                <a:cxn ang="0">
+                  <a:pos x="connsiteX60" y="connsiteY60"/>
+                </a:cxn>
+                <a:cxn ang="0">
+                  <a:pos x="connsiteX61" y="connsiteY61"/>
+                </a:cxn>
+                <a:cxn ang="0">
+                  <a:pos x="connsiteX62" y="connsiteY62"/>
+                </a:cxn>
+                <a:cxn ang="0">
+                  <a:pos x="connsiteX63" y="connsiteY63"/>
+                </a:cxn>
+              </a:cxnLst>
+              <a:rect l="l" t="t" r="r" b="b"/>
+              <a:pathLst>
+                <a:path w="6264586" h="6858001">
+                  <a:moveTo>
+                    <a:pt x="6264586" y="6646464"/>
+                  </a:moveTo>
+                  <a:lnTo>
+                    <a:pt x="6264586" y="6858001"/>
+                  </a:lnTo>
+                  <a:lnTo>
+                    <a:pt x="5997170" y="6858001"/>
+                  </a:lnTo>
+                  <a:lnTo>
+                    <a:pt x="6121512" y="6761029"/>
+                  </a:lnTo>
+                  <a:close/>
+                  <a:moveTo>
+                    <a:pt x="2693206" y="0"/>
+                  </a:moveTo>
+                  <a:lnTo>
+                    <a:pt x="5872285" y="0"/>
+                  </a:lnTo>
+                  <a:lnTo>
+                    <a:pt x="6024875" y="68385"/>
+                  </a:lnTo>
+                  <a:cubicBezTo>
+                    <a:pt x="6086250" y="97989"/>
+                    <a:pt x="6146793" y="129318"/>
+                    <a:pt x="6206432" y="162336"/>
+                  </a:cubicBezTo>
+                  <a:lnTo>
+                    <a:pt x="6264586" y="196704"/>
+                  </a:lnTo>
+                  <a:lnTo>
+                    <a:pt x="6264586" y="537242"/>
+                  </a:lnTo>
+                  <a:lnTo>
+                    <a:pt x="6230189" y="517260"/>
+                  </a:lnTo>
+                  <a:cubicBezTo>
+                    <a:pt x="6012226" y="399931"/>
+                    <a:pt x="5780573" y="310008"/>
+                    <a:pt x="5540536" y="249543"/>
+                  </a:cubicBezTo>
+                  <a:cubicBezTo>
+                    <a:pt x="5421375" y="219324"/>
+                    <a:pt x="5300641" y="195644"/>
+                    <a:pt x="5178896" y="178606"/>
+                  </a:cubicBezTo>
+                  <a:cubicBezTo>
+                    <a:pt x="5057977" y="161840"/>
+                    <a:pt x="4936276" y="151186"/>
+                    <a:pt x="4814279" y="146683"/>
+                  </a:cubicBezTo>
+                  <a:cubicBezTo>
+                    <a:pt x="4761501" y="144556"/>
+                    <a:pt x="4708015" y="143421"/>
+                    <a:pt x="4655095" y="143421"/>
+                  </a:cubicBezTo>
+                  <a:cubicBezTo>
+                    <a:pt x="4462968" y="143573"/>
+                    <a:pt x="4271111" y="157799"/>
+                    <a:pt x="4081069" y="185983"/>
+                  </a:cubicBezTo>
+                  <a:cubicBezTo>
+                    <a:pt x="3956361" y="205703"/>
+                    <a:pt x="3835058" y="229396"/>
+                    <a:pt x="3720566" y="256921"/>
+                  </a:cubicBezTo>
+                  <a:cubicBezTo>
+                    <a:pt x="3596708" y="286714"/>
+                    <a:pt x="3477677" y="320905"/>
+                    <a:pt x="3365879" y="357651"/>
+                  </a:cubicBezTo>
+                  <a:cubicBezTo>
+                    <a:pt x="3249257" y="395958"/>
+                    <a:pt x="3133487" y="438945"/>
+                    <a:pt x="3020555" y="486190"/>
+                  </a:cubicBezTo>
+                  <a:cubicBezTo>
+                    <a:pt x="2907623" y="533434"/>
+                    <a:pt x="2794832" y="585786"/>
+                    <a:pt x="2685163" y="641542"/>
+                  </a:cubicBezTo>
+                  <a:cubicBezTo>
+                    <a:pt x="2463995" y="754348"/>
+                    <a:pt x="2250998" y="882488"/>
+                    <a:pt x="2047720" y="1025030"/>
+                  </a:cubicBezTo>
+                  <a:cubicBezTo>
+                    <a:pt x="2006151" y="1054399"/>
+                    <a:pt x="1951528" y="1093415"/>
+                    <a:pt x="1897333" y="1134983"/>
+                  </a:cubicBezTo>
+                  <a:cubicBezTo>
+                    <a:pt x="1876761" y="1150164"/>
+                    <a:pt x="1855905" y="1166479"/>
+                    <a:pt x="1835758" y="1182227"/>
+                  </a:cubicBezTo>
+                  <a:lnTo>
+                    <a:pt x="1823273" y="1192016"/>
+                  </a:lnTo>
+                  <a:cubicBezTo>
+                    <a:pt x="1797027" y="1211879"/>
+                    <a:pt x="1772057" y="1232309"/>
+                    <a:pt x="1750918" y="1249760"/>
+                  </a:cubicBezTo>
+                  <a:cubicBezTo>
+                    <a:pt x="1645931" y="1335737"/>
+                    <a:pt x="1554422" y="1416605"/>
+                    <a:pt x="1469297" y="1496906"/>
+                  </a:cubicBezTo>
+                  <a:cubicBezTo>
+                    <a:pt x="1286595" y="1668957"/>
+                    <a:pt x="1118818" y="1856190"/>
+                    <a:pt x="967769" y="2056602"/>
+                  </a:cubicBezTo>
+                  <a:cubicBezTo>
+                    <a:pt x="890731" y="2159603"/>
+                    <a:pt x="818800" y="2264590"/>
+                    <a:pt x="754105" y="2368727"/>
+                  </a:cubicBezTo>
+                  <a:cubicBezTo>
+                    <a:pt x="681749" y="2488328"/>
+                    <a:pt x="622304" y="2596720"/>
+                    <a:pt x="572364" y="2701140"/>
+                  </a:cubicBezTo>
+                  <a:cubicBezTo>
+                    <a:pt x="557609" y="2730507"/>
+                    <a:pt x="543989" y="2760443"/>
+                    <a:pt x="532497" y="2786265"/>
+                  </a:cubicBezTo>
+                  <a:lnTo>
+                    <a:pt x="512918" y="2828827"/>
+                  </a:lnTo>
+                  <a:lnTo>
+                    <a:pt x="494475" y="2872240"/>
+                  </a:lnTo>
+                  <a:lnTo>
+                    <a:pt x="491637" y="2878908"/>
+                  </a:lnTo>
+                  <a:cubicBezTo>
+                    <a:pt x="480146" y="2906575"/>
+                    <a:pt x="469220" y="2932821"/>
+                    <a:pt x="459290" y="2959635"/>
+                  </a:cubicBezTo>
+                  <a:cubicBezTo>
+                    <a:pt x="455176" y="2970559"/>
+                    <a:pt x="451060" y="2981484"/>
+                    <a:pt x="446805" y="2992408"/>
+                  </a:cubicBezTo>
+                  <a:cubicBezTo>
+                    <a:pt x="439427" y="3012412"/>
+                    <a:pt x="432333" y="3030572"/>
+                    <a:pt x="426090" y="3049158"/>
+                  </a:cubicBezTo>
+                  <a:lnTo>
+                    <a:pt x="426090" y="3049867"/>
+                  </a:lnTo>
+                  <a:cubicBezTo>
+                    <a:pt x="383010" y="3169099"/>
+                    <a:pt x="346959" y="3290756"/>
+                    <a:pt x="318124" y="3414202"/>
+                  </a:cubicBezTo>
+                  <a:cubicBezTo>
+                    <a:pt x="260107" y="3661703"/>
+                    <a:pt x="230780" y="3915049"/>
+                    <a:pt x="230729" y="4169260"/>
+                  </a:cubicBezTo>
+                  <a:cubicBezTo>
+                    <a:pt x="231621" y="4295173"/>
+                    <a:pt x="244398" y="4420719"/>
+                    <a:pt x="268893" y="4544236"/>
+                  </a:cubicBezTo>
+                  <a:cubicBezTo>
+                    <a:pt x="293708" y="4666304"/>
+                    <a:pt x="330882" y="4785521"/>
+                    <a:pt x="379840" y="4900056"/>
+                  </a:cubicBezTo>
+                  <a:cubicBezTo>
+                    <a:pt x="387926" y="4919919"/>
+                    <a:pt x="397006" y="4939498"/>
+                    <a:pt x="406512" y="4960211"/>
+                  </a:cubicBezTo>
+                  <a:cubicBezTo>
+                    <a:pt x="410343" y="4968299"/>
+                    <a:pt x="414173" y="4976385"/>
+                    <a:pt x="417862" y="4984613"/>
+                  </a:cubicBezTo>
+                  <a:lnTo>
+                    <a:pt x="428077" y="5005043"/>
+                  </a:lnTo>
+                  <a:cubicBezTo>
+                    <a:pt x="438860" y="5026751"/>
+                    <a:pt x="449075" y="5047181"/>
+                    <a:pt x="460140" y="5067327"/>
+                  </a:cubicBezTo>
+                  <a:cubicBezTo>
+                    <a:pt x="485536" y="5116273"/>
+                    <a:pt x="514763" y="5165789"/>
+                    <a:pt x="555197" y="5229773"/>
+                  </a:cubicBezTo>
+                  <a:cubicBezTo>
+                    <a:pt x="586836" y="5280282"/>
+                    <a:pt x="620318" y="5329511"/>
+                    <a:pt x="660611" y="5387396"/>
+                  </a:cubicBezTo>
+                  <a:cubicBezTo>
+                    <a:pt x="698065" y="5440741"/>
+                    <a:pt x="737223" y="5493094"/>
+                    <a:pt x="774110" y="5542182"/>
+                  </a:cubicBezTo>
+                  <a:cubicBezTo>
+                    <a:pt x="821070" y="5604324"/>
+                    <a:pt x="870301" y="5667173"/>
+                    <a:pt x="917829" y="5727896"/>
+                  </a:cubicBezTo>
+                  <a:cubicBezTo>
+                    <a:pt x="949042" y="5767762"/>
+                    <a:pt x="979828" y="5807063"/>
+                    <a:pt x="1012885" y="5849767"/>
+                  </a:cubicBezTo>
+                  <a:cubicBezTo>
+                    <a:pt x="1045942" y="5892471"/>
+                    <a:pt x="1089497" y="5948796"/>
+                    <a:pt x="1133053" y="6006822"/>
+                  </a:cubicBezTo>
+                  <a:cubicBezTo>
+                    <a:pt x="1153624" y="6034345"/>
+                    <a:pt x="1175332" y="6063998"/>
+                    <a:pt x="1194343" y="6090245"/>
+                  </a:cubicBezTo>
+                  <a:cubicBezTo>
+                    <a:pt x="1213355" y="6116491"/>
+                    <a:pt x="1231372" y="6141178"/>
+                    <a:pt x="1249390" y="6165155"/>
+                  </a:cubicBezTo>
+                  <a:cubicBezTo>
+                    <a:pt x="1280461" y="6208000"/>
+                    <a:pt x="1313659" y="6250847"/>
+                    <a:pt x="1345724" y="6292132"/>
+                  </a:cubicBezTo>
+                  <a:lnTo>
+                    <a:pt x="1364310" y="6316251"/>
+                  </a:lnTo>
+                  <a:lnTo>
+                    <a:pt x="1373673" y="6327885"/>
+                  </a:lnTo>
+                  <a:cubicBezTo>
+                    <a:pt x="1409566" y="6372433"/>
+                    <a:pt x="1446738" y="6418542"/>
+                    <a:pt x="1484619" y="6462240"/>
+                  </a:cubicBezTo>
+                  <a:cubicBezTo>
+                    <a:pt x="1567899" y="6559850"/>
+                    <a:pt x="1653876" y="6652211"/>
+                    <a:pt x="1739000" y="6737335"/>
+                  </a:cubicBezTo>
+                  <a:lnTo>
+                    <a:pt x="1866801" y="6858001"/>
+                  </a:lnTo>
+                  <a:lnTo>
+                    <a:pt x="1144149" y="6858001"/>
+                  </a:lnTo>
+                  <a:lnTo>
+                    <a:pt x="1058349" y="6766452"/>
+                  </a:lnTo>
+                  <a:cubicBezTo>
+                    <a:pt x="878978" y="6562465"/>
+                    <a:pt x="718756" y="6341104"/>
+                    <a:pt x="580309" y="6105000"/>
+                  </a:cubicBezTo>
+                  <a:cubicBezTo>
+                    <a:pt x="200401" y="5454007"/>
+                    <a:pt x="146" y="4713831"/>
+                    <a:pt x="1" y="3960094"/>
+                  </a:cubicBezTo>
+                  <a:cubicBezTo>
+                    <a:pt x="-335" y="2196754"/>
+                    <a:pt x="1071479" y="683605"/>
+                    <a:pt x="2599292" y="37050"/>
+                  </a:cubicBezTo>
+                  <a:close/>
+                </a:path>
+              </a:pathLst>
+            </a:custGeom>
+            <a:gradFill>
+              <a:gsLst>
+                <a:gs pos="2000">
+                  <a:schemeClr val="bg1">
+                    <a:alpha val="10000"/>
+                  </a:schemeClr>
+                </a:gs>
+                <a:gs pos="16000">
+                  <a:schemeClr val="accent6">
+                    <a:alpha val="10000"/>
+                  </a:schemeClr>
+                </a:gs>
+                <a:gs pos="100000">
+                  <a:schemeClr val="bg1">
+                    <a:alpha val="10000"/>
+                  </a:schemeClr>
+                </a:gs>
+                <a:gs pos="85000">
+                  <a:schemeClr val="accent1">
+                    <a:alpha val="10000"/>
+                  </a:schemeClr>
+                </a:gs>
+              </a:gsLst>
+              <a:lin ang="12000000" scaled="0"/>
+            </a:gradFill>
+            <a:ln>
+              <a:noFill/>
+            </a:ln>
+          </p:spPr>
+          <p:style>
+            <a:lnRef idx="2">
+              <a:schemeClr val="accent1">
+                <a:shade val="50000"/>
+              </a:schemeClr>
+            </a:lnRef>
+            <a:fillRef idx="1">
+              <a:schemeClr val="accent1"/>
+            </a:fillRef>
+            <a:effectRef idx="0">
+              <a:schemeClr val="accent1"/>
+            </a:effectRef>
+            <a:fontRef idx="minor">
+              <a:schemeClr val="lt1"/>
+            </a:fontRef>
+          </p:style>
+          <p:txBody>
+            <a:bodyPr rtlCol="0" anchor="ctr"/>
+            <a:lstStyle/>
+            <a:p>
+              <a:pPr algn="ctr"/>
+              <a:endParaRPr lang="en-US" dirty="0"/>
+            </a:p>
+          </p:txBody>
+        </p:sp>
+        <p:sp>
+          <p:nvSpPr>
+            <p:cNvPr id="25" name="Freeform: Shape 24">
+              <a:extLst>
+                <a:ext uri="{FF2B5EF4-FFF2-40B4-BE49-F238E27FC236}">
+                  <a16:creationId xmlns:a16="http://schemas.microsoft.com/office/drawing/2014/main" id="{C093DC50-3BD7-46B1-A300-CD207E152FF4}"/>
+                </a:ext>
+                <a:ext uri="{C183D7F6-B498-43B3-948B-1728B52AA6E4}">
+                  <adec:decorative xmlns:adec="http://schemas.microsoft.com/office/drawing/2017/decorative" val="1"/>
+                </a:ext>
+              </a:extLst>
+            </p:cNvPr>
+            <p:cNvSpPr/>
+            <p:nvPr>
+              <p:extLst>
+                <p:ext uri="{386F3935-93C4-4BCD-93E2-E3B085C9AB24}">
+                  <p16:designElem xmlns:p16="http://schemas.microsoft.com/office/powerpoint/2015/main" val="1"/>
+                </p:ext>
+              </p:extLst>
+            </p:nvPr>
+          </p:nvSpPr>
+          <p:spPr>
+            <a:xfrm flipH="1">
+              <a:off x="305" y="-5977"/>
+              <a:ext cx="6238675" cy="6858001"/>
+            </a:xfrm>
+            <a:custGeom>
+              <a:avLst/>
+              <a:gdLst>
+                <a:gd name="connsiteX0" fmla="*/ 6264586 w 6264586"/>
+                <a:gd name="connsiteY0" fmla="*/ 6646464 h 6858001"/>
+                <a:gd name="connsiteX1" fmla="*/ 6264586 w 6264586"/>
+                <a:gd name="connsiteY1" fmla="*/ 6858001 h 6858001"/>
+                <a:gd name="connsiteX2" fmla="*/ 5997170 w 6264586"/>
+                <a:gd name="connsiteY2" fmla="*/ 6858001 h 6858001"/>
+                <a:gd name="connsiteX3" fmla="*/ 6121512 w 6264586"/>
+                <a:gd name="connsiteY3" fmla="*/ 6761029 h 6858001"/>
+                <a:gd name="connsiteX4" fmla="*/ 2693206 w 6264586"/>
+                <a:gd name="connsiteY4" fmla="*/ 0 h 6858001"/>
+                <a:gd name="connsiteX5" fmla="*/ 5872285 w 6264586"/>
+                <a:gd name="connsiteY5" fmla="*/ 0 h 6858001"/>
+                <a:gd name="connsiteX6" fmla="*/ 6024875 w 6264586"/>
+                <a:gd name="connsiteY6" fmla="*/ 68385 h 6858001"/>
+                <a:gd name="connsiteX7" fmla="*/ 6206432 w 6264586"/>
+                <a:gd name="connsiteY7" fmla="*/ 162336 h 6858001"/>
+                <a:gd name="connsiteX8" fmla="*/ 6264586 w 6264586"/>
+                <a:gd name="connsiteY8" fmla="*/ 196704 h 6858001"/>
+                <a:gd name="connsiteX9" fmla="*/ 6264586 w 6264586"/>
+                <a:gd name="connsiteY9" fmla="*/ 537242 h 6858001"/>
+                <a:gd name="connsiteX10" fmla="*/ 6230189 w 6264586"/>
+                <a:gd name="connsiteY10" fmla="*/ 517260 h 6858001"/>
+                <a:gd name="connsiteX11" fmla="*/ 5540536 w 6264586"/>
+                <a:gd name="connsiteY11" fmla="*/ 249543 h 6858001"/>
+                <a:gd name="connsiteX12" fmla="*/ 5178896 w 6264586"/>
+                <a:gd name="connsiteY12" fmla="*/ 178606 h 6858001"/>
+                <a:gd name="connsiteX13" fmla="*/ 4814279 w 6264586"/>
+                <a:gd name="connsiteY13" fmla="*/ 146683 h 6858001"/>
+                <a:gd name="connsiteX14" fmla="*/ 4655095 w 6264586"/>
+                <a:gd name="connsiteY14" fmla="*/ 143421 h 6858001"/>
+                <a:gd name="connsiteX15" fmla="*/ 4081069 w 6264586"/>
+                <a:gd name="connsiteY15" fmla="*/ 185983 h 6858001"/>
+                <a:gd name="connsiteX16" fmla="*/ 3720566 w 6264586"/>
+                <a:gd name="connsiteY16" fmla="*/ 256921 h 6858001"/>
+                <a:gd name="connsiteX17" fmla="*/ 3365879 w 6264586"/>
+                <a:gd name="connsiteY17" fmla="*/ 357651 h 6858001"/>
+                <a:gd name="connsiteX18" fmla="*/ 3020555 w 6264586"/>
+                <a:gd name="connsiteY18" fmla="*/ 486190 h 6858001"/>
+                <a:gd name="connsiteX19" fmla="*/ 2685163 w 6264586"/>
+                <a:gd name="connsiteY19" fmla="*/ 641542 h 6858001"/>
+                <a:gd name="connsiteX20" fmla="*/ 2047720 w 6264586"/>
+                <a:gd name="connsiteY20" fmla="*/ 1025030 h 6858001"/>
+                <a:gd name="connsiteX21" fmla="*/ 1897333 w 6264586"/>
+                <a:gd name="connsiteY21" fmla="*/ 1134983 h 6858001"/>
+                <a:gd name="connsiteX22" fmla="*/ 1835758 w 6264586"/>
+                <a:gd name="connsiteY22" fmla="*/ 1182227 h 6858001"/>
+                <a:gd name="connsiteX23" fmla="*/ 1823273 w 6264586"/>
+                <a:gd name="connsiteY23" fmla="*/ 1192016 h 6858001"/>
+                <a:gd name="connsiteX24" fmla="*/ 1750918 w 6264586"/>
+                <a:gd name="connsiteY24" fmla="*/ 1249760 h 6858001"/>
+                <a:gd name="connsiteX25" fmla="*/ 1469297 w 6264586"/>
+                <a:gd name="connsiteY25" fmla="*/ 1496906 h 6858001"/>
+                <a:gd name="connsiteX26" fmla="*/ 967769 w 6264586"/>
+                <a:gd name="connsiteY26" fmla="*/ 2056602 h 6858001"/>
+                <a:gd name="connsiteX27" fmla="*/ 754105 w 6264586"/>
+                <a:gd name="connsiteY27" fmla="*/ 2368727 h 6858001"/>
+                <a:gd name="connsiteX28" fmla="*/ 572364 w 6264586"/>
+                <a:gd name="connsiteY28" fmla="*/ 2701140 h 6858001"/>
+                <a:gd name="connsiteX29" fmla="*/ 532497 w 6264586"/>
+                <a:gd name="connsiteY29" fmla="*/ 2786265 h 6858001"/>
+                <a:gd name="connsiteX30" fmla="*/ 512918 w 6264586"/>
+                <a:gd name="connsiteY30" fmla="*/ 2828827 h 6858001"/>
+                <a:gd name="connsiteX31" fmla="*/ 494475 w 6264586"/>
+                <a:gd name="connsiteY31" fmla="*/ 2872240 h 6858001"/>
+                <a:gd name="connsiteX32" fmla="*/ 491637 w 6264586"/>
+                <a:gd name="connsiteY32" fmla="*/ 2878908 h 6858001"/>
+                <a:gd name="connsiteX33" fmla="*/ 459290 w 6264586"/>
+                <a:gd name="connsiteY33" fmla="*/ 2959635 h 6858001"/>
+                <a:gd name="connsiteX34" fmla="*/ 446805 w 6264586"/>
+                <a:gd name="connsiteY34" fmla="*/ 2992408 h 6858001"/>
+                <a:gd name="connsiteX35" fmla="*/ 426090 w 6264586"/>
+                <a:gd name="connsiteY35" fmla="*/ 3049158 h 6858001"/>
+                <a:gd name="connsiteX36" fmla="*/ 426090 w 6264586"/>
+                <a:gd name="connsiteY36" fmla="*/ 3049867 h 6858001"/>
+                <a:gd name="connsiteX37" fmla="*/ 318124 w 6264586"/>
+                <a:gd name="connsiteY37" fmla="*/ 3414202 h 6858001"/>
+                <a:gd name="connsiteX38" fmla="*/ 230729 w 6264586"/>
+                <a:gd name="connsiteY38" fmla="*/ 4169260 h 6858001"/>
+                <a:gd name="connsiteX39" fmla="*/ 268893 w 6264586"/>
+                <a:gd name="connsiteY39" fmla="*/ 4544236 h 6858001"/>
+                <a:gd name="connsiteX40" fmla="*/ 379840 w 6264586"/>
+                <a:gd name="connsiteY40" fmla="*/ 4900056 h 6858001"/>
+                <a:gd name="connsiteX41" fmla="*/ 406512 w 6264586"/>
+                <a:gd name="connsiteY41" fmla="*/ 4960211 h 6858001"/>
+                <a:gd name="connsiteX42" fmla="*/ 417862 w 6264586"/>
+                <a:gd name="connsiteY42" fmla="*/ 4984613 h 6858001"/>
+                <a:gd name="connsiteX43" fmla="*/ 428077 w 6264586"/>
+                <a:gd name="connsiteY43" fmla="*/ 5005043 h 6858001"/>
+                <a:gd name="connsiteX44" fmla="*/ 460140 w 6264586"/>
+                <a:gd name="connsiteY44" fmla="*/ 5067327 h 6858001"/>
+                <a:gd name="connsiteX45" fmla="*/ 555197 w 6264586"/>
+                <a:gd name="connsiteY45" fmla="*/ 5229773 h 6858001"/>
+                <a:gd name="connsiteX46" fmla="*/ 660611 w 6264586"/>
+                <a:gd name="connsiteY46" fmla="*/ 5387396 h 6858001"/>
+                <a:gd name="connsiteX47" fmla="*/ 774110 w 6264586"/>
+                <a:gd name="connsiteY47" fmla="*/ 5542182 h 6858001"/>
+                <a:gd name="connsiteX48" fmla="*/ 917829 w 6264586"/>
+                <a:gd name="connsiteY48" fmla="*/ 5727896 h 6858001"/>
+                <a:gd name="connsiteX49" fmla="*/ 1012885 w 6264586"/>
+                <a:gd name="connsiteY49" fmla="*/ 5849767 h 6858001"/>
+                <a:gd name="connsiteX50" fmla="*/ 1133053 w 6264586"/>
+                <a:gd name="connsiteY50" fmla="*/ 6006822 h 6858001"/>
+                <a:gd name="connsiteX51" fmla="*/ 1194343 w 6264586"/>
+                <a:gd name="connsiteY51" fmla="*/ 6090245 h 6858001"/>
+                <a:gd name="connsiteX52" fmla="*/ 1249390 w 6264586"/>
+                <a:gd name="connsiteY52" fmla="*/ 6165155 h 6858001"/>
+                <a:gd name="connsiteX53" fmla="*/ 1345724 w 6264586"/>
+                <a:gd name="connsiteY53" fmla="*/ 6292132 h 6858001"/>
+                <a:gd name="connsiteX54" fmla="*/ 1364310 w 6264586"/>
+                <a:gd name="connsiteY54" fmla="*/ 6316251 h 6858001"/>
+                <a:gd name="connsiteX55" fmla="*/ 1373673 w 6264586"/>
+                <a:gd name="connsiteY55" fmla="*/ 6327885 h 6858001"/>
+                <a:gd name="connsiteX56" fmla="*/ 1484619 w 6264586"/>
+                <a:gd name="connsiteY56" fmla="*/ 6462240 h 6858001"/>
+                <a:gd name="connsiteX57" fmla="*/ 1739000 w 6264586"/>
+                <a:gd name="connsiteY57" fmla="*/ 6737335 h 6858001"/>
+                <a:gd name="connsiteX58" fmla="*/ 1866801 w 6264586"/>
+                <a:gd name="connsiteY58" fmla="*/ 6858001 h 6858001"/>
+                <a:gd name="connsiteX59" fmla="*/ 1144149 w 6264586"/>
+                <a:gd name="connsiteY59" fmla="*/ 6858001 h 6858001"/>
+                <a:gd name="connsiteX60" fmla="*/ 1058349 w 6264586"/>
+                <a:gd name="connsiteY60" fmla="*/ 6766452 h 6858001"/>
+                <a:gd name="connsiteX61" fmla="*/ 580309 w 6264586"/>
+                <a:gd name="connsiteY61" fmla="*/ 6105000 h 6858001"/>
+                <a:gd name="connsiteX62" fmla="*/ 1 w 6264586"/>
+                <a:gd name="connsiteY62" fmla="*/ 3960094 h 6858001"/>
+                <a:gd name="connsiteX63" fmla="*/ 2599292 w 6264586"/>
+                <a:gd name="connsiteY63" fmla="*/ 37050 h 6858001"/>
+              </a:gdLst>
+              <a:ahLst/>
+              <a:cxnLst>
+                <a:cxn ang="0">
+                  <a:pos x="connsiteX0" y="connsiteY0"/>
+                </a:cxn>
+                <a:cxn ang="0">
+                  <a:pos x="connsiteX1" y="connsiteY1"/>
+                </a:cxn>
+                <a:cxn ang="0">
+                  <a:pos x="connsiteX2" y="connsiteY2"/>
+                </a:cxn>
+                <a:cxn ang="0">
+                  <a:pos x="connsiteX3" y="connsiteY3"/>
+                </a:cxn>
+                <a:cxn ang="0">
+                  <a:pos x="connsiteX4" y="connsiteY4"/>
+                </a:cxn>
+                <a:cxn ang="0">
+                  <a:pos x="connsiteX5" y="connsiteY5"/>
+                </a:cxn>
+                <a:cxn ang="0">
+                  <a:pos x="connsiteX6" y="connsiteY6"/>
+                </a:cxn>
+                <a:cxn ang="0">
+                  <a:pos x="connsiteX7" y="connsiteY7"/>
+                </a:cxn>
+                <a:cxn ang="0">
+                  <a:pos x="connsiteX8" y="connsiteY8"/>
+                </a:cxn>
+                <a:cxn ang="0">
+                  <a:pos x="connsiteX9" y="connsiteY9"/>
+                </a:cxn>
+                <a:cxn ang="0">
+                  <a:pos x="connsiteX10" y="connsiteY10"/>
+                </a:cxn>
+                <a:cxn ang="0">
+                  <a:pos x="connsiteX11" y="connsiteY11"/>
+                </a:cxn>
+                <a:cxn ang="0">
+                  <a:pos x="connsiteX12" y="connsiteY12"/>
+                </a:cxn>
+                <a:cxn ang="0">
+                  <a:pos x="connsiteX13" y="connsiteY13"/>
+                </a:cxn>
+                <a:cxn ang="0">
+                  <a:pos x="connsiteX14" y="connsiteY14"/>
+                </a:cxn>
+                <a:cxn ang="0">
+                  <a:pos x="connsiteX15" y="connsiteY15"/>
+                </a:cxn>
+                <a:cxn ang="0">
+                  <a:pos x="connsiteX16" y="connsiteY16"/>
+                </a:cxn>
+                <a:cxn ang="0">
+                  <a:pos x="connsiteX17" y="connsiteY17"/>
+                </a:cxn>
+                <a:cxn ang="0">
+                  <a:pos x="connsiteX18" y="connsiteY18"/>
+                </a:cxn>
+                <a:cxn ang="0">
+                  <a:pos x="connsiteX19" y="connsiteY19"/>
+                </a:cxn>
+                <a:cxn ang="0">
+                  <a:pos x="connsiteX20" y="connsiteY20"/>
+                </a:cxn>
+                <a:cxn ang="0">
+                  <a:pos x="connsiteX21" y="connsiteY21"/>
+                </a:cxn>
+                <a:cxn ang="0">
+                  <a:pos x="connsiteX22" y="connsiteY22"/>
+                </a:cxn>
+                <a:cxn ang="0">
+                  <a:pos x="connsiteX23" y="connsiteY23"/>
+                </a:cxn>
+                <a:cxn ang="0">
+                  <a:pos x="connsiteX24" y="connsiteY24"/>
+                </a:cxn>
+                <a:cxn ang="0">
+                  <a:pos x="connsiteX25" y="connsiteY25"/>
+                </a:cxn>
+                <a:cxn ang="0">
+                  <a:pos x="connsiteX26" y="connsiteY26"/>
+                </a:cxn>
+                <a:cxn ang="0">
+                  <a:pos x="connsiteX27" y="connsiteY27"/>
+                </a:cxn>
+                <a:cxn ang="0">
+                  <a:pos x="connsiteX28" y="connsiteY28"/>
+                </a:cxn>
+                <a:cxn ang="0">
+                  <a:pos x="connsiteX29" y="connsiteY29"/>
+                </a:cxn>
+                <a:cxn ang="0">
+                  <a:pos x="connsiteX30" y="connsiteY30"/>
+                </a:cxn>
+                <a:cxn ang="0">
+                  <a:pos x="connsiteX31" y="connsiteY31"/>
+                </a:cxn>
+                <a:cxn ang="0">
+                  <a:pos x="connsiteX32" y="connsiteY32"/>
+                </a:cxn>
+                <a:cxn ang="0">
+                  <a:pos x="connsiteX33" y="connsiteY33"/>
+                </a:cxn>
+                <a:cxn ang="0">
+                  <a:pos x="connsiteX34" y="connsiteY34"/>
+                </a:cxn>
+                <a:cxn ang="0">
+                  <a:pos x="connsiteX35" y="connsiteY35"/>
+                </a:cxn>
+                <a:cxn ang="0">
+                  <a:pos x="connsiteX36" y="connsiteY36"/>
+                </a:cxn>
+                <a:cxn ang="0">
+                  <a:pos x="connsiteX37" y="connsiteY37"/>
+                </a:cxn>
+                <a:cxn ang="0">
+                  <a:pos x="connsiteX38" y="connsiteY38"/>
+                </a:cxn>
+                <a:cxn ang="0">
+                  <a:pos x="connsiteX39" y="connsiteY39"/>
+                </a:cxn>
+                <a:cxn ang="0">
+                  <a:pos x="connsiteX40" y="connsiteY40"/>
+                </a:cxn>
+                <a:cxn ang="0">
+                  <a:pos x="connsiteX41" y="connsiteY41"/>
+                </a:cxn>
+                <a:cxn ang="0">
+                  <a:pos x="connsiteX42" y="connsiteY42"/>
+                </a:cxn>
+                <a:cxn ang="0">
+                  <a:pos x="connsiteX43" y="connsiteY43"/>
+                </a:cxn>
+                <a:cxn ang="0">
+                  <a:pos x="connsiteX44" y="connsiteY44"/>
+                </a:cxn>
+                <a:cxn ang="0">
+                  <a:pos x="connsiteX45" y="connsiteY45"/>
+                </a:cxn>
+                <a:cxn ang="0">
+                  <a:pos x="connsiteX46" y="connsiteY46"/>
+                </a:cxn>
+                <a:cxn ang="0">
+                  <a:pos x="connsiteX47" y="connsiteY47"/>
+                </a:cxn>
+                <a:cxn ang="0">
+                  <a:pos x="connsiteX48" y="connsiteY48"/>
+                </a:cxn>
+                <a:cxn ang="0">
+                  <a:pos x="connsiteX49" y="connsiteY49"/>
+                </a:cxn>
+                <a:cxn ang="0">
+                  <a:pos x="connsiteX50" y="connsiteY50"/>
+                </a:cxn>
+                <a:cxn ang="0">
+                  <a:pos x="connsiteX51" y="connsiteY51"/>
+                </a:cxn>
+                <a:cxn ang="0">
+                  <a:pos x="connsiteX52" y="connsiteY52"/>
+                </a:cxn>
+                <a:cxn ang="0">
+                  <a:pos x="connsiteX53" y="connsiteY53"/>
+                </a:cxn>
+                <a:cxn ang="0">
+                  <a:pos x="connsiteX54" y="connsiteY54"/>
+                </a:cxn>
+                <a:cxn ang="0">
+                  <a:pos x="connsiteX55" y="connsiteY55"/>
+                </a:cxn>
+                <a:cxn ang="0">
+                  <a:pos x="connsiteX56" y="connsiteY56"/>
+                </a:cxn>
+                <a:cxn ang="0">
+                  <a:pos x="connsiteX57" y="connsiteY57"/>
+                </a:cxn>
+                <a:cxn ang="0">
+                  <a:pos x="connsiteX58" y="connsiteY58"/>
+                </a:cxn>
+                <a:cxn ang="0">
+                  <a:pos x="connsiteX59" y="connsiteY59"/>
+                </a:cxn>
+                <a:cxn ang="0">
+                  <a:pos x="connsiteX60" y="connsiteY60"/>
+                </a:cxn>
+                <a:cxn ang="0">
+                  <a:pos x="connsiteX61" y="connsiteY61"/>
+                </a:cxn>
+                <a:cxn ang="0">
+                  <a:pos x="connsiteX62" y="connsiteY62"/>
+                </a:cxn>
+                <a:cxn ang="0">
+                  <a:pos x="connsiteX63" y="connsiteY63"/>
+                </a:cxn>
+              </a:cxnLst>
+              <a:rect l="l" t="t" r="r" b="b"/>
+              <a:pathLst>
+                <a:path w="6264586" h="6858001">
+                  <a:moveTo>
+                    <a:pt x="6264586" y="6646464"/>
+                  </a:moveTo>
+                  <a:lnTo>
+                    <a:pt x="6264586" y="6858001"/>
+                  </a:lnTo>
+                  <a:lnTo>
+                    <a:pt x="5997170" y="6858001"/>
+                  </a:lnTo>
+                  <a:lnTo>
+                    <a:pt x="6121512" y="6761029"/>
+                  </a:lnTo>
+                  <a:close/>
+                  <a:moveTo>
+                    <a:pt x="2693206" y="0"/>
+                  </a:moveTo>
+                  <a:lnTo>
+                    <a:pt x="5872285" y="0"/>
+                  </a:lnTo>
+                  <a:lnTo>
+                    <a:pt x="6024875" y="68385"/>
+                  </a:lnTo>
+                  <a:cubicBezTo>
+                    <a:pt x="6086250" y="97989"/>
+                    <a:pt x="6146793" y="129318"/>
+                    <a:pt x="6206432" y="162336"/>
+                  </a:cubicBezTo>
+                  <a:lnTo>
+                    <a:pt x="6264586" y="196704"/>
+                  </a:lnTo>
+                  <a:lnTo>
+                    <a:pt x="6264586" y="537242"/>
+                  </a:lnTo>
+                  <a:lnTo>
+                    <a:pt x="6230189" y="517260"/>
+                  </a:lnTo>
+                  <a:cubicBezTo>
+                    <a:pt x="6012226" y="399931"/>
+                    <a:pt x="5780573" y="310008"/>
+                    <a:pt x="5540536" y="249543"/>
+                  </a:cubicBezTo>
+                  <a:cubicBezTo>
+                    <a:pt x="5421375" y="219324"/>
+                    <a:pt x="5300641" y="195644"/>
+                    <a:pt x="5178896" y="178606"/>
+                  </a:cubicBezTo>
+                  <a:cubicBezTo>
+                    <a:pt x="5057977" y="161840"/>
+                    <a:pt x="4936276" y="151186"/>
+                    <a:pt x="4814279" y="146683"/>
+                  </a:cubicBezTo>
+                  <a:cubicBezTo>
+                    <a:pt x="4761501" y="144556"/>
+                    <a:pt x="4708015" y="143421"/>
+                    <a:pt x="4655095" y="143421"/>
+                  </a:cubicBezTo>
+                  <a:cubicBezTo>
+                    <a:pt x="4462968" y="143573"/>
+                    <a:pt x="4271111" y="157799"/>
+                    <a:pt x="4081069" y="185983"/>
+                  </a:cubicBezTo>
+                  <a:cubicBezTo>
+                    <a:pt x="3956361" y="205703"/>
+                    <a:pt x="3835058" y="229396"/>
+                    <a:pt x="3720566" y="256921"/>
+                  </a:cubicBezTo>
+                  <a:cubicBezTo>
+                    <a:pt x="3596708" y="286714"/>
+                    <a:pt x="3477677" y="320905"/>
+                    <a:pt x="3365879" y="357651"/>
+                  </a:cubicBezTo>
+                  <a:cubicBezTo>
+                    <a:pt x="3249257" y="395958"/>
+                    <a:pt x="3133487" y="438945"/>
+                    <a:pt x="3020555" y="486190"/>
+                  </a:cubicBezTo>
+                  <a:cubicBezTo>
+                    <a:pt x="2907623" y="533434"/>
+                    <a:pt x="2794832" y="585786"/>
+                    <a:pt x="2685163" y="641542"/>
+                  </a:cubicBezTo>
+                  <a:cubicBezTo>
+                    <a:pt x="2463995" y="754348"/>
+                    <a:pt x="2250998" y="882488"/>
+                    <a:pt x="2047720" y="1025030"/>
+                  </a:cubicBezTo>
+                  <a:cubicBezTo>
+                    <a:pt x="2006151" y="1054399"/>
+                    <a:pt x="1951528" y="1093415"/>
+                    <a:pt x="1897333" y="1134983"/>
+                  </a:cubicBezTo>
+                  <a:cubicBezTo>
+                    <a:pt x="1876761" y="1150164"/>
+                    <a:pt x="1855905" y="1166479"/>
+                    <a:pt x="1835758" y="1182227"/>
+                  </a:cubicBezTo>
+                  <a:lnTo>
+                    <a:pt x="1823273" y="1192016"/>
+                  </a:lnTo>
+                  <a:cubicBezTo>
+                    <a:pt x="1797027" y="1211879"/>
+                    <a:pt x="1772057" y="1232309"/>
+                    <a:pt x="1750918" y="1249760"/>
+                  </a:cubicBezTo>
+                  <a:cubicBezTo>
+                    <a:pt x="1645931" y="1335737"/>
+                    <a:pt x="1554422" y="1416605"/>
+                    <a:pt x="1469297" y="1496906"/>
+                  </a:cubicBezTo>
+                  <a:cubicBezTo>
+                    <a:pt x="1286595" y="1668957"/>
+                    <a:pt x="1118818" y="1856190"/>
+                    <a:pt x="967769" y="2056602"/>
+                  </a:cubicBezTo>
+                  <a:cubicBezTo>
+                    <a:pt x="890731" y="2159603"/>
+                    <a:pt x="818800" y="2264590"/>
+                    <a:pt x="754105" y="2368727"/>
+                  </a:cubicBezTo>
+                  <a:cubicBezTo>
+                    <a:pt x="681749" y="2488328"/>
+                    <a:pt x="622304" y="2596720"/>
+                    <a:pt x="572364" y="2701140"/>
+                  </a:cubicBezTo>
+                  <a:cubicBezTo>
+                    <a:pt x="557609" y="2730507"/>
+                    <a:pt x="543989" y="2760443"/>
+                    <a:pt x="532497" y="2786265"/>
+                  </a:cubicBezTo>
+                  <a:lnTo>
+                    <a:pt x="512918" y="2828827"/>
+                  </a:lnTo>
+                  <a:lnTo>
+                    <a:pt x="494475" y="2872240"/>
+                  </a:lnTo>
+                  <a:lnTo>
+                    <a:pt x="491637" y="2878908"/>
+                  </a:lnTo>
+                  <a:cubicBezTo>
+                    <a:pt x="480146" y="2906575"/>
+                    <a:pt x="469220" y="2932821"/>
+                    <a:pt x="459290" y="2959635"/>
+                  </a:cubicBezTo>
+                  <a:cubicBezTo>
+                    <a:pt x="455176" y="2970559"/>
+                    <a:pt x="451060" y="2981484"/>
+                    <a:pt x="446805" y="2992408"/>
+                  </a:cubicBezTo>
+                  <a:cubicBezTo>
+                    <a:pt x="439427" y="3012412"/>
+                    <a:pt x="432333" y="3030572"/>
+                    <a:pt x="426090" y="3049158"/>
+                  </a:cubicBezTo>
+                  <a:lnTo>
+                    <a:pt x="426090" y="3049867"/>
+                  </a:lnTo>
+                  <a:cubicBezTo>
+                    <a:pt x="383010" y="3169099"/>
+                    <a:pt x="346959" y="3290756"/>
+                    <a:pt x="318124" y="3414202"/>
+                  </a:cubicBezTo>
+                  <a:cubicBezTo>
+                    <a:pt x="260107" y="3661703"/>
+                    <a:pt x="230780" y="3915049"/>
+                    <a:pt x="230729" y="4169260"/>
+                  </a:cubicBezTo>
+                  <a:cubicBezTo>
+                    <a:pt x="231621" y="4295173"/>
+                    <a:pt x="244398" y="4420719"/>
+                    <a:pt x="268893" y="4544236"/>
+                  </a:cubicBezTo>
+                  <a:cubicBezTo>
+                    <a:pt x="293708" y="4666304"/>
+                    <a:pt x="330882" y="4785521"/>
+                    <a:pt x="379840" y="4900056"/>
+                  </a:cubicBezTo>
+                  <a:cubicBezTo>
+                    <a:pt x="387926" y="4919919"/>
+                    <a:pt x="397006" y="4939498"/>
+                    <a:pt x="406512" y="4960211"/>
+                  </a:cubicBezTo>
+                  <a:cubicBezTo>
+                    <a:pt x="410343" y="4968299"/>
+                    <a:pt x="414173" y="4976385"/>
+                    <a:pt x="417862" y="4984613"/>
+                  </a:cubicBezTo>
+                  <a:lnTo>
+                    <a:pt x="428077" y="5005043"/>
+                  </a:lnTo>
+                  <a:cubicBezTo>
+                    <a:pt x="438860" y="5026751"/>
+                    <a:pt x="449075" y="5047181"/>
+                    <a:pt x="460140" y="5067327"/>
+                  </a:cubicBezTo>
+                  <a:cubicBezTo>
+                    <a:pt x="485536" y="5116273"/>
+                    <a:pt x="514763" y="5165789"/>
+                    <a:pt x="555197" y="5229773"/>
+                  </a:cubicBezTo>
+                  <a:cubicBezTo>
+                    <a:pt x="586836" y="5280282"/>
+                    <a:pt x="620318" y="5329511"/>
+                    <a:pt x="660611" y="5387396"/>
+                  </a:cubicBezTo>
+                  <a:cubicBezTo>
+                    <a:pt x="698065" y="5440741"/>
+                    <a:pt x="737223" y="5493094"/>
+                    <a:pt x="774110" y="5542182"/>
+                  </a:cubicBezTo>
+                  <a:cubicBezTo>
+                    <a:pt x="821070" y="5604324"/>
+                    <a:pt x="870301" y="5667173"/>
+                    <a:pt x="917829" y="5727896"/>
+                  </a:cubicBezTo>
+                  <a:cubicBezTo>
+                    <a:pt x="949042" y="5767762"/>
+                    <a:pt x="979828" y="5807063"/>
+                    <a:pt x="1012885" y="5849767"/>
+                  </a:cubicBezTo>
+                  <a:cubicBezTo>
+                    <a:pt x="1045942" y="5892471"/>
+                    <a:pt x="1089497" y="5948796"/>
+                    <a:pt x="1133053" y="6006822"/>
+                  </a:cubicBezTo>
+                  <a:cubicBezTo>
+                    <a:pt x="1153624" y="6034345"/>
+                    <a:pt x="1175332" y="6063998"/>
+                    <a:pt x="1194343" y="6090245"/>
+                  </a:cubicBezTo>
+                  <a:cubicBezTo>
+                    <a:pt x="1213355" y="6116491"/>
+                    <a:pt x="1231372" y="6141178"/>
+                    <a:pt x="1249390" y="6165155"/>
+                  </a:cubicBezTo>
+                  <a:cubicBezTo>
+                    <a:pt x="1280461" y="6208000"/>
+                    <a:pt x="1313659" y="6250847"/>
+                    <a:pt x="1345724" y="6292132"/>
+                  </a:cubicBezTo>
+                  <a:lnTo>
+                    <a:pt x="1364310" y="6316251"/>
+                  </a:lnTo>
+                  <a:lnTo>
+                    <a:pt x="1373673" y="6327885"/>
+                  </a:lnTo>
+                  <a:cubicBezTo>
+                    <a:pt x="1409566" y="6372433"/>
+                    <a:pt x="1446738" y="6418542"/>
+                    <a:pt x="1484619" y="6462240"/>
+                  </a:cubicBezTo>
+                  <a:cubicBezTo>
+                    <a:pt x="1567899" y="6559850"/>
+                    <a:pt x="1653876" y="6652211"/>
+                    <a:pt x="1739000" y="6737335"/>
+                  </a:cubicBezTo>
+                  <a:lnTo>
+                    <a:pt x="1866801" y="6858001"/>
+                  </a:lnTo>
+                  <a:lnTo>
+                    <a:pt x="1144149" y="6858001"/>
+                  </a:lnTo>
+                  <a:lnTo>
+                    <a:pt x="1058349" y="6766452"/>
+                  </a:lnTo>
+                  <a:cubicBezTo>
+                    <a:pt x="878978" y="6562465"/>
+                    <a:pt x="718756" y="6341104"/>
+                    <a:pt x="580309" y="6105000"/>
+                  </a:cubicBezTo>
+                  <a:cubicBezTo>
+                    <a:pt x="200401" y="5454007"/>
+                    <a:pt x="146" y="4713831"/>
+                    <a:pt x="1" y="3960094"/>
+                  </a:cubicBezTo>
+                  <a:cubicBezTo>
+                    <a:pt x="-335" y="2196754"/>
+                    <a:pt x="1071479" y="683605"/>
+                    <a:pt x="2599292" y="37050"/>
+                  </a:cubicBezTo>
+                  <a:close/>
+                </a:path>
+              </a:pathLst>
+            </a:custGeom>
+            <a:gradFill>
+              <a:gsLst>
+                <a:gs pos="2000">
+                  <a:schemeClr val="bg1">
+                    <a:alpha val="10000"/>
+                  </a:schemeClr>
+                </a:gs>
+                <a:gs pos="16000">
+                  <a:schemeClr val="accent6">
+                    <a:alpha val="10000"/>
+                  </a:schemeClr>
+                </a:gs>
+                <a:gs pos="100000">
+                  <a:schemeClr val="bg1">
+                    <a:alpha val="10000"/>
+                  </a:schemeClr>
+                </a:gs>
+                <a:gs pos="85000">
+                  <a:schemeClr val="accent1">
+                    <a:alpha val="10000"/>
+                  </a:schemeClr>
+                </a:gs>
+              </a:gsLst>
+              <a:lin ang="12000000" scaled="0"/>
+            </a:gradFill>
+            <a:ln>
+              <a:noFill/>
+            </a:ln>
+          </p:spPr>
+          <p:style>
+            <a:lnRef idx="2">
+              <a:schemeClr val="accent1">
+                <a:shade val="50000"/>
+              </a:schemeClr>
+            </a:lnRef>
+            <a:fillRef idx="1">
+              <a:schemeClr val="accent1"/>
+            </a:fillRef>
+            <a:effectRef idx="0">
+              <a:schemeClr val="accent1"/>
+            </a:effectRef>
+            <a:fontRef idx="minor">
+              <a:schemeClr val="lt1"/>
+            </a:fontRef>
+          </p:style>
+          <p:txBody>
+            <a:bodyPr rtlCol="0" anchor="ctr"/>
+            <a:lstStyle/>
+            <a:p>
+              <a:pPr algn="ctr"/>
+              <a:endParaRPr lang="en-US" dirty="0"/>
+            </a:p>
+          </p:txBody>
+        </p:sp>
+      </p:grpSp>
     </p:spTree>
     <p:extLst>
       <p:ext uri="{BB962C8B-B14F-4D97-AF65-F5344CB8AC3E}">
@@ -3919,7 +7436,7 @@
           <p:cNvPr id="2" name="Title 1">
             <a:extLst>
               <a:ext uri="{FF2B5EF4-FFF2-40B4-BE49-F238E27FC236}">
-                <a16:creationId xmlns:a16="http://schemas.microsoft.com/office/drawing/2014/main" id="{63F65449-F4DF-022E-B6BD-6917E15DE0E0}"/>
+                <a16:creationId xmlns:a16="http://schemas.microsoft.com/office/drawing/2014/main" id="{A5918626-EF3A-E046-3C95-E2F226FEDB18}"/>
               </a:ext>
             </a:extLst>
           </p:cNvPr>
@@ -3927,7 +7444,7 @@
             <a:spLocks noGrp="1"/>
           </p:cNvSpPr>
           <p:nvPr>
-            <p:ph type="title"/>
+            <p:ph type="ctrTitle"/>
           </p:nvPr>
         </p:nvSpPr>
         <p:spPr/>
@@ -3937,17 +7454,17 @@
           <a:p>
             <a:r>
               <a:rPr lang="en-US"/>
-              <a:t>Level 3</a:t>
+              <a:t>XSS</a:t>
             </a:r>
           </a:p>
         </p:txBody>
       </p:sp>
       <p:sp>
         <p:nvSpPr>
-          <p:cNvPr id="3" name="Content Placeholder 2">
+          <p:cNvPr id="3" name="Subtitle 2">
             <a:extLst>
               <a:ext uri="{FF2B5EF4-FFF2-40B4-BE49-F238E27FC236}">
-                <a16:creationId xmlns:a16="http://schemas.microsoft.com/office/drawing/2014/main" id="{9C3BE6AB-2A6F-AF85-445F-3D5CBBBBA2DF}"/>
+                <a16:creationId xmlns:a16="http://schemas.microsoft.com/office/drawing/2014/main" id="{39895282-8A90-5D28-250E-9AB0A2998D52}"/>
               </a:ext>
             </a:extLst>
           </p:cNvPr>
@@ -3955,13 +7472,36 @@
             <a:spLocks noGrp="1"/>
           </p:cNvSpPr>
           <p:nvPr>
-            <p:ph idx="1"/>
+            <p:ph type="subTitle" idx="1"/>
           </p:nvPr>
         </p:nvSpPr>
         <p:spPr/>
         <p:txBody>
-          <a:bodyPr/>
+          <a:bodyPr vert="horz" lIns="91440" tIns="45720" rIns="91440" bIns="45720" rtlCol="0" anchor="t">
+            <a:normAutofit/>
+          </a:bodyPr>
           <a:lstStyle/>
+          <a:p>
+            <a:r>
+              <a:rPr lang="en-US" dirty="0">
+                <a:ea typeface="+mn-lt"/>
+                <a:cs typeface="+mn-lt"/>
+                <a:hlinkClick r:id="rId3"/>
+              </a:rPr>
+              <a:t>https://xss-game.appspot.com/</a:t>
+            </a:r>
+            <a:r>
+              <a:rPr lang="en-US" dirty="0">
+                <a:ea typeface="+mn-lt"/>
+                <a:cs typeface="+mn-lt"/>
+              </a:rPr>
+              <a:t> </a:t>
+            </a:r>
+            <a:endParaRPr lang="en-US" dirty="0"/>
+          </a:p>
+          <a:p>
+            <a:endParaRPr lang="en-US" dirty="0"/>
+          </a:p>
           <a:p>
             <a:endParaRPr lang="en-US"/>
           </a:p>
@@ -3970,7 +7510,7 @@
     </p:spTree>
     <p:extLst>
       <p:ext uri="{BB962C8B-B14F-4D97-AF65-F5344CB8AC3E}">
-        <p14:creationId xmlns:p14="http://schemas.microsoft.com/office/powerpoint/2010/main" val="4268275556"/>
+        <p14:creationId xmlns:p14="http://schemas.microsoft.com/office/powerpoint/2010/main" val="2752528023"/>
       </p:ext>
     </p:extLst>
   </p:cSld>
@@ -4002,7 +7542,7 @@
           <p:cNvPr id="2" name="Title 1">
             <a:extLst>
               <a:ext uri="{FF2B5EF4-FFF2-40B4-BE49-F238E27FC236}">
-                <a16:creationId xmlns:a16="http://schemas.microsoft.com/office/drawing/2014/main" id="{18601794-0444-99A8-4D0D-F7EB44E86091}"/>
+                <a16:creationId xmlns:a16="http://schemas.microsoft.com/office/drawing/2014/main" id="{93612BF9-B276-ED92-58A9-1F4A9236E054}"/>
               </a:ext>
             </a:extLst>
           </p:cNvPr>
@@ -4020,40 +7560,44 @@
           <a:p>
             <a:r>
               <a:rPr lang="en-US"/>
-              <a:t>Level 4</a:t>
+              <a:t>Level 1</a:t>
             </a:r>
           </a:p>
         </p:txBody>
       </p:sp>
-      <p:sp>
-        <p:nvSpPr>
-          <p:cNvPr id="3" name="Content Placeholder 2">
+      <p:pic>
+        <p:nvPicPr>
+          <p:cNvPr id="4" name="Content Placeholder 3">
             <a:extLst>
               <a:ext uri="{FF2B5EF4-FFF2-40B4-BE49-F238E27FC236}">
-                <a16:creationId xmlns:a16="http://schemas.microsoft.com/office/drawing/2014/main" id="{C24D26C4-0FF6-458A-AA98-556232B3E21B}"/>
+                <a16:creationId xmlns:a16="http://schemas.microsoft.com/office/drawing/2014/main" id="{A2E22021-532B-94FF-C85C-58EFE77B6EFC}"/>
               </a:ext>
             </a:extLst>
           </p:cNvPr>
-          <p:cNvSpPr>
-            <a:spLocks noGrp="1"/>
-          </p:cNvSpPr>
+          <p:cNvPicPr>
+            <a:picLocks noGrp="1" noChangeAspect="1"/>
+          </p:cNvPicPr>
           <p:nvPr>
             <p:ph idx="1"/>
           </p:nvPr>
-        </p:nvSpPr>
-        <p:spPr/>
-        <p:txBody>
-          <a:bodyPr/>
-          <a:lstStyle/>
-          <a:p>
-            <a:endParaRPr lang="en-US"/>
-          </a:p>
-        </p:txBody>
-      </p:sp>
+        </p:nvPicPr>
+        <p:blipFill>
+          <a:blip r:embed="rId3"/>
+          <a:stretch>
+            <a:fillRect/>
+          </a:stretch>
+        </p:blipFill>
+        <p:spPr>
+          <a:xfrm>
+            <a:off x="672576" y="2303948"/>
+            <a:ext cx="7029450" cy="790575"/>
+          </a:xfrm>
+        </p:spPr>
+      </p:pic>
     </p:spTree>
     <p:extLst>
       <p:ext uri="{BB962C8B-B14F-4D97-AF65-F5344CB8AC3E}">
-        <p14:creationId xmlns:p14="http://schemas.microsoft.com/office/powerpoint/2010/main" val="3590882102"/>
+        <p14:creationId xmlns:p14="http://schemas.microsoft.com/office/powerpoint/2010/main" val="1117155002"/>
       </p:ext>
     </p:extLst>
   </p:cSld>
@@ -4085,7 +7629,7 @@
           <p:cNvPr id="2" name="Title 1">
             <a:extLst>
               <a:ext uri="{FF2B5EF4-FFF2-40B4-BE49-F238E27FC236}">
-                <a16:creationId xmlns:a16="http://schemas.microsoft.com/office/drawing/2014/main" id="{1A7B3871-6F03-130D-714B-A4C5567F1A0C}"/>
+                <a16:creationId xmlns:a16="http://schemas.microsoft.com/office/drawing/2014/main" id="{F6F90FE8-0148-8DD8-93A7-D9AD190B8D61}"/>
               </a:ext>
             </a:extLst>
           </p:cNvPr>
@@ -4103,7 +7647,7 @@
           <a:p>
             <a:r>
               <a:rPr lang="en-US"/>
-              <a:t>Level 5</a:t>
+              <a:t>Level 2</a:t>
             </a:r>
           </a:p>
         </p:txBody>
@@ -4113,7 +7657,7 @@
           <p:cNvPr id="3" name="Content Placeholder 2">
             <a:extLst>
               <a:ext uri="{FF2B5EF4-FFF2-40B4-BE49-F238E27FC236}">
-                <a16:creationId xmlns:a16="http://schemas.microsoft.com/office/drawing/2014/main" id="{3A55D104-98C5-700B-F02D-B1BF2418D73D}"/>
+                <a16:creationId xmlns:a16="http://schemas.microsoft.com/office/drawing/2014/main" id="{3B2AA6D7-6CBB-D6BD-3F21-EB114A380A9C}"/>
               </a:ext>
             </a:extLst>
           </p:cNvPr>
@@ -4136,7 +7680,7 @@
     </p:spTree>
     <p:extLst>
       <p:ext uri="{BB962C8B-B14F-4D97-AF65-F5344CB8AC3E}">
-        <p14:creationId xmlns:p14="http://schemas.microsoft.com/office/powerpoint/2010/main" val="2574752443"/>
+        <p14:creationId xmlns:p14="http://schemas.microsoft.com/office/powerpoint/2010/main" val="172783545"/>
       </p:ext>
     </p:extLst>
   </p:cSld>
@@ -4168,7 +7712,7 @@
           <p:cNvPr id="2" name="Title 1">
             <a:extLst>
               <a:ext uri="{FF2B5EF4-FFF2-40B4-BE49-F238E27FC236}">
-                <a16:creationId xmlns:a16="http://schemas.microsoft.com/office/drawing/2014/main" id="{4556966C-E46D-D664-D91D-894FB51B5514}"/>
+                <a16:creationId xmlns:a16="http://schemas.microsoft.com/office/drawing/2014/main" id="{63F65449-F4DF-022E-B6BD-6917E15DE0E0}"/>
               </a:ext>
             </a:extLst>
           </p:cNvPr>
@@ -4186,7 +7730,7 @@
           <a:p>
             <a:r>
               <a:rPr lang="en-US"/>
-              <a:t>Level 6</a:t>
+              <a:t>Level 3</a:t>
             </a:r>
           </a:p>
         </p:txBody>
@@ -4196,7 +7740,7 @@
           <p:cNvPr id="3" name="Content Placeholder 2">
             <a:extLst>
               <a:ext uri="{FF2B5EF4-FFF2-40B4-BE49-F238E27FC236}">
-                <a16:creationId xmlns:a16="http://schemas.microsoft.com/office/drawing/2014/main" id="{60E8DD77-F082-4E05-D03B-9FC377896F7E}"/>
+                <a16:creationId xmlns:a16="http://schemas.microsoft.com/office/drawing/2014/main" id="{9C3BE6AB-2A6F-AF85-445F-3D5CBBBBA2DF}"/>
               </a:ext>
             </a:extLst>
           </p:cNvPr>
@@ -4219,7 +7763,7 @@
     </p:spTree>
     <p:extLst>
       <p:ext uri="{BB962C8B-B14F-4D97-AF65-F5344CB8AC3E}">
-        <p14:creationId xmlns:p14="http://schemas.microsoft.com/office/powerpoint/2010/main" val="2526388626"/>
+        <p14:creationId xmlns:p14="http://schemas.microsoft.com/office/powerpoint/2010/main" val="4268275556"/>
       </p:ext>
     </p:extLst>
   </p:cSld>
@@ -4229,7 +7773,7 @@
 </p:sld>
 </file>
 
-<file path=ppt/slides/slide2.xml><?xml version="1.0" encoding="utf-8"?>
+<file path=ppt/slides/slide14.xml><?xml version="1.0" encoding="utf-8"?>
 <p:sld xmlns:a="http://schemas.openxmlformats.org/drawingml/2006/main" xmlns:r="http://schemas.openxmlformats.org/officeDocument/2006/relationships" xmlns:p="http://schemas.openxmlformats.org/presentationml/2006/main">
   <p:cSld>
     <p:spTree>
@@ -4251,7 +7795,7 @@
           <p:cNvPr id="2" name="Title 1">
             <a:extLst>
               <a:ext uri="{FF2B5EF4-FFF2-40B4-BE49-F238E27FC236}">
-                <a16:creationId xmlns:a16="http://schemas.microsoft.com/office/drawing/2014/main" id="{4A741A49-98FB-A315-07C2-E5CED3E069E5}"/>
+                <a16:creationId xmlns:a16="http://schemas.microsoft.com/office/drawing/2014/main" id="{18601794-0444-99A8-4D0D-F7EB44E86091}"/>
               </a:ext>
             </a:extLst>
           </p:cNvPr>
@@ -4264,22 +7808,2980 @@
         </p:nvSpPr>
         <p:spPr/>
         <p:txBody>
-          <a:bodyPr>
+          <a:bodyPr/>
+          <a:lstStyle/>
+          <a:p>
+            <a:r>
+              <a:rPr lang="en-US"/>
+              <a:t>Level 4</a:t>
+            </a:r>
+          </a:p>
+        </p:txBody>
+      </p:sp>
+      <p:sp>
+        <p:nvSpPr>
+          <p:cNvPr id="3" name="Content Placeholder 2">
+            <a:extLst>
+              <a:ext uri="{FF2B5EF4-FFF2-40B4-BE49-F238E27FC236}">
+                <a16:creationId xmlns:a16="http://schemas.microsoft.com/office/drawing/2014/main" id="{C24D26C4-0FF6-458A-AA98-556232B3E21B}"/>
+              </a:ext>
+            </a:extLst>
+          </p:cNvPr>
+          <p:cNvSpPr>
+            <a:spLocks noGrp="1"/>
+          </p:cNvSpPr>
+          <p:nvPr>
+            <p:ph idx="1"/>
+          </p:nvPr>
+        </p:nvSpPr>
+        <p:spPr/>
+        <p:txBody>
+          <a:bodyPr/>
+          <a:lstStyle/>
+          <a:p>
+            <a:endParaRPr lang="en-US"/>
+          </a:p>
+        </p:txBody>
+      </p:sp>
+    </p:spTree>
+    <p:extLst>
+      <p:ext uri="{BB962C8B-B14F-4D97-AF65-F5344CB8AC3E}">
+        <p14:creationId xmlns:p14="http://schemas.microsoft.com/office/powerpoint/2010/main" val="3590882102"/>
+      </p:ext>
+    </p:extLst>
+  </p:cSld>
+  <p:clrMapOvr>
+    <a:masterClrMapping/>
+  </p:clrMapOvr>
+</p:sld>
+</file>
+
+<file path=ppt/slides/slide15.xml><?xml version="1.0" encoding="utf-8"?>
+<p:sld xmlns:a="http://schemas.openxmlformats.org/drawingml/2006/main" xmlns:r="http://schemas.openxmlformats.org/officeDocument/2006/relationships" xmlns:p="http://schemas.openxmlformats.org/presentationml/2006/main">
+  <p:cSld>
+    <p:spTree>
+      <p:nvGrpSpPr>
+        <p:cNvPr id="1" name=""/>
+        <p:cNvGrpSpPr/>
+        <p:nvPr/>
+      </p:nvGrpSpPr>
+      <p:grpSpPr>
+        <a:xfrm>
+          <a:off x="0" y="0"/>
+          <a:ext cx="0" cy="0"/>
+          <a:chOff x="0" y="0"/>
+          <a:chExt cx="0" cy="0"/>
+        </a:xfrm>
+      </p:grpSpPr>
+      <p:sp>
+        <p:nvSpPr>
+          <p:cNvPr id="2" name="Title 1">
+            <a:extLst>
+              <a:ext uri="{FF2B5EF4-FFF2-40B4-BE49-F238E27FC236}">
+                <a16:creationId xmlns:a16="http://schemas.microsoft.com/office/drawing/2014/main" id="{1A7B3871-6F03-130D-714B-A4C5567F1A0C}"/>
+              </a:ext>
+            </a:extLst>
+          </p:cNvPr>
+          <p:cNvSpPr>
+            <a:spLocks noGrp="1"/>
+          </p:cNvSpPr>
+          <p:nvPr>
+            <p:ph type="title"/>
+          </p:nvPr>
+        </p:nvSpPr>
+        <p:spPr/>
+        <p:txBody>
+          <a:bodyPr/>
+          <a:lstStyle/>
+          <a:p>
+            <a:r>
+              <a:rPr lang="en-US"/>
+              <a:t>Level 5</a:t>
+            </a:r>
+          </a:p>
+        </p:txBody>
+      </p:sp>
+      <p:sp>
+        <p:nvSpPr>
+          <p:cNvPr id="3" name="Content Placeholder 2">
+            <a:extLst>
+              <a:ext uri="{FF2B5EF4-FFF2-40B4-BE49-F238E27FC236}">
+                <a16:creationId xmlns:a16="http://schemas.microsoft.com/office/drawing/2014/main" id="{3A55D104-98C5-700B-F02D-B1BF2418D73D}"/>
+              </a:ext>
+            </a:extLst>
+          </p:cNvPr>
+          <p:cNvSpPr>
+            <a:spLocks noGrp="1"/>
+          </p:cNvSpPr>
+          <p:nvPr>
+            <p:ph idx="1"/>
+          </p:nvPr>
+        </p:nvSpPr>
+        <p:spPr/>
+        <p:txBody>
+          <a:bodyPr/>
+          <a:lstStyle/>
+          <a:p>
+            <a:endParaRPr lang="en-US"/>
+          </a:p>
+        </p:txBody>
+      </p:sp>
+    </p:spTree>
+    <p:extLst>
+      <p:ext uri="{BB962C8B-B14F-4D97-AF65-F5344CB8AC3E}">
+        <p14:creationId xmlns:p14="http://schemas.microsoft.com/office/powerpoint/2010/main" val="2574752443"/>
+      </p:ext>
+    </p:extLst>
+  </p:cSld>
+  <p:clrMapOvr>
+    <a:masterClrMapping/>
+  </p:clrMapOvr>
+</p:sld>
+</file>
+
+<file path=ppt/slides/slide16.xml><?xml version="1.0" encoding="utf-8"?>
+<p:sld xmlns:a="http://schemas.openxmlformats.org/drawingml/2006/main" xmlns:r="http://schemas.openxmlformats.org/officeDocument/2006/relationships" xmlns:p="http://schemas.openxmlformats.org/presentationml/2006/main">
+  <p:cSld>
+    <p:spTree>
+      <p:nvGrpSpPr>
+        <p:cNvPr id="1" name=""/>
+        <p:cNvGrpSpPr/>
+        <p:nvPr/>
+      </p:nvGrpSpPr>
+      <p:grpSpPr>
+        <a:xfrm>
+          <a:off x="0" y="0"/>
+          <a:ext cx="0" cy="0"/>
+          <a:chOff x="0" y="0"/>
+          <a:chExt cx="0" cy="0"/>
+        </a:xfrm>
+      </p:grpSpPr>
+      <p:sp>
+        <p:nvSpPr>
+          <p:cNvPr id="2" name="Title 1">
+            <a:extLst>
+              <a:ext uri="{FF2B5EF4-FFF2-40B4-BE49-F238E27FC236}">
+                <a16:creationId xmlns:a16="http://schemas.microsoft.com/office/drawing/2014/main" id="{4556966C-E46D-D664-D91D-894FB51B5514}"/>
+              </a:ext>
+            </a:extLst>
+          </p:cNvPr>
+          <p:cNvSpPr>
+            <a:spLocks noGrp="1"/>
+          </p:cNvSpPr>
+          <p:nvPr>
+            <p:ph type="title"/>
+          </p:nvPr>
+        </p:nvSpPr>
+        <p:spPr/>
+        <p:txBody>
+          <a:bodyPr/>
+          <a:lstStyle/>
+          <a:p>
+            <a:r>
+              <a:rPr lang="en-US"/>
+              <a:t>Level 6</a:t>
+            </a:r>
+          </a:p>
+        </p:txBody>
+      </p:sp>
+      <p:sp>
+        <p:nvSpPr>
+          <p:cNvPr id="3" name="Content Placeholder 2">
+            <a:extLst>
+              <a:ext uri="{FF2B5EF4-FFF2-40B4-BE49-F238E27FC236}">
+                <a16:creationId xmlns:a16="http://schemas.microsoft.com/office/drawing/2014/main" id="{60E8DD77-F082-4E05-D03B-9FC377896F7E}"/>
+              </a:ext>
+            </a:extLst>
+          </p:cNvPr>
+          <p:cNvSpPr>
+            <a:spLocks noGrp="1"/>
+          </p:cNvSpPr>
+          <p:nvPr>
+            <p:ph idx="1"/>
+          </p:nvPr>
+        </p:nvSpPr>
+        <p:spPr/>
+        <p:txBody>
+          <a:bodyPr/>
+          <a:lstStyle/>
+          <a:p>
+            <a:endParaRPr lang="en-US"/>
+          </a:p>
+        </p:txBody>
+      </p:sp>
+    </p:spTree>
+    <p:extLst>
+      <p:ext uri="{BB962C8B-B14F-4D97-AF65-F5344CB8AC3E}">
+        <p14:creationId xmlns:p14="http://schemas.microsoft.com/office/powerpoint/2010/main" val="2526388626"/>
+      </p:ext>
+    </p:extLst>
+  </p:cSld>
+  <p:clrMapOvr>
+    <a:masterClrMapping/>
+  </p:clrMapOvr>
+</p:sld>
+</file>
+
+<file path=ppt/slides/slide17.xml><?xml version="1.0" encoding="utf-8"?>
+<p:sld xmlns:a="http://schemas.openxmlformats.org/drawingml/2006/main" xmlns:r="http://schemas.openxmlformats.org/officeDocument/2006/relationships" xmlns:p="http://schemas.openxmlformats.org/presentationml/2006/main">
+  <p:cSld>
+    <p:bg>
+      <p:bgPr>
+        <a:solidFill>
+          <a:schemeClr val="bg1"/>
+        </a:solidFill>
+        <a:effectLst/>
+      </p:bgPr>
+    </p:bg>
+    <p:spTree>
+      <p:nvGrpSpPr>
+        <p:cNvPr id="1" name=""/>
+        <p:cNvGrpSpPr/>
+        <p:nvPr/>
+      </p:nvGrpSpPr>
+      <p:grpSpPr>
+        <a:xfrm>
+          <a:off x="0" y="0"/>
+          <a:ext cx="0" cy="0"/>
+          <a:chOff x="0" y="0"/>
+          <a:chExt cx="0" cy="0"/>
+        </a:xfrm>
+      </p:grpSpPr>
+      <p:sp useBgFill="1">
+        <p:nvSpPr>
+          <p:cNvPr id="10" name="Rectangle 9">
+            <a:extLst>
+              <a:ext uri="{FF2B5EF4-FFF2-40B4-BE49-F238E27FC236}">
+                <a16:creationId xmlns:a16="http://schemas.microsoft.com/office/drawing/2014/main" id="{A3363022-C969-41E9-8EB2-E4C94908C1FA}"/>
+              </a:ext>
+              <a:ext uri="{C183D7F6-B498-43B3-948B-1728B52AA6E4}">
+                <adec:decorative xmlns:adec="http://schemas.microsoft.com/office/drawing/2017/decorative" val="1"/>
+              </a:ext>
+            </a:extLst>
+          </p:cNvPr>
+          <p:cNvSpPr>
+            <a:spLocks noGrp="1" noRot="1" noChangeAspect="1" noMove="1" noResize="1" noEditPoints="1" noAdjustHandles="1" noChangeArrowheads="1" noChangeShapeType="1" noTextEdit="1"/>
+          </p:cNvSpPr>
+          <p:nvPr>
+            <p:extLst>
+              <p:ext uri="{386F3935-93C4-4BCD-93E2-E3B085C9AB24}">
+                <p16:designElem xmlns:p16="http://schemas.microsoft.com/office/powerpoint/2015/main" val="1"/>
+              </p:ext>
+            </p:extLst>
+          </p:nvPr>
+        </p:nvSpPr>
+        <p:spPr>
+          <a:xfrm>
+            <a:off x="0" y="-1"/>
+            <a:ext cx="12191695" cy="6852025"/>
+          </a:xfrm>
+          <a:prstGeom prst="rect">
+            <a:avLst/>
+          </a:prstGeom>
+          <a:ln>
+            <a:noFill/>
+          </a:ln>
+        </p:spPr>
+        <p:style>
+          <a:lnRef idx="2">
+            <a:schemeClr val="accent1">
+              <a:shade val="50000"/>
+            </a:schemeClr>
+          </a:lnRef>
+          <a:fillRef idx="1">
+            <a:schemeClr val="accent1"/>
+          </a:fillRef>
+          <a:effectRef idx="0">
+            <a:schemeClr val="accent1"/>
+          </a:effectRef>
+          <a:fontRef idx="minor">
+            <a:schemeClr val="lt1"/>
+          </a:fontRef>
+        </p:style>
+        <p:txBody>
+          <a:bodyPr rtlCol="0" anchor="ctr"/>
+          <a:lstStyle/>
+          <a:p>
+            <a:pPr algn="ctr"/>
+            <a:endParaRPr lang="en-US"/>
+          </a:p>
+        </p:txBody>
+      </p:sp>
+      <p:sp>
+        <p:nvSpPr>
+          <p:cNvPr id="12" name="Rectangle 11">
+            <a:extLst>
+              <a:ext uri="{FF2B5EF4-FFF2-40B4-BE49-F238E27FC236}">
+                <a16:creationId xmlns:a16="http://schemas.microsoft.com/office/drawing/2014/main" id="{8D1AD6B3-BE88-4CEB-BA17-790657CC4729}"/>
+              </a:ext>
+              <a:ext uri="{C183D7F6-B498-43B3-948B-1728B52AA6E4}">
+                <adec:decorative xmlns:adec="http://schemas.microsoft.com/office/drawing/2017/decorative" val="1"/>
+              </a:ext>
+            </a:extLst>
+          </p:cNvPr>
+          <p:cNvSpPr>
+            <a:spLocks noGrp="1" noRot="1" noChangeAspect="1" noMove="1" noResize="1" noEditPoints="1" noAdjustHandles="1" noChangeArrowheads="1" noChangeShapeType="1" noTextEdit="1"/>
+          </p:cNvSpPr>
+          <p:nvPr>
+            <p:extLst>
+              <p:ext uri="{386F3935-93C4-4BCD-93E2-E3B085C9AB24}">
+                <p16:designElem xmlns:p16="http://schemas.microsoft.com/office/powerpoint/2015/main" val="1"/>
+              </p:ext>
+            </p:extLst>
+          </p:nvPr>
+        </p:nvSpPr>
+        <p:spPr>
+          <a:xfrm>
+            <a:off x="305" y="0"/>
+            <a:ext cx="12191695" cy="6858000"/>
+          </a:xfrm>
+          <a:prstGeom prst="rect">
+            <a:avLst/>
+          </a:prstGeom>
+          <a:solidFill>
+            <a:schemeClr val="bg1"/>
+          </a:solidFill>
+          <a:ln>
+            <a:noFill/>
+          </a:ln>
+        </p:spPr>
+        <p:style>
+          <a:lnRef idx="2">
+            <a:schemeClr val="accent1">
+              <a:shade val="50000"/>
+            </a:schemeClr>
+          </a:lnRef>
+          <a:fillRef idx="1">
+            <a:schemeClr val="accent1"/>
+          </a:fillRef>
+          <a:effectRef idx="0">
+            <a:schemeClr val="accent1"/>
+          </a:effectRef>
+          <a:fontRef idx="minor">
+            <a:schemeClr val="lt1"/>
+          </a:fontRef>
+        </p:style>
+        <p:txBody>
+          <a:bodyPr rtlCol="0" anchor="ctr"/>
+          <a:lstStyle/>
+          <a:p>
+            <a:pPr algn="ctr"/>
+            <a:endParaRPr lang="en-US"/>
+          </a:p>
+        </p:txBody>
+      </p:sp>
+      <p:sp>
+        <p:nvSpPr>
+          <p:cNvPr id="2" name="Title 1">
+            <a:extLst>
+              <a:ext uri="{FF2B5EF4-FFF2-40B4-BE49-F238E27FC236}">
+                <a16:creationId xmlns:a16="http://schemas.microsoft.com/office/drawing/2014/main" id="{30FD2BEB-5B53-5F35-C8A8-D6046485CE36}"/>
+              </a:ext>
+            </a:extLst>
+          </p:cNvPr>
+          <p:cNvSpPr>
+            <a:spLocks noGrp="1"/>
+          </p:cNvSpPr>
+          <p:nvPr>
+            <p:ph type="title"/>
+          </p:nvPr>
+        </p:nvSpPr>
+        <p:spPr>
+          <a:xfrm>
+            <a:off x="6590662" y="4267832"/>
+            <a:ext cx="4805996" cy="1297115"/>
+          </a:xfrm>
+        </p:spPr>
+        <p:txBody>
+          <a:bodyPr vert="horz" lIns="91440" tIns="45720" rIns="91440" bIns="45720" rtlCol="0" anchor="t">
+            <a:normAutofit/>
+          </a:bodyPr>
+          <a:lstStyle/>
+          <a:p>
+            <a:r>
+              <a:rPr lang="en-US" sz="4000" kern="1200">
+                <a:solidFill>
+                  <a:schemeClr val="tx2"/>
+                </a:solidFill>
+                <a:latin typeface="+mj-lt"/>
+                <a:ea typeface="+mj-ea"/>
+                <a:cs typeface="+mj-cs"/>
+              </a:rPr>
+              <a:t>Thank you</a:t>
+            </a:r>
+          </a:p>
+        </p:txBody>
+      </p:sp>
+      <p:pic>
+        <p:nvPicPr>
+          <p:cNvPr id="7" name="Graphic 6" descr="Smiling Face with No Fill">
+            <a:extLst>
+              <a:ext uri="{FF2B5EF4-FFF2-40B4-BE49-F238E27FC236}">
+                <a16:creationId xmlns:a16="http://schemas.microsoft.com/office/drawing/2014/main" id="{C3D1CE50-DD5C-9777-B017-9B9F9C07FAC8}"/>
+              </a:ext>
+            </a:extLst>
+          </p:cNvPr>
+          <p:cNvPicPr>
+            <a:picLocks noChangeAspect="1"/>
+          </p:cNvPicPr>
+          <p:nvPr/>
+        </p:nvPicPr>
+        <p:blipFill>
+          <a:blip r:embed="rId2">
+            <a:extLst>
+              <a:ext uri="{28A0092B-C50C-407E-A947-70E740481C1C}">
+                <a14:useLocalDpi xmlns:a14="http://schemas.microsoft.com/office/drawing/2010/main" val="0"/>
+              </a:ext>
+              <a:ext uri="{96DAC541-7B7A-43D3-8B79-37D633B846F1}">
+                <asvg:svgBlip xmlns:asvg="http://schemas.microsoft.com/office/drawing/2016/SVG/main" r:embed="rId3"/>
+              </a:ext>
+            </a:extLst>
+          </a:blip>
+          <a:stretch>
+            <a:fillRect/>
+          </a:stretch>
+        </p:blipFill>
+        <p:spPr>
+          <a:xfrm>
+            <a:off x="340470" y="1815320"/>
+            <a:ext cx="4141760" cy="4141760"/>
+          </a:xfrm>
+          <a:custGeom>
+            <a:avLst/>
+            <a:gdLst/>
+            <a:ahLst/>
+            <a:cxnLst/>
+            <a:rect l="l" t="t" r="r" b="b"/>
+            <a:pathLst>
+              <a:path w="4141760" h="4377846">
+                <a:moveTo>
+                  <a:pt x="0" y="0"/>
+                </a:moveTo>
+                <a:lnTo>
+                  <a:pt x="4141760" y="0"/>
+                </a:lnTo>
+                <a:lnTo>
+                  <a:pt x="4141760" y="4377846"/>
+                </a:lnTo>
+                <a:lnTo>
+                  <a:pt x="0" y="4377846"/>
+                </a:lnTo>
+                <a:close/>
+              </a:path>
+            </a:pathLst>
+          </a:custGeom>
+        </p:spPr>
+      </p:pic>
+      <p:grpSp>
+        <p:nvGrpSpPr>
+          <p:cNvPr id="14" name="Group 13">
+            <a:extLst>
+              <a:ext uri="{FF2B5EF4-FFF2-40B4-BE49-F238E27FC236}">
+                <a16:creationId xmlns:a16="http://schemas.microsoft.com/office/drawing/2014/main" id="{89D1390B-7E13-4B4F-9CB2-391063412E54}"/>
+              </a:ext>
+              <a:ext uri="{C183D7F6-B498-43B3-948B-1728B52AA6E4}">
+                <adec:decorative xmlns:adec="http://schemas.microsoft.com/office/drawing/2017/decorative" val="1"/>
+              </a:ext>
+            </a:extLst>
+          </p:cNvPr>
+          <p:cNvGrpSpPr>
+            <a:grpSpLocks noGrp="1" noUngrp="1" noRot="1" noChangeAspect="1" noMove="1" noResize="1"/>
+          </p:cNvGrpSpPr>
+          <p:nvPr>
+            <p:extLst>
+              <p:ext uri="{386F3935-93C4-4BCD-93E2-E3B085C9AB24}">
+                <p16:designElem xmlns:p16="http://schemas.microsoft.com/office/powerpoint/2015/main" val="1"/>
+              </p:ext>
+            </p:extLst>
+          </p:nvPr>
+        </p:nvGrpSpPr>
+        <p:grpSpPr>
+          <a:xfrm>
+            <a:off x="-4253" y="-5977"/>
+            <a:ext cx="6238675" cy="6863979"/>
+            <a:chOff x="305" y="-5977"/>
+            <a:chExt cx="6238675" cy="6863979"/>
+          </a:xfrm>
+        </p:grpSpPr>
+        <p:sp>
+          <p:nvSpPr>
+            <p:cNvPr id="15" name="Freeform: Shape 14">
+              <a:extLst>
+                <a:ext uri="{FF2B5EF4-FFF2-40B4-BE49-F238E27FC236}">
+                  <a16:creationId xmlns:a16="http://schemas.microsoft.com/office/drawing/2014/main" id="{9E720206-AA49-4786-A932-A2650DE09183}"/>
+                </a:ext>
+                <a:ext uri="{C183D7F6-B498-43B3-948B-1728B52AA6E4}">
+                  <adec:decorative xmlns:adec="http://schemas.microsoft.com/office/drawing/2017/decorative" val="1"/>
+                </a:ext>
+              </a:extLst>
+            </p:cNvPr>
+            <p:cNvSpPr/>
+            <p:nvPr>
+              <p:extLst>
+                <p:ext uri="{386F3935-93C4-4BCD-93E2-E3B085C9AB24}">
+                  <p16:designElem xmlns:p16="http://schemas.microsoft.com/office/powerpoint/2015/main" val="1"/>
+                </p:ext>
+              </p:extLst>
+            </p:nvPr>
+          </p:nvSpPr>
+          <p:spPr>
+            <a:xfrm flipH="1">
+              <a:off x="305" y="34854"/>
+              <a:ext cx="6028697" cy="6817170"/>
+            </a:xfrm>
+            <a:custGeom>
+              <a:avLst/>
+              <a:gdLst>
+                <a:gd name="connsiteX0" fmla="*/ 6028697 w 6028697"/>
+                <a:gd name="connsiteY0" fmla="*/ 6155323 h 6817170"/>
+                <a:gd name="connsiteX1" fmla="*/ 6028697 w 6028697"/>
+                <a:gd name="connsiteY1" fmla="*/ 6817170 h 6817170"/>
+                <a:gd name="connsiteX2" fmla="*/ 5157862 w 6028697"/>
+                <a:gd name="connsiteY2" fmla="*/ 6817170 h 6817170"/>
+                <a:gd name="connsiteX3" fmla="*/ 5347156 w 6028697"/>
+                <a:gd name="connsiteY3" fmla="*/ 6687553 h 6817170"/>
+                <a:gd name="connsiteX4" fmla="*/ 5487470 w 6028697"/>
+                <a:gd name="connsiteY4" fmla="*/ 6581714 h 6817170"/>
+                <a:gd name="connsiteX5" fmla="*/ 5627642 w 6028697"/>
+                <a:gd name="connsiteY5" fmla="*/ 6472328 h 6817170"/>
+                <a:gd name="connsiteX6" fmla="*/ 5911392 w 6028697"/>
+                <a:gd name="connsiteY6" fmla="*/ 6245328 h 6817170"/>
+                <a:gd name="connsiteX7" fmla="*/ 4481066 w 6028697"/>
+                <a:gd name="connsiteY7" fmla="*/ 478 h 6817170"/>
+                <a:gd name="connsiteX8" fmla="*/ 4672258 w 6028697"/>
+                <a:gd name="connsiteY8" fmla="*/ 7519 h 6817170"/>
+                <a:gd name="connsiteX9" fmla="*/ 5429869 w 6028697"/>
+                <a:gd name="connsiteY9" fmla="*/ 125134 h 6817170"/>
+                <a:gd name="connsiteX10" fmla="*/ 5976319 w 6028697"/>
+                <a:gd name="connsiteY10" fmla="*/ 314893 h 6817170"/>
+                <a:gd name="connsiteX11" fmla="*/ 6028697 w 6028697"/>
+                <a:gd name="connsiteY11" fmla="*/ 339901 h 6817170"/>
+                <a:gd name="connsiteX12" fmla="*/ 6028697 w 6028697"/>
+                <a:gd name="connsiteY12" fmla="*/ 732458 h 6817170"/>
+                <a:gd name="connsiteX13" fmla="*/ 5990985 w 6028697"/>
+                <a:gd name="connsiteY13" fmla="*/ 712211 h 6817170"/>
+                <a:gd name="connsiteX14" fmla="*/ 5341339 w 6028697"/>
+                <a:gd name="connsiteY14" fmla="*/ 475281 h 6817170"/>
+                <a:gd name="connsiteX15" fmla="*/ 4651969 w 6028697"/>
+                <a:gd name="connsiteY15" fmla="*/ 377104 h 6817170"/>
+                <a:gd name="connsiteX16" fmla="*/ 3953093 w 6028697"/>
+                <a:gd name="connsiteY16" fmla="*/ 402498 h 6817170"/>
+                <a:gd name="connsiteX17" fmla="*/ 3267413 w 6028697"/>
+                <a:gd name="connsiteY17" fmla="*/ 546643 h 6817170"/>
+                <a:gd name="connsiteX18" fmla="*/ 1439498 w 6028697"/>
+                <a:gd name="connsiteY18" fmla="*/ 1568141 h 6817170"/>
+                <a:gd name="connsiteX19" fmla="*/ 960671 w 6028697"/>
+                <a:gd name="connsiteY19" fmla="*/ 2082013 h 6817170"/>
+                <a:gd name="connsiteX20" fmla="*/ 581866 w 6028697"/>
+                <a:gd name="connsiteY20" fmla="*/ 2672638 h 6817170"/>
+                <a:gd name="connsiteX21" fmla="*/ 324789 w 6028697"/>
+                <a:gd name="connsiteY21" fmla="*/ 3325262 h 6817170"/>
+                <a:gd name="connsiteX22" fmla="*/ 231151 w 6028697"/>
+                <a:gd name="connsiteY22" fmla="*/ 4022292 h 6817170"/>
+                <a:gd name="connsiteX23" fmla="*/ 270592 w 6028697"/>
+                <a:gd name="connsiteY23" fmla="*/ 4362792 h 6817170"/>
+                <a:gd name="connsiteX24" fmla="*/ 387213 w 6028697"/>
+                <a:gd name="connsiteY24" fmla="*/ 4681585 h 6817170"/>
+                <a:gd name="connsiteX25" fmla="*/ 468507 w 6028697"/>
+                <a:gd name="connsiteY25" fmla="*/ 4831546 h 6817170"/>
+                <a:gd name="connsiteX26" fmla="*/ 561862 w 6028697"/>
+                <a:gd name="connsiteY26" fmla="*/ 4976826 h 6817170"/>
+                <a:gd name="connsiteX27" fmla="*/ 777511 w 6028697"/>
+                <a:gd name="connsiteY27" fmla="*/ 5257597 h 6817170"/>
+                <a:gd name="connsiteX28" fmla="*/ 1010895 w 6028697"/>
+                <a:gd name="connsiteY28" fmla="*/ 5540494 h 6817170"/>
+                <a:gd name="connsiteX29" fmla="*/ 1126948 w 6028697"/>
+                <a:gd name="connsiteY29" fmla="*/ 5688186 h 6817170"/>
+                <a:gd name="connsiteX30" fmla="*/ 1182706 w 6028697"/>
+                <a:gd name="connsiteY30" fmla="*/ 5760543 h 6817170"/>
+                <a:gd name="connsiteX31" fmla="*/ 1237327 w 6028697"/>
+                <a:gd name="connsiteY31" fmla="*/ 5830060 h 6817170"/>
+                <a:gd name="connsiteX32" fmla="*/ 1706649 w 6028697"/>
+                <a:gd name="connsiteY32" fmla="*/ 6342797 h 6817170"/>
+                <a:gd name="connsiteX33" fmla="*/ 1956207 w 6028697"/>
+                <a:gd name="connsiteY33" fmla="*/ 6573484 h 6817170"/>
+                <a:gd name="connsiteX34" fmla="*/ 2217681 w 6028697"/>
+                <a:gd name="connsiteY34" fmla="*/ 6786297 h 6817170"/>
+                <a:gd name="connsiteX35" fmla="*/ 2260820 w 6028697"/>
+                <a:gd name="connsiteY35" fmla="*/ 6817170 h 6817170"/>
+                <a:gd name="connsiteX36" fmla="*/ 1429497 w 6028697"/>
+                <a:gd name="connsiteY36" fmla="*/ 6817170 h 6817170"/>
+                <a:gd name="connsiteX37" fmla="*/ 1327275 w 6028697"/>
+                <a:gd name="connsiteY37" fmla="*/ 6713800 h 6817170"/>
+                <a:gd name="connsiteX38" fmla="*/ 1080556 w 6028697"/>
+                <a:gd name="connsiteY38" fmla="*/ 6414443 h 6817170"/>
+                <a:gd name="connsiteX39" fmla="*/ 865189 w 6028697"/>
+                <a:gd name="connsiteY39" fmla="*/ 6097496 h 6817170"/>
+                <a:gd name="connsiteX40" fmla="*/ 814823 w 6028697"/>
+                <a:gd name="connsiteY40" fmla="*/ 6016911 h 6817170"/>
+                <a:gd name="connsiteX41" fmla="*/ 766729 w 6028697"/>
+                <a:gd name="connsiteY41" fmla="*/ 5938453 h 6817170"/>
+                <a:gd name="connsiteX42" fmla="*/ 671672 w 6028697"/>
+                <a:gd name="connsiteY42" fmla="*/ 5786648 h 6817170"/>
+                <a:gd name="connsiteX43" fmla="*/ 474608 w 6028697"/>
+                <a:gd name="connsiteY43" fmla="*/ 5474664 h 6817170"/>
+                <a:gd name="connsiteX44" fmla="*/ 282652 w 6028697"/>
+                <a:gd name="connsiteY44" fmla="*/ 5146508 h 6817170"/>
+                <a:gd name="connsiteX45" fmla="*/ 196108 w 6028697"/>
+                <a:gd name="connsiteY45" fmla="*/ 4972712 h 6817170"/>
+                <a:gd name="connsiteX46" fmla="*/ 122474 w 6028697"/>
+                <a:gd name="connsiteY46" fmla="*/ 4791821 h 6817170"/>
+                <a:gd name="connsiteX47" fmla="*/ 65724 w 6028697"/>
+                <a:gd name="connsiteY47" fmla="*/ 4603129 h 6817170"/>
+                <a:gd name="connsiteX48" fmla="*/ 44727 w 6028697"/>
+                <a:gd name="connsiteY48" fmla="*/ 4506937 h 6817170"/>
+                <a:gd name="connsiteX49" fmla="*/ 35505 w 6028697"/>
+                <a:gd name="connsiteY49" fmla="*/ 4458699 h 6817170"/>
+                <a:gd name="connsiteX50" fmla="*/ 27845 w 6028697"/>
+                <a:gd name="connsiteY50" fmla="*/ 4410320 h 6817170"/>
+                <a:gd name="connsiteX51" fmla="*/ 37 w 6028697"/>
+                <a:gd name="connsiteY51" fmla="*/ 4022292 h 6817170"/>
+                <a:gd name="connsiteX52" fmla="*/ 78777 w 6028697"/>
+                <a:gd name="connsiteY52" fmla="*/ 3267236 h 6817170"/>
+                <a:gd name="connsiteX53" fmla="*/ 315424 w 6028697"/>
+                <a:gd name="connsiteY53" fmla="*/ 2543673 h 6817170"/>
+                <a:gd name="connsiteX54" fmla="*/ 1202710 w 6028697"/>
+                <a:gd name="connsiteY54" fmla="*/ 1314895 h 6817170"/>
+                <a:gd name="connsiteX55" fmla="*/ 1791065 w 6028697"/>
+                <a:gd name="connsiteY55" fmla="*/ 833514 h 6817170"/>
+                <a:gd name="connsiteX56" fmla="*/ 3908404 w 6028697"/>
+                <a:gd name="connsiteY56" fmla="*/ 29794 h 6817170"/>
+                <a:gd name="connsiteX57" fmla="*/ 4481066 w 6028697"/>
+                <a:gd name="connsiteY57" fmla="*/ 478 h 6817170"/>
+              </a:gdLst>
+              <a:ahLst/>
+              <a:cxnLst>
+                <a:cxn ang="0">
+                  <a:pos x="connsiteX0" y="connsiteY0"/>
+                </a:cxn>
+                <a:cxn ang="0">
+                  <a:pos x="connsiteX1" y="connsiteY1"/>
+                </a:cxn>
+                <a:cxn ang="0">
+                  <a:pos x="connsiteX2" y="connsiteY2"/>
+                </a:cxn>
+                <a:cxn ang="0">
+                  <a:pos x="connsiteX3" y="connsiteY3"/>
+                </a:cxn>
+                <a:cxn ang="0">
+                  <a:pos x="connsiteX4" y="connsiteY4"/>
+                </a:cxn>
+                <a:cxn ang="0">
+                  <a:pos x="connsiteX5" y="connsiteY5"/>
+                </a:cxn>
+                <a:cxn ang="0">
+                  <a:pos x="connsiteX6" y="connsiteY6"/>
+                </a:cxn>
+                <a:cxn ang="0">
+                  <a:pos x="connsiteX7" y="connsiteY7"/>
+                </a:cxn>
+                <a:cxn ang="0">
+                  <a:pos x="connsiteX8" y="connsiteY8"/>
+                </a:cxn>
+                <a:cxn ang="0">
+                  <a:pos x="connsiteX9" y="connsiteY9"/>
+                </a:cxn>
+                <a:cxn ang="0">
+                  <a:pos x="connsiteX10" y="connsiteY10"/>
+                </a:cxn>
+                <a:cxn ang="0">
+                  <a:pos x="connsiteX11" y="connsiteY11"/>
+                </a:cxn>
+                <a:cxn ang="0">
+                  <a:pos x="connsiteX12" y="connsiteY12"/>
+                </a:cxn>
+                <a:cxn ang="0">
+                  <a:pos x="connsiteX13" y="connsiteY13"/>
+                </a:cxn>
+                <a:cxn ang="0">
+                  <a:pos x="connsiteX14" y="connsiteY14"/>
+                </a:cxn>
+                <a:cxn ang="0">
+                  <a:pos x="connsiteX15" y="connsiteY15"/>
+                </a:cxn>
+                <a:cxn ang="0">
+                  <a:pos x="connsiteX16" y="connsiteY16"/>
+                </a:cxn>
+                <a:cxn ang="0">
+                  <a:pos x="connsiteX17" y="connsiteY17"/>
+                </a:cxn>
+                <a:cxn ang="0">
+                  <a:pos x="connsiteX18" y="connsiteY18"/>
+                </a:cxn>
+                <a:cxn ang="0">
+                  <a:pos x="connsiteX19" y="connsiteY19"/>
+                </a:cxn>
+                <a:cxn ang="0">
+                  <a:pos x="connsiteX20" y="connsiteY20"/>
+                </a:cxn>
+                <a:cxn ang="0">
+                  <a:pos x="connsiteX21" y="connsiteY21"/>
+                </a:cxn>
+                <a:cxn ang="0">
+                  <a:pos x="connsiteX22" y="connsiteY22"/>
+                </a:cxn>
+                <a:cxn ang="0">
+                  <a:pos x="connsiteX23" y="connsiteY23"/>
+                </a:cxn>
+                <a:cxn ang="0">
+                  <a:pos x="connsiteX24" y="connsiteY24"/>
+                </a:cxn>
+                <a:cxn ang="0">
+                  <a:pos x="connsiteX25" y="connsiteY25"/>
+                </a:cxn>
+                <a:cxn ang="0">
+                  <a:pos x="connsiteX26" y="connsiteY26"/>
+                </a:cxn>
+                <a:cxn ang="0">
+                  <a:pos x="connsiteX27" y="connsiteY27"/>
+                </a:cxn>
+                <a:cxn ang="0">
+                  <a:pos x="connsiteX28" y="connsiteY28"/>
+                </a:cxn>
+                <a:cxn ang="0">
+                  <a:pos x="connsiteX29" y="connsiteY29"/>
+                </a:cxn>
+                <a:cxn ang="0">
+                  <a:pos x="connsiteX30" y="connsiteY30"/>
+                </a:cxn>
+                <a:cxn ang="0">
+                  <a:pos x="connsiteX31" y="connsiteY31"/>
+                </a:cxn>
+                <a:cxn ang="0">
+                  <a:pos x="connsiteX32" y="connsiteY32"/>
+                </a:cxn>
+                <a:cxn ang="0">
+                  <a:pos x="connsiteX33" y="connsiteY33"/>
+                </a:cxn>
+                <a:cxn ang="0">
+                  <a:pos x="connsiteX34" y="connsiteY34"/>
+                </a:cxn>
+                <a:cxn ang="0">
+                  <a:pos x="connsiteX35" y="connsiteY35"/>
+                </a:cxn>
+                <a:cxn ang="0">
+                  <a:pos x="connsiteX36" y="connsiteY36"/>
+                </a:cxn>
+                <a:cxn ang="0">
+                  <a:pos x="connsiteX37" y="connsiteY37"/>
+                </a:cxn>
+                <a:cxn ang="0">
+                  <a:pos x="connsiteX38" y="connsiteY38"/>
+                </a:cxn>
+                <a:cxn ang="0">
+                  <a:pos x="connsiteX39" y="connsiteY39"/>
+                </a:cxn>
+                <a:cxn ang="0">
+                  <a:pos x="connsiteX40" y="connsiteY40"/>
+                </a:cxn>
+                <a:cxn ang="0">
+                  <a:pos x="connsiteX41" y="connsiteY41"/>
+                </a:cxn>
+                <a:cxn ang="0">
+                  <a:pos x="connsiteX42" y="connsiteY42"/>
+                </a:cxn>
+                <a:cxn ang="0">
+                  <a:pos x="connsiteX43" y="connsiteY43"/>
+                </a:cxn>
+                <a:cxn ang="0">
+                  <a:pos x="connsiteX44" y="connsiteY44"/>
+                </a:cxn>
+                <a:cxn ang="0">
+                  <a:pos x="connsiteX45" y="connsiteY45"/>
+                </a:cxn>
+                <a:cxn ang="0">
+                  <a:pos x="connsiteX46" y="connsiteY46"/>
+                </a:cxn>
+                <a:cxn ang="0">
+                  <a:pos x="connsiteX47" y="connsiteY47"/>
+                </a:cxn>
+                <a:cxn ang="0">
+                  <a:pos x="connsiteX48" y="connsiteY48"/>
+                </a:cxn>
+                <a:cxn ang="0">
+                  <a:pos x="connsiteX49" y="connsiteY49"/>
+                </a:cxn>
+                <a:cxn ang="0">
+                  <a:pos x="connsiteX50" y="connsiteY50"/>
+                </a:cxn>
+                <a:cxn ang="0">
+                  <a:pos x="connsiteX51" y="connsiteY51"/>
+                </a:cxn>
+                <a:cxn ang="0">
+                  <a:pos x="connsiteX52" y="connsiteY52"/>
+                </a:cxn>
+                <a:cxn ang="0">
+                  <a:pos x="connsiteX53" y="connsiteY53"/>
+                </a:cxn>
+                <a:cxn ang="0">
+                  <a:pos x="connsiteX54" y="connsiteY54"/>
+                </a:cxn>
+                <a:cxn ang="0">
+                  <a:pos x="connsiteX55" y="connsiteY55"/>
+                </a:cxn>
+                <a:cxn ang="0">
+                  <a:pos x="connsiteX56" y="connsiteY56"/>
+                </a:cxn>
+                <a:cxn ang="0">
+                  <a:pos x="connsiteX57" y="connsiteY57"/>
+                </a:cxn>
+              </a:cxnLst>
+              <a:rect l="l" t="t" r="r" b="b"/>
+              <a:pathLst>
+                <a:path w="6028697" h="6817170">
+                  <a:moveTo>
+                    <a:pt x="6028697" y="6155323"/>
+                  </a:moveTo>
+                  <a:lnTo>
+                    <a:pt x="6028697" y="6817170"/>
+                  </a:lnTo>
+                  <a:lnTo>
+                    <a:pt x="5157862" y="6817170"/>
+                  </a:lnTo>
+                  <a:lnTo>
+                    <a:pt x="5347156" y="6687553"/>
+                  </a:lnTo>
+                  <a:cubicBezTo>
+                    <a:pt x="5394117" y="6653219"/>
+                    <a:pt x="5440793" y="6617608"/>
+                    <a:pt x="5487470" y="6581714"/>
+                  </a:cubicBezTo>
+                  <a:cubicBezTo>
+                    <a:pt x="5534147" y="6545820"/>
+                    <a:pt x="5580966" y="6509358"/>
+                    <a:pt x="5627642" y="6472328"/>
+                  </a:cubicBezTo>
+                  <a:lnTo>
+                    <a:pt x="5911392" y="6245328"/>
+                  </a:lnTo>
+                  <a:close/>
+                  <a:moveTo>
+                    <a:pt x="4481066" y="478"/>
+                  </a:moveTo>
+                  <a:cubicBezTo>
+                    <a:pt x="4544817" y="1422"/>
+                    <a:pt x="4608563" y="3769"/>
+                    <a:pt x="4672258" y="7519"/>
+                  </a:cubicBezTo>
+                  <a:cubicBezTo>
+                    <a:pt x="4927973" y="22364"/>
+                    <a:pt x="5181687" y="61751"/>
+                    <a:pt x="5429869" y="125134"/>
+                  </a:cubicBezTo>
+                  <a:cubicBezTo>
+                    <a:pt x="5617090" y="173104"/>
+                    <a:pt x="5799867" y="236595"/>
+                    <a:pt x="5976319" y="314893"/>
+                  </a:cubicBezTo>
+                  <a:lnTo>
+                    <a:pt x="6028697" y="339901"/>
+                  </a:lnTo>
+                  <a:lnTo>
+                    <a:pt x="6028697" y="732458"/>
+                  </a:lnTo>
+                  <a:lnTo>
+                    <a:pt x="5990985" y="712211"/>
+                  </a:lnTo>
+                  <a:cubicBezTo>
+                    <a:pt x="5783917" y="609342"/>
+                    <a:pt x="5566013" y="529876"/>
+                    <a:pt x="5341339" y="475281"/>
+                  </a:cubicBezTo>
+                  <a:cubicBezTo>
+                    <a:pt x="5115233" y="420503"/>
+                    <a:pt x="4884375" y="387624"/>
+                    <a:pt x="4651969" y="377104"/>
+                  </a:cubicBezTo>
+                  <a:cubicBezTo>
+                    <a:pt x="4418713" y="365171"/>
+                    <a:pt x="4184861" y="373670"/>
+                    <a:pt x="3953093" y="402498"/>
+                  </a:cubicBezTo>
+                  <a:cubicBezTo>
+                    <a:pt x="3721001" y="431832"/>
+                    <a:pt x="3491675" y="480040"/>
+                    <a:pt x="3267413" y="546643"/>
+                  </a:cubicBezTo>
+                  <a:cubicBezTo>
+                    <a:pt x="2591323" y="750761"/>
+                    <a:pt x="1967642" y="1099289"/>
+                    <a:pt x="1439498" y="1568141"/>
+                  </a:cubicBezTo>
+                  <a:cubicBezTo>
+                    <a:pt x="1265589" y="1725523"/>
+                    <a:pt x="1105393" y="1897434"/>
+                    <a:pt x="960671" y="2082013"/>
+                  </a:cubicBezTo>
+                  <a:cubicBezTo>
+                    <a:pt x="815775" y="2266294"/>
+                    <a:pt x="688923" y="2464081"/>
+                    <a:pt x="581866" y="2672638"/>
+                  </a:cubicBezTo>
+                  <a:cubicBezTo>
+                    <a:pt x="473765" y="2880669"/>
+                    <a:pt x="387610" y="3099397"/>
+                    <a:pt x="324789" y="3325262"/>
+                  </a:cubicBezTo>
+                  <a:cubicBezTo>
+                    <a:pt x="262714" y="3552403"/>
+                    <a:pt x="231223" y="3786822"/>
+                    <a:pt x="231151" y="4022292"/>
+                  </a:cubicBezTo>
+                  <a:cubicBezTo>
+                    <a:pt x="231413" y="4136912"/>
+                    <a:pt x="244645" y="4251136"/>
+                    <a:pt x="270592" y="4362792"/>
+                  </a:cubicBezTo>
+                  <a:cubicBezTo>
+                    <a:pt x="297885" y="4472943"/>
+                    <a:pt x="336983" y="4579833"/>
+                    <a:pt x="387213" y="4681585"/>
+                  </a:cubicBezTo>
+                  <a:cubicBezTo>
+                    <a:pt x="412042" y="4732517"/>
+                    <a:pt x="439423" y="4782457"/>
+                    <a:pt x="468507" y="4831546"/>
+                  </a:cubicBezTo>
+                  <a:cubicBezTo>
+                    <a:pt x="497591" y="4880636"/>
+                    <a:pt x="529230" y="4929015"/>
+                    <a:pt x="561862" y="4976826"/>
+                  </a:cubicBezTo>
+                  <a:cubicBezTo>
+                    <a:pt x="627975" y="5072166"/>
+                    <a:pt x="701466" y="5164668"/>
+                    <a:pt x="777511" y="5257597"/>
+                  </a:cubicBezTo>
+                  <a:cubicBezTo>
+                    <a:pt x="853556" y="5350524"/>
+                    <a:pt x="933574" y="5443594"/>
+                    <a:pt x="1010895" y="5540494"/>
+                  </a:cubicBezTo>
+                  <a:cubicBezTo>
+                    <a:pt x="1049957" y="5588732"/>
+                    <a:pt x="1088642" y="5637963"/>
+                    <a:pt x="1126948" y="5688186"/>
+                  </a:cubicBezTo>
+                  <a:lnTo>
+                    <a:pt x="1182706" y="5760543"/>
+                  </a:lnTo>
+                  <a:cubicBezTo>
+                    <a:pt x="1201007" y="5783669"/>
+                    <a:pt x="1218458" y="5807503"/>
+                    <a:pt x="1237327" y="5830060"/>
+                  </a:cubicBezTo>
+                  <a:cubicBezTo>
+                    <a:pt x="1383714" y="6009916"/>
+                    <a:pt x="1540413" y="6181116"/>
+                    <a:pt x="1706649" y="6342797"/>
+                  </a:cubicBezTo>
+                  <a:cubicBezTo>
+                    <a:pt x="1788084" y="6422531"/>
+                    <a:pt x="1871265" y="6499427"/>
+                    <a:pt x="1956207" y="6573484"/>
+                  </a:cubicBezTo>
+                  <a:cubicBezTo>
+                    <a:pt x="2041332" y="6647402"/>
+                    <a:pt x="2127733" y="6718907"/>
+                    <a:pt x="2217681" y="6786297"/>
+                  </a:cubicBezTo>
+                  <a:lnTo>
+                    <a:pt x="2260820" y="6817170"/>
+                  </a:lnTo>
+                  <a:lnTo>
+                    <a:pt x="1429497" y="6817170"/>
+                  </a:lnTo>
+                  <a:lnTo>
+                    <a:pt x="1327275" y="6713800"/>
+                  </a:lnTo>
+                  <a:cubicBezTo>
+                    <a:pt x="1239186" y="6618984"/>
+                    <a:pt x="1156797" y="6519019"/>
+                    <a:pt x="1080556" y="6414443"/>
+                  </a:cubicBezTo>
+                  <a:cubicBezTo>
+                    <a:pt x="1004653" y="6310734"/>
+                    <a:pt x="932439" y="6205177"/>
+                    <a:pt x="865189" y="6097496"/>
+                  </a:cubicBezTo>
+                  <a:cubicBezTo>
+                    <a:pt x="847881" y="6070823"/>
+                    <a:pt x="831565" y="6043725"/>
+                    <a:pt x="814823" y="6016911"/>
+                  </a:cubicBezTo>
+                  <a:lnTo>
+                    <a:pt x="766729" y="5938453"/>
+                  </a:lnTo>
+                  <a:cubicBezTo>
+                    <a:pt x="735941" y="5887947"/>
+                    <a:pt x="703878" y="5837581"/>
+                    <a:pt x="671672" y="5786648"/>
+                  </a:cubicBezTo>
+                  <a:lnTo>
+                    <a:pt x="474608" y="5474664"/>
+                  </a:lnTo>
+                  <a:cubicBezTo>
+                    <a:pt x="408778" y="5368968"/>
+                    <a:pt x="343516" y="5260008"/>
+                    <a:pt x="282652" y="5146508"/>
+                  </a:cubicBezTo>
+                  <a:cubicBezTo>
+                    <a:pt x="252290" y="5089759"/>
+                    <a:pt x="223065" y="5032015"/>
+                    <a:pt x="196108" y="4972712"/>
+                  </a:cubicBezTo>
+                  <a:cubicBezTo>
+                    <a:pt x="169152" y="4913408"/>
+                    <a:pt x="144607" y="4853111"/>
+                    <a:pt x="122474" y="4791821"/>
+                  </a:cubicBezTo>
+                  <a:cubicBezTo>
+                    <a:pt x="100342" y="4730532"/>
+                    <a:pt x="81757" y="4666830"/>
+                    <a:pt x="65724" y="4603129"/>
+                  </a:cubicBezTo>
+                  <a:cubicBezTo>
+                    <a:pt x="58205" y="4571064"/>
+                    <a:pt x="50828" y="4539143"/>
+                    <a:pt x="44727" y="4506937"/>
+                  </a:cubicBezTo>
+                  <a:lnTo>
+                    <a:pt x="35505" y="4458699"/>
+                  </a:lnTo>
+                  <a:lnTo>
+                    <a:pt x="27845" y="4410320"/>
+                  </a:lnTo>
+                  <a:cubicBezTo>
+                    <a:pt x="8635" y="4281881"/>
+                    <a:pt x="-661" y="4152150"/>
+                    <a:pt x="37" y="4022292"/>
+                  </a:cubicBezTo>
+                  <a:cubicBezTo>
+                    <a:pt x="712" y="3768592"/>
+                    <a:pt x="27094" y="3515615"/>
+                    <a:pt x="78777" y="3267236"/>
+                  </a:cubicBezTo>
+                  <a:cubicBezTo>
+                    <a:pt x="130048" y="3017876"/>
+                    <a:pt x="209439" y="2775142"/>
+                    <a:pt x="315424" y="2543673"/>
+                  </a:cubicBezTo>
+                  <a:cubicBezTo>
+                    <a:pt x="528236" y="2081161"/>
+                    <a:pt x="838234" y="1667312"/>
+                    <a:pt x="1202710" y="1314895"/>
+                  </a:cubicBezTo>
+                  <a:cubicBezTo>
+                    <a:pt x="1385514" y="1138814"/>
+                    <a:pt x="1582282" y="977831"/>
+                    <a:pt x="1791065" y="833514"/>
+                  </a:cubicBezTo>
+                  <a:cubicBezTo>
+                    <a:pt x="2420037" y="395614"/>
+                    <a:pt x="3147288" y="119557"/>
+                    <a:pt x="3908404" y="29794"/>
+                  </a:cubicBezTo>
+                  <a:cubicBezTo>
+                    <a:pt x="4098509" y="7429"/>
+                    <a:pt x="4289811" y="-2355"/>
+                    <a:pt x="4481066" y="478"/>
+                  </a:cubicBezTo>
+                  <a:close/>
+                </a:path>
+              </a:pathLst>
+            </a:custGeom>
+            <a:gradFill>
+              <a:gsLst>
+                <a:gs pos="2000">
+                  <a:schemeClr val="bg1">
+                    <a:alpha val="10000"/>
+                  </a:schemeClr>
+                </a:gs>
+                <a:gs pos="16000">
+                  <a:schemeClr val="accent6">
+                    <a:alpha val="10000"/>
+                  </a:schemeClr>
+                </a:gs>
+                <a:gs pos="100000">
+                  <a:schemeClr val="bg1">
+                    <a:alpha val="10000"/>
+                  </a:schemeClr>
+                </a:gs>
+                <a:gs pos="85000">
+                  <a:schemeClr val="accent1">
+                    <a:alpha val="10000"/>
+                  </a:schemeClr>
+                </a:gs>
+              </a:gsLst>
+              <a:lin ang="12000000" scaled="0"/>
+            </a:gradFill>
+            <a:ln>
+              <a:noFill/>
+            </a:ln>
+          </p:spPr>
+          <p:style>
+            <a:lnRef idx="2">
+              <a:schemeClr val="accent1">
+                <a:shade val="50000"/>
+              </a:schemeClr>
+            </a:lnRef>
+            <a:fillRef idx="1">
+              <a:schemeClr val="accent1"/>
+            </a:fillRef>
+            <a:effectRef idx="0">
+              <a:schemeClr val="accent1"/>
+            </a:effectRef>
+            <a:fontRef idx="minor">
+              <a:schemeClr val="lt1"/>
+            </a:fontRef>
+          </p:style>
+          <p:txBody>
+            <a:bodyPr rtlCol="0" anchor="ctr"/>
+            <a:lstStyle/>
+            <a:p>
+              <a:pPr algn="ctr"/>
+              <a:endParaRPr lang="en-US" dirty="0"/>
+            </a:p>
+          </p:txBody>
+        </p:sp>
+        <p:sp>
+          <p:nvSpPr>
+            <p:cNvPr id="16" name="Freeform: Shape 15">
+              <a:extLst>
+                <a:ext uri="{FF2B5EF4-FFF2-40B4-BE49-F238E27FC236}">
+                  <a16:creationId xmlns:a16="http://schemas.microsoft.com/office/drawing/2014/main" id="{C72F6EE6-EDE9-45A5-8F6D-02B9B7CB2C2F}"/>
+                </a:ext>
+                <a:ext uri="{C183D7F6-B498-43B3-948B-1728B52AA6E4}">
+                  <adec:decorative xmlns:adec="http://schemas.microsoft.com/office/drawing/2017/decorative" val="1"/>
+                </a:ext>
+              </a:extLst>
+            </p:cNvPr>
+            <p:cNvSpPr/>
+            <p:nvPr>
+              <p:extLst>
+                <p:ext uri="{386F3935-93C4-4BCD-93E2-E3B085C9AB24}">
+                  <p16:designElem xmlns:p16="http://schemas.microsoft.com/office/powerpoint/2015/main" val="1"/>
+                </p:ext>
+              </p:extLst>
+            </p:nvPr>
+          </p:nvSpPr>
+          <p:spPr>
+            <a:xfrm flipH="1">
+              <a:off x="305" y="1"/>
+              <a:ext cx="6165116" cy="6858001"/>
+            </a:xfrm>
+            <a:custGeom>
+              <a:avLst/>
+              <a:gdLst>
+                <a:gd name="connsiteX0" fmla="*/ 6264586 w 6264586"/>
+                <a:gd name="connsiteY0" fmla="*/ 6646464 h 6858001"/>
+                <a:gd name="connsiteX1" fmla="*/ 6264586 w 6264586"/>
+                <a:gd name="connsiteY1" fmla="*/ 6858001 h 6858001"/>
+                <a:gd name="connsiteX2" fmla="*/ 5997170 w 6264586"/>
+                <a:gd name="connsiteY2" fmla="*/ 6858001 h 6858001"/>
+                <a:gd name="connsiteX3" fmla="*/ 6121512 w 6264586"/>
+                <a:gd name="connsiteY3" fmla="*/ 6761029 h 6858001"/>
+                <a:gd name="connsiteX4" fmla="*/ 2693206 w 6264586"/>
+                <a:gd name="connsiteY4" fmla="*/ 0 h 6858001"/>
+                <a:gd name="connsiteX5" fmla="*/ 5872285 w 6264586"/>
+                <a:gd name="connsiteY5" fmla="*/ 0 h 6858001"/>
+                <a:gd name="connsiteX6" fmla="*/ 6024875 w 6264586"/>
+                <a:gd name="connsiteY6" fmla="*/ 68385 h 6858001"/>
+                <a:gd name="connsiteX7" fmla="*/ 6206432 w 6264586"/>
+                <a:gd name="connsiteY7" fmla="*/ 162336 h 6858001"/>
+                <a:gd name="connsiteX8" fmla="*/ 6264586 w 6264586"/>
+                <a:gd name="connsiteY8" fmla="*/ 196704 h 6858001"/>
+                <a:gd name="connsiteX9" fmla="*/ 6264586 w 6264586"/>
+                <a:gd name="connsiteY9" fmla="*/ 537242 h 6858001"/>
+                <a:gd name="connsiteX10" fmla="*/ 6230189 w 6264586"/>
+                <a:gd name="connsiteY10" fmla="*/ 517260 h 6858001"/>
+                <a:gd name="connsiteX11" fmla="*/ 5540536 w 6264586"/>
+                <a:gd name="connsiteY11" fmla="*/ 249543 h 6858001"/>
+                <a:gd name="connsiteX12" fmla="*/ 5178896 w 6264586"/>
+                <a:gd name="connsiteY12" fmla="*/ 178606 h 6858001"/>
+                <a:gd name="connsiteX13" fmla="*/ 4814279 w 6264586"/>
+                <a:gd name="connsiteY13" fmla="*/ 146683 h 6858001"/>
+                <a:gd name="connsiteX14" fmla="*/ 4655095 w 6264586"/>
+                <a:gd name="connsiteY14" fmla="*/ 143421 h 6858001"/>
+                <a:gd name="connsiteX15" fmla="*/ 4081069 w 6264586"/>
+                <a:gd name="connsiteY15" fmla="*/ 185983 h 6858001"/>
+                <a:gd name="connsiteX16" fmla="*/ 3720566 w 6264586"/>
+                <a:gd name="connsiteY16" fmla="*/ 256921 h 6858001"/>
+                <a:gd name="connsiteX17" fmla="*/ 3365879 w 6264586"/>
+                <a:gd name="connsiteY17" fmla="*/ 357651 h 6858001"/>
+                <a:gd name="connsiteX18" fmla="*/ 3020555 w 6264586"/>
+                <a:gd name="connsiteY18" fmla="*/ 486190 h 6858001"/>
+                <a:gd name="connsiteX19" fmla="*/ 2685163 w 6264586"/>
+                <a:gd name="connsiteY19" fmla="*/ 641542 h 6858001"/>
+                <a:gd name="connsiteX20" fmla="*/ 2047720 w 6264586"/>
+                <a:gd name="connsiteY20" fmla="*/ 1025030 h 6858001"/>
+                <a:gd name="connsiteX21" fmla="*/ 1897333 w 6264586"/>
+                <a:gd name="connsiteY21" fmla="*/ 1134983 h 6858001"/>
+                <a:gd name="connsiteX22" fmla="*/ 1835758 w 6264586"/>
+                <a:gd name="connsiteY22" fmla="*/ 1182227 h 6858001"/>
+                <a:gd name="connsiteX23" fmla="*/ 1823273 w 6264586"/>
+                <a:gd name="connsiteY23" fmla="*/ 1192016 h 6858001"/>
+                <a:gd name="connsiteX24" fmla="*/ 1750918 w 6264586"/>
+                <a:gd name="connsiteY24" fmla="*/ 1249760 h 6858001"/>
+                <a:gd name="connsiteX25" fmla="*/ 1469297 w 6264586"/>
+                <a:gd name="connsiteY25" fmla="*/ 1496906 h 6858001"/>
+                <a:gd name="connsiteX26" fmla="*/ 967769 w 6264586"/>
+                <a:gd name="connsiteY26" fmla="*/ 2056602 h 6858001"/>
+                <a:gd name="connsiteX27" fmla="*/ 754105 w 6264586"/>
+                <a:gd name="connsiteY27" fmla="*/ 2368727 h 6858001"/>
+                <a:gd name="connsiteX28" fmla="*/ 572364 w 6264586"/>
+                <a:gd name="connsiteY28" fmla="*/ 2701140 h 6858001"/>
+                <a:gd name="connsiteX29" fmla="*/ 532497 w 6264586"/>
+                <a:gd name="connsiteY29" fmla="*/ 2786265 h 6858001"/>
+                <a:gd name="connsiteX30" fmla="*/ 512918 w 6264586"/>
+                <a:gd name="connsiteY30" fmla="*/ 2828827 h 6858001"/>
+                <a:gd name="connsiteX31" fmla="*/ 494475 w 6264586"/>
+                <a:gd name="connsiteY31" fmla="*/ 2872240 h 6858001"/>
+                <a:gd name="connsiteX32" fmla="*/ 491637 w 6264586"/>
+                <a:gd name="connsiteY32" fmla="*/ 2878908 h 6858001"/>
+                <a:gd name="connsiteX33" fmla="*/ 459290 w 6264586"/>
+                <a:gd name="connsiteY33" fmla="*/ 2959635 h 6858001"/>
+                <a:gd name="connsiteX34" fmla="*/ 446805 w 6264586"/>
+                <a:gd name="connsiteY34" fmla="*/ 2992408 h 6858001"/>
+                <a:gd name="connsiteX35" fmla="*/ 426090 w 6264586"/>
+                <a:gd name="connsiteY35" fmla="*/ 3049158 h 6858001"/>
+                <a:gd name="connsiteX36" fmla="*/ 426090 w 6264586"/>
+                <a:gd name="connsiteY36" fmla="*/ 3049867 h 6858001"/>
+                <a:gd name="connsiteX37" fmla="*/ 318124 w 6264586"/>
+                <a:gd name="connsiteY37" fmla="*/ 3414202 h 6858001"/>
+                <a:gd name="connsiteX38" fmla="*/ 230729 w 6264586"/>
+                <a:gd name="connsiteY38" fmla="*/ 4169260 h 6858001"/>
+                <a:gd name="connsiteX39" fmla="*/ 268893 w 6264586"/>
+                <a:gd name="connsiteY39" fmla="*/ 4544236 h 6858001"/>
+                <a:gd name="connsiteX40" fmla="*/ 379840 w 6264586"/>
+                <a:gd name="connsiteY40" fmla="*/ 4900056 h 6858001"/>
+                <a:gd name="connsiteX41" fmla="*/ 406512 w 6264586"/>
+                <a:gd name="connsiteY41" fmla="*/ 4960211 h 6858001"/>
+                <a:gd name="connsiteX42" fmla="*/ 417862 w 6264586"/>
+                <a:gd name="connsiteY42" fmla="*/ 4984613 h 6858001"/>
+                <a:gd name="connsiteX43" fmla="*/ 428077 w 6264586"/>
+                <a:gd name="connsiteY43" fmla="*/ 5005043 h 6858001"/>
+                <a:gd name="connsiteX44" fmla="*/ 460140 w 6264586"/>
+                <a:gd name="connsiteY44" fmla="*/ 5067327 h 6858001"/>
+                <a:gd name="connsiteX45" fmla="*/ 555197 w 6264586"/>
+                <a:gd name="connsiteY45" fmla="*/ 5229773 h 6858001"/>
+                <a:gd name="connsiteX46" fmla="*/ 660611 w 6264586"/>
+                <a:gd name="connsiteY46" fmla="*/ 5387396 h 6858001"/>
+                <a:gd name="connsiteX47" fmla="*/ 774110 w 6264586"/>
+                <a:gd name="connsiteY47" fmla="*/ 5542182 h 6858001"/>
+                <a:gd name="connsiteX48" fmla="*/ 917829 w 6264586"/>
+                <a:gd name="connsiteY48" fmla="*/ 5727896 h 6858001"/>
+                <a:gd name="connsiteX49" fmla="*/ 1012885 w 6264586"/>
+                <a:gd name="connsiteY49" fmla="*/ 5849767 h 6858001"/>
+                <a:gd name="connsiteX50" fmla="*/ 1133053 w 6264586"/>
+                <a:gd name="connsiteY50" fmla="*/ 6006822 h 6858001"/>
+                <a:gd name="connsiteX51" fmla="*/ 1194343 w 6264586"/>
+                <a:gd name="connsiteY51" fmla="*/ 6090245 h 6858001"/>
+                <a:gd name="connsiteX52" fmla="*/ 1249390 w 6264586"/>
+                <a:gd name="connsiteY52" fmla="*/ 6165155 h 6858001"/>
+                <a:gd name="connsiteX53" fmla="*/ 1345724 w 6264586"/>
+                <a:gd name="connsiteY53" fmla="*/ 6292132 h 6858001"/>
+                <a:gd name="connsiteX54" fmla="*/ 1364310 w 6264586"/>
+                <a:gd name="connsiteY54" fmla="*/ 6316251 h 6858001"/>
+                <a:gd name="connsiteX55" fmla="*/ 1373673 w 6264586"/>
+                <a:gd name="connsiteY55" fmla="*/ 6327885 h 6858001"/>
+                <a:gd name="connsiteX56" fmla="*/ 1484619 w 6264586"/>
+                <a:gd name="connsiteY56" fmla="*/ 6462240 h 6858001"/>
+                <a:gd name="connsiteX57" fmla="*/ 1739000 w 6264586"/>
+                <a:gd name="connsiteY57" fmla="*/ 6737335 h 6858001"/>
+                <a:gd name="connsiteX58" fmla="*/ 1866801 w 6264586"/>
+                <a:gd name="connsiteY58" fmla="*/ 6858001 h 6858001"/>
+                <a:gd name="connsiteX59" fmla="*/ 1144149 w 6264586"/>
+                <a:gd name="connsiteY59" fmla="*/ 6858001 h 6858001"/>
+                <a:gd name="connsiteX60" fmla="*/ 1058349 w 6264586"/>
+                <a:gd name="connsiteY60" fmla="*/ 6766452 h 6858001"/>
+                <a:gd name="connsiteX61" fmla="*/ 580309 w 6264586"/>
+                <a:gd name="connsiteY61" fmla="*/ 6105000 h 6858001"/>
+                <a:gd name="connsiteX62" fmla="*/ 1 w 6264586"/>
+                <a:gd name="connsiteY62" fmla="*/ 3960094 h 6858001"/>
+                <a:gd name="connsiteX63" fmla="*/ 2599292 w 6264586"/>
+                <a:gd name="connsiteY63" fmla="*/ 37050 h 6858001"/>
+              </a:gdLst>
+              <a:ahLst/>
+              <a:cxnLst>
+                <a:cxn ang="0">
+                  <a:pos x="connsiteX0" y="connsiteY0"/>
+                </a:cxn>
+                <a:cxn ang="0">
+                  <a:pos x="connsiteX1" y="connsiteY1"/>
+                </a:cxn>
+                <a:cxn ang="0">
+                  <a:pos x="connsiteX2" y="connsiteY2"/>
+                </a:cxn>
+                <a:cxn ang="0">
+                  <a:pos x="connsiteX3" y="connsiteY3"/>
+                </a:cxn>
+                <a:cxn ang="0">
+                  <a:pos x="connsiteX4" y="connsiteY4"/>
+                </a:cxn>
+                <a:cxn ang="0">
+                  <a:pos x="connsiteX5" y="connsiteY5"/>
+                </a:cxn>
+                <a:cxn ang="0">
+                  <a:pos x="connsiteX6" y="connsiteY6"/>
+                </a:cxn>
+                <a:cxn ang="0">
+                  <a:pos x="connsiteX7" y="connsiteY7"/>
+                </a:cxn>
+                <a:cxn ang="0">
+                  <a:pos x="connsiteX8" y="connsiteY8"/>
+                </a:cxn>
+                <a:cxn ang="0">
+                  <a:pos x="connsiteX9" y="connsiteY9"/>
+                </a:cxn>
+                <a:cxn ang="0">
+                  <a:pos x="connsiteX10" y="connsiteY10"/>
+                </a:cxn>
+                <a:cxn ang="0">
+                  <a:pos x="connsiteX11" y="connsiteY11"/>
+                </a:cxn>
+                <a:cxn ang="0">
+                  <a:pos x="connsiteX12" y="connsiteY12"/>
+                </a:cxn>
+                <a:cxn ang="0">
+                  <a:pos x="connsiteX13" y="connsiteY13"/>
+                </a:cxn>
+                <a:cxn ang="0">
+                  <a:pos x="connsiteX14" y="connsiteY14"/>
+                </a:cxn>
+                <a:cxn ang="0">
+                  <a:pos x="connsiteX15" y="connsiteY15"/>
+                </a:cxn>
+                <a:cxn ang="0">
+                  <a:pos x="connsiteX16" y="connsiteY16"/>
+                </a:cxn>
+                <a:cxn ang="0">
+                  <a:pos x="connsiteX17" y="connsiteY17"/>
+                </a:cxn>
+                <a:cxn ang="0">
+                  <a:pos x="connsiteX18" y="connsiteY18"/>
+                </a:cxn>
+                <a:cxn ang="0">
+                  <a:pos x="connsiteX19" y="connsiteY19"/>
+                </a:cxn>
+                <a:cxn ang="0">
+                  <a:pos x="connsiteX20" y="connsiteY20"/>
+                </a:cxn>
+                <a:cxn ang="0">
+                  <a:pos x="connsiteX21" y="connsiteY21"/>
+                </a:cxn>
+                <a:cxn ang="0">
+                  <a:pos x="connsiteX22" y="connsiteY22"/>
+                </a:cxn>
+                <a:cxn ang="0">
+                  <a:pos x="connsiteX23" y="connsiteY23"/>
+                </a:cxn>
+                <a:cxn ang="0">
+                  <a:pos x="connsiteX24" y="connsiteY24"/>
+                </a:cxn>
+                <a:cxn ang="0">
+                  <a:pos x="connsiteX25" y="connsiteY25"/>
+                </a:cxn>
+                <a:cxn ang="0">
+                  <a:pos x="connsiteX26" y="connsiteY26"/>
+                </a:cxn>
+                <a:cxn ang="0">
+                  <a:pos x="connsiteX27" y="connsiteY27"/>
+                </a:cxn>
+                <a:cxn ang="0">
+                  <a:pos x="connsiteX28" y="connsiteY28"/>
+                </a:cxn>
+                <a:cxn ang="0">
+                  <a:pos x="connsiteX29" y="connsiteY29"/>
+                </a:cxn>
+                <a:cxn ang="0">
+                  <a:pos x="connsiteX30" y="connsiteY30"/>
+                </a:cxn>
+                <a:cxn ang="0">
+                  <a:pos x="connsiteX31" y="connsiteY31"/>
+                </a:cxn>
+                <a:cxn ang="0">
+                  <a:pos x="connsiteX32" y="connsiteY32"/>
+                </a:cxn>
+                <a:cxn ang="0">
+                  <a:pos x="connsiteX33" y="connsiteY33"/>
+                </a:cxn>
+                <a:cxn ang="0">
+                  <a:pos x="connsiteX34" y="connsiteY34"/>
+                </a:cxn>
+                <a:cxn ang="0">
+                  <a:pos x="connsiteX35" y="connsiteY35"/>
+                </a:cxn>
+                <a:cxn ang="0">
+                  <a:pos x="connsiteX36" y="connsiteY36"/>
+                </a:cxn>
+                <a:cxn ang="0">
+                  <a:pos x="connsiteX37" y="connsiteY37"/>
+                </a:cxn>
+                <a:cxn ang="0">
+                  <a:pos x="connsiteX38" y="connsiteY38"/>
+                </a:cxn>
+                <a:cxn ang="0">
+                  <a:pos x="connsiteX39" y="connsiteY39"/>
+                </a:cxn>
+                <a:cxn ang="0">
+                  <a:pos x="connsiteX40" y="connsiteY40"/>
+                </a:cxn>
+                <a:cxn ang="0">
+                  <a:pos x="connsiteX41" y="connsiteY41"/>
+                </a:cxn>
+                <a:cxn ang="0">
+                  <a:pos x="connsiteX42" y="connsiteY42"/>
+                </a:cxn>
+                <a:cxn ang="0">
+                  <a:pos x="connsiteX43" y="connsiteY43"/>
+                </a:cxn>
+                <a:cxn ang="0">
+                  <a:pos x="connsiteX44" y="connsiteY44"/>
+                </a:cxn>
+                <a:cxn ang="0">
+                  <a:pos x="connsiteX45" y="connsiteY45"/>
+                </a:cxn>
+                <a:cxn ang="0">
+                  <a:pos x="connsiteX46" y="connsiteY46"/>
+                </a:cxn>
+                <a:cxn ang="0">
+                  <a:pos x="connsiteX47" y="connsiteY47"/>
+                </a:cxn>
+                <a:cxn ang="0">
+                  <a:pos x="connsiteX48" y="connsiteY48"/>
+                </a:cxn>
+                <a:cxn ang="0">
+                  <a:pos x="connsiteX49" y="connsiteY49"/>
+                </a:cxn>
+                <a:cxn ang="0">
+                  <a:pos x="connsiteX50" y="connsiteY50"/>
+                </a:cxn>
+                <a:cxn ang="0">
+                  <a:pos x="connsiteX51" y="connsiteY51"/>
+                </a:cxn>
+                <a:cxn ang="0">
+                  <a:pos x="connsiteX52" y="connsiteY52"/>
+                </a:cxn>
+                <a:cxn ang="0">
+                  <a:pos x="connsiteX53" y="connsiteY53"/>
+                </a:cxn>
+                <a:cxn ang="0">
+                  <a:pos x="connsiteX54" y="connsiteY54"/>
+                </a:cxn>
+                <a:cxn ang="0">
+                  <a:pos x="connsiteX55" y="connsiteY55"/>
+                </a:cxn>
+                <a:cxn ang="0">
+                  <a:pos x="connsiteX56" y="connsiteY56"/>
+                </a:cxn>
+                <a:cxn ang="0">
+                  <a:pos x="connsiteX57" y="connsiteY57"/>
+                </a:cxn>
+                <a:cxn ang="0">
+                  <a:pos x="connsiteX58" y="connsiteY58"/>
+                </a:cxn>
+                <a:cxn ang="0">
+                  <a:pos x="connsiteX59" y="connsiteY59"/>
+                </a:cxn>
+                <a:cxn ang="0">
+                  <a:pos x="connsiteX60" y="connsiteY60"/>
+                </a:cxn>
+                <a:cxn ang="0">
+                  <a:pos x="connsiteX61" y="connsiteY61"/>
+                </a:cxn>
+                <a:cxn ang="0">
+                  <a:pos x="connsiteX62" y="connsiteY62"/>
+                </a:cxn>
+                <a:cxn ang="0">
+                  <a:pos x="connsiteX63" y="connsiteY63"/>
+                </a:cxn>
+              </a:cxnLst>
+              <a:rect l="l" t="t" r="r" b="b"/>
+              <a:pathLst>
+                <a:path w="6264586" h="6858001">
+                  <a:moveTo>
+                    <a:pt x="6264586" y="6646464"/>
+                  </a:moveTo>
+                  <a:lnTo>
+                    <a:pt x="6264586" y="6858001"/>
+                  </a:lnTo>
+                  <a:lnTo>
+                    <a:pt x="5997170" y="6858001"/>
+                  </a:lnTo>
+                  <a:lnTo>
+                    <a:pt x="6121512" y="6761029"/>
+                  </a:lnTo>
+                  <a:close/>
+                  <a:moveTo>
+                    <a:pt x="2693206" y="0"/>
+                  </a:moveTo>
+                  <a:lnTo>
+                    <a:pt x="5872285" y="0"/>
+                  </a:lnTo>
+                  <a:lnTo>
+                    <a:pt x="6024875" y="68385"/>
+                  </a:lnTo>
+                  <a:cubicBezTo>
+                    <a:pt x="6086250" y="97989"/>
+                    <a:pt x="6146793" y="129318"/>
+                    <a:pt x="6206432" y="162336"/>
+                  </a:cubicBezTo>
+                  <a:lnTo>
+                    <a:pt x="6264586" y="196704"/>
+                  </a:lnTo>
+                  <a:lnTo>
+                    <a:pt x="6264586" y="537242"/>
+                  </a:lnTo>
+                  <a:lnTo>
+                    <a:pt x="6230189" y="517260"/>
+                  </a:lnTo>
+                  <a:cubicBezTo>
+                    <a:pt x="6012226" y="399931"/>
+                    <a:pt x="5780573" y="310008"/>
+                    <a:pt x="5540536" y="249543"/>
+                  </a:cubicBezTo>
+                  <a:cubicBezTo>
+                    <a:pt x="5421375" y="219324"/>
+                    <a:pt x="5300641" y="195644"/>
+                    <a:pt x="5178896" y="178606"/>
+                  </a:cubicBezTo>
+                  <a:cubicBezTo>
+                    <a:pt x="5057977" y="161840"/>
+                    <a:pt x="4936276" y="151186"/>
+                    <a:pt x="4814279" y="146683"/>
+                  </a:cubicBezTo>
+                  <a:cubicBezTo>
+                    <a:pt x="4761501" y="144556"/>
+                    <a:pt x="4708015" y="143421"/>
+                    <a:pt x="4655095" y="143421"/>
+                  </a:cubicBezTo>
+                  <a:cubicBezTo>
+                    <a:pt x="4462968" y="143573"/>
+                    <a:pt x="4271111" y="157799"/>
+                    <a:pt x="4081069" y="185983"/>
+                  </a:cubicBezTo>
+                  <a:cubicBezTo>
+                    <a:pt x="3956361" y="205703"/>
+                    <a:pt x="3835058" y="229396"/>
+                    <a:pt x="3720566" y="256921"/>
+                  </a:cubicBezTo>
+                  <a:cubicBezTo>
+                    <a:pt x="3596708" y="286714"/>
+                    <a:pt x="3477677" y="320905"/>
+                    <a:pt x="3365879" y="357651"/>
+                  </a:cubicBezTo>
+                  <a:cubicBezTo>
+                    <a:pt x="3249257" y="395958"/>
+                    <a:pt x="3133487" y="438945"/>
+                    <a:pt x="3020555" y="486190"/>
+                  </a:cubicBezTo>
+                  <a:cubicBezTo>
+                    <a:pt x="2907623" y="533434"/>
+                    <a:pt x="2794832" y="585786"/>
+                    <a:pt x="2685163" y="641542"/>
+                  </a:cubicBezTo>
+                  <a:cubicBezTo>
+                    <a:pt x="2463995" y="754348"/>
+                    <a:pt x="2250998" y="882488"/>
+                    <a:pt x="2047720" y="1025030"/>
+                  </a:cubicBezTo>
+                  <a:cubicBezTo>
+                    <a:pt x="2006151" y="1054399"/>
+                    <a:pt x="1951528" y="1093415"/>
+                    <a:pt x="1897333" y="1134983"/>
+                  </a:cubicBezTo>
+                  <a:cubicBezTo>
+                    <a:pt x="1876761" y="1150164"/>
+                    <a:pt x="1855905" y="1166479"/>
+                    <a:pt x="1835758" y="1182227"/>
+                  </a:cubicBezTo>
+                  <a:lnTo>
+                    <a:pt x="1823273" y="1192016"/>
+                  </a:lnTo>
+                  <a:cubicBezTo>
+                    <a:pt x="1797027" y="1211879"/>
+                    <a:pt x="1772057" y="1232309"/>
+                    <a:pt x="1750918" y="1249760"/>
+                  </a:cubicBezTo>
+                  <a:cubicBezTo>
+                    <a:pt x="1645931" y="1335737"/>
+                    <a:pt x="1554422" y="1416605"/>
+                    <a:pt x="1469297" y="1496906"/>
+                  </a:cubicBezTo>
+                  <a:cubicBezTo>
+                    <a:pt x="1286595" y="1668957"/>
+                    <a:pt x="1118818" y="1856190"/>
+                    <a:pt x="967769" y="2056602"/>
+                  </a:cubicBezTo>
+                  <a:cubicBezTo>
+                    <a:pt x="890731" y="2159603"/>
+                    <a:pt x="818800" y="2264590"/>
+                    <a:pt x="754105" y="2368727"/>
+                  </a:cubicBezTo>
+                  <a:cubicBezTo>
+                    <a:pt x="681749" y="2488328"/>
+                    <a:pt x="622304" y="2596720"/>
+                    <a:pt x="572364" y="2701140"/>
+                  </a:cubicBezTo>
+                  <a:cubicBezTo>
+                    <a:pt x="557609" y="2730507"/>
+                    <a:pt x="543989" y="2760443"/>
+                    <a:pt x="532497" y="2786265"/>
+                  </a:cubicBezTo>
+                  <a:lnTo>
+                    <a:pt x="512918" y="2828827"/>
+                  </a:lnTo>
+                  <a:lnTo>
+                    <a:pt x="494475" y="2872240"/>
+                  </a:lnTo>
+                  <a:lnTo>
+                    <a:pt x="491637" y="2878908"/>
+                  </a:lnTo>
+                  <a:cubicBezTo>
+                    <a:pt x="480146" y="2906575"/>
+                    <a:pt x="469220" y="2932821"/>
+                    <a:pt x="459290" y="2959635"/>
+                  </a:cubicBezTo>
+                  <a:cubicBezTo>
+                    <a:pt x="455176" y="2970559"/>
+                    <a:pt x="451060" y="2981484"/>
+                    <a:pt x="446805" y="2992408"/>
+                  </a:cubicBezTo>
+                  <a:cubicBezTo>
+                    <a:pt x="439427" y="3012412"/>
+                    <a:pt x="432333" y="3030572"/>
+                    <a:pt x="426090" y="3049158"/>
+                  </a:cubicBezTo>
+                  <a:lnTo>
+                    <a:pt x="426090" y="3049867"/>
+                  </a:lnTo>
+                  <a:cubicBezTo>
+                    <a:pt x="383010" y="3169099"/>
+                    <a:pt x="346959" y="3290756"/>
+                    <a:pt x="318124" y="3414202"/>
+                  </a:cubicBezTo>
+                  <a:cubicBezTo>
+                    <a:pt x="260107" y="3661703"/>
+                    <a:pt x="230780" y="3915049"/>
+                    <a:pt x="230729" y="4169260"/>
+                  </a:cubicBezTo>
+                  <a:cubicBezTo>
+                    <a:pt x="231621" y="4295173"/>
+                    <a:pt x="244398" y="4420719"/>
+                    <a:pt x="268893" y="4544236"/>
+                  </a:cubicBezTo>
+                  <a:cubicBezTo>
+                    <a:pt x="293708" y="4666304"/>
+                    <a:pt x="330882" y="4785521"/>
+                    <a:pt x="379840" y="4900056"/>
+                  </a:cubicBezTo>
+                  <a:cubicBezTo>
+                    <a:pt x="387926" y="4919919"/>
+                    <a:pt x="397006" y="4939498"/>
+                    <a:pt x="406512" y="4960211"/>
+                  </a:cubicBezTo>
+                  <a:cubicBezTo>
+                    <a:pt x="410343" y="4968299"/>
+                    <a:pt x="414173" y="4976385"/>
+                    <a:pt x="417862" y="4984613"/>
+                  </a:cubicBezTo>
+                  <a:lnTo>
+                    <a:pt x="428077" y="5005043"/>
+                  </a:lnTo>
+                  <a:cubicBezTo>
+                    <a:pt x="438860" y="5026751"/>
+                    <a:pt x="449075" y="5047181"/>
+                    <a:pt x="460140" y="5067327"/>
+                  </a:cubicBezTo>
+                  <a:cubicBezTo>
+                    <a:pt x="485536" y="5116273"/>
+                    <a:pt x="514763" y="5165789"/>
+                    <a:pt x="555197" y="5229773"/>
+                  </a:cubicBezTo>
+                  <a:cubicBezTo>
+                    <a:pt x="586836" y="5280282"/>
+                    <a:pt x="620318" y="5329511"/>
+                    <a:pt x="660611" y="5387396"/>
+                  </a:cubicBezTo>
+                  <a:cubicBezTo>
+                    <a:pt x="698065" y="5440741"/>
+                    <a:pt x="737223" y="5493094"/>
+                    <a:pt x="774110" y="5542182"/>
+                  </a:cubicBezTo>
+                  <a:cubicBezTo>
+                    <a:pt x="821070" y="5604324"/>
+                    <a:pt x="870301" y="5667173"/>
+                    <a:pt x="917829" y="5727896"/>
+                  </a:cubicBezTo>
+                  <a:cubicBezTo>
+                    <a:pt x="949042" y="5767762"/>
+                    <a:pt x="979828" y="5807063"/>
+                    <a:pt x="1012885" y="5849767"/>
+                  </a:cubicBezTo>
+                  <a:cubicBezTo>
+                    <a:pt x="1045942" y="5892471"/>
+                    <a:pt x="1089497" y="5948796"/>
+                    <a:pt x="1133053" y="6006822"/>
+                  </a:cubicBezTo>
+                  <a:cubicBezTo>
+                    <a:pt x="1153624" y="6034345"/>
+                    <a:pt x="1175332" y="6063998"/>
+                    <a:pt x="1194343" y="6090245"/>
+                  </a:cubicBezTo>
+                  <a:cubicBezTo>
+                    <a:pt x="1213355" y="6116491"/>
+                    <a:pt x="1231372" y="6141178"/>
+                    <a:pt x="1249390" y="6165155"/>
+                  </a:cubicBezTo>
+                  <a:cubicBezTo>
+                    <a:pt x="1280461" y="6208000"/>
+                    <a:pt x="1313659" y="6250847"/>
+                    <a:pt x="1345724" y="6292132"/>
+                  </a:cubicBezTo>
+                  <a:lnTo>
+                    <a:pt x="1364310" y="6316251"/>
+                  </a:lnTo>
+                  <a:lnTo>
+                    <a:pt x="1373673" y="6327885"/>
+                  </a:lnTo>
+                  <a:cubicBezTo>
+                    <a:pt x="1409566" y="6372433"/>
+                    <a:pt x="1446738" y="6418542"/>
+                    <a:pt x="1484619" y="6462240"/>
+                  </a:cubicBezTo>
+                  <a:cubicBezTo>
+                    <a:pt x="1567899" y="6559850"/>
+                    <a:pt x="1653876" y="6652211"/>
+                    <a:pt x="1739000" y="6737335"/>
+                  </a:cubicBezTo>
+                  <a:lnTo>
+                    <a:pt x="1866801" y="6858001"/>
+                  </a:lnTo>
+                  <a:lnTo>
+                    <a:pt x="1144149" y="6858001"/>
+                  </a:lnTo>
+                  <a:lnTo>
+                    <a:pt x="1058349" y="6766452"/>
+                  </a:lnTo>
+                  <a:cubicBezTo>
+                    <a:pt x="878978" y="6562465"/>
+                    <a:pt x="718756" y="6341104"/>
+                    <a:pt x="580309" y="6105000"/>
+                  </a:cubicBezTo>
+                  <a:cubicBezTo>
+                    <a:pt x="200401" y="5454007"/>
+                    <a:pt x="146" y="4713831"/>
+                    <a:pt x="1" y="3960094"/>
+                  </a:cubicBezTo>
+                  <a:cubicBezTo>
+                    <a:pt x="-335" y="2196754"/>
+                    <a:pt x="1071479" y="683605"/>
+                    <a:pt x="2599292" y="37050"/>
+                  </a:cubicBezTo>
+                  <a:close/>
+                </a:path>
+              </a:pathLst>
+            </a:custGeom>
+            <a:gradFill>
+              <a:gsLst>
+                <a:gs pos="2000">
+                  <a:schemeClr val="bg1">
+                    <a:alpha val="10000"/>
+                  </a:schemeClr>
+                </a:gs>
+                <a:gs pos="16000">
+                  <a:schemeClr val="accent6">
+                    <a:alpha val="10000"/>
+                  </a:schemeClr>
+                </a:gs>
+                <a:gs pos="100000">
+                  <a:schemeClr val="bg1">
+                    <a:alpha val="10000"/>
+                  </a:schemeClr>
+                </a:gs>
+                <a:gs pos="85000">
+                  <a:schemeClr val="accent1">
+                    <a:alpha val="10000"/>
+                  </a:schemeClr>
+                </a:gs>
+              </a:gsLst>
+              <a:lin ang="12000000" scaled="0"/>
+            </a:gradFill>
+            <a:ln>
+              <a:noFill/>
+            </a:ln>
+          </p:spPr>
+          <p:style>
+            <a:lnRef idx="2">
+              <a:schemeClr val="accent1">
+                <a:shade val="50000"/>
+              </a:schemeClr>
+            </a:lnRef>
+            <a:fillRef idx="1">
+              <a:schemeClr val="accent1"/>
+            </a:fillRef>
+            <a:effectRef idx="0">
+              <a:schemeClr val="accent1"/>
+            </a:effectRef>
+            <a:fontRef idx="minor">
+              <a:schemeClr val="lt1"/>
+            </a:fontRef>
+          </p:style>
+          <p:txBody>
+            <a:bodyPr rtlCol="0" anchor="ctr"/>
+            <a:lstStyle/>
+            <a:p>
+              <a:pPr algn="ctr"/>
+              <a:endParaRPr lang="en-US" dirty="0"/>
+            </a:p>
+          </p:txBody>
+        </p:sp>
+        <p:sp>
+          <p:nvSpPr>
+            <p:cNvPr id="17" name="Freeform: Shape 16">
+              <a:extLst>
+                <a:ext uri="{FF2B5EF4-FFF2-40B4-BE49-F238E27FC236}">
+                  <a16:creationId xmlns:a16="http://schemas.microsoft.com/office/drawing/2014/main" id="{C093DC50-3BD7-46B1-A300-CD207E152FF4}"/>
+                </a:ext>
+                <a:ext uri="{C183D7F6-B498-43B3-948B-1728B52AA6E4}">
+                  <adec:decorative xmlns:adec="http://schemas.microsoft.com/office/drawing/2017/decorative" val="1"/>
+                </a:ext>
+              </a:extLst>
+            </p:cNvPr>
+            <p:cNvSpPr/>
+            <p:nvPr>
+              <p:extLst>
+                <p:ext uri="{386F3935-93C4-4BCD-93E2-E3B085C9AB24}">
+                  <p16:designElem xmlns:p16="http://schemas.microsoft.com/office/powerpoint/2015/main" val="1"/>
+                </p:ext>
+              </p:extLst>
+            </p:nvPr>
+          </p:nvSpPr>
+          <p:spPr>
+            <a:xfrm flipH="1">
+              <a:off x="305" y="-5977"/>
+              <a:ext cx="6238675" cy="6858001"/>
+            </a:xfrm>
+            <a:custGeom>
+              <a:avLst/>
+              <a:gdLst>
+                <a:gd name="connsiteX0" fmla="*/ 6264586 w 6264586"/>
+                <a:gd name="connsiteY0" fmla="*/ 6646464 h 6858001"/>
+                <a:gd name="connsiteX1" fmla="*/ 6264586 w 6264586"/>
+                <a:gd name="connsiteY1" fmla="*/ 6858001 h 6858001"/>
+                <a:gd name="connsiteX2" fmla="*/ 5997170 w 6264586"/>
+                <a:gd name="connsiteY2" fmla="*/ 6858001 h 6858001"/>
+                <a:gd name="connsiteX3" fmla="*/ 6121512 w 6264586"/>
+                <a:gd name="connsiteY3" fmla="*/ 6761029 h 6858001"/>
+                <a:gd name="connsiteX4" fmla="*/ 2693206 w 6264586"/>
+                <a:gd name="connsiteY4" fmla="*/ 0 h 6858001"/>
+                <a:gd name="connsiteX5" fmla="*/ 5872285 w 6264586"/>
+                <a:gd name="connsiteY5" fmla="*/ 0 h 6858001"/>
+                <a:gd name="connsiteX6" fmla="*/ 6024875 w 6264586"/>
+                <a:gd name="connsiteY6" fmla="*/ 68385 h 6858001"/>
+                <a:gd name="connsiteX7" fmla="*/ 6206432 w 6264586"/>
+                <a:gd name="connsiteY7" fmla="*/ 162336 h 6858001"/>
+                <a:gd name="connsiteX8" fmla="*/ 6264586 w 6264586"/>
+                <a:gd name="connsiteY8" fmla="*/ 196704 h 6858001"/>
+                <a:gd name="connsiteX9" fmla="*/ 6264586 w 6264586"/>
+                <a:gd name="connsiteY9" fmla="*/ 537242 h 6858001"/>
+                <a:gd name="connsiteX10" fmla="*/ 6230189 w 6264586"/>
+                <a:gd name="connsiteY10" fmla="*/ 517260 h 6858001"/>
+                <a:gd name="connsiteX11" fmla="*/ 5540536 w 6264586"/>
+                <a:gd name="connsiteY11" fmla="*/ 249543 h 6858001"/>
+                <a:gd name="connsiteX12" fmla="*/ 5178896 w 6264586"/>
+                <a:gd name="connsiteY12" fmla="*/ 178606 h 6858001"/>
+                <a:gd name="connsiteX13" fmla="*/ 4814279 w 6264586"/>
+                <a:gd name="connsiteY13" fmla="*/ 146683 h 6858001"/>
+                <a:gd name="connsiteX14" fmla="*/ 4655095 w 6264586"/>
+                <a:gd name="connsiteY14" fmla="*/ 143421 h 6858001"/>
+                <a:gd name="connsiteX15" fmla="*/ 4081069 w 6264586"/>
+                <a:gd name="connsiteY15" fmla="*/ 185983 h 6858001"/>
+                <a:gd name="connsiteX16" fmla="*/ 3720566 w 6264586"/>
+                <a:gd name="connsiteY16" fmla="*/ 256921 h 6858001"/>
+                <a:gd name="connsiteX17" fmla="*/ 3365879 w 6264586"/>
+                <a:gd name="connsiteY17" fmla="*/ 357651 h 6858001"/>
+                <a:gd name="connsiteX18" fmla="*/ 3020555 w 6264586"/>
+                <a:gd name="connsiteY18" fmla="*/ 486190 h 6858001"/>
+                <a:gd name="connsiteX19" fmla="*/ 2685163 w 6264586"/>
+                <a:gd name="connsiteY19" fmla="*/ 641542 h 6858001"/>
+                <a:gd name="connsiteX20" fmla="*/ 2047720 w 6264586"/>
+                <a:gd name="connsiteY20" fmla="*/ 1025030 h 6858001"/>
+                <a:gd name="connsiteX21" fmla="*/ 1897333 w 6264586"/>
+                <a:gd name="connsiteY21" fmla="*/ 1134983 h 6858001"/>
+                <a:gd name="connsiteX22" fmla="*/ 1835758 w 6264586"/>
+                <a:gd name="connsiteY22" fmla="*/ 1182227 h 6858001"/>
+                <a:gd name="connsiteX23" fmla="*/ 1823273 w 6264586"/>
+                <a:gd name="connsiteY23" fmla="*/ 1192016 h 6858001"/>
+                <a:gd name="connsiteX24" fmla="*/ 1750918 w 6264586"/>
+                <a:gd name="connsiteY24" fmla="*/ 1249760 h 6858001"/>
+                <a:gd name="connsiteX25" fmla="*/ 1469297 w 6264586"/>
+                <a:gd name="connsiteY25" fmla="*/ 1496906 h 6858001"/>
+                <a:gd name="connsiteX26" fmla="*/ 967769 w 6264586"/>
+                <a:gd name="connsiteY26" fmla="*/ 2056602 h 6858001"/>
+                <a:gd name="connsiteX27" fmla="*/ 754105 w 6264586"/>
+                <a:gd name="connsiteY27" fmla="*/ 2368727 h 6858001"/>
+                <a:gd name="connsiteX28" fmla="*/ 572364 w 6264586"/>
+                <a:gd name="connsiteY28" fmla="*/ 2701140 h 6858001"/>
+                <a:gd name="connsiteX29" fmla="*/ 532497 w 6264586"/>
+                <a:gd name="connsiteY29" fmla="*/ 2786265 h 6858001"/>
+                <a:gd name="connsiteX30" fmla="*/ 512918 w 6264586"/>
+                <a:gd name="connsiteY30" fmla="*/ 2828827 h 6858001"/>
+                <a:gd name="connsiteX31" fmla="*/ 494475 w 6264586"/>
+                <a:gd name="connsiteY31" fmla="*/ 2872240 h 6858001"/>
+                <a:gd name="connsiteX32" fmla="*/ 491637 w 6264586"/>
+                <a:gd name="connsiteY32" fmla="*/ 2878908 h 6858001"/>
+                <a:gd name="connsiteX33" fmla="*/ 459290 w 6264586"/>
+                <a:gd name="connsiteY33" fmla="*/ 2959635 h 6858001"/>
+                <a:gd name="connsiteX34" fmla="*/ 446805 w 6264586"/>
+                <a:gd name="connsiteY34" fmla="*/ 2992408 h 6858001"/>
+                <a:gd name="connsiteX35" fmla="*/ 426090 w 6264586"/>
+                <a:gd name="connsiteY35" fmla="*/ 3049158 h 6858001"/>
+                <a:gd name="connsiteX36" fmla="*/ 426090 w 6264586"/>
+                <a:gd name="connsiteY36" fmla="*/ 3049867 h 6858001"/>
+                <a:gd name="connsiteX37" fmla="*/ 318124 w 6264586"/>
+                <a:gd name="connsiteY37" fmla="*/ 3414202 h 6858001"/>
+                <a:gd name="connsiteX38" fmla="*/ 230729 w 6264586"/>
+                <a:gd name="connsiteY38" fmla="*/ 4169260 h 6858001"/>
+                <a:gd name="connsiteX39" fmla="*/ 268893 w 6264586"/>
+                <a:gd name="connsiteY39" fmla="*/ 4544236 h 6858001"/>
+                <a:gd name="connsiteX40" fmla="*/ 379840 w 6264586"/>
+                <a:gd name="connsiteY40" fmla="*/ 4900056 h 6858001"/>
+                <a:gd name="connsiteX41" fmla="*/ 406512 w 6264586"/>
+                <a:gd name="connsiteY41" fmla="*/ 4960211 h 6858001"/>
+                <a:gd name="connsiteX42" fmla="*/ 417862 w 6264586"/>
+                <a:gd name="connsiteY42" fmla="*/ 4984613 h 6858001"/>
+                <a:gd name="connsiteX43" fmla="*/ 428077 w 6264586"/>
+                <a:gd name="connsiteY43" fmla="*/ 5005043 h 6858001"/>
+                <a:gd name="connsiteX44" fmla="*/ 460140 w 6264586"/>
+                <a:gd name="connsiteY44" fmla="*/ 5067327 h 6858001"/>
+                <a:gd name="connsiteX45" fmla="*/ 555197 w 6264586"/>
+                <a:gd name="connsiteY45" fmla="*/ 5229773 h 6858001"/>
+                <a:gd name="connsiteX46" fmla="*/ 660611 w 6264586"/>
+                <a:gd name="connsiteY46" fmla="*/ 5387396 h 6858001"/>
+                <a:gd name="connsiteX47" fmla="*/ 774110 w 6264586"/>
+                <a:gd name="connsiteY47" fmla="*/ 5542182 h 6858001"/>
+                <a:gd name="connsiteX48" fmla="*/ 917829 w 6264586"/>
+                <a:gd name="connsiteY48" fmla="*/ 5727896 h 6858001"/>
+                <a:gd name="connsiteX49" fmla="*/ 1012885 w 6264586"/>
+                <a:gd name="connsiteY49" fmla="*/ 5849767 h 6858001"/>
+                <a:gd name="connsiteX50" fmla="*/ 1133053 w 6264586"/>
+                <a:gd name="connsiteY50" fmla="*/ 6006822 h 6858001"/>
+                <a:gd name="connsiteX51" fmla="*/ 1194343 w 6264586"/>
+                <a:gd name="connsiteY51" fmla="*/ 6090245 h 6858001"/>
+                <a:gd name="connsiteX52" fmla="*/ 1249390 w 6264586"/>
+                <a:gd name="connsiteY52" fmla="*/ 6165155 h 6858001"/>
+                <a:gd name="connsiteX53" fmla="*/ 1345724 w 6264586"/>
+                <a:gd name="connsiteY53" fmla="*/ 6292132 h 6858001"/>
+                <a:gd name="connsiteX54" fmla="*/ 1364310 w 6264586"/>
+                <a:gd name="connsiteY54" fmla="*/ 6316251 h 6858001"/>
+                <a:gd name="connsiteX55" fmla="*/ 1373673 w 6264586"/>
+                <a:gd name="connsiteY55" fmla="*/ 6327885 h 6858001"/>
+                <a:gd name="connsiteX56" fmla="*/ 1484619 w 6264586"/>
+                <a:gd name="connsiteY56" fmla="*/ 6462240 h 6858001"/>
+                <a:gd name="connsiteX57" fmla="*/ 1739000 w 6264586"/>
+                <a:gd name="connsiteY57" fmla="*/ 6737335 h 6858001"/>
+                <a:gd name="connsiteX58" fmla="*/ 1866801 w 6264586"/>
+                <a:gd name="connsiteY58" fmla="*/ 6858001 h 6858001"/>
+                <a:gd name="connsiteX59" fmla="*/ 1144149 w 6264586"/>
+                <a:gd name="connsiteY59" fmla="*/ 6858001 h 6858001"/>
+                <a:gd name="connsiteX60" fmla="*/ 1058349 w 6264586"/>
+                <a:gd name="connsiteY60" fmla="*/ 6766452 h 6858001"/>
+                <a:gd name="connsiteX61" fmla="*/ 580309 w 6264586"/>
+                <a:gd name="connsiteY61" fmla="*/ 6105000 h 6858001"/>
+                <a:gd name="connsiteX62" fmla="*/ 1 w 6264586"/>
+                <a:gd name="connsiteY62" fmla="*/ 3960094 h 6858001"/>
+                <a:gd name="connsiteX63" fmla="*/ 2599292 w 6264586"/>
+                <a:gd name="connsiteY63" fmla="*/ 37050 h 6858001"/>
+              </a:gdLst>
+              <a:ahLst/>
+              <a:cxnLst>
+                <a:cxn ang="0">
+                  <a:pos x="connsiteX0" y="connsiteY0"/>
+                </a:cxn>
+                <a:cxn ang="0">
+                  <a:pos x="connsiteX1" y="connsiteY1"/>
+                </a:cxn>
+                <a:cxn ang="0">
+                  <a:pos x="connsiteX2" y="connsiteY2"/>
+                </a:cxn>
+                <a:cxn ang="0">
+                  <a:pos x="connsiteX3" y="connsiteY3"/>
+                </a:cxn>
+                <a:cxn ang="0">
+                  <a:pos x="connsiteX4" y="connsiteY4"/>
+                </a:cxn>
+                <a:cxn ang="0">
+                  <a:pos x="connsiteX5" y="connsiteY5"/>
+                </a:cxn>
+                <a:cxn ang="0">
+                  <a:pos x="connsiteX6" y="connsiteY6"/>
+                </a:cxn>
+                <a:cxn ang="0">
+                  <a:pos x="connsiteX7" y="connsiteY7"/>
+                </a:cxn>
+                <a:cxn ang="0">
+                  <a:pos x="connsiteX8" y="connsiteY8"/>
+                </a:cxn>
+                <a:cxn ang="0">
+                  <a:pos x="connsiteX9" y="connsiteY9"/>
+                </a:cxn>
+                <a:cxn ang="0">
+                  <a:pos x="connsiteX10" y="connsiteY10"/>
+                </a:cxn>
+                <a:cxn ang="0">
+                  <a:pos x="connsiteX11" y="connsiteY11"/>
+                </a:cxn>
+                <a:cxn ang="0">
+                  <a:pos x="connsiteX12" y="connsiteY12"/>
+                </a:cxn>
+                <a:cxn ang="0">
+                  <a:pos x="connsiteX13" y="connsiteY13"/>
+                </a:cxn>
+                <a:cxn ang="0">
+                  <a:pos x="connsiteX14" y="connsiteY14"/>
+                </a:cxn>
+                <a:cxn ang="0">
+                  <a:pos x="connsiteX15" y="connsiteY15"/>
+                </a:cxn>
+                <a:cxn ang="0">
+                  <a:pos x="connsiteX16" y="connsiteY16"/>
+                </a:cxn>
+                <a:cxn ang="0">
+                  <a:pos x="connsiteX17" y="connsiteY17"/>
+                </a:cxn>
+                <a:cxn ang="0">
+                  <a:pos x="connsiteX18" y="connsiteY18"/>
+                </a:cxn>
+                <a:cxn ang="0">
+                  <a:pos x="connsiteX19" y="connsiteY19"/>
+                </a:cxn>
+                <a:cxn ang="0">
+                  <a:pos x="connsiteX20" y="connsiteY20"/>
+                </a:cxn>
+                <a:cxn ang="0">
+                  <a:pos x="connsiteX21" y="connsiteY21"/>
+                </a:cxn>
+                <a:cxn ang="0">
+                  <a:pos x="connsiteX22" y="connsiteY22"/>
+                </a:cxn>
+                <a:cxn ang="0">
+                  <a:pos x="connsiteX23" y="connsiteY23"/>
+                </a:cxn>
+                <a:cxn ang="0">
+                  <a:pos x="connsiteX24" y="connsiteY24"/>
+                </a:cxn>
+                <a:cxn ang="0">
+                  <a:pos x="connsiteX25" y="connsiteY25"/>
+                </a:cxn>
+                <a:cxn ang="0">
+                  <a:pos x="connsiteX26" y="connsiteY26"/>
+                </a:cxn>
+                <a:cxn ang="0">
+                  <a:pos x="connsiteX27" y="connsiteY27"/>
+                </a:cxn>
+                <a:cxn ang="0">
+                  <a:pos x="connsiteX28" y="connsiteY28"/>
+                </a:cxn>
+                <a:cxn ang="0">
+                  <a:pos x="connsiteX29" y="connsiteY29"/>
+                </a:cxn>
+                <a:cxn ang="0">
+                  <a:pos x="connsiteX30" y="connsiteY30"/>
+                </a:cxn>
+                <a:cxn ang="0">
+                  <a:pos x="connsiteX31" y="connsiteY31"/>
+                </a:cxn>
+                <a:cxn ang="0">
+                  <a:pos x="connsiteX32" y="connsiteY32"/>
+                </a:cxn>
+                <a:cxn ang="0">
+                  <a:pos x="connsiteX33" y="connsiteY33"/>
+                </a:cxn>
+                <a:cxn ang="0">
+                  <a:pos x="connsiteX34" y="connsiteY34"/>
+                </a:cxn>
+                <a:cxn ang="0">
+                  <a:pos x="connsiteX35" y="connsiteY35"/>
+                </a:cxn>
+                <a:cxn ang="0">
+                  <a:pos x="connsiteX36" y="connsiteY36"/>
+                </a:cxn>
+                <a:cxn ang="0">
+                  <a:pos x="connsiteX37" y="connsiteY37"/>
+                </a:cxn>
+                <a:cxn ang="0">
+                  <a:pos x="connsiteX38" y="connsiteY38"/>
+                </a:cxn>
+                <a:cxn ang="0">
+                  <a:pos x="connsiteX39" y="connsiteY39"/>
+                </a:cxn>
+                <a:cxn ang="0">
+                  <a:pos x="connsiteX40" y="connsiteY40"/>
+                </a:cxn>
+                <a:cxn ang="0">
+                  <a:pos x="connsiteX41" y="connsiteY41"/>
+                </a:cxn>
+                <a:cxn ang="0">
+                  <a:pos x="connsiteX42" y="connsiteY42"/>
+                </a:cxn>
+                <a:cxn ang="0">
+                  <a:pos x="connsiteX43" y="connsiteY43"/>
+                </a:cxn>
+                <a:cxn ang="0">
+                  <a:pos x="connsiteX44" y="connsiteY44"/>
+                </a:cxn>
+                <a:cxn ang="0">
+                  <a:pos x="connsiteX45" y="connsiteY45"/>
+                </a:cxn>
+                <a:cxn ang="0">
+                  <a:pos x="connsiteX46" y="connsiteY46"/>
+                </a:cxn>
+                <a:cxn ang="0">
+                  <a:pos x="connsiteX47" y="connsiteY47"/>
+                </a:cxn>
+                <a:cxn ang="0">
+                  <a:pos x="connsiteX48" y="connsiteY48"/>
+                </a:cxn>
+                <a:cxn ang="0">
+                  <a:pos x="connsiteX49" y="connsiteY49"/>
+                </a:cxn>
+                <a:cxn ang="0">
+                  <a:pos x="connsiteX50" y="connsiteY50"/>
+                </a:cxn>
+                <a:cxn ang="0">
+                  <a:pos x="connsiteX51" y="connsiteY51"/>
+                </a:cxn>
+                <a:cxn ang="0">
+                  <a:pos x="connsiteX52" y="connsiteY52"/>
+                </a:cxn>
+                <a:cxn ang="0">
+                  <a:pos x="connsiteX53" y="connsiteY53"/>
+                </a:cxn>
+                <a:cxn ang="0">
+                  <a:pos x="connsiteX54" y="connsiteY54"/>
+                </a:cxn>
+                <a:cxn ang="0">
+                  <a:pos x="connsiteX55" y="connsiteY55"/>
+                </a:cxn>
+                <a:cxn ang="0">
+                  <a:pos x="connsiteX56" y="connsiteY56"/>
+                </a:cxn>
+                <a:cxn ang="0">
+                  <a:pos x="connsiteX57" y="connsiteY57"/>
+                </a:cxn>
+                <a:cxn ang="0">
+                  <a:pos x="connsiteX58" y="connsiteY58"/>
+                </a:cxn>
+                <a:cxn ang="0">
+                  <a:pos x="connsiteX59" y="connsiteY59"/>
+                </a:cxn>
+                <a:cxn ang="0">
+                  <a:pos x="connsiteX60" y="connsiteY60"/>
+                </a:cxn>
+                <a:cxn ang="0">
+                  <a:pos x="connsiteX61" y="connsiteY61"/>
+                </a:cxn>
+                <a:cxn ang="0">
+                  <a:pos x="connsiteX62" y="connsiteY62"/>
+                </a:cxn>
+                <a:cxn ang="0">
+                  <a:pos x="connsiteX63" y="connsiteY63"/>
+                </a:cxn>
+              </a:cxnLst>
+              <a:rect l="l" t="t" r="r" b="b"/>
+              <a:pathLst>
+                <a:path w="6264586" h="6858001">
+                  <a:moveTo>
+                    <a:pt x="6264586" y="6646464"/>
+                  </a:moveTo>
+                  <a:lnTo>
+                    <a:pt x="6264586" y="6858001"/>
+                  </a:lnTo>
+                  <a:lnTo>
+                    <a:pt x="5997170" y="6858001"/>
+                  </a:lnTo>
+                  <a:lnTo>
+                    <a:pt x="6121512" y="6761029"/>
+                  </a:lnTo>
+                  <a:close/>
+                  <a:moveTo>
+                    <a:pt x="2693206" y="0"/>
+                  </a:moveTo>
+                  <a:lnTo>
+                    <a:pt x="5872285" y="0"/>
+                  </a:lnTo>
+                  <a:lnTo>
+                    <a:pt x="6024875" y="68385"/>
+                  </a:lnTo>
+                  <a:cubicBezTo>
+                    <a:pt x="6086250" y="97989"/>
+                    <a:pt x="6146793" y="129318"/>
+                    <a:pt x="6206432" y="162336"/>
+                  </a:cubicBezTo>
+                  <a:lnTo>
+                    <a:pt x="6264586" y="196704"/>
+                  </a:lnTo>
+                  <a:lnTo>
+                    <a:pt x="6264586" y="537242"/>
+                  </a:lnTo>
+                  <a:lnTo>
+                    <a:pt x="6230189" y="517260"/>
+                  </a:lnTo>
+                  <a:cubicBezTo>
+                    <a:pt x="6012226" y="399931"/>
+                    <a:pt x="5780573" y="310008"/>
+                    <a:pt x="5540536" y="249543"/>
+                  </a:cubicBezTo>
+                  <a:cubicBezTo>
+                    <a:pt x="5421375" y="219324"/>
+                    <a:pt x="5300641" y="195644"/>
+                    <a:pt x="5178896" y="178606"/>
+                  </a:cubicBezTo>
+                  <a:cubicBezTo>
+                    <a:pt x="5057977" y="161840"/>
+                    <a:pt x="4936276" y="151186"/>
+                    <a:pt x="4814279" y="146683"/>
+                  </a:cubicBezTo>
+                  <a:cubicBezTo>
+                    <a:pt x="4761501" y="144556"/>
+                    <a:pt x="4708015" y="143421"/>
+                    <a:pt x="4655095" y="143421"/>
+                  </a:cubicBezTo>
+                  <a:cubicBezTo>
+                    <a:pt x="4462968" y="143573"/>
+                    <a:pt x="4271111" y="157799"/>
+                    <a:pt x="4081069" y="185983"/>
+                  </a:cubicBezTo>
+                  <a:cubicBezTo>
+                    <a:pt x="3956361" y="205703"/>
+                    <a:pt x="3835058" y="229396"/>
+                    <a:pt x="3720566" y="256921"/>
+                  </a:cubicBezTo>
+                  <a:cubicBezTo>
+                    <a:pt x="3596708" y="286714"/>
+                    <a:pt x="3477677" y="320905"/>
+                    <a:pt x="3365879" y="357651"/>
+                  </a:cubicBezTo>
+                  <a:cubicBezTo>
+                    <a:pt x="3249257" y="395958"/>
+                    <a:pt x="3133487" y="438945"/>
+                    <a:pt x="3020555" y="486190"/>
+                  </a:cubicBezTo>
+                  <a:cubicBezTo>
+                    <a:pt x="2907623" y="533434"/>
+                    <a:pt x="2794832" y="585786"/>
+                    <a:pt x="2685163" y="641542"/>
+                  </a:cubicBezTo>
+                  <a:cubicBezTo>
+                    <a:pt x="2463995" y="754348"/>
+                    <a:pt x="2250998" y="882488"/>
+                    <a:pt x="2047720" y="1025030"/>
+                  </a:cubicBezTo>
+                  <a:cubicBezTo>
+                    <a:pt x="2006151" y="1054399"/>
+                    <a:pt x="1951528" y="1093415"/>
+                    <a:pt x="1897333" y="1134983"/>
+                  </a:cubicBezTo>
+                  <a:cubicBezTo>
+                    <a:pt x="1876761" y="1150164"/>
+                    <a:pt x="1855905" y="1166479"/>
+                    <a:pt x="1835758" y="1182227"/>
+                  </a:cubicBezTo>
+                  <a:lnTo>
+                    <a:pt x="1823273" y="1192016"/>
+                  </a:lnTo>
+                  <a:cubicBezTo>
+                    <a:pt x="1797027" y="1211879"/>
+                    <a:pt x="1772057" y="1232309"/>
+                    <a:pt x="1750918" y="1249760"/>
+                  </a:cubicBezTo>
+                  <a:cubicBezTo>
+                    <a:pt x="1645931" y="1335737"/>
+                    <a:pt x="1554422" y="1416605"/>
+                    <a:pt x="1469297" y="1496906"/>
+                  </a:cubicBezTo>
+                  <a:cubicBezTo>
+                    <a:pt x="1286595" y="1668957"/>
+                    <a:pt x="1118818" y="1856190"/>
+                    <a:pt x="967769" y="2056602"/>
+                  </a:cubicBezTo>
+                  <a:cubicBezTo>
+                    <a:pt x="890731" y="2159603"/>
+                    <a:pt x="818800" y="2264590"/>
+                    <a:pt x="754105" y="2368727"/>
+                  </a:cubicBezTo>
+                  <a:cubicBezTo>
+                    <a:pt x="681749" y="2488328"/>
+                    <a:pt x="622304" y="2596720"/>
+                    <a:pt x="572364" y="2701140"/>
+                  </a:cubicBezTo>
+                  <a:cubicBezTo>
+                    <a:pt x="557609" y="2730507"/>
+                    <a:pt x="543989" y="2760443"/>
+                    <a:pt x="532497" y="2786265"/>
+                  </a:cubicBezTo>
+                  <a:lnTo>
+                    <a:pt x="512918" y="2828827"/>
+                  </a:lnTo>
+                  <a:lnTo>
+                    <a:pt x="494475" y="2872240"/>
+                  </a:lnTo>
+                  <a:lnTo>
+                    <a:pt x="491637" y="2878908"/>
+                  </a:lnTo>
+                  <a:cubicBezTo>
+                    <a:pt x="480146" y="2906575"/>
+                    <a:pt x="469220" y="2932821"/>
+                    <a:pt x="459290" y="2959635"/>
+                  </a:cubicBezTo>
+                  <a:cubicBezTo>
+                    <a:pt x="455176" y="2970559"/>
+                    <a:pt x="451060" y="2981484"/>
+                    <a:pt x="446805" y="2992408"/>
+                  </a:cubicBezTo>
+                  <a:cubicBezTo>
+                    <a:pt x="439427" y="3012412"/>
+                    <a:pt x="432333" y="3030572"/>
+                    <a:pt x="426090" y="3049158"/>
+                  </a:cubicBezTo>
+                  <a:lnTo>
+                    <a:pt x="426090" y="3049867"/>
+                  </a:lnTo>
+                  <a:cubicBezTo>
+                    <a:pt x="383010" y="3169099"/>
+                    <a:pt x="346959" y="3290756"/>
+                    <a:pt x="318124" y="3414202"/>
+                  </a:cubicBezTo>
+                  <a:cubicBezTo>
+                    <a:pt x="260107" y="3661703"/>
+                    <a:pt x="230780" y="3915049"/>
+                    <a:pt x="230729" y="4169260"/>
+                  </a:cubicBezTo>
+                  <a:cubicBezTo>
+                    <a:pt x="231621" y="4295173"/>
+                    <a:pt x="244398" y="4420719"/>
+                    <a:pt x="268893" y="4544236"/>
+                  </a:cubicBezTo>
+                  <a:cubicBezTo>
+                    <a:pt x="293708" y="4666304"/>
+                    <a:pt x="330882" y="4785521"/>
+                    <a:pt x="379840" y="4900056"/>
+                  </a:cubicBezTo>
+                  <a:cubicBezTo>
+                    <a:pt x="387926" y="4919919"/>
+                    <a:pt x="397006" y="4939498"/>
+                    <a:pt x="406512" y="4960211"/>
+                  </a:cubicBezTo>
+                  <a:cubicBezTo>
+                    <a:pt x="410343" y="4968299"/>
+                    <a:pt x="414173" y="4976385"/>
+                    <a:pt x="417862" y="4984613"/>
+                  </a:cubicBezTo>
+                  <a:lnTo>
+                    <a:pt x="428077" y="5005043"/>
+                  </a:lnTo>
+                  <a:cubicBezTo>
+                    <a:pt x="438860" y="5026751"/>
+                    <a:pt x="449075" y="5047181"/>
+                    <a:pt x="460140" y="5067327"/>
+                  </a:cubicBezTo>
+                  <a:cubicBezTo>
+                    <a:pt x="485536" y="5116273"/>
+                    <a:pt x="514763" y="5165789"/>
+                    <a:pt x="555197" y="5229773"/>
+                  </a:cubicBezTo>
+                  <a:cubicBezTo>
+                    <a:pt x="586836" y="5280282"/>
+                    <a:pt x="620318" y="5329511"/>
+                    <a:pt x="660611" y="5387396"/>
+                  </a:cubicBezTo>
+                  <a:cubicBezTo>
+                    <a:pt x="698065" y="5440741"/>
+                    <a:pt x="737223" y="5493094"/>
+                    <a:pt x="774110" y="5542182"/>
+                  </a:cubicBezTo>
+                  <a:cubicBezTo>
+                    <a:pt x="821070" y="5604324"/>
+                    <a:pt x="870301" y="5667173"/>
+                    <a:pt x="917829" y="5727896"/>
+                  </a:cubicBezTo>
+                  <a:cubicBezTo>
+                    <a:pt x="949042" y="5767762"/>
+                    <a:pt x="979828" y="5807063"/>
+                    <a:pt x="1012885" y="5849767"/>
+                  </a:cubicBezTo>
+                  <a:cubicBezTo>
+                    <a:pt x="1045942" y="5892471"/>
+                    <a:pt x="1089497" y="5948796"/>
+                    <a:pt x="1133053" y="6006822"/>
+                  </a:cubicBezTo>
+                  <a:cubicBezTo>
+                    <a:pt x="1153624" y="6034345"/>
+                    <a:pt x="1175332" y="6063998"/>
+                    <a:pt x="1194343" y="6090245"/>
+                  </a:cubicBezTo>
+                  <a:cubicBezTo>
+                    <a:pt x="1213355" y="6116491"/>
+                    <a:pt x="1231372" y="6141178"/>
+                    <a:pt x="1249390" y="6165155"/>
+                  </a:cubicBezTo>
+                  <a:cubicBezTo>
+                    <a:pt x="1280461" y="6208000"/>
+                    <a:pt x="1313659" y="6250847"/>
+                    <a:pt x="1345724" y="6292132"/>
+                  </a:cubicBezTo>
+                  <a:lnTo>
+                    <a:pt x="1364310" y="6316251"/>
+                  </a:lnTo>
+                  <a:lnTo>
+                    <a:pt x="1373673" y="6327885"/>
+                  </a:lnTo>
+                  <a:cubicBezTo>
+                    <a:pt x="1409566" y="6372433"/>
+                    <a:pt x="1446738" y="6418542"/>
+                    <a:pt x="1484619" y="6462240"/>
+                  </a:cubicBezTo>
+                  <a:cubicBezTo>
+                    <a:pt x="1567899" y="6559850"/>
+                    <a:pt x="1653876" y="6652211"/>
+                    <a:pt x="1739000" y="6737335"/>
+                  </a:cubicBezTo>
+                  <a:lnTo>
+                    <a:pt x="1866801" y="6858001"/>
+                  </a:lnTo>
+                  <a:lnTo>
+                    <a:pt x="1144149" y="6858001"/>
+                  </a:lnTo>
+                  <a:lnTo>
+                    <a:pt x="1058349" y="6766452"/>
+                  </a:lnTo>
+                  <a:cubicBezTo>
+                    <a:pt x="878978" y="6562465"/>
+                    <a:pt x="718756" y="6341104"/>
+                    <a:pt x="580309" y="6105000"/>
+                  </a:cubicBezTo>
+                  <a:cubicBezTo>
+                    <a:pt x="200401" y="5454007"/>
+                    <a:pt x="146" y="4713831"/>
+                    <a:pt x="1" y="3960094"/>
+                  </a:cubicBezTo>
+                  <a:cubicBezTo>
+                    <a:pt x="-335" y="2196754"/>
+                    <a:pt x="1071479" y="683605"/>
+                    <a:pt x="2599292" y="37050"/>
+                  </a:cubicBezTo>
+                  <a:close/>
+                </a:path>
+              </a:pathLst>
+            </a:custGeom>
+            <a:gradFill>
+              <a:gsLst>
+                <a:gs pos="2000">
+                  <a:schemeClr val="bg1">
+                    <a:alpha val="10000"/>
+                  </a:schemeClr>
+                </a:gs>
+                <a:gs pos="16000">
+                  <a:schemeClr val="accent6">
+                    <a:alpha val="10000"/>
+                  </a:schemeClr>
+                </a:gs>
+                <a:gs pos="100000">
+                  <a:schemeClr val="bg1">
+                    <a:alpha val="10000"/>
+                  </a:schemeClr>
+                </a:gs>
+                <a:gs pos="85000">
+                  <a:schemeClr val="accent1">
+                    <a:alpha val="10000"/>
+                  </a:schemeClr>
+                </a:gs>
+              </a:gsLst>
+              <a:lin ang="12000000" scaled="0"/>
+            </a:gradFill>
+            <a:ln>
+              <a:noFill/>
+            </a:ln>
+          </p:spPr>
+          <p:style>
+            <a:lnRef idx="2">
+              <a:schemeClr val="accent1">
+                <a:shade val="50000"/>
+              </a:schemeClr>
+            </a:lnRef>
+            <a:fillRef idx="1">
+              <a:schemeClr val="accent1"/>
+            </a:fillRef>
+            <a:effectRef idx="0">
+              <a:schemeClr val="accent1"/>
+            </a:effectRef>
+            <a:fontRef idx="minor">
+              <a:schemeClr val="lt1"/>
+            </a:fontRef>
+          </p:style>
+          <p:txBody>
+            <a:bodyPr rtlCol="0" anchor="ctr"/>
+            <a:lstStyle/>
+            <a:p>
+              <a:pPr algn="ctr"/>
+              <a:endParaRPr lang="en-US" dirty="0"/>
+            </a:p>
+          </p:txBody>
+        </p:sp>
+      </p:grpSp>
+    </p:spTree>
+    <p:extLst>
+      <p:ext uri="{BB962C8B-B14F-4D97-AF65-F5344CB8AC3E}">
+        <p14:creationId xmlns:p14="http://schemas.microsoft.com/office/powerpoint/2010/main" val="2279852048"/>
+      </p:ext>
+    </p:extLst>
+  </p:cSld>
+  <p:clrMapOvr>
+    <a:masterClrMapping/>
+  </p:clrMapOvr>
+</p:sld>
+</file>
+
+<file path=ppt/slides/slide2.xml><?xml version="1.0" encoding="utf-8"?>
+<p:sld xmlns:a="http://schemas.openxmlformats.org/drawingml/2006/main" xmlns:r="http://schemas.openxmlformats.org/officeDocument/2006/relationships" xmlns:p="http://schemas.openxmlformats.org/presentationml/2006/main">
+  <p:cSld>
+    <p:bg>
+      <p:bgPr>
+        <a:solidFill>
+          <a:schemeClr val="bg1"/>
+        </a:solidFill>
+        <a:effectLst/>
+      </p:bgPr>
+    </p:bg>
+    <p:spTree>
+      <p:nvGrpSpPr>
+        <p:cNvPr id="1" name=""/>
+        <p:cNvGrpSpPr/>
+        <p:nvPr/>
+      </p:nvGrpSpPr>
+      <p:grpSpPr>
+        <a:xfrm>
+          <a:off x="0" y="0"/>
+          <a:ext cx="0" cy="0"/>
+          <a:chOff x="0" y="0"/>
+          <a:chExt cx="0" cy="0"/>
+        </a:xfrm>
+      </p:grpSpPr>
+      <p:sp useBgFill="1">
+        <p:nvSpPr>
+          <p:cNvPr id="10" name="Rectangle 9">
+            <a:extLst>
+              <a:ext uri="{FF2B5EF4-FFF2-40B4-BE49-F238E27FC236}">
+                <a16:creationId xmlns:a16="http://schemas.microsoft.com/office/drawing/2014/main" id="{2B97F24A-32CE-4C1C-A50D-3016B394DCFB}"/>
+              </a:ext>
+              <a:ext uri="{C183D7F6-B498-43B3-948B-1728B52AA6E4}">
+                <adec:decorative xmlns:adec="http://schemas.microsoft.com/office/drawing/2017/decorative" val="1"/>
+              </a:ext>
+            </a:extLst>
+          </p:cNvPr>
+          <p:cNvSpPr>
+            <a:spLocks noGrp="1" noRot="1" noChangeAspect="1" noMove="1" noResize="1" noEditPoints="1" noAdjustHandles="1" noChangeArrowheads="1" noChangeShapeType="1" noTextEdit="1"/>
+          </p:cNvSpPr>
+          <p:nvPr>
+            <p:extLst>
+              <p:ext uri="{386F3935-93C4-4BCD-93E2-E3B085C9AB24}">
+                <p16:designElem xmlns:p16="http://schemas.microsoft.com/office/powerpoint/2015/main" val="1"/>
+              </p:ext>
+            </p:extLst>
+          </p:nvPr>
+        </p:nvSpPr>
+        <p:spPr>
+          <a:xfrm>
+            <a:off x="0" y="0"/>
+            <a:ext cx="12192000" cy="6858000"/>
+          </a:xfrm>
+          <a:prstGeom prst="rect">
+            <a:avLst/>
+          </a:prstGeom>
+          <a:ln>
+            <a:noFill/>
+          </a:ln>
+        </p:spPr>
+        <p:style>
+          <a:lnRef idx="2">
+            <a:schemeClr val="accent1">
+              <a:shade val="50000"/>
+            </a:schemeClr>
+          </a:lnRef>
+          <a:fillRef idx="1">
+            <a:schemeClr val="accent1"/>
+          </a:fillRef>
+          <a:effectRef idx="0">
+            <a:schemeClr val="accent1"/>
+          </a:effectRef>
+          <a:fontRef idx="minor">
+            <a:schemeClr val="lt1"/>
+          </a:fontRef>
+        </p:style>
+        <p:txBody>
+          <a:bodyPr rtlCol="0" anchor="ctr"/>
+          <a:lstStyle/>
+          <a:p>
+            <a:pPr algn="ctr"/>
+            <a:endParaRPr lang="en-US"/>
+          </a:p>
+        </p:txBody>
+      </p:sp>
+      <p:sp>
+        <p:nvSpPr>
+          <p:cNvPr id="2" name="Title 1">
+            <a:extLst>
+              <a:ext uri="{FF2B5EF4-FFF2-40B4-BE49-F238E27FC236}">
+                <a16:creationId xmlns:a16="http://schemas.microsoft.com/office/drawing/2014/main" id="{01031E0E-81BB-4F7A-7F23-614BA8E7E734}"/>
+              </a:ext>
+            </a:extLst>
+          </p:cNvPr>
+          <p:cNvSpPr>
+            <a:spLocks noGrp="1"/>
+          </p:cNvSpPr>
+          <p:nvPr>
+            <p:ph type="title"/>
+          </p:nvPr>
+        </p:nvSpPr>
+        <p:spPr>
+          <a:xfrm>
+            <a:off x="630936" y="639520"/>
+            <a:ext cx="3429000" cy="1719072"/>
+          </a:xfrm>
+        </p:spPr>
+        <p:txBody>
+          <a:bodyPr anchor="b">
             <a:normAutofit fontScale="90000"/>
           </a:bodyPr>
           <a:lstStyle/>
           <a:p>
             <a:r>
-              <a:rPr lang="en-US" dirty="0"/>
-              <a:t>WannaCrypt.exe (AKA </a:t>
-            </a:r>
-            <a:r>
-              <a:rPr lang="en-US" dirty="0" err="1"/>
-              <a:t>wannacry</a:t>
-            </a:r>
-            <a:r>
-              <a:rPr lang="en-US" dirty="0"/>
-              <a:t>?) (try restarting after running too to see if it persists) (ransomware)</a:t>
+              <a:rPr lang="en-US" sz="4200" dirty="0"/>
+              <a:t>Golden Eye via </a:t>
+            </a:r>
+            <a:r>
+              <a:rPr lang="en-US" sz="4200" dirty="0" err="1"/>
+              <a:t>uni</a:t>
+            </a:r>
+            <a:r>
+              <a:rPr lang="en-US" sz="4200" dirty="0"/>
+              <a:t> key.exe (Ransomware) </a:t>
+            </a:r>
+          </a:p>
+        </p:txBody>
+      </p:sp>
+      <p:sp>
+        <p:nvSpPr>
+          <p:cNvPr id="12" name="sketch line">
+            <a:extLst>
+              <a:ext uri="{FF2B5EF4-FFF2-40B4-BE49-F238E27FC236}">
+                <a16:creationId xmlns:a16="http://schemas.microsoft.com/office/drawing/2014/main" id="{CD8B4F24-440B-49E9-B85D-733523DC064B}"/>
+              </a:ext>
+              <a:ext uri="{C183D7F6-B498-43B3-948B-1728B52AA6E4}">
+                <adec:decorative xmlns:adec="http://schemas.microsoft.com/office/drawing/2017/decorative" val="1"/>
+              </a:ext>
+            </a:extLst>
+          </p:cNvPr>
+          <p:cNvSpPr>
+            <a:spLocks noGrp="1" noRot="1" noChangeAspect="1" noMove="1" noResize="1" noEditPoints="1" noAdjustHandles="1" noChangeArrowheads="1" noChangeShapeType="1" noTextEdit="1"/>
+          </p:cNvSpPr>
+          <p:nvPr>
+            <p:extLst>
+              <p:ext uri="{386F3935-93C4-4BCD-93E2-E3B085C9AB24}">
+                <p16:designElem xmlns:p16="http://schemas.microsoft.com/office/powerpoint/2015/main" val="1"/>
+              </p:ext>
+            </p:extLst>
+          </p:nvPr>
+        </p:nvSpPr>
+        <p:spPr>
+          <a:xfrm>
+            <a:off x="643278" y="2573756"/>
+            <a:ext cx="3255095" cy="18288"/>
+          </a:xfrm>
+          <a:custGeom>
+            <a:avLst/>
+            <a:gdLst>
+              <a:gd name="connsiteX0" fmla="*/ 0 w 3255095"/>
+              <a:gd name="connsiteY0" fmla="*/ 0 h 18288"/>
+              <a:gd name="connsiteX1" fmla="*/ 618468 w 3255095"/>
+              <a:gd name="connsiteY1" fmla="*/ 0 h 18288"/>
+              <a:gd name="connsiteX2" fmla="*/ 1269487 w 3255095"/>
+              <a:gd name="connsiteY2" fmla="*/ 0 h 18288"/>
+              <a:gd name="connsiteX3" fmla="*/ 1953057 w 3255095"/>
+              <a:gd name="connsiteY3" fmla="*/ 0 h 18288"/>
+              <a:gd name="connsiteX4" fmla="*/ 2636627 w 3255095"/>
+              <a:gd name="connsiteY4" fmla="*/ 0 h 18288"/>
+              <a:gd name="connsiteX5" fmla="*/ 3255095 w 3255095"/>
+              <a:gd name="connsiteY5" fmla="*/ 0 h 18288"/>
+              <a:gd name="connsiteX6" fmla="*/ 3255095 w 3255095"/>
+              <a:gd name="connsiteY6" fmla="*/ 18288 h 18288"/>
+              <a:gd name="connsiteX7" fmla="*/ 2538974 w 3255095"/>
+              <a:gd name="connsiteY7" fmla="*/ 18288 h 18288"/>
+              <a:gd name="connsiteX8" fmla="*/ 1822853 w 3255095"/>
+              <a:gd name="connsiteY8" fmla="*/ 18288 h 18288"/>
+              <a:gd name="connsiteX9" fmla="*/ 1171834 w 3255095"/>
+              <a:gd name="connsiteY9" fmla="*/ 18288 h 18288"/>
+              <a:gd name="connsiteX10" fmla="*/ 0 w 3255095"/>
+              <a:gd name="connsiteY10" fmla="*/ 18288 h 18288"/>
+              <a:gd name="connsiteX11" fmla="*/ 0 w 3255095"/>
+              <a:gd name="connsiteY11" fmla="*/ 0 h 18288"/>
+            </a:gdLst>
+            <a:ahLst/>
+            <a:cxnLst>
+              <a:cxn ang="0">
+                <a:pos x="connsiteX0" y="connsiteY0"/>
+              </a:cxn>
+              <a:cxn ang="0">
+                <a:pos x="connsiteX1" y="connsiteY1"/>
+              </a:cxn>
+              <a:cxn ang="0">
+                <a:pos x="connsiteX2" y="connsiteY2"/>
+              </a:cxn>
+              <a:cxn ang="0">
+                <a:pos x="connsiteX3" y="connsiteY3"/>
+              </a:cxn>
+              <a:cxn ang="0">
+                <a:pos x="connsiteX4" y="connsiteY4"/>
+              </a:cxn>
+              <a:cxn ang="0">
+                <a:pos x="connsiteX5" y="connsiteY5"/>
+              </a:cxn>
+              <a:cxn ang="0">
+                <a:pos x="connsiteX6" y="connsiteY6"/>
+              </a:cxn>
+              <a:cxn ang="0">
+                <a:pos x="connsiteX7" y="connsiteY7"/>
+              </a:cxn>
+              <a:cxn ang="0">
+                <a:pos x="connsiteX8" y="connsiteY8"/>
+              </a:cxn>
+              <a:cxn ang="0">
+                <a:pos x="connsiteX9" y="connsiteY9"/>
+              </a:cxn>
+              <a:cxn ang="0">
+                <a:pos x="connsiteX10" y="connsiteY10"/>
+              </a:cxn>
+              <a:cxn ang="0">
+                <a:pos x="connsiteX11" y="connsiteY11"/>
+              </a:cxn>
+            </a:cxnLst>
+            <a:rect l="l" t="t" r="r" b="b"/>
+            <a:pathLst>
+              <a:path w="3255095" h="18288" fill="none" extrusionOk="0">
+                <a:moveTo>
+                  <a:pt x="0" y="0"/>
+                </a:moveTo>
+                <a:cubicBezTo>
+                  <a:pt x="240201" y="-22123"/>
+                  <a:pt x="462021" y="-19623"/>
+                  <a:pt x="618468" y="0"/>
+                </a:cubicBezTo>
+                <a:cubicBezTo>
+                  <a:pt x="774915" y="19623"/>
+                  <a:pt x="974734" y="2035"/>
+                  <a:pt x="1269487" y="0"/>
+                </a:cubicBezTo>
+                <a:cubicBezTo>
+                  <a:pt x="1564240" y="-2035"/>
+                  <a:pt x="1733579" y="10639"/>
+                  <a:pt x="1953057" y="0"/>
+                </a:cubicBezTo>
+                <a:cubicBezTo>
+                  <a:pt x="2172535" y="-10639"/>
+                  <a:pt x="2453962" y="14018"/>
+                  <a:pt x="2636627" y="0"/>
+                </a:cubicBezTo>
+                <a:cubicBezTo>
+                  <a:pt x="2819292" y="-14018"/>
+                  <a:pt x="3121375" y="5399"/>
+                  <a:pt x="3255095" y="0"/>
+                </a:cubicBezTo>
+                <a:cubicBezTo>
+                  <a:pt x="3254386" y="8157"/>
+                  <a:pt x="3254682" y="12125"/>
+                  <a:pt x="3255095" y="18288"/>
+                </a:cubicBezTo>
+                <a:cubicBezTo>
+                  <a:pt x="3088545" y="23203"/>
+                  <a:pt x="2687475" y="7419"/>
+                  <a:pt x="2538974" y="18288"/>
+                </a:cubicBezTo>
+                <a:cubicBezTo>
+                  <a:pt x="2390473" y="29157"/>
+                  <a:pt x="2137381" y="-8959"/>
+                  <a:pt x="1822853" y="18288"/>
+                </a:cubicBezTo>
+                <a:cubicBezTo>
+                  <a:pt x="1508325" y="45535"/>
+                  <a:pt x="1466437" y="20385"/>
+                  <a:pt x="1171834" y="18288"/>
+                </a:cubicBezTo>
+                <a:cubicBezTo>
+                  <a:pt x="877231" y="16191"/>
+                  <a:pt x="561097" y="37643"/>
+                  <a:pt x="0" y="18288"/>
+                </a:cubicBezTo>
+                <a:cubicBezTo>
+                  <a:pt x="-46" y="12483"/>
+                  <a:pt x="-203" y="6491"/>
+                  <a:pt x="0" y="0"/>
+                </a:cubicBezTo>
+                <a:close/>
+              </a:path>
+              <a:path w="3255095" h="18288" stroke="0" extrusionOk="0">
+                <a:moveTo>
+                  <a:pt x="0" y="0"/>
+                </a:moveTo>
+                <a:cubicBezTo>
+                  <a:pt x="291965" y="19429"/>
+                  <a:pt x="363155" y="8568"/>
+                  <a:pt x="618468" y="0"/>
+                </a:cubicBezTo>
+                <a:cubicBezTo>
+                  <a:pt x="873781" y="-8568"/>
+                  <a:pt x="904459" y="-19505"/>
+                  <a:pt x="1171834" y="0"/>
+                </a:cubicBezTo>
+                <a:cubicBezTo>
+                  <a:pt x="1439209" y="19505"/>
+                  <a:pt x="1744369" y="9790"/>
+                  <a:pt x="1887955" y="0"/>
+                </a:cubicBezTo>
+                <a:cubicBezTo>
+                  <a:pt x="2031541" y="-9790"/>
+                  <a:pt x="2346378" y="21240"/>
+                  <a:pt x="2506423" y="0"/>
+                </a:cubicBezTo>
+                <a:cubicBezTo>
+                  <a:pt x="2666468" y="-21240"/>
+                  <a:pt x="2990257" y="30414"/>
+                  <a:pt x="3255095" y="0"/>
+                </a:cubicBezTo>
+                <a:cubicBezTo>
+                  <a:pt x="3254831" y="4493"/>
+                  <a:pt x="3255479" y="9472"/>
+                  <a:pt x="3255095" y="18288"/>
+                </a:cubicBezTo>
+                <a:cubicBezTo>
+                  <a:pt x="3120743" y="16690"/>
+                  <a:pt x="2759628" y="42462"/>
+                  <a:pt x="2604076" y="18288"/>
+                </a:cubicBezTo>
+                <a:cubicBezTo>
+                  <a:pt x="2448524" y="-5886"/>
+                  <a:pt x="2184336" y="19599"/>
+                  <a:pt x="1887955" y="18288"/>
+                </a:cubicBezTo>
+                <a:cubicBezTo>
+                  <a:pt x="1591574" y="16977"/>
+                  <a:pt x="1548845" y="6870"/>
+                  <a:pt x="1334589" y="18288"/>
+                </a:cubicBezTo>
+                <a:cubicBezTo>
+                  <a:pt x="1120333" y="29706"/>
+                  <a:pt x="996014" y="9662"/>
+                  <a:pt x="683570" y="18288"/>
+                </a:cubicBezTo>
+                <a:cubicBezTo>
+                  <a:pt x="371126" y="26914"/>
+                  <a:pt x="198687" y="16167"/>
+                  <a:pt x="0" y="18288"/>
+                </a:cubicBezTo>
+                <a:cubicBezTo>
+                  <a:pt x="843" y="9577"/>
+                  <a:pt x="371" y="6900"/>
+                  <a:pt x="0" y="0"/>
+                </a:cubicBezTo>
+                <a:close/>
+              </a:path>
+            </a:pathLst>
+          </a:custGeom>
+          <a:solidFill>
+            <a:schemeClr val="accent2"/>
+          </a:solidFill>
+          <a:ln w="38100" cap="rnd">
+            <a:solidFill>
+              <a:schemeClr val="accent2"/>
+            </a:solidFill>
+            <a:round/>
+            <a:extLst>
+              <a:ext uri="{C807C97D-BFC1-408E-A445-0C87EB9F89A2}">
+                <ask:lineSketchStyleProps xmlns:ask="http://schemas.microsoft.com/office/drawing/2018/sketchyshapes" sd="1219033472">
+                  <a:prstGeom prst="rect">
+                    <a:avLst/>
+                  </a:prstGeom>
+                  <ask:type>
+                    <ask:lineSketchFreehand/>
+                  </ask:type>
+                </ask:lineSketchStyleProps>
+              </a:ext>
+            </a:extLst>
+          </a:ln>
+        </p:spPr>
+        <p:style>
+          <a:lnRef idx="2">
+            <a:schemeClr val="accent1">
+              <a:shade val="50000"/>
+            </a:schemeClr>
+          </a:lnRef>
+          <a:fillRef idx="1">
+            <a:schemeClr val="accent1"/>
+          </a:fillRef>
+          <a:effectRef idx="0">
+            <a:schemeClr val="accent1"/>
+          </a:effectRef>
+          <a:fontRef idx="minor">
+            <a:schemeClr val="lt1"/>
+          </a:fontRef>
+        </p:style>
+        <p:txBody>
+          <a:bodyPr rtlCol="0" anchor="ctr"/>
+          <a:lstStyle/>
+          <a:p>
+            <a:pPr algn="ctr"/>
+            <a:endParaRPr lang="en-US"/>
+          </a:p>
+        </p:txBody>
+      </p:sp>
+      <p:sp>
+        <p:nvSpPr>
+          <p:cNvPr id="3" name="Content Placeholder 2">
+            <a:extLst>
+              <a:ext uri="{FF2B5EF4-FFF2-40B4-BE49-F238E27FC236}">
+                <a16:creationId xmlns:a16="http://schemas.microsoft.com/office/drawing/2014/main" id="{98E59D74-0136-2289-36AE-A1AD74F75ED3}"/>
+              </a:ext>
+            </a:extLst>
+          </p:cNvPr>
+          <p:cNvSpPr>
+            <a:spLocks noGrp="1"/>
+          </p:cNvSpPr>
+          <p:nvPr>
+            <p:ph idx="1"/>
+          </p:nvPr>
+        </p:nvSpPr>
+        <p:spPr>
+          <a:xfrm>
+            <a:off x="630936" y="2807208"/>
+            <a:ext cx="3429000" cy="3410712"/>
+          </a:xfrm>
+        </p:spPr>
+        <p:txBody>
+          <a:bodyPr anchor="t">
+            <a:normAutofit/>
+          </a:bodyPr>
+          <a:lstStyle/>
+          <a:p>
+            <a:r>
+              <a:rPr lang="en-US" sz="2200"/>
+              <a:t>Encrypts all file system data</a:t>
+            </a:r>
+          </a:p>
+          <a:p>
+            <a:r>
+              <a:rPr lang="en-US" sz="2200"/>
+              <a:t>Was originally developed to take advantage of the USB attack vector</a:t>
             </a:r>
           </a:p>
         </p:txBody>
@@ -4289,7 +10791,7 @@
           <p:cNvPr id="5" name="Picture 4">
             <a:extLst>
               <a:ext uri="{FF2B5EF4-FFF2-40B4-BE49-F238E27FC236}">
-                <a16:creationId xmlns:a16="http://schemas.microsoft.com/office/drawing/2014/main" id="{CB6BABB8-861D-1F7E-90A7-4933E2654779}"/>
+                <a16:creationId xmlns:a16="http://schemas.microsoft.com/office/drawing/2014/main" id="{914F987A-A871-8280-7813-282D02D71418}"/>
               </a:ext>
             </a:extLst>
           </p:cNvPr>
@@ -4306,68 +10808,8 @@
         </p:blipFill>
         <p:spPr>
           <a:xfrm>
-            <a:off x="415566" y="1785957"/>
-            <a:ext cx="6422712" cy="4819836"/>
-          </a:xfrm>
-          <a:prstGeom prst="rect">
-            <a:avLst/>
-          </a:prstGeom>
-        </p:spPr>
-      </p:pic>
-      <p:pic>
-        <p:nvPicPr>
-          <p:cNvPr id="3" name="Picture 2" descr="WannaCry Ransomware">
-            <a:extLst>
-              <a:ext uri="{FF2B5EF4-FFF2-40B4-BE49-F238E27FC236}">
-                <a16:creationId xmlns:a16="http://schemas.microsoft.com/office/drawing/2014/main" id="{F6035CC9-F854-5799-F8E5-3967AF2BD189}"/>
-              </a:ext>
-            </a:extLst>
-          </p:cNvPr>
-          <p:cNvPicPr>
-            <a:picLocks noChangeAspect="1"/>
-          </p:cNvPicPr>
-          <p:nvPr/>
-        </p:nvPicPr>
-        <p:blipFill>
-          <a:blip r:embed="rId3"/>
-          <a:stretch>
-            <a:fillRect/>
-          </a:stretch>
-        </p:blipFill>
-        <p:spPr>
-          <a:xfrm>
-            <a:off x="6746240" y="2297085"/>
-            <a:ext cx="5445760" cy="2721029"/>
-          </a:xfrm>
-          <a:prstGeom prst="rect">
-            <a:avLst/>
-          </a:prstGeom>
-        </p:spPr>
-      </p:pic>
-      <p:pic>
-        <p:nvPicPr>
-          <p:cNvPr id="4" name="Picture 3" descr="WannaCry Malware Profile | Mandiant | Google Cloud Blog">
-            <a:extLst>
-              <a:ext uri="{FF2B5EF4-FFF2-40B4-BE49-F238E27FC236}">
-                <a16:creationId xmlns:a16="http://schemas.microsoft.com/office/drawing/2014/main" id="{58CE0FA4-BF40-DDF4-C3E3-4C131357433C}"/>
-              </a:ext>
-            </a:extLst>
-          </p:cNvPr>
-          <p:cNvPicPr>
-            <a:picLocks noChangeAspect="1"/>
-          </p:cNvPicPr>
-          <p:nvPr/>
-        </p:nvPicPr>
-        <p:blipFill>
-          <a:blip r:embed="rId4"/>
-          <a:stretch>
-            <a:fillRect/>
-          </a:stretch>
-        </p:blipFill>
-        <p:spPr>
-          <a:xfrm>
-            <a:off x="7355840" y="3547376"/>
-            <a:ext cx="4236719" cy="2943328"/>
+            <a:off x="4059936" y="1555410"/>
+            <a:ext cx="8119116" cy="4662510"/>
           </a:xfrm>
           <a:prstGeom prst="rect">
             <a:avLst/>
@@ -4377,7 +10819,7 @@
     </p:spTree>
     <p:extLst>
       <p:ext uri="{BB962C8B-B14F-4D97-AF65-F5344CB8AC3E}">
-        <p14:creationId xmlns:p14="http://schemas.microsoft.com/office/powerpoint/2010/main" val="2111512407"/>
+        <p14:creationId xmlns:p14="http://schemas.microsoft.com/office/powerpoint/2010/main" val="380495582"/>
       </p:ext>
     </p:extLst>
   </p:cSld>
@@ -4409,7 +10851,7 @@
           <p:cNvPr id="2" name="Title 1">
             <a:extLst>
               <a:ext uri="{FF2B5EF4-FFF2-40B4-BE49-F238E27FC236}">
-                <a16:creationId xmlns:a16="http://schemas.microsoft.com/office/drawing/2014/main" id="{01031E0E-81BB-4F7A-7F23-614BA8E7E734}"/>
+                <a16:creationId xmlns:a16="http://schemas.microsoft.com/office/drawing/2014/main" id="{38BC143C-D276-E65D-85B6-467A6C05540D}"/>
               </a:ext>
             </a:extLst>
           </p:cNvPr>
@@ -4426,12 +10868,8 @@
           <a:lstStyle/>
           <a:p>
             <a:r>
-              <a:rPr lang="en-US" dirty="0" err="1"/>
-              <a:t>GoldenEye</a:t>
-            </a:r>
-            <a:r>
               <a:rPr lang="en-US" dirty="0"/>
-              <a:t> Ransomware .exe </a:t>
+              <a:t>Jigsaw.exe (Ransomware)</a:t>
             </a:r>
           </a:p>
         </p:txBody>
@@ -4441,7 +10879,7 @@
           <p:cNvPr id="3" name="Content Placeholder 2">
             <a:extLst>
               <a:ext uri="{FF2B5EF4-FFF2-40B4-BE49-F238E27FC236}">
-                <a16:creationId xmlns:a16="http://schemas.microsoft.com/office/drawing/2014/main" id="{98E59D74-0136-2289-36AE-A1AD74F75ED3}"/>
+                <a16:creationId xmlns:a16="http://schemas.microsoft.com/office/drawing/2014/main" id="{BEEE0608-0198-D165-1D60-23C95AADACED}"/>
               </a:ext>
             </a:extLst>
           </p:cNvPr>
@@ -4452,28 +10890,69 @@
             <p:ph idx="1"/>
           </p:nvPr>
         </p:nvSpPr>
-        <p:spPr/>
+        <p:spPr>
+          <a:xfrm>
+            <a:off x="838200" y="1825625"/>
+            <a:ext cx="3970283" cy="4351338"/>
+          </a:xfrm>
+        </p:spPr>
         <p:txBody>
           <a:bodyPr/>
           <a:lstStyle/>
           <a:p>
             <a:r>
               <a:rPr lang="en-US" dirty="0"/>
-              <a:t>ENCRYPTS ALL MY FILES</a:t>
+              <a:t>Could be scary to average user</a:t>
             </a:r>
           </a:p>
           <a:p>
             <a:r>
               <a:rPr lang="en-US" dirty="0"/>
-              <a:t>This is a good one</a:t>
+              <a:t>Occurred through malicious attachments in emails</a:t>
+            </a:r>
+          </a:p>
+          <a:p>
+            <a:r>
+              <a:rPr lang="en-US" dirty="0"/>
+              <a:t>Reboot Computer and Files are Still Encrypted</a:t>
             </a:r>
           </a:p>
         </p:txBody>
       </p:sp>
+      <p:pic>
+        <p:nvPicPr>
+          <p:cNvPr id="7" name="Picture 6">
+            <a:extLst>
+              <a:ext uri="{FF2B5EF4-FFF2-40B4-BE49-F238E27FC236}">
+                <a16:creationId xmlns:a16="http://schemas.microsoft.com/office/drawing/2014/main" id="{ADD73EFC-F279-BEE1-5CB4-DD74278EB6B9}"/>
+              </a:ext>
+            </a:extLst>
+          </p:cNvPr>
+          <p:cNvPicPr>
+            <a:picLocks noChangeAspect="1"/>
+          </p:cNvPicPr>
+          <p:nvPr/>
+        </p:nvPicPr>
+        <p:blipFill>
+          <a:blip r:embed="rId2"/>
+          <a:stretch>
+            <a:fillRect/>
+          </a:stretch>
+        </p:blipFill>
+        <p:spPr>
+          <a:xfrm>
+            <a:off x="4682357" y="1308451"/>
+            <a:ext cx="6970723" cy="5184424"/>
+          </a:xfrm>
+          <a:prstGeom prst="rect">
+            <a:avLst/>
+          </a:prstGeom>
+        </p:spPr>
+      </p:pic>
     </p:spTree>
     <p:extLst>
       <p:ext uri="{BB962C8B-B14F-4D97-AF65-F5344CB8AC3E}">
-        <p14:creationId xmlns:p14="http://schemas.microsoft.com/office/powerpoint/2010/main" val="380495582"/>
+        <p14:creationId xmlns:p14="http://schemas.microsoft.com/office/powerpoint/2010/main" val="2289118170"/>
       </p:ext>
     </p:extLst>
   </p:cSld>
@@ -4505,7 +10984,7 @@
           <p:cNvPr id="2" name="Title 1">
             <a:extLst>
               <a:ext uri="{FF2B5EF4-FFF2-40B4-BE49-F238E27FC236}">
-                <a16:creationId xmlns:a16="http://schemas.microsoft.com/office/drawing/2014/main" id="{452F3815-4FD3-CD41-8EBD-804B987E7F8B}"/>
+                <a16:creationId xmlns:a16="http://schemas.microsoft.com/office/drawing/2014/main" id="{26B73B04-F5E7-0139-FB67-A7C55CABB107}"/>
               </a:ext>
             </a:extLst>
           </p:cNvPr>
@@ -4523,7 +11002,279 @@
           <a:p>
             <a:r>
               <a:rPr lang="en-US" dirty="0"/>
-              <a:t>mamba.exe</a:t>
+              <a:t>Salinewin.exe (Malware) (</a:t>
+            </a:r>
+            <a:r>
+              <a:rPr lang="en-US" dirty="0">
+                <a:solidFill>
+                  <a:srgbClr val="FF0000"/>
+                </a:solidFill>
+              </a:rPr>
+              <a:t>Warning: Flashing lights)</a:t>
+            </a:r>
+            <a:endParaRPr lang="en-US" dirty="0"/>
+          </a:p>
+        </p:txBody>
+      </p:sp>
+      <p:sp>
+        <p:nvSpPr>
+          <p:cNvPr id="3" name="Content Placeholder 2">
+            <a:extLst>
+              <a:ext uri="{FF2B5EF4-FFF2-40B4-BE49-F238E27FC236}">
+                <a16:creationId xmlns:a16="http://schemas.microsoft.com/office/drawing/2014/main" id="{93E09060-F771-5F81-53AA-1444DD51D162}"/>
+              </a:ext>
+            </a:extLst>
+          </p:cNvPr>
+          <p:cNvSpPr>
+            <a:spLocks noGrp="1"/>
+          </p:cNvSpPr>
+          <p:nvPr>
+            <p:ph idx="1"/>
+          </p:nvPr>
+        </p:nvSpPr>
+        <p:spPr>
+          <a:xfrm>
+            <a:off x="838200" y="1825625"/>
+            <a:ext cx="3708400" cy="4351338"/>
+          </a:xfrm>
+        </p:spPr>
+        <p:txBody>
+          <a:bodyPr/>
+          <a:lstStyle/>
+          <a:p>
+            <a:r>
+              <a:rPr lang="en-US" dirty="0"/>
+              <a:t>Leverages the windows graphics device interface (GDI) to execute disruptive visual effects</a:t>
+            </a:r>
+          </a:p>
+          <a:p>
+            <a:r>
+              <a:rPr lang="en-US" dirty="0"/>
+              <a:t>System is pretty much completely unusable</a:t>
+            </a:r>
+          </a:p>
+        </p:txBody>
+      </p:sp>
+      <p:pic>
+        <p:nvPicPr>
+          <p:cNvPr id="5" name="Picture 4">
+            <a:extLst>
+              <a:ext uri="{FF2B5EF4-FFF2-40B4-BE49-F238E27FC236}">
+                <a16:creationId xmlns:a16="http://schemas.microsoft.com/office/drawing/2014/main" id="{9C04EBDB-11C9-C3D0-C54A-21A96C97CCA6}"/>
+              </a:ext>
+            </a:extLst>
+          </p:cNvPr>
+          <p:cNvPicPr>
+            <a:picLocks noChangeAspect="1"/>
+          </p:cNvPicPr>
+          <p:nvPr/>
+        </p:nvPicPr>
+        <p:blipFill>
+          <a:blip r:embed="rId2"/>
+          <a:stretch>
+            <a:fillRect/>
+          </a:stretch>
+        </p:blipFill>
+        <p:spPr>
+          <a:xfrm>
+            <a:off x="4816721" y="1565521"/>
+            <a:ext cx="6537079" cy="4871545"/>
+          </a:xfrm>
+          <a:prstGeom prst="rect">
+            <a:avLst/>
+          </a:prstGeom>
+        </p:spPr>
+      </p:pic>
+    </p:spTree>
+    <p:extLst>
+      <p:ext uri="{BB962C8B-B14F-4D97-AF65-F5344CB8AC3E}">
+        <p14:creationId xmlns:p14="http://schemas.microsoft.com/office/powerpoint/2010/main" val="300458079"/>
+      </p:ext>
+    </p:extLst>
+  </p:cSld>
+  <p:clrMapOvr>
+    <a:masterClrMapping/>
+  </p:clrMapOvr>
+</p:sld>
+</file>
+
+<file path=ppt/slides/slide5.xml><?xml version="1.0" encoding="utf-8"?>
+<p:sld xmlns:a="http://schemas.openxmlformats.org/drawingml/2006/main" xmlns:r="http://schemas.openxmlformats.org/officeDocument/2006/relationships" xmlns:p="http://schemas.openxmlformats.org/presentationml/2006/main">
+  <p:cSld>
+    <p:spTree>
+      <p:nvGrpSpPr>
+        <p:cNvPr id="1" name=""/>
+        <p:cNvGrpSpPr/>
+        <p:nvPr/>
+      </p:nvGrpSpPr>
+      <p:grpSpPr>
+        <a:xfrm>
+          <a:off x="0" y="0"/>
+          <a:ext cx="0" cy="0"/>
+          <a:chOff x="0" y="0"/>
+          <a:chExt cx="0" cy="0"/>
+        </a:xfrm>
+      </p:grpSpPr>
+      <p:sp>
+        <p:nvSpPr>
+          <p:cNvPr id="2" name="Title 1">
+            <a:extLst>
+              <a:ext uri="{FF2B5EF4-FFF2-40B4-BE49-F238E27FC236}">
+                <a16:creationId xmlns:a16="http://schemas.microsoft.com/office/drawing/2014/main" id="{20C60E75-8AD5-E715-35CA-F58D609235BB}"/>
+              </a:ext>
+            </a:extLst>
+          </p:cNvPr>
+          <p:cNvSpPr>
+            <a:spLocks noGrp="1"/>
+          </p:cNvSpPr>
+          <p:nvPr>
+            <p:ph type="title"/>
+          </p:nvPr>
+        </p:nvSpPr>
+        <p:spPr/>
+        <p:txBody>
+          <a:bodyPr/>
+          <a:lstStyle/>
+          <a:p>
+            <a:r>
+              <a:rPr lang="en-US" dirty="0"/>
+              <a:t>Hydrogen.peaceful.exe (Malware) (</a:t>
+            </a:r>
+            <a:r>
+              <a:rPr lang="en-US" dirty="0">
+                <a:solidFill>
+                  <a:srgbClr val="FF0000"/>
+                </a:solidFill>
+              </a:rPr>
+              <a:t>Warning: Flashing lights)</a:t>
+            </a:r>
+            <a:endParaRPr lang="en-US" dirty="0"/>
+          </a:p>
+        </p:txBody>
+      </p:sp>
+      <p:sp>
+        <p:nvSpPr>
+          <p:cNvPr id="3" name="Content Placeholder 2">
+            <a:extLst>
+              <a:ext uri="{FF2B5EF4-FFF2-40B4-BE49-F238E27FC236}">
+                <a16:creationId xmlns:a16="http://schemas.microsoft.com/office/drawing/2014/main" id="{82001FB9-2536-CD78-8A98-E4C490138D1C}"/>
+              </a:ext>
+            </a:extLst>
+          </p:cNvPr>
+          <p:cNvSpPr>
+            <a:spLocks noGrp="1"/>
+          </p:cNvSpPr>
+          <p:nvPr>
+            <p:ph idx="1"/>
+          </p:nvPr>
+        </p:nvSpPr>
+        <p:spPr>
+          <a:xfrm>
+            <a:off x="838200" y="1825625"/>
+            <a:ext cx="4262120" cy="4351338"/>
+          </a:xfrm>
+        </p:spPr>
+        <p:txBody>
+          <a:bodyPr/>
+          <a:lstStyle/>
+          <a:p>
+            <a:r>
+              <a:rPr lang="en-US" dirty="0"/>
+              <a:t>Another GDI malware</a:t>
+            </a:r>
+          </a:p>
+          <a:p>
+            <a:r>
+              <a:rPr lang="en-US" dirty="0"/>
+              <a:t>Super cool</a:t>
+            </a:r>
+          </a:p>
+        </p:txBody>
+      </p:sp>
+      <p:pic>
+        <p:nvPicPr>
+          <p:cNvPr id="5" name="Picture 4">
+            <a:extLst>
+              <a:ext uri="{FF2B5EF4-FFF2-40B4-BE49-F238E27FC236}">
+                <a16:creationId xmlns:a16="http://schemas.microsoft.com/office/drawing/2014/main" id="{F74561F9-B85B-B9BC-52FB-4EEBA66D14A7}"/>
+              </a:ext>
+            </a:extLst>
+          </p:cNvPr>
+          <p:cNvPicPr>
+            <a:picLocks noChangeAspect="1"/>
+          </p:cNvPicPr>
+          <p:nvPr/>
+        </p:nvPicPr>
+        <p:blipFill>
+          <a:blip r:embed="rId2"/>
+          <a:stretch>
+            <a:fillRect/>
+          </a:stretch>
+        </p:blipFill>
+        <p:spPr>
+          <a:xfrm>
+            <a:off x="5913120" y="1690688"/>
+            <a:ext cx="5885046" cy="4441055"/>
+          </a:xfrm>
+          <a:prstGeom prst="rect">
+            <a:avLst/>
+          </a:prstGeom>
+        </p:spPr>
+      </p:pic>
+    </p:spTree>
+    <p:extLst>
+      <p:ext uri="{BB962C8B-B14F-4D97-AF65-F5344CB8AC3E}">
+        <p14:creationId xmlns:p14="http://schemas.microsoft.com/office/powerpoint/2010/main" val="673710426"/>
+      </p:ext>
+    </p:extLst>
+  </p:cSld>
+  <p:clrMapOvr>
+    <a:masterClrMapping/>
+  </p:clrMapOvr>
+</p:sld>
+</file>
+
+<file path=ppt/slides/slide6.xml><?xml version="1.0" encoding="utf-8"?>
+<p:sld xmlns:a="http://schemas.openxmlformats.org/drawingml/2006/main" xmlns:r="http://schemas.openxmlformats.org/officeDocument/2006/relationships" xmlns:p="http://schemas.openxmlformats.org/presentationml/2006/main">
+  <p:cSld>
+    <p:spTree>
+      <p:nvGrpSpPr>
+        <p:cNvPr id="1" name=""/>
+        <p:cNvGrpSpPr/>
+        <p:nvPr/>
+      </p:nvGrpSpPr>
+      <p:grpSpPr>
+        <a:xfrm>
+          <a:off x="0" y="0"/>
+          <a:ext cx="0" cy="0"/>
+          <a:chOff x="0" y="0"/>
+          <a:chExt cx="0" cy="0"/>
+        </a:xfrm>
+      </p:grpSpPr>
+      <p:sp>
+        <p:nvSpPr>
+          <p:cNvPr id="2" name="Title 1">
+            <a:extLst>
+              <a:ext uri="{FF2B5EF4-FFF2-40B4-BE49-F238E27FC236}">
+                <a16:creationId xmlns:a16="http://schemas.microsoft.com/office/drawing/2014/main" id="{452F3815-4FD3-CD41-8EBD-804B987E7F8B}"/>
+              </a:ext>
+            </a:extLst>
+          </p:cNvPr>
+          <p:cNvSpPr>
+            <a:spLocks noGrp="1"/>
+          </p:cNvSpPr>
+          <p:nvPr>
+            <p:ph type="title"/>
+          </p:nvPr>
+        </p:nvSpPr>
+        <p:spPr/>
+        <p:txBody>
+          <a:bodyPr/>
+          <a:lstStyle/>
+          <a:p>
+            <a:r>
+              <a:rPr lang="en-US" dirty="0"/>
+              <a:t>mamba.exe ???</a:t>
             </a:r>
           </a:p>
         </p:txBody>
@@ -4570,7 +11321,7 @@
 </p:sld>
 </file>
 
-<file path=ppt/slides/slide5.xml><?xml version="1.0" encoding="utf-8"?>
+<file path=ppt/slides/slide7.xml><?xml version="1.0" encoding="utf-8"?>
 <p:sld xmlns:a="http://schemas.openxmlformats.org/drawingml/2006/main" xmlns:r="http://schemas.openxmlformats.org/officeDocument/2006/relationships" xmlns:p="http://schemas.openxmlformats.org/presentationml/2006/main">
   <p:cSld>
     <p:spTree>
@@ -4690,209 +11441,6 @@
     <p:extLst>
       <p:ext uri="{BB962C8B-B14F-4D97-AF65-F5344CB8AC3E}">
         <p14:creationId xmlns:p14="http://schemas.microsoft.com/office/powerpoint/2010/main" val="481389460"/>
-      </p:ext>
-    </p:extLst>
-  </p:cSld>
-  <p:clrMapOvr>
-    <a:masterClrMapping/>
-  </p:clrMapOvr>
-</p:sld>
-</file>
-
-<file path=ppt/slides/slide6.xml><?xml version="1.0" encoding="utf-8"?>
-<p:sld xmlns:a="http://schemas.openxmlformats.org/drawingml/2006/main" xmlns:r="http://schemas.openxmlformats.org/officeDocument/2006/relationships" xmlns:p="http://schemas.openxmlformats.org/presentationml/2006/main">
-  <p:cSld>
-    <p:spTree>
-      <p:nvGrpSpPr>
-        <p:cNvPr id="1" name=""/>
-        <p:cNvGrpSpPr/>
-        <p:nvPr/>
-      </p:nvGrpSpPr>
-      <p:grpSpPr>
-        <a:xfrm>
-          <a:off x="0" y="0"/>
-          <a:ext cx="0" cy="0"/>
-          <a:chOff x="0" y="0"/>
-          <a:chExt cx="0" cy="0"/>
-        </a:xfrm>
-      </p:grpSpPr>
-      <p:sp>
-        <p:nvSpPr>
-          <p:cNvPr id="2" name="Title 1">
-            <a:extLst>
-              <a:ext uri="{FF2B5EF4-FFF2-40B4-BE49-F238E27FC236}">
-                <a16:creationId xmlns:a16="http://schemas.microsoft.com/office/drawing/2014/main" id="{234CB306-7B8E-4722-0641-07DF2CC3B5A7}"/>
-              </a:ext>
-            </a:extLst>
-          </p:cNvPr>
-          <p:cNvSpPr>
-            <a:spLocks noGrp="1"/>
-          </p:cNvSpPr>
-          <p:nvPr>
-            <p:ph type="title"/>
-          </p:nvPr>
-        </p:nvSpPr>
-        <p:spPr/>
-        <p:txBody>
-          <a:bodyPr/>
-          <a:lstStyle/>
-          <a:p>
-            <a:r>
-              <a:rPr lang="en-US" dirty="0"/>
-              <a:t>ShellLocker.exe</a:t>
-            </a:r>
-          </a:p>
-        </p:txBody>
-      </p:sp>
-      <p:sp>
-        <p:nvSpPr>
-          <p:cNvPr id="3" name="Content Placeholder 2">
-            <a:extLst>
-              <a:ext uri="{FF2B5EF4-FFF2-40B4-BE49-F238E27FC236}">
-                <a16:creationId xmlns:a16="http://schemas.microsoft.com/office/drawing/2014/main" id="{741EA172-4E9F-4149-30C3-BA8B112FA88E}"/>
-              </a:ext>
-            </a:extLst>
-          </p:cNvPr>
-          <p:cNvSpPr>
-            <a:spLocks noGrp="1"/>
-          </p:cNvSpPr>
-          <p:nvPr>
-            <p:ph idx="1"/>
-          </p:nvPr>
-        </p:nvSpPr>
-        <p:spPr/>
-        <p:txBody>
-          <a:bodyPr/>
-          <a:lstStyle/>
-          <a:p>
-            <a:r>
-              <a:rPr lang="en-US" dirty="0"/>
-              <a:t>Funny and all but I literally just closed it in task manager</a:t>
-            </a:r>
-          </a:p>
-          <a:p>
-            <a:r>
-              <a:rPr lang="en-US" dirty="0"/>
-              <a:t>I think the </a:t>
-            </a:r>
-            <a:r>
-              <a:rPr lang="en-US" dirty="0" err="1"/>
-              <a:t>github</a:t>
-            </a:r>
-            <a:r>
-              <a:rPr lang="en-US" dirty="0"/>
-              <a:t> version I downloaded was changed?</a:t>
-            </a:r>
-          </a:p>
-        </p:txBody>
-      </p:sp>
-    </p:spTree>
-    <p:extLst>
-      <p:ext uri="{BB962C8B-B14F-4D97-AF65-F5344CB8AC3E}">
-        <p14:creationId xmlns:p14="http://schemas.microsoft.com/office/powerpoint/2010/main" val="3811100687"/>
-      </p:ext>
-    </p:extLst>
-  </p:cSld>
-  <p:clrMapOvr>
-    <a:masterClrMapping/>
-  </p:clrMapOvr>
-</p:sld>
-</file>
-
-<file path=ppt/slides/slide7.xml><?xml version="1.0" encoding="utf-8"?>
-<p:sld xmlns:a="http://schemas.openxmlformats.org/drawingml/2006/main" xmlns:r="http://schemas.openxmlformats.org/officeDocument/2006/relationships" xmlns:p="http://schemas.openxmlformats.org/presentationml/2006/main">
-  <p:cSld>
-    <p:spTree>
-      <p:nvGrpSpPr>
-        <p:cNvPr id="1" name=""/>
-        <p:cNvGrpSpPr/>
-        <p:nvPr/>
-      </p:nvGrpSpPr>
-      <p:grpSpPr>
-        <a:xfrm>
-          <a:off x="0" y="0"/>
-          <a:ext cx="0" cy="0"/>
-          <a:chOff x="0" y="0"/>
-          <a:chExt cx="0" cy="0"/>
-        </a:xfrm>
-      </p:grpSpPr>
-      <p:sp>
-        <p:nvSpPr>
-          <p:cNvPr id="2" name="Title 1">
-            <a:extLst>
-              <a:ext uri="{FF2B5EF4-FFF2-40B4-BE49-F238E27FC236}">
-                <a16:creationId xmlns:a16="http://schemas.microsoft.com/office/drawing/2014/main" id="{A5918626-EF3A-E046-3C95-E2F226FEDB18}"/>
-              </a:ext>
-            </a:extLst>
-          </p:cNvPr>
-          <p:cNvSpPr>
-            <a:spLocks noGrp="1"/>
-          </p:cNvSpPr>
-          <p:nvPr>
-            <p:ph type="ctrTitle"/>
-          </p:nvPr>
-        </p:nvSpPr>
-        <p:spPr/>
-        <p:txBody>
-          <a:bodyPr/>
-          <a:lstStyle/>
-          <a:p>
-            <a:r>
-              <a:rPr lang="en-US"/>
-              <a:t>XSS</a:t>
-            </a:r>
-          </a:p>
-        </p:txBody>
-      </p:sp>
-      <p:sp>
-        <p:nvSpPr>
-          <p:cNvPr id="3" name="Subtitle 2">
-            <a:extLst>
-              <a:ext uri="{FF2B5EF4-FFF2-40B4-BE49-F238E27FC236}">
-                <a16:creationId xmlns:a16="http://schemas.microsoft.com/office/drawing/2014/main" id="{39895282-8A90-5D28-250E-9AB0A2998D52}"/>
-              </a:ext>
-            </a:extLst>
-          </p:cNvPr>
-          <p:cNvSpPr>
-            <a:spLocks noGrp="1"/>
-          </p:cNvSpPr>
-          <p:nvPr>
-            <p:ph type="subTitle" idx="1"/>
-          </p:nvPr>
-        </p:nvSpPr>
-        <p:spPr/>
-        <p:txBody>
-          <a:bodyPr vert="horz" lIns="91440" tIns="45720" rIns="91440" bIns="45720" rtlCol="0" anchor="t">
-            <a:normAutofit/>
-          </a:bodyPr>
-          <a:lstStyle/>
-          <a:p>
-            <a:r>
-              <a:rPr lang="en-US">
-                <a:ea typeface="+mn-lt"/>
-                <a:cs typeface="+mn-lt"/>
-                <a:hlinkClick r:id="rId2"/>
-              </a:rPr>
-              <a:t>https://xss-game.appspot.com/</a:t>
-            </a:r>
-            <a:r>
-              <a:rPr lang="en-US">
-                <a:ea typeface="+mn-lt"/>
-                <a:cs typeface="+mn-lt"/>
-              </a:rPr>
-              <a:t> </a:t>
-            </a:r>
-            <a:endParaRPr lang="en-US"/>
-          </a:p>
-          <a:p>
-            <a:endParaRPr lang="en-US"/>
-          </a:p>
-        </p:txBody>
-      </p:sp>
-    </p:spTree>
-    <p:extLst>
-      <p:ext uri="{BB962C8B-B14F-4D97-AF65-F5344CB8AC3E}">
-        <p14:creationId xmlns:p14="http://schemas.microsoft.com/office/powerpoint/2010/main" val="2752528023"/>
       </p:ext>
     </p:extLst>
   </p:cSld>
@@ -4924,7 +11472,7 @@
           <p:cNvPr id="2" name="Title 1">
             <a:extLst>
               <a:ext uri="{FF2B5EF4-FFF2-40B4-BE49-F238E27FC236}">
-                <a16:creationId xmlns:a16="http://schemas.microsoft.com/office/drawing/2014/main" id="{93612BF9-B276-ED92-58A9-1F4A9236E054}"/>
+                <a16:creationId xmlns:a16="http://schemas.microsoft.com/office/drawing/2014/main" id="{4A741A49-98FB-A315-07C2-E5CED3E069E5}"/>
               </a:ext>
             </a:extLst>
           </p:cNvPr>
@@ -4937,31 +11485,31 @@
         </p:nvSpPr>
         <p:spPr/>
         <p:txBody>
-          <a:bodyPr/>
+          <a:bodyPr>
+            <a:normAutofit/>
+          </a:bodyPr>
           <a:lstStyle/>
           <a:p>
             <a:r>
-              <a:rPr lang="en-US"/>
-              <a:t>Level 1</a:t>
+              <a:rPr lang="en-US" dirty="0"/>
+              <a:t>WannaCrypt.exe</a:t>
             </a:r>
           </a:p>
         </p:txBody>
       </p:sp>
       <p:pic>
         <p:nvPicPr>
-          <p:cNvPr id="4" name="Content Placeholder 3">
+          <p:cNvPr id="5" name="Picture 4">
             <a:extLst>
               <a:ext uri="{FF2B5EF4-FFF2-40B4-BE49-F238E27FC236}">
-                <a16:creationId xmlns:a16="http://schemas.microsoft.com/office/drawing/2014/main" id="{A2E22021-532B-94FF-C85C-58EFE77B6EFC}"/>
+                <a16:creationId xmlns:a16="http://schemas.microsoft.com/office/drawing/2014/main" id="{CB6BABB8-861D-1F7E-90A7-4933E2654779}"/>
               </a:ext>
             </a:extLst>
           </p:cNvPr>
           <p:cNvPicPr>
-            <a:picLocks noGrp="1" noChangeAspect="1"/>
+            <a:picLocks noChangeAspect="1"/>
           </p:cNvPicPr>
-          <p:nvPr>
-            <p:ph idx="1"/>
-          </p:nvPr>
+          <p:nvPr/>
         </p:nvPicPr>
         <p:blipFill>
           <a:blip r:embed="rId2"/>
@@ -4971,15 +11519,78 @@
         </p:blipFill>
         <p:spPr>
           <a:xfrm>
-            <a:off x="672576" y="2303948"/>
-            <a:ext cx="7029450" cy="790575"/>
+            <a:off x="415566" y="1785957"/>
+            <a:ext cx="6422712" cy="4819836"/>
           </a:xfrm>
+          <a:prstGeom prst="rect">
+            <a:avLst/>
+          </a:prstGeom>
+        </p:spPr>
+      </p:pic>
+      <p:pic>
+        <p:nvPicPr>
+          <p:cNvPr id="3" name="Picture 2" descr="WannaCry Ransomware">
+            <a:extLst>
+              <a:ext uri="{FF2B5EF4-FFF2-40B4-BE49-F238E27FC236}">
+                <a16:creationId xmlns:a16="http://schemas.microsoft.com/office/drawing/2014/main" id="{F6035CC9-F854-5799-F8E5-3967AF2BD189}"/>
+              </a:ext>
+            </a:extLst>
+          </p:cNvPr>
+          <p:cNvPicPr>
+            <a:picLocks noChangeAspect="1"/>
+          </p:cNvPicPr>
+          <p:nvPr/>
+        </p:nvPicPr>
+        <p:blipFill>
+          <a:blip r:embed="rId3"/>
+          <a:stretch>
+            <a:fillRect/>
+          </a:stretch>
+        </p:blipFill>
+        <p:spPr>
+          <a:xfrm>
+            <a:off x="3626922" y="3540149"/>
+            <a:ext cx="5445760" cy="2721029"/>
+          </a:xfrm>
+          <a:prstGeom prst="rect">
+            <a:avLst/>
+          </a:prstGeom>
+        </p:spPr>
+      </p:pic>
+      <p:pic>
+        <p:nvPicPr>
+          <p:cNvPr id="4" name="Picture 3" descr="WannaCry Malware Profile | Mandiant | Google Cloud Blog">
+            <a:extLst>
+              <a:ext uri="{FF2B5EF4-FFF2-40B4-BE49-F238E27FC236}">
+                <a16:creationId xmlns:a16="http://schemas.microsoft.com/office/drawing/2014/main" id="{58CE0FA4-BF40-DDF4-C3E3-4C131357433C}"/>
+              </a:ext>
+            </a:extLst>
+          </p:cNvPr>
+          <p:cNvPicPr>
+            <a:picLocks noChangeAspect="1"/>
+          </p:cNvPicPr>
+          <p:nvPr/>
+        </p:nvPicPr>
+        <p:blipFill>
+          <a:blip r:embed="rId4"/>
+          <a:stretch>
+            <a:fillRect/>
+          </a:stretch>
+        </p:blipFill>
+        <p:spPr>
+          <a:xfrm>
+            <a:off x="1209042" y="3429000"/>
+            <a:ext cx="4236719" cy="2943328"/>
+          </a:xfrm>
+          <a:prstGeom prst="rect">
+            <a:avLst/>
+          </a:prstGeom>
         </p:spPr>
       </p:pic>
     </p:spTree>
     <p:extLst>
       <p:ext uri="{BB962C8B-B14F-4D97-AF65-F5344CB8AC3E}">
-        <p14:creationId xmlns:p14="http://schemas.microsoft.com/office/powerpoint/2010/main" val="1117155002"/>
+        <p14:creationId xmlns:p14="http://schemas.microsoft.com/office/powerpoint/2010/main" val="2111512407"/>
       </p:ext>
     </p:extLst>
   </p:cSld>
@@ -5011,7 +11622,7 @@
           <p:cNvPr id="2" name="Title 1">
             <a:extLst>
               <a:ext uri="{FF2B5EF4-FFF2-40B4-BE49-F238E27FC236}">
-                <a16:creationId xmlns:a16="http://schemas.microsoft.com/office/drawing/2014/main" id="{F6F90FE8-0148-8DD8-93A7-D9AD190B8D61}"/>
+                <a16:creationId xmlns:a16="http://schemas.microsoft.com/office/drawing/2014/main" id="{234CB306-7B8E-4722-0641-07DF2CC3B5A7}"/>
               </a:ext>
             </a:extLst>
           </p:cNvPr>
@@ -5028,8 +11639,8 @@
           <a:lstStyle/>
           <a:p>
             <a:r>
-              <a:rPr lang="en-US"/>
-              <a:t>Level 2</a:t>
+              <a:rPr lang="en-US" dirty="0"/>
+              <a:t>ShellLocker.exe</a:t>
             </a:r>
           </a:p>
         </p:txBody>
@@ -5039,7 +11650,7 @@
           <p:cNvPr id="3" name="Content Placeholder 2">
             <a:extLst>
               <a:ext uri="{FF2B5EF4-FFF2-40B4-BE49-F238E27FC236}">
-                <a16:creationId xmlns:a16="http://schemas.microsoft.com/office/drawing/2014/main" id="{3B2AA6D7-6CBB-D6BD-3F21-EB114A380A9C}"/>
+                <a16:creationId xmlns:a16="http://schemas.microsoft.com/office/drawing/2014/main" id="{741EA172-4E9F-4149-30C3-BA8B112FA88E}"/>
               </a:ext>
             </a:extLst>
           </p:cNvPr>
@@ -5055,14 +11666,31 @@
           <a:bodyPr/>
           <a:lstStyle/>
           <a:p>
-            <a:endParaRPr lang="en-US"/>
+            <a:r>
+              <a:rPr lang="en-US" dirty="0"/>
+              <a:t>Funny and all but I literally just closed it in task manager</a:t>
+            </a:r>
+          </a:p>
+          <a:p>
+            <a:r>
+              <a:rPr lang="en-US" dirty="0"/>
+              <a:t>I think the </a:t>
+            </a:r>
+            <a:r>
+              <a:rPr lang="en-US" dirty="0" err="1"/>
+              <a:t>github</a:t>
+            </a:r>
+            <a:r>
+              <a:rPr lang="en-US" dirty="0"/>
+              <a:t> version I downloaded was changed?</a:t>
+            </a:r>
           </a:p>
         </p:txBody>
       </p:sp>
     </p:spTree>
     <p:extLst>
       <p:ext uri="{BB962C8B-B14F-4D97-AF65-F5344CB8AC3E}">
-        <p14:creationId xmlns:p14="http://schemas.microsoft.com/office/powerpoint/2010/main" val="172783545"/>
+        <p14:creationId xmlns:p14="http://schemas.microsoft.com/office/powerpoint/2010/main" val="3811100687"/>
       </p:ext>
     </p:extLst>
   </p:cSld>
@@ -5385,4 +12013,299 @@
     </a:ext>
   </a:extLst>
 </a:theme>
+</file>
+
+<file path=ppt/theme/theme2.xml><?xml version="1.0" encoding="utf-8"?>
+<a:theme xmlns:a="http://schemas.openxmlformats.org/drawingml/2006/main" name="Office Theme">
+  <a:themeElements>
+    <a:clrScheme name="Office">
+      <a:dk1>
+        <a:sysClr val="windowText" lastClr="000000"/>
+      </a:dk1>
+      <a:lt1>
+        <a:sysClr val="window" lastClr="FFFFFF"/>
+      </a:lt1>
+      <a:dk2>
+        <a:srgbClr val="44546A"/>
+      </a:dk2>
+      <a:lt2>
+        <a:srgbClr val="E7E6E6"/>
+      </a:lt2>
+      <a:accent1>
+        <a:srgbClr val="4472C4"/>
+      </a:accent1>
+      <a:accent2>
+        <a:srgbClr val="ED7D31"/>
+      </a:accent2>
+      <a:accent3>
+        <a:srgbClr val="A5A5A5"/>
+      </a:accent3>
+      <a:accent4>
+        <a:srgbClr val="FFC000"/>
+      </a:accent4>
+      <a:accent5>
+        <a:srgbClr val="5B9BD5"/>
+      </a:accent5>
+      <a:accent6>
+        <a:srgbClr val="70AD47"/>
+      </a:accent6>
+      <a:hlink>
+        <a:srgbClr val="0563C1"/>
+      </a:hlink>
+      <a:folHlink>
+        <a:srgbClr val="954F72"/>
+      </a:folHlink>
+    </a:clrScheme>
+    <a:fontScheme name="Office">
+      <a:majorFont>
+        <a:latin typeface="Calibri Light" panose="020F0302020204030204"/>
+        <a:ea typeface=""/>
+        <a:cs typeface=""/>
+        <a:font script="Jpan" typeface="游ゴシック Light"/>
+        <a:font script="Hang" typeface="맑은 고딕"/>
+        <a:font script="Hans" typeface="等线 Light"/>
+        <a:font script="Hant" typeface="新細明體"/>
+        <a:font script="Arab" typeface="Times New Roman"/>
+        <a:font script="Hebr" typeface="Times New Roman"/>
+        <a:font script="Thai" typeface="Angsana New"/>
+        <a:font script="Ethi" typeface="Nyala"/>
+        <a:font script="Beng" typeface="Vrinda"/>
+        <a:font script="Gujr" typeface="Shruti"/>
+        <a:font script="Khmr" typeface="MoolBoran"/>
+        <a:font script="Knda" typeface="Tunga"/>
+        <a:font script="Guru" typeface="Raavi"/>
+        <a:font script="Cans" typeface="Euphemia"/>
+        <a:font script="Cher" typeface="Plantagenet Cherokee"/>
+        <a:font script="Yiii" typeface="Microsoft Yi Baiti"/>
+        <a:font script="Tibt" typeface="Microsoft Himalaya"/>
+        <a:font script="Thaa" typeface="MV Boli"/>
+        <a:font script="Deva" typeface="Mangal"/>
+        <a:font script="Telu" typeface="Gautami"/>
+        <a:font script="Taml" typeface="Latha"/>
+        <a:font script="Syrc" typeface="Estrangelo Edessa"/>
+        <a:font script="Orya" typeface="Kalinga"/>
+        <a:font script="Mlym" typeface="Kartika"/>
+        <a:font script="Laoo" typeface="DokChampa"/>
+        <a:font script="Sinh" typeface="Iskoola Pota"/>
+        <a:font script="Mong" typeface="Mongolian Baiti"/>
+        <a:font script="Viet" typeface="Times New Roman"/>
+        <a:font script="Uigh" typeface="Microsoft Uighur"/>
+        <a:font script="Geor" typeface="Sylfaen"/>
+        <a:font script="Armn" typeface="Arial"/>
+        <a:font script="Bugi" typeface="Leelawadee UI"/>
+        <a:font script="Bopo" typeface="Microsoft JhengHei"/>
+        <a:font script="Java" typeface="Javanese Text"/>
+        <a:font script="Lisu" typeface="Segoe UI"/>
+        <a:font script="Mymr" typeface="Myanmar Text"/>
+        <a:font script="Nkoo" typeface="Ebrima"/>
+        <a:font script="Olck" typeface="Nirmala UI"/>
+        <a:font script="Osma" typeface="Ebrima"/>
+        <a:font script="Phag" typeface="Phagspa"/>
+        <a:font script="Syrn" typeface="Estrangelo Edessa"/>
+        <a:font script="Syrj" typeface="Estrangelo Edessa"/>
+        <a:font script="Syre" typeface="Estrangelo Edessa"/>
+        <a:font script="Sora" typeface="Nirmala UI"/>
+        <a:font script="Tale" typeface="Microsoft Tai Le"/>
+        <a:font script="Talu" typeface="Microsoft New Tai Lue"/>
+        <a:font script="Tfng" typeface="Ebrima"/>
+      </a:majorFont>
+      <a:minorFont>
+        <a:latin typeface="Calibri" panose="020F0502020204030204"/>
+        <a:ea typeface=""/>
+        <a:cs typeface=""/>
+        <a:font script="Jpan" typeface="游ゴシック"/>
+        <a:font script="Hang" typeface="맑은 고딕"/>
+        <a:font script="Hans" typeface="等线"/>
+        <a:font script="Hant" typeface="新細明體"/>
+        <a:font script="Arab" typeface="Arial"/>
+        <a:font script="Hebr" typeface="Arial"/>
+        <a:font script="Thai" typeface="Cordia New"/>
+        <a:font script="Ethi" typeface="Nyala"/>
+        <a:font script="Beng" typeface="Vrinda"/>
+        <a:font script="Gujr" typeface="Shruti"/>
+        <a:font script="Khmr" typeface="DaunPenh"/>
+        <a:font script="Knda" typeface="Tunga"/>
+        <a:font script="Guru" typeface="Raavi"/>
+        <a:font script="Cans" typeface="Euphemia"/>
+        <a:font script="Cher" typeface="Plantagenet Cherokee"/>
+        <a:font script="Yiii" typeface="Microsoft Yi Baiti"/>
+        <a:font script="Tibt" typeface="Microsoft Himalaya"/>
+        <a:font script="Thaa" typeface="MV Boli"/>
+        <a:font script="Deva" typeface="Mangal"/>
+        <a:font script="Telu" typeface="Gautami"/>
+        <a:font script="Taml" typeface="Latha"/>
+        <a:font script="Syrc" typeface="Estrangelo Edessa"/>
+        <a:font script="Orya" typeface="Kalinga"/>
+        <a:font script="Mlym" typeface="Kartika"/>
+        <a:font script="Laoo" typeface="DokChampa"/>
+        <a:font script="Sinh" typeface="Iskoola Pota"/>
+        <a:font script="Mong" typeface="Mongolian Baiti"/>
+        <a:font script="Viet" typeface="Arial"/>
+        <a:font script="Uigh" typeface="Microsoft Uighur"/>
+        <a:font script="Geor" typeface="Sylfaen"/>
+        <a:font script="Armn" typeface="Arial"/>
+        <a:font script="Bugi" typeface="Leelawadee UI"/>
+        <a:font script="Bopo" typeface="Microsoft JhengHei"/>
+        <a:font script="Java" typeface="Javanese Text"/>
+        <a:font script="Lisu" typeface="Segoe UI"/>
+        <a:font script="Mymr" typeface="Myanmar Text"/>
+        <a:font script="Nkoo" typeface="Ebrima"/>
+        <a:font script="Olck" typeface="Nirmala UI"/>
+        <a:font script="Osma" typeface="Ebrima"/>
+        <a:font script="Phag" typeface="Phagspa"/>
+        <a:font script="Syrn" typeface="Estrangelo Edessa"/>
+        <a:font script="Syrj" typeface="Estrangelo Edessa"/>
+        <a:font script="Syre" typeface="Estrangelo Edessa"/>
+        <a:font script="Sora" typeface="Nirmala UI"/>
+        <a:font script="Tale" typeface="Microsoft Tai Le"/>
+        <a:font script="Talu" typeface="Microsoft New Tai Lue"/>
+        <a:font script="Tfng" typeface="Ebrima"/>
+      </a:minorFont>
+    </a:fontScheme>
+    <a:fmtScheme name="Office">
+      <a:fillStyleLst>
+        <a:solidFill>
+          <a:schemeClr val="phClr"/>
+        </a:solidFill>
+        <a:gradFill rotWithShape="1">
+          <a:gsLst>
+            <a:gs pos="0">
+              <a:schemeClr val="phClr">
+                <a:lumMod val="110000"/>
+                <a:satMod val="105000"/>
+                <a:tint val="67000"/>
+              </a:schemeClr>
+            </a:gs>
+            <a:gs pos="50000">
+              <a:schemeClr val="phClr">
+                <a:lumMod val="105000"/>
+                <a:satMod val="103000"/>
+                <a:tint val="73000"/>
+              </a:schemeClr>
+            </a:gs>
+            <a:gs pos="100000">
+              <a:schemeClr val="phClr">
+                <a:lumMod val="105000"/>
+                <a:satMod val="109000"/>
+                <a:tint val="81000"/>
+              </a:schemeClr>
+            </a:gs>
+          </a:gsLst>
+          <a:lin ang="5400000" scaled="0"/>
+        </a:gradFill>
+        <a:gradFill rotWithShape="1">
+          <a:gsLst>
+            <a:gs pos="0">
+              <a:schemeClr val="phClr">
+                <a:satMod val="103000"/>
+                <a:lumMod val="102000"/>
+                <a:tint val="94000"/>
+              </a:schemeClr>
+            </a:gs>
+            <a:gs pos="50000">
+              <a:schemeClr val="phClr">
+                <a:satMod val="110000"/>
+                <a:lumMod val="100000"/>
+                <a:shade val="100000"/>
+              </a:schemeClr>
+            </a:gs>
+            <a:gs pos="100000">
+              <a:schemeClr val="phClr">
+                <a:lumMod val="99000"/>
+                <a:satMod val="120000"/>
+                <a:shade val="78000"/>
+              </a:schemeClr>
+            </a:gs>
+          </a:gsLst>
+          <a:lin ang="5400000" scaled="0"/>
+        </a:gradFill>
+      </a:fillStyleLst>
+      <a:lnStyleLst>
+        <a:ln w="6350" cap="flat" cmpd="sng" algn="ctr">
+          <a:solidFill>
+            <a:schemeClr val="phClr"/>
+          </a:solidFill>
+          <a:prstDash val="solid"/>
+          <a:miter lim="800000"/>
+        </a:ln>
+        <a:ln w="12700" cap="flat" cmpd="sng" algn="ctr">
+          <a:solidFill>
+            <a:schemeClr val="phClr"/>
+          </a:solidFill>
+          <a:prstDash val="solid"/>
+          <a:miter lim="800000"/>
+        </a:ln>
+        <a:ln w="19050" cap="flat" cmpd="sng" algn="ctr">
+          <a:solidFill>
+            <a:schemeClr val="phClr"/>
+          </a:solidFill>
+          <a:prstDash val="solid"/>
+          <a:miter lim="800000"/>
+        </a:ln>
+      </a:lnStyleLst>
+      <a:effectStyleLst>
+        <a:effectStyle>
+          <a:effectLst/>
+        </a:effectStyle>
+        <a:effectStyle>
+          <a:effectLst/>
+        </a:effectStyle>
+        <a:effectStyle>
+          <a:effectLst>
+            <a:outerShdw blurRad="57150" dist="19050" dir="5400000" algn="ctr" rotWithShape="0">
+              <a:srgbClr val="000000">
+                <a:alpha val="63000"/>
+              </a:srgbClr>
+            </a:outerShdw>
+          </a:effectLst>
+        </a:effectStyle>
+      </a:effectStyleLst>
+      <a:bgFillStyleLst>
+        <a:solidFill>
+          <a:schemeClr val="phClr"/>
+        </a:solidFill>
+        <a:solidFill>
+          <a:schemeClr val="phClr">
+            <a:tint val="95000"/>
+            <a:satMod val="170000"/>
+          </a:schemeClr>
+        </a:solidFill>
+        <a:gradFill rotWithShape="1">
+          <a:gsLst>
+            <a:gs pos="0">
+              <a:schemeClr val="phClr">
+                <a:tint val="93000"/>
+                <a:satMod val="150000"/>
+                <a:shade val="98000"/>
+                <a:lumMod val="102000"/>
+              </a:schemeClr>
+            </a:gs>
+            <a:gs pos="50000">
+              <a:schemeClr val="phClr">
+                <a:tint val="98000"/>
+                <a:satMod val="130000"/>
+                <a:shade val="90000"/>
+                <a:lumMod val="103000"/>
+              </a:schemeClr>
+            </a:gs>
+            <a:gs pos="100000">
+              <a:schemeClr val="phClr">
+                <a:shade val="63000"/>
+                <a:satMod val="120000"/>
+              </a:schemeClr>
+            </a:gs>
+          </a:gsLst>
+          <a:lin ang="5400000" scaled="0"/>
+        </a:gradFill>
+      </a:bgFillStyleLst>
+    </a:fmtScheme>
+  </a:themeElements>
+  <a:objectDefaults/>
+  <a:extraClrSchemeLst/>
+  <a:extLst>
+    <a:ext uri="{05A4C25C-085E-4340-85A3-A5531E510DB2}">
+      <thm15:themeFamily xmlns:thm15="http://schemas.microsoft.com/office/thememl/2012/main" name="Office Theme" id="{62F939B6-93AF-4DB8-9C6B-D6C7DFDC589F}" vid="{4A3C46E8-61CC-4603-A589-7422A47A8E4A}"/>
+    </a:ext>
+  </a:extLst>
+</a:theme>
 </file>
--- a/Malware Presentation and Demonstration.pptx
+++ b/Malware Presentation and Demonstration.pptx
@@ -5,26 +5,19 @@
     <p:sldMasterId id="2147483648" r:id="rId1"/>
   </p:sldMasterIdLst>
   <p:notesMasterIdLst>
-    <p:notesMasterId r:id="rId19"/>
+    <p:notesMasterId r:id="rId12"/>
   </p:notesMasterIdLst>
   <p:sldIdLst>
     <p:sldId id="256" r:id="rId2"/>
     <p:sldId id="261" r:id="rId3"/>
-    <p:sldId id="274" r:id="rId4"/>
-    <p:sldId id="275" r:id="rId5"/>
-    <p:sldId id="276" r:id="rId6"/>
-    <p:sldId id="263" r:id="rId7"/>
-    <p:sldId id="257" r:id="rId8"/>
-    <p:sldId id="258" r:id="rId9"/>
-    <p:sldId id="259" r:id="rId10"/>
-    <p:sldId id="267" r:id="rId11"/>
-    <p:sldId id="268" r:id="rId12"/>
-    <p:sldId id="269" r:id="rId13"/>
-    <p:sldId id="270" r:id="rId14"/>
-    <p:sldId id="271" r:id="rId15"/>
-    <p:sldId id="272" r:id="rId16"/>
-    <p:sldId id="273" r:id="rId17"/>
-    <p:sldId id="277" r:id="rId18"/>
+    <p:sldId id="275" r:id="rId4"/>
+    <p:sldId id="276" r:id="rId5"/>
+    <p:sldId id="274" r:id="rId6"/>
+    <p:sldId id="267" r:id="rId7"/>
+    <p:sldId id="268" r:id="rId8"/>
+    <p:sldId id="269" r:id="rId9"/>
+    <p:sldId id="270" r:id="rId10"/>
+    <p:sldId id="277" r:id="rId11"/>
   </p:sldIdLst>
   <p:sldSz cx="12192000" cy="6858000"/>
   <p:notesSz cx="6858000" cy="9144000"/>
@@ -134,8 +127,7 @@
 <file path=ppt/revisionInfo.xml><?xml version="1.0" encoding="utf-8"?>
 <p1510:revInfo xmlns:a="http://schemas.openxmlformats.org/drawingml/2006/main" xmlns:r="http://schemas.openxmlformats.org/officeDocument/2006/relationships" xmlns:p1510="http://schemas.microsoft.com/office/powerpoint/2015/10/main">
   <p1510:revLst>
-    <p1510:client id="{53EB0742-86D2-4191-BA44-FD6D455E96F0}" v="7" dt="2025-03-16T17:09:44.360"/>
-    <p1510:client id="{6FD05CE9-3092-435F-ACE6-7F83C4A9AFD8}" v="1" dt="2025-03-17T16:55:52.597"/>
+    <p1510:client id="{C956333D-8D4E-41E9-9A04-8E5E0A0AF90C}" v="274" dt="2025-03-25T22:16:55.376"/>
   </p1510:revLst>
 </p1510:revInfo>
 </file>
@@ -181,6 +173,370 @@
     </pc:docChg>
   </pc:docChgLst>
   <pc:docChgLst>
+    <pc:chgData name="Jacob Chlebowski" userId="d6bffc96ba4fbc68" providerId="LiveId" clId="{C956333D-8D4E-41E9-9A04-8E5E0A0AF90C}"/>
+    <pc:docChg chg="undo custSel addSld delSld modSld sldOrd">
+      <pc:chgData name="Jacob Chlebowski" userId="d6bffc96ba4fbc68" providerId="LiveId" clId="{C956333D-8D4E-41E9-9A04-8E5E0A0AF90C}" dt="2025-03-25T22:16:55.376" v="2648" actId="1076"/>
+      <pc:docMkLst>
+        <pc:docMk/>
+      </pc:docMkLst>
+      <pc:sldChg chg="addSp delSp modSp new mod ord setBg addAnim delAnim modNotesTx">
+        <pc:chgData name="Jacob Chlebowski" userId="d6bffc96ba4fbc68" providerId="LiveId" clId="{C956333D-8D4E-41E9-9A04-8E5E0A0AF90C}" dt="2025-03-25T21:50:44.499" v="2433" actId="20577"/>
+        <pc:sldMkLst>
+          <pc:docMk/>
+          <pc:sldMk cId="3402335718" sldId="256"/>
+        </pc:sldMkLst>
+        <pc:spChg chg="mod">
+          <ac:chgData name="Jacob Chlebowski" userId="d6bffc96ba4fbc68" providerId="LiveId" clId="{C956333D-8D4E-41E9-9A04-8E5E0A0AF90C}" dt="2025-03-06T23:08:52.745" v="1447" actId="26606"/>
+          <ac:spMkLst>
+            <pc:docMk/>
+            <pc:sldMk cId="3402335718" sldId="256"/>
+            <ac:spMk id="2" creationId="{24915B9A-BE23-1717-BCB3-41E38B58A2EA}"/>
+          </ac:spMkLst>
+        </pc:spChg>
+        <pc:spChg chg="mod">
+          <ac:chgData name="Jacob Chlebowski" userId="d6bffc96ba4fbc68" providerId="LiveId" clId="{C956333D-8D4E-41E9-9A04-8E5E0A0AF90C}" dt="2025-03-06T23:08:52.745" v="1447" actId="26606"/>
+          <ac:spMkLst>
+            <pc:docMk/>
+            <pc:sldMk cId="3402335718" sldId="256"/>
+            <ac:spMk id="3" creationId="{846BCD82-EE07-A8AD-4016-241CE2EBFD0C}"/>
+          </ac:spMkLst>
+        </pc:spChg>
+        <pc:spChg chg="add">
+          <ac:chgData name="Jacob Chlebowski" userId="d6bffc96ba4fbc68" providerId="LiveId" clId="{C956333D-8D4E-41E9-9A04-8E5E0A0AF90C}" dt="2025-03-06T23:08:52.745" v="1447" actId="26606"/>
+          <ac:spMkLst>
+            <pc:docMk/>
+            <pc:sldMk cId="3402335718" sldId="256"/>
+            <ac:spMk id="20" creationId="{A3363022-C969-41E9-8EB2-E4C94908C1FA}"/>
+          </ac:spMkLst>
+        </pc:spChg>
+        <pc:spChg chg="add">
+          <ac:chgData name="Jacob Chlebowski" userId="d6bffc96ba4fbc68" providerId="LiveId" clId="{C956333D-8D4E-41E9-9A04-8E5E0A0AF90C}" dt="2025-03-06T23:08:52.745" v="1447" actId="26606"/>
+          <ac:spMkLst>
+            <pc:docMk/>
+            <pc:sldMk cId="3402335718" sldId="256"/>
+            <ac:spMk id="21" creationId="{8D1AD6B3-BE88-4CEB-BA17-790657CC4729}"/>
+          </ac:spMkLst>
+        </pc:spChg>
+        <pc:grpChg chg="add">
+          <ac:chgData name="Jacob Chlebowski" userId="d6bffc96ba4fbc68" providerId="LiveId" clId="{C956333D-8D4E-41E9-9A04-8E5E0A0AF90C}" dt="2025-03-06T23:08:52.745" v="1447" actId="26606"/>
+          <ac:grpSpMkLst>
+            <pc:docMk/>
+            <pc:sldMk cId="3402335718" sldId="256"/>
+            <ac:grpSpMk id="22" creationId="{89D1390B-7E13-4B4F-9CB2-391063412E54}"/>
+          </ac:grpSpMkLst>
+        </pc:grpChg>
+        <pc:picChg chg="add">
+          <ac:chgData name="Jacob Chlebowski" userId="d6bffc96ba4fbc68" providerId="LiveId" clId="{C956333D-8D4E-41E9-9A04-8E5E0A0AF90C}" dt="2025-03-06T23:08:52.745" v="1447" actId="26606"/>
+          <ac:picMkLst>
+            <pc:docMk/>
+            <pc:sldMk cId="3402335718" sldId="256"/>
+            <ac:picMk id="7" creationId="{878BDAD5-D9D3-B928-0FD3-6006A3607537}"/>
+          </ac:picMkLst>
+        </pc:picChg>
+      </pc:sldChg>
+      <pc:sldChg chg="addSp delSp modSp new del mod">
+        <pc:chgData name="Jacob Chlebowski" userId="d6bffc96ba4fbc68" providerId="LiveId" clId="{C956333D-8D4E-41E9-9A04-8E5E0A0AF90C}" dt="2025-03-19T20:29:17.285" v="2078" actId="47"/>
+        <pc:sldMkLst>
+          <pc:docMk/>
+          <pc:sldMk cId="481389460" sldId="257"/>
+        </pc:sldMkLst>
+      </pc:sldChg>
+      <pc:sldChg chg="addSp delSp modSp new del mod ord">
+        <pc:chgData name="Jacob Chlebowski" userId="d6bffc96ba4fbc68" providerId="LiveId" clId="{C956333D-8D4E-41E9-9A04-8E5E0A0AF90C}" dt="2025-03-19T20:29:21.199" v="2079" actId="47"/>
+        <pc:sldMkLst>
+          <pc:docMk/>
+          <pc:sldMk cId="2111512407" sldId="258"/>
+        </pc:sldMkLst>
+      </pc:sldChg>
+      <pc:sldChg chg="modSp new del mod ord">
+        <pc:chgData name="Jacob Chlebowski" userId="d6bffc96ba4fbc68" providerId="LiveId" clId="{C956333D-8D4E-41E9-9A04-8E5E0A0AF90C}" dt="2025-03-19T20:29:28.750" v="2080" actId="47"/>
+        <pc:sldMkLst>
+          <pc:docMk/>
+          <pc:sldMk cId="3811100687" sldId="259"/>
+        </pc:sldMkLst>
+      </pc:sldChg>
+      <pc:sldChg chg="modSp new mod">
+        <pc:chgData name="Jacob Chlebowski" userId="d6bffc96ba4fbc68" providerId="LiveId" clId="{C956333D-8D4E-41E9-9A04-8E5E0A0AF90C}" dt="2025-03-02T17:56:25.862" v="112" actId="20577"/>
+        <pc:sldMkLst>
+          <pc:docMk/>
+          <pc:sldMk cId="2500887417" sldId="260"/>
+        </pc:sldMkLst>
+      </pc:sldChg>
+      <pc:sldChg chg="modSp new del mod">
+        <pc:chgData name="Jacob Chlebowski" userId="d6bffc96ba4fbc68" providerId="LiveId" clId="{C956333D-8D4E-41E9-9A04-8E5E0A0AF90C}" dt="2025-03-02T17:56:10.891" v="86" actId="47"/>
+        <pc:sldMkLst>
+          <pc:docMk/>
+          <pc:sldMk cId="2621649691" sldId="260"/>
+        </pc:sldMkLst>
+      </pc:sldChg>
+      <pc:sldChg chg="addSp modSp new mod setBg modNotesTx">
+        <pc:chgData name="Jacob Chlebowski" userId="d6bffc96ba4fbc68" providerId="LiveId" clId="{C956333D-8D4E-41E9-9A04-8E5E0A0AF90C}" dt="2025-03-25T22:16:55.376" v="2648" actId="1076"/>
+        <pc:sldMkLst>
+          <pc:docMk/>
+          <pc:sldMk cId="380495582" sldId="261"/>
+        </pc:sldMkLst>
+        <pc:spChg chg="mod">
+          <ac:chgData name="Jacob Chlebowski" userId="d6bffc96ba4fbc68" providerId="LiveId" clId="{C956333D-8D4E-41E9-9A04-8E5E0A0AF90C}" dt="2025-03-09T18:30:40.296" v="1655" actId="20577"/>
+          <ac:spMkLst>
+            <pc:docMk/>
+            <pc:sldMk cId="380495582" sldId="261"/>
+            <ac:spMk id="2" creationId="{01031E0E-81BB-4F7A-7F23-614BA8E7E734}"/>
+          </ac:spMkLst>
+        </pc:spChg>
+        <pc:spChg chg="mod">
+          <ac:chgData name="Jacob Chlebowski" userId="d6bffc96ba4fbc68" providerId="LiveId" clId="{C956333D-8D4E-41E9-9A04-8E5E0A0AF90C}" dt="2025-03-06T23:07:48.058" v="1426" actId="26606"/>
+          <ac:spMkLst>
+            <pc:docMk/>
+            <pc:sldMk cId="380495582" sldId="261"/>
+            <ac:spMk id="3" creationId="{98E59D74-0136-2289-36AE-A1AD74F75ED3}"/>
+          </ac:spMkLst>
+        </pc:spChg>
+        <pc:spChg chg="add">
+          <ac:chgData name="Jacob Chlebowski" userId="d6bffc96ba4fbc68" providerId="LiveId" clId="{C956333D-8D4E-41E9-9A04-8E5E0A0AF90C}" dt="2025-03-06T23:07:48.058" v="1426" actId="26606"/>
+          <ac:spMkLst>
+            <pc:docMk/>
+            <pc:sldMk cId="380495582" sldId="261"/>
+            <ac:spMk id="10" creationId="{2B97F24A-32CE-4C1C-A50D-3016B394DCFB}"/>
+          </ac:spMkLst>
+        </pc:spChg>
+        <pc:spChg chg="add">
+          <ac:chgData name="Jacob Chlebowski" userId="d6bffc96ba4fbc68" providerId="LiveId" clId="{C956333D-8D4E-41E9-9A04-8E5E0A0AF90C}" dt="2025-03-06T23:07:48.058" v="1426" actId="26606"/>
+          <ac:spMkLst>
+            <pc:docMk/>
+            <pc:sldMk cId="380495582" sldId="261"/>
+            <ac:spMk id="12" creationId="{CD8B4F24-440B-49E9-B85D-733523DC064B}"/>
+          </ac:spMkLst>
+        </pc:spChg>
+        <pc:picChg chg="add mod">
+          <ac:chgData name="Jacob Chlebowski" userId="d6bffc96ba4fbc68" providerId="LiveId" clId="{C956333D-8D4E-41E9-9A04-8E5E0A0AF90C}" dt="2025-03-25T22:16:55.376" v="2648" actId="1076"/>
+          <ac:picMkLst>
+            <pc:docMk/>
+            <pc:sldMk cId="380495582" sldId="261"/>
+            <ac:picMk id="5" creationId="{914F987A-A871-8280-7813-282D02D71418}"/>
+          </ac:picMkLst>
+        </pc:picChg>
+      </pc:sldChg>
+      <pc:sldChg chg="modSp new mod ord">
+        <pc:chgData name="Jacob Chlebowski" userId="d6bffc96ba4fbc68" providerId="LiveId" clId="{C956333D-8D4E-41E9-9A04-8E5E0A0AF90C}" dt="2025-03-02T18:59:54.641" v="977"/>
+        <pc:sldMkLst>
+          <pc:docMk/>
+          <pc:sldMk cId="162222067" sldId="262"/>
+        </pc:sldMkLst>
+      </pc:sldChg>
+      <pc:sldChg chg="addSp delSp modSp new del mod ord">
+        <pc:chgData name="Jacob Chlebowski" userId="d6bffc96ba4fbc68" providerId="LiveId" clId="{C956333D-8D4E-41E9-9A04-8E5E0A0AF90C}" dt="2025-03-19T20:29:12.985" v="2077" actId="47"/>
+        <pc:sldMkLst>
+          <pc:docMk/>
+          <pc:sldMk cId="2175494058" sldId="263"/>
+        </pc:sldMkLst>
+      </pc:sldChg>
+      <pc:sldChg chg="new">
+        <pc:chgData name="Jacob Chlebowski" userId="d6bffc96ba4fbc68" providerId="LiveId" clId="{C956333D-8D4E-41E9-9A04-8E5E0A0AF90C}" dt="2025-03-02T18:57:15.965" v="889" actId="680"/>
+        <pc:sldMkLst>
+          <pc:docMk/>
+          <pc:sldMk cId="1602578628" sldId="264"/>
+        </pc:sldMkLst>
+      </pc:sldChg>
+      <pc:sldChg chg="modSp new mod">
+        <pc:chgData name="Jacob Chlebowski" userId="d6bffc96ba4fbc68" providerId="LiveId" clId="{C956333D-8D4E-41E9-9A04-8E5E0A0AF90C}" dt="2025-03-02T19:00:07.365" v="1043" actId="20577"/>
+        <pc:sldMkLst>
+          <pc:docMk/>
+          <pc:sldMk cId="3864048936" sldId="265"/>
+        </pc:sldMkLst>
+      </pc:sldChg>
+      <pc:sldChg chg="addSp delSp modSp new mod ord">
+        <pc:chgData name="Jacob Chlebowski" userId="d6bffc96ba4fbc68" providerId="LiveId" clId="{C956333D-8D4E-41E9-9A04-8E5E0A0AF90C}" dt="2025-03-20T19:41:20.973" v="2330" actId="20577"/>
+        <pc:sldMkLst>
+          <pc:docMk/>
+          <pc:sldMk cId="2289118170" sldId="274"/>
+        </pc:sldMkLst>
+        <pc:spChg chg="mod">
+          <ac:chgData name="Jacob Chlebowski" userId="d6bffc96ba4fbc68" providerId="LiveId" clId="{C956333D-8D4E-41E9-9A04-8E5E0A0AF90C}" dt="2025-03-09T18:30:46.479" v="1682" actId="20577"/>
+          <ac:spMkLst>
+            <pc:docMk/>
+            <pc:sldMk cId="2289118170" sldId="274"/>
+            <ac:spMk id="2" creationId="{38BC143C-D276-E65D-85B6-467A6C05540D}"/>
+          </ac:spMkLst>
+        </pc:spChg>
+        <pc:spChg chg="add del mod">
+          <ac:chgData name="Jacob Chlebowski" userId="d6bffc96ba4fbc68" providerId="LiveId" clId="{C956333D-8D4E-41E9-9A04-8E5E0A0AF90C}" dt="2025-03-20T19:41:20.973" v="2330" actId="20577"/>
+          <ac:spMkLst>
+            <pc:docMk/>
+            <pc:sldMk cId="2289118170" sldId="274"/>
+            <ac:spMk id="3" creationId="{BEEE0608-0198-D165-1D60-23C95AADACED}"/>
+          </ac:spMkLst>
+        </pc:spChg>
+        <pc:picChg chg="add mod">
+          <ac:chgData name="Jacob Chlebowski" userId="d6bffc96ba4fbc68" providerId="LiveId" clId="{C956333D-8D4E-41E9-9A04-8E5E0A0AF90C}" dt="2025-03-07T19:38:53.132" v="1472" actId="1076"/>
+          <ac:picMkLst>
+            <pc:docMk/>
+            <pc:sldMk cId="2289118170" sldId="274"/>
+            <ac:picMk id="7" creationId="{ADD73EFC-F279-BEE1-5CB4-DD74278EB6B9}"/>
+          </ac:picMkLst>
+        </pc:picChg>
+      </pc:sldChg>
+      <pc:sldChg chg="modSp new del mod">
+        <pc:chgData name="Jacob Chlebowski" userId="d6bffc96ba4fbc68" providerId="LiveId" clId="{C956333D-8D4E-41E9-9A04-8E5E0A0AF90C}" dt="2025-03-06T21:47:04.119" v="1191" actId="47"/>
+        <pc:sldMkLst>
+          <pc:docMk/>
+          <pc:sldMk cId="3387718683" sldId="274"/>
+        </pc:sldMkLst>
+      </pc:sldChg>
+      <pc:sldChg chg="addSp modSp new mod modNotesTx">
+        <pc:chgData name="Jacob Chlebowski" userId="d6bffc96ba4fbc68" providerId="LiveId" clId="{C956333D-8D4E-41E9-9A04-8E5E0A0AF90C}" dt="2025-03-25T21:53:14.798" v="2646" actId="313"/>
+        <pc:sldMkLst>
+          <pc:docMk/>
+          <pc:sldMk cId="300458079" sldId="275"/>
+        </pc:sldMkLst>
+        <pc:spChg chg="mod">
+          <ac:chgData name="Jacob Chlebowski" userId="d6bffc96ba4fbc68" providerId="LiveId" clId="{C956333D-8D4E-41E9-9A04-8E5E0A0AF90C}" dt="2025-03-09T18:55:31.353" v="2073" actId="20577"/>
+          <ac:spMkLst>
+            <pc:docMk/>
+            <pc:sldMk cId="300458079" sldId="275"/>
+            <ac:spMk id="2" creationId="{26B73B04-F5E7-0139-FB67-A7C55CABB107}"/>
+          </ac:spMkLst>
+        </pc:spChg>
+        <pc:spChg chg="mod">
+          <ac:chgData name="Jacob Chlebowski" userId="d6bffc96ba4fbc68" providerId="LiveId" clId="{C956333D-8D4E-41E9-9A04-8E5E0A0AF90C}" dt="2025-03-20T19:41:38.526" v="2373" actId="20577"/>
+          <ac:spMkLst>
+            <pc:docMk/>
+            <pc:sldMk cId="300458079" sldId="275"/>
+            <ac:spMk id="3" creationId="{93E09060-F771-5F81-53AA-1444DD51D162}"/>
+          </ac:spMkLst>
+        </pc:spChg>
+        <pc:picChg chg="add mod">
+          <ac:chgData name="Jacob Chlebowski" userId="d6bffc96ba4fbc68" providerId="LiveId" clId="{C956333D-8D4E-41E9-9A04-8E5E0A0AF90C}" dt="2025-03-09T18:31:01.368" v="1695" actId="1076"/>
+          <ac:picMkLst>
+            <pc:docMk/>
+            <pc:sldMk cId="300458079" sldId="275"/>
+            <ac:picMk id="5" creationId="{9C04EBDB-11C9-C3D0-C54A-21A96C97CCA6}"/>
+          </ac:picMkLst>
+        </pc:picChg>
+      </pc:sldChg>
+      <pc:sldChg chg="addSp modSp new mod">
+        <pc:chgData name="Jacob Chlebowski" userId="d6bffc96ba4fbc68" providerId="LiveId" clId="{C956333D-8D4E-41E9-9A04-8E5E0A0AF90C}" dt="2025-03-20T19:41:12.627" v="2263" actId="20577"/>
+        <pc:sldMkLst>
+          <pc:docMk/>
+          <pc:sldMk cId="673710426" sldId="276"/>
+        </pc:sldMkLst>
+        <pc:spChg chg="mod">
+          <ac:chgData name="Jacob Chlebowski" userId="d6bffc96ba4fbc68" providerId="LiveId" clId="{C956333D-8D4E-41E9-9A04-8E5E0A0AF90C}" dt="2025-03-20T19:41:06.535" v="2260" actId="20577"/>
+          <ac:spMkLst>
+            <pc:docMk/>
+            <pc:sldMk cId="673710426" sldId="276"/>
+            <ac:spMk id="2" creationId="{20C60E75-8AD5-E715-35CA-F58D609235BB}"/>
+          </ac:spMkLst>
+        </pc:spChg>
+        <pc:spChg chg="mod">
+          <ac:chgData name="Jacob Chlebowski" userId="d6bffc96ba4fbc68" providerId="LiveId" clId="{C956333D-8D4E-41E9-9A04-8E5E0A0AF90C}" dt="2025-03-20T19:41:12.627" v="2263" actId="20577"/>
+          <ac:spMkLst>
+            <pc:docMk/>
+            <pc:sldMk cId="673710426" sldId="276"/>
+            <ac:spMk id="3" creationId="{82001FB9-2536-CD78-8A98-E4C490138D1C}"/>
+          </ac:spMkLst>
+        </pc:spChg>
+        <pc:picChg chg="add mod">
+          <ac:chgData name="Jacob Chlebowski" userId="d6bffc96ba4fbc68" providerId="LiveId" clId="{C956333D-8D4E-41E9-9A04-8E5E0A0AF90C}" dt="2025-03-19T20:29:08.657" v="2076" actId="14100"/>
+          <ac:picMkLst>
+            <pc:docMk/>
+            <pc:sldMk cId="673710426" sldId="276"/>
+            <ac:picMk id="5" creationId="{F74561F9-B85B-B9BC-52FB-4EEBA66D14A7}"/>
+          </ac:picMkLst>
+        </pc:picChg>
+      </pc:sldChg>
+    </pc:docChg>
+  </pc:docChgLst>
+  <pc:docChgLst>
+    <pc:chgData name="Guest User" providerId="Windows Live" clId="Web-{6FD05CE9-3092-435F-ACE6-7F83C4A9AFD8}"/>
+    <pc:docChg chg="modSld">
+      <pc:chgData name="Guest User" userId="" providerId="Windows Live" clId="Web-{6FD05CE9-3092-435F-ACE6-7F83C4A9AFD8}" dt="2025-03-17T17:36:24.473" v="144"/>
+      <pc:docMkLst>
+        <pc:docMk/>
+      </pc:docMkLst>
+      <pc:sldChg chg="modNotes">
+        <pc:chgData name="Guest User" userId="" providerId="Windows Live" clId="Web-{6FD05CE9-3092-435F-ACE6-7F83C4A9AFD8}" dt="2025-03-17T16:55:51.925" v="49"/>
+        <pc:sldMkLst>
+          <pc:docMk/>
+          <pc:sldMk cId="172783545" sldId="269"/>
+        </pc:sldMkLst>
+      </pc:sldChg>
+      <pc:sldChg chg="modNotes">
+        <pc:chgData name="Guest User" userId="" providerId="Windows Live" clId="Web-{6FD05CE9-3092-435F-ACE6-7F83C4A9AFD8}" dt="2025-03-17T17:36:24.473" v="144"/>
+        <pc:sldMkLst>
+          <pc:docMk/>
+          <pc:sldMk cId="4268275556" sldId="270"/>
+        </pc:sldMkLst>
+      </pc:sldChg>
+    </pc:docChg>
+  </pc:docChgLst>
+  <pc:docChgLst>
+    <pc:chgData name="Guest User" providerId="Windows Live" clId="Web-{E6CD237D-FA1C-4849-9C4B-B358DC3AB3CC}"/>
+    <pc:docChg chg="modSld">
+      <pc:chgData name="Guest User" userId="" providerId="Windows Live" clId="Web-{E6CD237D-FA1C-4849-9C4B-B358DC3AB3CC}" dt="2025-03-25T22:02:11.574" v="3"/>
+      <pc:docMkLst>
+        <pc:docMk/>
+      </pc:docMkLst>
+      <pc:sldChg chg="modNotes">
+        <pc:chgData name="Guest User" userId="" providerId="Windows Live" clId="Web-{E6CD237D-FA1C-4849-9C4B-B358DC3AB3CC}" dt="2025-03-25T22:02:11.574" v="3"/>
+        <pc:sldMkLst>
+          <pc:docMk/>
+          <pc:sldMk cId="2752528023" sldId="267"/>
+        </pc:sldMkLst>
+      </pc:sldChg>
+    </pc:docChg>
+  </pc:docChgLst>
+  <pc:docChgLst>
+    <pc:chgData name="Guest User" providerId="Windows Live" clId="Web-{F2C31833-10A4-49AD-BD69-13974192EDF6}"/>
+    <pc:docChg chg="delSld modSld">
+      <pc:chgData name="Guest User" userId="" providerId="Windows Live" clId="Web-{F2C31833-10A4-49AD-BD69-13974192EDF6}" dt="2025-03-24T18:08:23.290" v="24"/>
+      <pc:docMkLst>
+        <pc:docMk/>
+      </pc:docMkLst>
+      <pc:sldChg chg="modNotes">
+        <pc:chgData name="Guest User" userId="" providerId="Windows Live" clId="Web-{F2C31833-10A4-49AD-BD69-13974192EDF6}" dt="2025-03-24T17:23:53.435" v="12"/>
+        <pc:sldMkLst>
+          <pc:docMk/>
+          <pc:sldMk cId="1117155002" sldId="268"/>
+        </pc:sldMkLst>
+      </pc:sldChg>
+      <pc:sldChg chg="modNotes">
+        <pc:chgData name="Guest User" userId="" providerId="Windows Live" clId="Web-{F2C31833-10A4-49AD-BD69-13974192EDF6}" dt="2025-03-24T17:37:28.971" v="15"/>
+        <pc:sldMkLst>
+          <pc:docMk/>
+          <pc:sldMk cId="172783545" sldId="269"/>
+        </pc:sldMkLst>
+      </pc:sldChg>
+      <pc:sldChg chg="modNotes">
+        <pc:chgData name="Guest User" userId="" providerId="Windows Live" clId="Web-{F2C31833-10A4-49AD-BD69-13974192EDF6}" dt="2025-03-24T17:51:17.506" v="21"/>
+        <pc:sldMkLst>
+          <pc:docMk/>
+          <pc:sldMk cId="4268275556" sldId="270"/>
+        </pc:sldMkLst>
+      </pc:sldChg>
+      <pc:sldChg chg="del">
+        <pc:chgData name="Guest User" userId="" providerId="Windows Live" clId="Web-{F2C31833-10A4-49AD-BD69-13974192EDF6}" dt="2025-03-24T18:08:23.290" v="24"/>
+        <pc:sldMkLst>
+          <pc:docMk/>
+          <pc:sldMk cId="3590882102" sldId="271"/>
+        </pc:sldMkLst>
+      </pc:sldChg>
+      <pc:sldChg chg="del">
+        <pc:chgData name="Guest User" userId="" providerId="Windows Live" clId="Web-{F2C31833-10A4-49AD-BD69-13974192EDF6}" dt="2025-03-24T18:08:22.524" v="23"/>
+        <pc:sldMkLst>
+          <pc:docMk/>
+          <pc:sldMk cId="2574752443" sldId="272"/>
+        </pc:sldMkLst>
+      </pc:sldChg>
+      <pc:sldChg chg="del">
+        <pc:chgData name="Guest User" userId="" providerId="Windows Live" clId="Web-{F2C31833-10A4-49AD-BD69-13974192EDF6}" dt="2025-03-24T18:08:21.946" v="22"/>
+        <pc:sldMkLst>
+          <pc:docMk/>
+          <pc:sldMk cId="2526388626" sldId="273"/>
+        </pc:sldMkLst>
+      </pc:sldChg>
+    </pc:docChg>
+  </pc:docChgLst>
+  <pc:docChgLst>
     <pc:chgData name="Jacob Chlebowski" userId="d6bffc96ba4fbc68" providerId="Windows Live" clId="Web-{D13812BD-BFC0-F525-2555-A0E05AB80E9D}"/>
     <pc:docChg chg="addSld delSld modSld sldOrd">
       <pc:chgData name="Jacob Chlebowski" userId="d6bffc96ba4fbc68" providerId="Windows Live" clId="Web-{D13812BD-BFC0-F525-2555-A0E05AB80E9D}" dt="2025-03-05T21:05:25.742" v="74" actId="20577"/>
@@ -193,14 +549,6 @@
           <pc:docMk/>
           <pc:sldMk cId="481389460" sldId="257"/>
         </pc:sldMkLst>
-        <pc:spChg chg="mod">
-          <ac:chgData name="Jacob Chlebowski" userId="d6bffc96ba4fbc68" providerId="Windows Live" clId="Web-{D13812BD-BFC0-F525-2555-A0E05AB80E9D}" dt="2025-03-05T20:41:59.440" v="1" actId="20577"/>
-          <ac:spMkLst>
-            <pc:docMk/>
-            <pc:sldMk cId="481389460" sldId="257"/>
-            <ac:spMk id="2" creationId="{4D46AE18-E156-1DF4-4F10-1445DFE9FF94}"/>
-          </ac:spMkLst>
-        </pc:spChg>
       </pc:sldChg>
       <pc:sldChg chg="addSp modSp">
         <pc:chgData name="Jacob Chlebowski" userId="d6bffc96ba4fbc68" providerId="Windows Live" clId="Web-{D13812BD-BFC0-F525-2555-A0E05AB80E9D}" dt="2025-03-05T20:44:47.056" v="12" actId="1076"/>
@@ -208,30 +556,6 @@
           <pc:docMk/>
           <pc:sldMk cId="2111512407" sldId="258"/>
         </pc:sldMkLst>
-        <pc:picChg chg="add mod">
-          <ac:chgData name="Jacob Chlebowski" userId="d6bffc96ba4fbc68" providerId="Windows Live" clId="Web-{D13812BD-BFC0-F525-2555-A0E05AB80E9D}" dt="2025-03-05T20:44:03.351" v="8" actId="1076"/>
-          <ac:picMkLst>
-            <pc:docMk/>
-            <pc:sldMk cId="2111512407" sldId="258"/>
-            <ac:picMk id="3" creationId="{F6035CC9-F854-5799-F8E5-3967AF2BD189}"/>
-          </ac:picMkLst>
-        </pc:picChg>
-        <pc:picChg chg="add mod">
-          <ac:chgData name="Jacob Chlebowski" userId="d6bffc96ba4fbc68" providerId="Windows Live" clId="Web-{D13812BD-BFC0-F525-2555-A0E05AB80E9D}" dt="2025-03-05T20:44:47.056" v="12" actId="1076"/>
-          <ac:picMkLst>
-            <pc:docMk/>
-            <pc:sldMk cId="2111512407" sldId="258"/>
-            <ac:picMk id="4" creationId="{58CE0FA4-BF40-DDF4-C3E3-4C131357433C}"/>
-          </ac:picMkLst>
-        </pc:picChg>
-        <pc:picChg chg="mod">
-          <ac:chgData name="Jacob Chlebowski" userId="d6bffc96ba4fbc68" providerId="Windows Live" clId="Web-{D13812BD-BFC0-F525-2555-A0E05AB80E9D}" dt="2025-03-05T20:42:15.581" v="3" actId="1076"/>
-          <ac:picMkLst>
-            <pc:docMk/>
-            <pc:sldMk cId="2111512407" sldId="258"/>
-            <ac:picMk id="5" creationId="{CB6BABB8-861D-1F7E-90A7-4933E2654779}"/>
-          </ac:picMkLst>
-        </pc:picChg>
       </pc:sldChg>
       <pc:sldChg chg="ord">
         <pc:chgData name="Jacob Chlebowski" userId="d6bffc96ba4fbc68" providerId="Windows Live" clId="Web-{D13812BD-BFC0-F525-2555-A0E05AB80E9D}" dt="2025-03-05T20:43:14.427" v="4"/>
@@ -406,391 +730,6 @@
     </pc:docChg>
   </pc:docChgLst>
   <pc:docChgLst>
-    <pc:chgData name="Jacob Chlebowski" userId="d6bffc96ba4fbc68" providerId="LiveId" clId="{C956333D-8D4E-41E9-9A04-8E5E0A0AF90C}"/>
-    <pc:docChg chg="undo custSel addSld delSld modSld sldOrd">
-      <pc:chgData name="Jacob Chlebowski" userId="d6bffc96ba4fbc68" providerId="LiveId" clId="{C956333D-8D4E-41E9-9A04-8E5E0A0AF90C}" dt="2025-03-09T18:55:40.025" v="2075"/>
-      <pc:docMkLst>
-        <pc:docMk/>
-      </pc:docMkLst>
-      <pc:sldChg chg="addSp delSp modSp new mod setBg addAnim delAnim">
-        <pc:chgData name="Jacob Chlebowski" userId="d6bffc96ba4fbc68" providerId="LiveId" clId="{C956333D-8D4E-41E9-9A04-8E5E0A0AF90C}" dt="2025-03-06T23:08:52.745" v="1447" actId="26606"/>
-        <pc:sldMkLst>
-          <pc:docMk/>
-          <pc:sldMk cId="3402335718" sldId="256"/>
-        </pc:sldMkLst>
-        <pc:spChg chg="mod">
-          <ac:chgData name="Jacob Chlebowski" userId="d6bffc96ba4fbc68" providerId="LiveId" clId="{C956333D-8D4E-41E9-9A04-8E5E0A0AF90C}" dt="2025-03-06T23:08:52.745" v="1447" actId="26606"/>
-          <ac:spMkLst>
-            <pc:docMk/>
-            <pc:sldMk cId="3402335718" sldId="256"/>
-            <ac:spMk id="2" creationId="{24915B9A-BE23-1717-BCB3-41E38B58A2EA}"/>
-          </ac:spMkLst>
-        </pc:spChg>
-        <pc:spChg chg="mod">
-          <ac:chgData name="Jacob Chlebowski" userId="d6bffc96ba4fbc68" providerId="LiveId" clId="{C956333D-8D4E-41E9-9A04-8E5E0A0AF90C}" dt="2025-03-06T23:08:52.745" v="1447" actId="26606"/>
-          <ac:spMkLst>
-            <pc:docMk/>
-            <pc:sldMk cId="3402335718" sldId="256"/>
-            <ac:spMk id="3" creationId="{846BCD82-EE07-A8AD-4016-241CE2EBFD0C}"/>
-          </ac:spMkLst>
-        </pc:spChg>
-        <pc:spChg chg="add">
-          <ac:chgData name="Jacob Chlebowski" userId="d6bffc96ba4fbc68" providerId="LiveId" clId="{C956333D-8D4E-41E9-9A04-8E5E0A0AF90C}" dt="2025-03-06T23:08:52.745" v="1447" actId="26606"/>
-          <ac:spMkLst>
-            <pc:docMk/>
-            <pc:sldMk cId="3402335718" sldId="256"/>
-            <ac:spMk id="20" creationId="{A3363022-C969-41E9-8EB2-E4C94908C1FA}"/>
-          </ac:spMkLst>
-        </pc:spChg>
-        <pc:spChg chg="add">
-          <ac:chgData name="Jacob Chlebowski" userId="d6bffc96ba4fbc68" providerId="LiveId" clId="{C956333D-8D4E-41E9-9A04-8E5E0A0AF90C}" dt="2025-03-06T23:08:52.745" v="1447" actId="26606"/>
-          <ac:spMkLst>
-            <pc:docMk/>
-            <pc:sldMk cId="3402335718" sldId="256"/>
-            <ac:spMk id="21" creationId="{8D1AD6B3-BE88-4CEB-BA17-790657CC4729}"/>
-          </ac:spMkLst>
-        </pc:spChg>
-        <pc:grpChg chg="add">
-          <ac:chgData name="Jacob Chlebowski" userId="d6bffc96ba4fbc68" providerId="LiveId" clId="{C956333D-8D4E-41E9-9A04-8E5E0A0AF90C}" dt="2025-03-06T23:08:52.745" v="1447" actId="26606"/>
-          <ac:grpSpMkLst>
-            <pc:docMk/>
-            <pc:sldMk cId="3402335718" sldId="256"/>
-            <ac:grpSpMk id="22" creationId="{89D1390B-7E13-4B4F-9CB2-391063412E54}"/>
-          </ac:grpSpMkLst>
-        </pc:grpChg>
-        <pc:picChg chg="add">
-          <ac:chgData name="Jacob Chlebowski" userId="d6bffc96ba4fbc68" providerId="LiveId" clId="{C956333D-8D4E-41E9-9A04-8E5E0A0AF90C}" dt="2025-03-06T23:08:52.745" v="1447" actId="26606"/>
-          <ac:picMkLst>
-            <pc:docMk/>
-            <pc:sldMk cId="3402335718" sldId="256"/>
-            <ac:picMk id="7" creationId="{878BDAD5-D9D3-B928-0FD3-6006A3607537}"/>
-          </ac:picMkLst>
-        </pc:picChg>
-      </pc:sldChg>
-      <pc:sldChg chg="addSp delSp modSp new mod">
-        <pc:chgData name="Jacob Chlebowski" userId="d6bffc96ba4fbc68" providerId="LiveId" clId="{C956333D-8D4E-41E9-9A04-8E5E0A0AF90C}" dt="2025-03-02T18:14:50.639" v="629" actId="20577"/>
-        <pc:sldMkLst>
-          <pc:docMk/>
-          <pc:sldMk cId="481389460" sldId="257"/>
-        </pc:sldMkLst>
-        <pc:spChg chg="mod">
-          <ac:chgData name="Jacob Chlebowski" userId="d6bffc96ba4fbc68" providerId="LiveId" clId="{C956333D-8D4E-41E9-9A04-8E5E0A0AF90C}" dt="2025-03-02T18:14:50.639" v="629" actId="20577"/>
-          <ac:spMkLst>
-            <pc:docMk/>
-            <pc:sldMk cId="481389460" sldId="257"/>
-            <ac:spMk id="2" creationId="{4D46AE18-E156-1DF4-4F10-1445DFE9FF94}"/>
-          </ac:spMkLst>
-        </pc:spChg>
-        <pc:spChg chg="add mod">
-          <ac:chgData name="Jacob Chlebowski" userId="d6bffc96ba4fbc68" providerId="LiveId" clId="{C956333D-8D4E-41E9-9A04-8E5E0A0AF90C}" dt="2025-03-02T17:59:34.843" v="472" actId="1076"/>
-          <ac:spMkLst>
-            <pc:docMk/>
-            <pc:sldMk cId="481389460" sldId="257"/>
-            <ac:spMk id="6" creationId="{7B3C0BD2-FE73-15A0-44CB-27296569DEAF}"/>
-          </ac:spMkLst>
-        </pc:spChg>
-        <pc:picChg chg="add mod">
-          <ac:chgData name="Jacob Chlebowski" userId="d6bffc96ba4fbc68" providerId="LiveId" clId="{C956333D-8D4E-41E9-9A04-8E5E0A0AF90C}" dt="2025-03-02T17:55:37.391" v="25" actId="1076"/>
-          <ac:picMkLst>
-            <pc:docMk/>
-            <pc:sldMk cId="481389460" sldId="257"/>
-            <ac:picMk id="5" creationId="{B75715AD-40CB-2FE8-DC31-4F48FBACB56D}"/>
-          </ac:picMkLst>
-        </pc:picChg>
-      </pc:sldChg>
-      <pc:sldChg chg="addSp delSp modSp new mod ord">
-        <pc:chgData name="Jacob Chlebowski" userId="d6bffc96ba4fbc68" providerId="LiveId" clId="{C956333D-8D4E-41E9-9A04-8E5E0A0AF90C}" dt="2025-03-06T23:08:17.655" v="1436"/>
-        <pc:sldMkLst>
-          <pc:docMk/>
-          <pc:sldMk cId="2111512407" sldId="258"/>
-        </pc:sldMkLst>
-        <pc:spChg chg="mod">
-          <ac:chgData name="Jacob Chlebowski" userId="d6bffc96ba4fbc68" providerId="LiveId" clId="{C956333D-8D4E-41E9-9A04-8E5E0A0AF90C}" dt="2025-03-06T22:57:29.656" v="1230" actId="20577"/>
-          <ac:spMkLst>
-            <pc:docMk/>
-            <pc:sldMk cId="2111512407" sldId="258"/>
-            <ac:spMk id="2" creationId="{4A741A49-98FB-A315-07C2-E5CED3E069E5}"/>
-          </ac:spMkLst>
-        </pc:spChg>
-        <pc:picChg chg="mod">
-          <ac:chgData name="Jacob Chlebowski" userId="d6bffc96ba4fbc68" providerId="LiveId" clId="{C956333D-8D4E-41E9-9A04-8E5E0A0AF90C}" dt="2025-03-06T22:57:22.474" v="1202" actId="1076"/>
-          <ac:picMkLst>
-            <pc:docMk/>
-            <pc:sldMk cId="2111512407" sldId="258"/>
-            <ac:picMk id="3" creationId="{F6035CC9-F854-5799-F8E5-3967AF2BD189}"/>
-          </ac:picMkLst>
-        </pc:picChg>
-        <pc:picChg chg="mod">
-          <ac:chgData name="Jacob Chlebowski" userId="d6bffc96ba4fbc68" providerId="LiveId" clId="{C956333D-8D4E-41E9-9A04-8E5E0A0AF90C}" dt="2025-03-06T22:57:21.829" v="1201" actId="1076"/>
-          <ac:picMkLst>
-            <pc:docMk/>
-            <pc:sldMk cId="2111512407" sldId="258"/>
-            <ac:picMk id="4" creationId="{58CE0FA4-BF40-DDF4-C3E3-4C131357433C}"/>
-          </ac:picMkLst>
-        </pc:picChg>
-        <pc:picChg chg="add mod">
-          <ac:chgData name="Jacob Chlebowski" userId="d6bffc96ba4fbc68" providerId="LiveId" clId="{C956333D-8D4E-41E9-9A04-8E5E0A0AF90C}" dt="2025-03-02T18:08:07.835" v="495" actId="14100"/>
-          <ac:picMkLst>
-            <pc:docMk/>
-            <pc:sldMk cId="2111512407" sldId="258"/>
-            <ac:picMk id="5" creationId="{CB6BABB8-861D-1F7E-90A7-4933E2654779}"/>
-          </ac:picMkLst>
-        </pc:picChg>
-      </pc:sldChg>
-      <pc:sldChg chg="modSp new mod ord">
-        <pc:chgData name="Jacob Chlebowski" userId="d6bffc96ba4fbc68" providerId="LiveId" clId="{C956333D-8D4E-41E9-9A04-8E5E0A0AF90C}" dt="2025-03-02T19:07:32.749" v="1178"/>
-        <pc:sldMkLst>
-          <pc:docMk/>
-          <pc:sldMk cId="3811100687" sldId="259"/>
-        </pc:sldMkLst>
-        <pc:spChg chg="mod">
-          <ac:chgData name="Jacob Chlebowski" userId="d6bffc96ba4fbc68" providerId="LiveId" clId="{C956333D-8D4E-41E9-9A04-8E5E0A0AF90C}" dt="2025-03-02T18:16:47.153" v="650" actId="20577"/>
-          <ac:spMkLst>
-            <pc:docMk/>
-            <pc:sldMk cId="3811100687" sldId="259"/>
-            <ac:spMk id="2" creationId="{234CB306-7B8E-4722-0641-07DF2CC3B5A7}"/>
-          </ac:spMkLst>
-        </pc:spChg>
-        <pc:spChg chg="mod">
-          <ac:chgData name="Jacob Chlebowski" userId="d6bffc96ba4fbc68" providerId="LiveId" clId="{C956333D-8D4E-41E9-9A04-8E5E0A0AF90C}" dt="2025-03-02T18:56:04.568" v="887" actId="20577"/>
-          <ac:spMkLst>
-            <pc:docMk/>
-            <pc:sldMk cId="3811100687" sldId="259"/>
-            <ac:spMk id="3" creationId="{741EA172-4E9F-4149-30C3-BA8B112FA88E}"/>
-          </ac:spMkLst>
-        </pc:spChg>
-      </pc:sldChg>
-      <pc:sldChg chg="modSp new mod">
-        <pc:chgData name="Jacob Chlebowski" userId="d6bffc96ba4fbc68" providerId="LiveId" clId="{C956333D-8D4E-41E9-9A04-8E5E0A0AF90C}" dt="2025-03-02T17:56:25.862" v="112" actId="20577"/>
-        <pc:sldMkLst>
-          <pc:docMk/>
-          <pc:sldMk cId="2500887417" sldId="260"/>
-        </pc:sldMkLst>
-      </pc:sldChg>
-      <pc:sldChg chg="modSp new del mod">
-        <pc:chgData name="Jacob Chlebowski" userId="d6bffc96ba4fbc68" providerId="LiveId" clId="{C956333D-8D4E-41E9-9A04-8E5E0A0AF90C}" dt="2025-03-02T17:56:10.891" v="86" actId="47"/>
-        <pc:sldMkLst>
-          <pc:docMk/>
-          <pc:sldMk cId="2621649691" sldId="260"/>
-        </pc:sldMkLst>
-      </pc:sldChg>
-      <pc:sldChg chg="addSp modSp new mod setBg">
-        <pc:chgData name="Jacob Chlebowski" userId="d6bffc96ba4fbc68" providerId="LiveId" clId="{C956333D-8D4E-41E9-9A04-8E5E0A0AF90C}" dt="2025-03-09T18:30:40.296" v="1655" actId="20577"/>
-        <pc:sldMkLst>
-          <pc:docMk/>
-          <pc:sldMk cId="380495582" sldId="261"/>
-        </pc:sldMkLst>
-        <pc:spChg chg="mod">
-          <ac:chgData name="Jacob Chlebowski" userId="d6bffc96ba4fbc68" providerId="LiveId" clId="{C956333D-8D4E-41E9-9A04-8E5E0A0AF90C}" dt="2025-03-09T18:30:40.296" v="1655" actId="20577"/>
-          <ac:spMkLst>
-            <pc:docMk/>
-            <pc:sldMk cId="380495582" sldId="261"/>
-            <ac:spMk id="2" creationId="{01031E0E-81BB-4F7A-7F23-614BA8E7E734}"/>
-          </ac:spMkLst>
-        </pc:spChg>
-        <pc:spChg chg="mod">
-          <ac:chgData name="Jacob Chlebowski" userId="d6bffc96ba4fbc68" providerId="LiveId" clId="{C956333D-8D4E-41E9-9A04-8E5E0A0AF90C}" dt="2025-03-06T23:07:48.058" v="1426" actId="26606"/>
-          <ac:spMkLst>
-            <pc:docMk/>
-            <pc:sldMk cId="380495582" sldId="261"/>
-            <ac:spMk id="3" creationId="{98E59D74-0136-2289-36AE-A1AD74F75ED3}"/>
-          </ac:spMkLst>
-        </pc:spChg>
-        <pc:spChg chg="add">
-          <ac:chgData name="Jacob Chlebowski" userId="d6bffc96ba4fbc68" providerId="LiveId" clId="{C956333D-8D4E-41E9-9A04-8E5E0A0AF90C}" dt="2025-03-06T23:07:48.058" v="1426" actId="26606"/>
-          <ac:spMkLst>
-            <pc:docMk/>
-            <pc:sldMk cId="380495582" sldId="261"/>
-            <ac:spMk id="10" creationId="{2B97F24A-32CE-4C1C-A50D-3016B394DCFB}"/>
-          </ac:spMkLst>
-        </pc:spChg>
-        <pc:spChg chg="add">
-          <ac:chgData name="Jacob Chlebowski" userId="d6bffc96ba4fbc68" providerId="LiveId" clId="{C956333D-8D4E-41E9-9A04-8E5E0A0AF90C}" dt="2025-03-06T23:07:48.058" v="1426" actId="26606"/>
-          <ac:spMkLst>
-            <pc:docMk/>
-            <pc:sldMk cId="380495582" sldId="261"/>
-            <ac:spMk id="12" creationId="{CD8B4F24-440B-49E9-B85D-733523DC064B}"/>
-          </ac:spMkLst>
-        </pc:spChg>
-        <pc:picChg chg="add mod">
-          <ac:chgData name="Jacob Chlebowski" userId="d6bffc96ba4fbc68" providerId="LiveId" clId="{C956333D-8D4E-41E9-9A04-8E5E0A0AF90C}" dt="2025-03-06T23:08:04.248" v="1434" actId="14100"/>
-          <ac:picMkLst>
-            <pc:docMk/>
-            <pc:sldMk cId="380495582" sldId="261"/>
-            <ac:picMk id="5" creationId="{914F987A-A871-8280-7813-282D02D71418}"/>
-          </ac:picMkLst>
-        </pc:picChg>
-      </pc:sldChg>
-      <pc:sldChg chg="modSp new mod ord">
-        <pc:chgData name="Jacob Chlebowski" userId="d6bffc96ba4fbc68" providerId="LiveId" clId="{C956333D-8D4E-41E9-9A04-8E5E0A0AF90C}" dt="2025-03-02T18:59:54.641" v="977"/>
-        <pc:sldMkLst>
-          <pc:docMk/>
-          <pc:sldMk cId="162222067" sldId="262"/>
-        </pc:sldMkLst>
-      </pc:sldChg>
-      <pc:sldChg chg="addSp delSp modSp new mod ord">
-        <pc:chgData name="Jacob Chlebowski" userId="d6bffc96ba4fbc68" providerId="LiveId" clId="{C956333D-8D4E-41E9-9A04-8E5E0A0AF90C}" dt="2025-03-06T23:17:22.677" v="1451" actId="20577"/>
-        <pc:sldMkLst>
-          <pc:docMk/>
-          <pc:sldMk cId="2175494058" sldId="263"/>
-        </pc:sldMkLst>
-        <pc:spChg chg="mod">
-          <ac:chgData name="Jacob Chlebowski" userId="d6bffc96ba4fbc68" providerId="LiveId" clId="{C956333D-8D4E-41E9-9A04-8E5E0A0AF90C}" dt="2025-03-06T23:17:22.677" v="1451" actId="20577"/>
-          <ac:spMkLst>
-            <pc:docMk/>
-            <pc:sldMk cId="2175494058" sldId="263"/>
-            <ac:spMk id="2" creationId="{452F3815-4FD3-CD41-8EBD-804B987E7F8B}"/>
-          </ac:spMkLst>
-        </pc:spChg>
-        <pc:picChg chg="add mod ord">
-          <ac:chgData name="Jacob Chlebowski" userId="d6bffc96ba4fbc68" providerId="LiveId" clId="{C956333D-8D4E-41E9-9A04-8E5E0A0AF90C}" dt="2025-03-02T19:06:47.181" v="1172" actId="22"/>
-          <ac:picMkLst>
-            <pc:docMk/>
-            <pc:sldMk cId="2175494058" sldId="263"/>
-            <ac:picMk id="5" creationId="{418B5995-9D99-23A9-23C3-6EAA83185D86}"/>
-          </ac:picMkLst>
-        </pc:picChg>
-      </pc:sldChg>
-      <pc:sldChg chg="new">
-        <pc:chgData name="Jacob Chlebowski" userId="d6bffc96ba4fbc68" providerId="LiveId" clId="{C956333D-8D4E-41E9-9A04-8E5E0A0AF90C}" dt="2025-03-02T18:57:15.965" v="889" actId="680"/>
-        <pc:sldMkLst>
-          <pc:docMk/>
-          <pc:sldMk cId="1602578628" sldId="264"/>
-        </pc:sldMkLst>
-      </pc:sldChg>
-      <pc:sldChg chg="modSp new mod">
-        <pc:chgData name="Jacob Chlebowski" userId="d6bffc96ba4fbc68" providerId="LiveId" clId="{C956333D-8D4E-41E9-9A04-8E5E0A0AF90C}" dt="2025-03-02T19:00:07.365" v="1043" actId="20577"/>
-        <pc:sldMkLst>
-          <pc:docMk/>
-          <pc:sldMk cId="3864048936" sldId="265"/>
-        </pc:sldMkLst>
-      </pc:sldChg>
-      <pc:sldChg chg="addSp delSp modSp new mod">
-        <pc:chgData name="Jacob Chlebowski" userId="d6bffc96ba4fbc68" providerId="LiveId" clId="{C956333D-8D4E-41E9-9A04-8E5E0A0AF90C}" dt="2025-03-09T18:30:46.479" v="1682" actId="20577"/>
-        <pc:sldMkLst>
-          <pc:docMk/>
-          <pc:sldMk cId="2289118170" sldId="274"/>
-        </pc:sldMkLst>
-        <pc:spChg chg="mod">
-          <ac:chgData name="Jacob Chlebowski" userId="d6bffc96ba4fbc68" providerId="LiveId" clId="{C956333D-8D4E-41E9-9A04-8E5E0A0AF90C}" dt="2025-03-09T18:30:46.479" v="1682" actId="20577"/>
-          <ac:spMkLst>
-            <pc:docMk/>
-            <pc:sldMk cId="2289118170" sldId="274"/>
-            <ac:spMk id="2" creationId="{38BC143C-D276-E65D-85B6-467A6C05540D}"/>
-          </ac:spMkLst>
-        </pc:spChg>
-        <pc:spChg chg="add del mod">
-          <ac:chgData name="Jacob Chlebowski" userId="d6bffc96ba4fbc68" providerId="LiveId" clId="{C956333D-8D4E-41E9-9A04-8E5E0A0AF90C}" dt="2025-03-07T19:41:56.016" v="1627" actId="20577"/>
-          <ac:spMkLst>
-            <pc:docMk/>
-            <pc:sldMk cId="2289118170" sldId="274"/>
-            <ac:spMk id="3" creationId="{BEEE0608-0198-D165-1D60-23C95AADACED}"/>
-          </ac:spMkLst>
-        </pc:spChg>
-        <pc:picChg chg="add mod">
-          <ac:chgData name="Jacob Chlebowski" userId="d6bffc96ba4fbc68" providerId="LiveId" clId="{C956333D-8D4E-41E9-9A04-8E5E0A0AF90C}" dt="2025-03-07T19:38:53.132" v="1472" actId="1076"/>
-          <ac:picMkLst>
-            <pc:docMk/>
-            <pc:sldMk cId="2289118170" sldId="274"/>
-            <ac:picMk id="7" creationId="{ADD73EFC-F279-BEE1-5CB4-DD74278EB6B9}"/>
-          </ac:picMkLst>
-        </pc:picChg>
-      </pc:sldChg>
-      <pc:sldChg chg="modSp new del mod">
-        <pc:chgData name="Jacob Chlebowski" userId="d6bffc96ba4fbc68" providerId="LiveId" clId="{C956333D-8D4E-41E9-9A04-8E5E0A0AF90C}" dt="2025-03-06T21:47:04.119" v="1191" actId="47"/>
-        <pc:sldMkLst>
-          <pc:docMk/>
-          <pc:sldMk cId="3387718683" sldId="274"/>
-        </pc:sldMkLst>
-      </pc:sldChg>
-      <pc:sldChg chg="addSp modSp new mod">
-        <pc:chgData name="Jacob Chlebowski" userId="d6bffc96ba4fbc68" providerId="LiveId" clId="{C956333D-8D4E-41E9-9A04-8E5E0A0AF90C}" dt="2025-03-09T18:55:31.353" v="2073" actId="20577"/>
-        <pc:sldMkLst>
-          <pc:docMk/>
-          <pc:sldMk cId="300458079" sldId="275"/>
-        </pc:sldMkLst>
-        <pc:spChg chg="mod">
-          <ac:chgData name="Jacob Chlebowski" userId="d6bffc96ba4fbc68" providerId="LiveId" clId="{C956333D-8D4E-41E9-9A04-8E5E0A0AF90C}" dt="2025-03-09T18:55:31.353" v="2073" actId="20577"/>
-          <ac:spMkLst>
-            <pc:docMk/>
-            <pc:sldMk cId="300458079" sldId="275"/>
-            <ac:spMk id="2" creationId="{26B73B04-F5E7-0139-FB67-A7C55CABB107}"/>
-          </ac:spMkLst>
-        </pc:spChg>
-        <pc:spChg chg="mod">
-          <ac:chgData name="Jacob Chlebowski" userId="d6bffc96ba4fbc68" providerId="LiveId" clId="{C956333D-8D4E-41E9-9A04-8E5E0A0AF90C}" dt="2025-03-09T18:33:18.117" v="1946" actId="20577"/>
-          <ac:spMkLst>
-            <pc:docMk/>
-            <pc:sldMk cId="300458079" sldId="275"/>
-            <ac:spMk id="3" creationId="{93E09060-F771-5F81-53AA-1444DD51D162}"/>
-          </ac:spMkLst>
-        </pc:spChg>
-        <pc:picChg chg="add mod">
-          <ac:chgData name="Jacob Chlebowski" userId="d6bffc96ba4fbc68" providerId="LiveId" clId="{C956333D-8D4E-41E9-9A04-8E5E0A0AF90C}" dt="2025-03-09T18:31:01.368" v="1695" actId="1076"/>
-          <ac:picMkLst>
-            <pc:docMk/>
-            <pc:sldMk cId="300458079" sldId="275"/>
-            <ac:picMk id="5" creationId="{9C04EBDB-11C9-C3D0-C54A-21A96C97CCA6}"/>
-          </ac:picMkLst>
-        </pc:picChg>
-      </pc:sldChg>
-      <pc:sldChg chg="addSp modSp new mod">
-        <pc:chgData name="Jacob Chlebowski" userId="d6bffc96ba4fbc68" providerId="LiveId" clId="{C956333D-8D4E-41E9-9A04-8E5E0A0AF90C}" dt="2025-03-09T18:55:40.025" v="2075"/>
-        <pc:sldMkLst>
-          <pc:docMk/>
-          <pc:sldMk cId="673710426" sldId="276"/>
-        </pc:sldMkLst>
-        <pc:spChg chg="mod">
-          <ac:chgData name="Jacob Chlebowski" userId="d6bffc96ba4fbc68" providerId="LiveId" clId="{C956333D-8D4E-41E9-9A04-8E5E0A0AF90C}" dt="2025-03-09T18:55:40.025" v="2075"/>
-          <ac:spMkLst>
-            <pc:docMk/>
-            <pc:sldMk cId="673710426" sldId="276"/>
-            <ac:spMk id="2" creationId="{20C60E75-8AD5-E715-35CA-F58D609235BB}"/>
-          </ac:spMkLst>
-        </pc:spChg>
-        <pc:spChg chg="mod">
-          <ac:chgData name="Jacob Chlebowski" userId="d6bffc96ba4fbc68" providerId="LiveId" clId="{C956333D-8D4E-41E9-9A04-8E5E0A0AF90C}" dt="2025-03-09T18:54:00.417" v="2016" actId="14100"/>
-          <ac:spMkLst>
-            <pc:docMk/>
-            <pc:sldMk cId="673710426" sldId="276"/>
-            <ac:spMk id="3" creationId="{82001FB9-2536-CD78-8A98-E4C490138D1C}"/>
-          </ac:spMkLst>
-        </pc:spChg>
-        <pc:picChg chg="add mod">
-          <ac:chgData name="Jacob Chlebowski" userId="d6bffc96ba4fbc68" providerId="LiveId" clId="{C956333D-8D4E-41E9-9A04-8E5E0A0AF90C}" dt="2025-03-09T18:55:13.053" v="2021" actId="1076"/>
-          <ac:picMkLst>
-            <pc:docMk/>
-            <pc:sldMk cId="673710426" sldId="276"/>
-            <ac:picMk id="5" creationId="{F74561F9-B85B-B9BC-52FB-4EEBA66D14A7}"/>
-          </ac:picMkLst>
-        </pc:picChg>
-      </pc:sldChg>
-    </pc:docChg>
-  </pc:docChgLst>
-  <pc:docChgLst>
-    <pc:chgData name="Guest User" providerId="Windows Live" clId="Web-{6FD05CE9-3092-435F-ACE6-7F83C4A9AFD8}"/>
-    <pc:docChg chg="modSld">
-      <pc:chgData name="Guest User" userId="" providerId="Windows Live" clId="Web-{6FD05CE9-3092-435F-ACE6-7F83C4A9AFD8}" dt="2025-03-17T17:36:24.473" v="144"/>
-      <pc:docMkLst>
-        <pc:docMk/>
-      </pc:docMkLst>
-      <pc:sldChg chg="modNotes">
-        <pc:chgData name="Guest User" userId="" providerId="Windows Live" clId="Web-{6FD05CE9-3092-435F-ACE6-7F83C4A9AFD8}" dt="2025-03-17T16:55:51.925" v="49"/>
-        <pc:sldMkLst>
-          <pc:docMk/>
-          <pc:sldMk cId="172783545" sldId="269"/>
-        </pc:sldMkLst>
-      </pc:sldChg>
-      <pc:sldChg chg="modNotes">
-        <pc:chgData name="Guest User" userId="" providerId="Windows Live" clId="Web-{6FD05CE9-3092-435F-ACE6-7F83C4A9AFD8}" dt="2025-03-17T17:36:24.473" v="144"/>
-        <pc:sldMkLst>
-          <pc:docMk/>
-          <pc:sldMk cId="4268275556" sldId="270"/>
-        </pc:sldMkLst>
-      </pc:sldChg>
-    </pc:docChg>
-  </pc:docChgLst>
-  <pc:docChgLst>
     <pc:chgData name="Jacob Chlebowski" userId="d6bffc96ba4fbc68" providerId="Windows Live" clId="Web-{5FC095F9-B367-2918-F49D-309F5ADF1310}"/>
     <pc:docChg chg="addSld modSld">
       <pc:chgData name="Jacob Chlebowski" userId="d6bffc96ba4fbc68" providerId="Windows Live" clId="Web-{5FC095F9-B367-2918-F49D-309F5ADF1310}" dt="2025-03-10T19:38:18.806" v="5"/>
@@ -809,14 +748,6 @@
             <pc:docMk/>
             <pc:sldMk cId="2279852048" sldId="277"/>
             <ac:spMk id="2" creationId="{30FD2BEB-5B53-5F35-C8A8-D6046485CE36}"/>
-          </ac:spMkLst>
-        </pc:spChg>
-        <pc:spChg chg="del mod">
-          <ac:chgData name="Jacob Chlebowski" userId="d6bffc96ba4fbc68" providerId="Windows Live" clId="Web-{5FC095F9-B367-2918-F49D-309F5ADF1310}" dt="2025-03-10T19:38:18.806" v="5"/>
-          <ac:spMkLst>
-            <pc:docMk/>
-            <pc:sldMk cId="2279852048" sldId="277"/>
-            <ac:spMk id="3" creationId="{7439721B-4640-D712-10E6-F0A02EE8D558}"/>
           </ac:spMkLst>
         </pc:spChg>
         <pc:spChg chg="add">
@@ -938,7 +869,7 @@
           </a:lstStyle>
           <a:p>
             <a:fld id="{849489AC-F3DC-4481-A02A-F9A9472A992E}" type="datetimeFigureOut">
-              <a:t>3/17/2025</a:t>
+              <a:t>3/25/2025</a:t>
             </a:fld>
             <a:endParaRPr lang="en-US"/>
           </a:p>
@@ -1249,11 +1180,8 @@
           <a:lstStyle/>
           <a:p>
             <a:r>
-              <a:rPr lang="en-US" dirty="0">
-                <a:ea typeface="Calibri"/>
-                <a:cs typeface="Calibri"/>
-              </a:rPr>
-              <a:t>Teaches people about cross-site scripting. Cross-site scripting a web security vulnerability where people can insert malicious scripts into websites. The dangers can range heavily depending on the skills of the attacker and the lack of security on the website. Attackers could cause many things to happen, such as data theft, account hijacking, redirection to malicious websites, or simply popping an alert, as we will do in a minute with this website.</a:t>
+              <a:rPr lang="en-US"/>
+              <a:t>-Malware? Hopefully you’ve heard of it</a:t>
             </a:r>
           </a:p>
         </p:txBody>
@@ -1274,7 +1202,8 @@
           <a:lstStyle/>
           <a:p>
             <a:fld id="{A3AD175B-9D4F-477E-BA2F-537557C3DD77}" type="slidenum">
-              <a:t>10</a:t>
+              <a:rPr lang="en-US" smtClean="0"/>
+              <a:t>1</a:t>
             </a:fld>
             <a:endParaRPr lang="en-US"/>
           </a:p>
@@ -1283,7 +1212,7 @@
     </p:spTree>
     <p:extLst>
       <p:ext uri="{BB962C8B-B14F-4D97-AF65-F5344CB8AC3E}">
-        <p14:creationId xmlns:p14="http://schemas.microsoft.com/office/powerpoint/2010/main" val="2714990103"/>
+        <p14:creationId xmlns:p14="http://schemas.microsoft.com/office/powerpoint/2010/main" val="2511587714"/>
       </p:ext>
     </p:extLst>
   </p:cSld>
@@ -1338,74 +1267,152 @@
           <a:lstStyle/>
           <a:p>
             <a:r>
-              <a:rPr lang="en-US" dirty="0">
-                <a:ea typeface="Calibri"/>
-                <a:cs typeface="Calibri"/>
+              <a:rPr lang="en-US" b="0" i="0" err="1">
+                <a:solidFill>
+                  <a:srgbClr val="EEF0FF"/>
+                </a:solidFill>
+                <a:effectLst/>
+                <a:latin typeface="Google Sans"/>
               </a:rPr>
-              <a:t>Our objective through all of these challenges will be to pop an alert at the top of the screen. </a:t>
-            </a:r>
-          </a:p>
-          <a:p>
-            <a:endParaRPr lang="en-US" dirty="0">
-              <a:ea typeface="Calibri"/>
-              <a:cs typeface="Calibri"/>
+              <a:t>UniKey</a:t>
+            </a:r>
+            <a:r>
+              <a:rPr lang="en-US" b="0" i="0">
+                <a:solidFill>
+                  <a:srgbClr val="EEF0FF"/>
+                </a:solidFill>
+                <a:effectLst/>
+                <a:latin typeface="Google Sans"/>
+              </a:rPr>
+              <a:t> is </a:t>
+            </a:r>
+            <a:r>
+              <a:rPr lang="en-US"/>
+              <a:t>a popular, free, and widely used software for encoding and typing Vietnamese characters on computers</a:t>
+            </a:r>
+            <a:r>
+              <a:rPr lang="en-US" b="0" i="0">
+                <a:solidFill>
+                  <a:srgbClr val="EEF0FF"/>
+                </a:solidFill>
+                <a:effectLst/>
+                <a:latin typeface="Google Sans"/>
+              </a:rPr>
+              <a:t>, acting as both a third-party software and an input method editor</a:t>
+            </a:r>
+          </a:p>
+          <a:p>
+            <a:pPr algn="l" fontAlgn="ctr">
+              <a:spcBef>
+                <a:spcPts val="600"/>
+              </a:spcBef>
+              <a:spcAft>
+                <a:spcPts val="600"/>
+              </a:spcAft>
+              <a:buFont typeface="Arial" panose="020B0604020202020204" pitchFamily="34" charset="0"/>
+              <a:buChar char="•"/>
+            </a:pPr>
+            <a:r>
+              <a:rPr lang="en-US" b="1" i="0">
+                <a:solidFill>
+                  <a:srgbClr val="C3C6D6"/>
+                </a:solidFill>
+                <a:effectLst/>
+                <a:latin typeface="Google Sans"/>
+              </a:rPr>
+              <a:t>Portable Version:</a:t>
+            </a:r>
+            <a:r>
+              <a:rPr lang="en-US" b="0" i="0">
+                <a:solidFill>
+                  <a:srgbClr val="C3C6D6"/>
+                </a:solidFill>
+                <a:effectLst/>
+                <a:latin typeface="Google Sans"/>
+              </a:rPr>
+              <a:t> You can use the portable version of </a:t>
+            </a:r>
+            <a:r>
+              <a:rPr lang="en-US" b="0" i="0" err="1">
+                <a:solidFill>
+                  <a:srgbClr val="C3C6D6"/>
+                </a:solidFill>
+                <a:effectLst/>
+                <a:latin typeface="Google Sans"/>
+              </a:rPr>
+              <a:t>UniKey</a:t>
+            </a:r>
+            <a:r>
+              <a:rPr lang="en-US" b="0" i="0">
+                <a:solidFill>
+                  <a:srgbClr val="C3C6D6"/>
+                </a:solidFill>
+                <a:effectLst/>
+                <a:latin typeface="Google Sans"/>
+              </a:rPr>
+              <a:t>, which doesn't require installation. </a:t>
+            </a:r>
+          </a:p>
+          <a:p>
+            <a:pPr algn="l">
+              <a:spcBef>
+                <a:spcPts val="600"/>
+              </a:spcBef>
+              <a:spcAft>
+                <a:spcPts val="1500"/>
+              </a:spcAft>
+              <a:buFont typeface="Arial" panose="020B0604020202020204" pitchFamily="34" charset="0"/>
+              <a:buChar char="•"/>
+            </a:pPr>
+            <a:r>
+              <a:rPr lang="en-US" b="1" i="0">
+                <a:solidFill>
+                  <a:srgbClr val="C3C6D6"/>
+                </a:solidFill>
+                <a:effectLst/>
+                <a:latin typeface="Google Sans"/>
+              </a:rPr>
+              <a:t>Installed Version:</a:t>
+            </a:r>
+            <a:r>
+              <a:rPr lang="en-US" b="0" i="0">
+                <a:solidFill>
+                  <a:srgbClr val="C3C6D6"/>
+                </a:solidFill>
+                <a:effectLst/>
+                <a:latin typeface="Google Sans"/>
+              </a:rPr>
+              <a:t> You can also download and install </a:t>
+            </a:r>
+            <a:r>
+              <a:rPr lang="en-US" b="0" i="0" err="1">
+                <a:solidFill>
+                  <a:srgbClr val="C3C6D6"/>
+                </a:solidFill>
+                <a:effectLst/>
+                <a:latin typeface="Google Sans"/>
+              </a:rPr>
+              <a:t>UniKey</a:t>
+            </a:r>
+            <a:r>
+              <a:rPr lang="en-US" b="0" i="0">
+                <a:solidFill>
+                  <a:srgbClr val="C3C6D6"/>
+                </a:solidFill>
+                <a:effectLst/>
+                <a:latin typeface="Google Sans"/>
+              </a:rPr>
+              <a:t> on your computer. </a:t>
+            </a:r>
+          </a:p>
+          <a:p>
+            <a:endParaRPr lang="en-US" b="0" i="0">
+              <a:solidFill>
+                <a:srgbClr val="EEF0FF"/>
+              </a:solidFill>
+              <a:effectLst/>
+              <a:latin typeface="Google Sans"/>
             </a:endParaRPr>
-          </a:p>
-          <a:p>
-            <a:r>
-              <a:rPr lang="en-US" dirty="0">
-                <a:ea typeface="Calibri"/>
-                <a:cs typeface="Calibri"/>
-              </a:rPr>
-              <a:t>Hint 1: Open developer tools with f12, or right clicking then pressing inspect.</a:t>
-            </a:r>
-          </a:p>
-          <a:p>
-            <a:r>
-              <a:rPr lang="en-US" dirty="0">
-                <a:ea typeface="Calibri"/>
-                <a:cs typeface="Calibri"/>
-              </a:rPr>
-              <a:t>Hint 2: Headers, such as &lt;h1&gt;Hello&lt;/h1&gt;, &lt;p&gt;, etc.</a:t>
-            </a:r>
-          </a:p>
-          <a:p>
-            <a:r>
-              <a:rPr lang="en-US" dirty="0">
-                <a:ea typeface="Calibri"/>
-                <a:cs typeface="Calibri"/>
-              </a:rPr>
-              <a:t>Hint 3: &lt;script&gt;&lt;/script&gt; allows you to execute </a:t>
-            </a:r>
-            <a:r>
-              <a:rPr lang="en-US" dirty="0" err="1">
-                <a:ea typeface="Calibri"/>
-                <a:cs typeface="Calibri"/>
-              </a:rPr>
-              <a:t>javascript</a:t>
-            </a:r>
-            <a:r>
-              <a:rPr lang="en-US" dirty="0">
-                <a:ea typeface="Calibri"/>
-                <a:cs typeface="Calibri"/>
-              </a:rPr>
-              <a:t> code in a webpage</a:t>
-            </a:r>
-          </a:p>
-          <a:p>
-            <a:endParaRPr lang="en-US" dirty="0">
-              <a:ea typeface="Calibri"/>
-              <a:cs typeface="Calibri"/>
-            </a:endParaRPr>
-          </a:p>
-          <a:p>
-            <a:r>
-              <a:rPr lang="en-US" dirty="0">
-                <a:ea typeface="Calibri"/>
-                <a:cs typeface="Calibri"/>
-              </a:rPr>
-              <a:t>Solution: &lt;script&gt;alert("We made an alert")&lt;/script&gt;</a:t>
-            </a:r>
           </a:p>
         </p:txBody>
       </p:sp>
@@ -1425,7 +1432,8 @@
           <a:lstStyle/>
           <a:p>
             <a:fld id="{A3AD175B-9D4F-477E-BA2F-537557C3DD77}" type="slidenum">
-              <a:t>11</a:t>
+              <a:rPr lang="en-US" smtClean="0"/>
+              <a:t>2</a:t>
             </a:fld>
             <a:endParaRPr lang="en-US"/>
           </a:p>
@@ -1434,7 +1442,7 @@
     </p:spTree>
     <p:extLst>
       <p:ext uri="{BB962C8B-B14F-4D97-AF65-F5344CB8AC3E}">
-        <p14:creationId xmlns:p14="http://schemas.microsoft.com/office/powerpoint/2010/main" val="39394559"/>
+        <p14:creationId xmlns:p14="http://schemas.microsoft.com/office/powerpoint/2010/main" val="3529195687"/>
       </p:ext>
     </p:extLst>
   </p:cSld>
@@ -1489,177 +1497,9 @@
           <a:lstStyle/>
           <a:p>
             <a:r>
-              <a:rPr lang="en-US" dirty="0">
-                <a:ea typeface="Calibri"/>
-                <a:cs typeface="Calibri"/>
-              </a:rPr>
-              <a:t>Level 2 will be a bit tougher. Our solution from last problem isn't going to work on this one. (read prompt) </a:t>
-            </a:r>
-            <a:br>
-              <a:rPr lang="en-US" dirty="0">
-                <a:ea typeface="Calibri"/>
-                <a:cs typeface="Calibri"/>
-              </a:rPr>
-            </a:br>
-            <a:br>
-              <a:rPr lang="en-US" dirty="0">
-                <a:ea typeface="Calibri"/>
-                <a:cs typeface="Calibri"/>
-              </a:rPr>
-            </a:br>
-            <a:r>
-              <a:rPr lang="en-US" dirty="0">
-                <a:ea typeface="Calibri"/>
-                <a:cs typeface="Calibri"/>
-              </a:rPr>
-              <a:t>Execution sinks </a:t>
-            </a:r>
-            <a:br>
-              <a:rPr lang="en-US" dirty="0">
-                <a:ea typeface="Calibri"/>
-                <a:cs typeface="+mn-lt"/>
-              </a:rPr>
-            </a:br>
-            <a:br>
-              <a:rPr lang="en-US" dirty="0">
-                <a:ea typeface="Calibri"/>
-                <a:cs typeface="+mn-lt"/>
-              </a:rPr>
-            </a:br>
-            <a:r>
-              <a:rPr lang="en-US" dirty="0">
-                <a:ea typeface="Calibri"/>
-                <a:cs typeface="Calibri"/>
-              </a:rPr>
-              <a:t>Hint 1: You can see that the welcome message has HTML so simply typing &lt;script&gt; won't escape your posted status</a:t>
-            </a:r>
-          </a:p>
-          <a:p>
-            <a:r>
-              <a:rPr lang="en-US" dirty="0">
-                <a:ea typeface="Calibri"/>
-                <a:cs typeface="Calibri"/>
-              </a:rPr>
-              <a:t>Hint 2: Try a different </a:t>
-            </a:r>
-            <a:r>
-              <a:rPr lang="en-US" dirty="0" err="1">
-                <a:ea typeface="Calibri"/>
-                <a:cs typeface="Calibri"/>
-              </a:rPr>
-              <a:t>javascript</a:t>
-            </a:r>
-            <a:r>
-              <a:rPr lang="en-US" dirty="0">
-                <a:ea typeface="Calibri"/>
-                <a:cs typeface="Calibri"/>
-              </a:rPr>
-              <a:t> attribute, but which one?</a:t>
-            </a:r>
-          </a:p>
-          <a:p>
-            <a:r>
-              <a:rPr lang="en-US" dirty="0">
-                <a:ea typeface="Calibri"/>
-                <a:cs typeface="Calibri"/>
-              </a:rPr>
-              <a:t>Hint 3: &lt;</a:t>
-            </a:r>
-            <a:r>
-              <a:rPr lang="en-US" dirty="0" err="1">
-                <a:ea typeface="Calibri"/>
-                <a:cs typeface="Calibri"/>
-              </a:rPr>
-              <a:t>img</a:t>
-            </a:r>
-            <a:r>
-              <a:rPr lang="en-US" dirty="0">
-                <a:ea typeface="Calibri"/>
-                <a:cs typeface="Calibri"/>
-              </a:rPr>
-              <a:t> </a:t>
-            </a:r>
-            <a:r>
-              <a:rPr lang="en-US" dirty="0" err="1">
-                <a:ea typeface="Calibri"/>
-                <a:cs typeface="Calibri"/>
-              </a:rPr>
-              <a:t>src</a:t>
-            </a:r>
-            <a:r>
-              <a:rPr lang="en-US" dirty="0">
-                <a:ea typeface="Calibri"/>
-                <a:cs typeface="Calibri"/>
-              </a:rPr>
-              <a:t>="", </a:t>
-            </a:r>
-            <a:r>
-              <a:rPr lang="en-US" dirty="0" err="1">
-                <a:ea typeface="Calibri"/>
-                <a:cs typeface="Calibri"/>
-              </a:rPr>
-              <a:t>onerror</a:t>
-            </a:r>
-            <a:r>
-              <a:rPr lang="en-US" dirty="0">
-                <a:ea typeface="Calibri"/>
-                <a:cs typeface="Calibri"/>
-              </a:rPr>
-              <a:t>=""&gt;</a:t>
-            </a:r>
-          </a:p>
-          <a:p>
-            <a:endParaRPr lang="en-US" dirty="0">
-              <a:ea typeface="Calibri"/>
-              <a:cs typeface="Calibri"/>
-            </a:endParaRPr>
-          </a:p>
-          <a:p>
-            <a:r>
-              <a:rPr lang="en-US" dirty="0">
-                <a:ea typeface="Calibri"/>
-                <a:cs typeface="Calibri"/>
-              </a:rPr>
-              <a:t>Solution: </a:t>
-            </a:r>
-            <a:r>
-              <a:rPr lang="en-US" dirty="0"/>
-              <a:t>&lt;</a:t>
-            </a:r>
-            <a:r>
-              <a:rPr lang="en-US" dirty="0" err="1"/>
-              <a:t>img</a:t>
-            </a:r>
-            <a:r>
-              <a:rPr lang="en-US" dirty="0"/>
-              <a:t> </a:t>
-            </a:r>
-            <a:r>
-              <a:rPr lang="en-US" dirty="0" err="1"/>
-              <a:t>src</a:t>
-            </a:r>
-            <a:r>
-              <a:rPr lang="en-US" dirty="0"/>
-              <a:t>="image.gif" </a:t>
-            </a:r>
-            <a:r>
-              <a:rPr lang="en-US" dirty="0" err="1"/>
-              <a:t>onerror</a:t>
-            </a:r>
-            <a:r>
-              <a:rPr lang="en-US" dirty="0"/>
-              <a:t>="alert()"&gt;</a:t>
-            </a:r>
-            <a:endParaRPr lang="en-US" dirty="0">
-              <a:ea typeface="Calibri"/>
-              <a:cs typeface="Calibri"/>
-            </a:endParaRPr>
-          </a:p>
-          <a:p>
-            <a:endParaRPr lang="en-US" dirty="0">
-              <a:ea typeface="Calibri"/>
-              <a:cs typeface="Calibri"/>
-            </a:endParaRPr>
+              <a:rPr lang="en-US"/>
+              <a:t>-GDI function calls are overwritten by the malware, causing distorted windows or flickering elements</a:t>
+            </a:r>
           </a:p>
         </p:txBody>
       </p:sp>
@@ -1679,7 +1519,8 @@
           <a:lstStyle/>
           <a:p>
             <a:fld id="{A3AD175B-9D4F-477E-BA2F-537557C3DD77}" type="slidenum">
-              <a:t>12</a:t>
+              <a:rPr lang="en-US" smtClean="0"/>
+              <a:t>3</a:t>
             </a:fld>
             <a:endParaRPr lang="en-US"/>
           </a:p>
@@ -1688,7 +1529,7 @@
     </p:spTree>
     <p:extLst>
       <p:ext uri="{BB962C8B-B14F-4D97-AF65-F5344CB8AC3E}">
-        <p14:creationId xmlns:p14="http://schemas.microsoft.com/office/powerpoint/2010/main" val="3484142675"/>
+        <p14:creationId xmlns:p14="http://schemas.microsoft.com/office/powerpoint/2010/main" val="3780917605"/>
       </p:ext>
     </p:extLst>
   </p:cSld>
@@ -1743,67 +1584,49 @@
           <a:lstStyle/>
           <a:p>
             <a:r>
-              <a:rPr lang="en-US"/>
-              <a:t>Level 3 is going a level further into execution sinks. </a:t>
-            </a:r>
-          </a:p>
-          <a:p>
-            <a:br>
-              <a:rPr lang="en-US" dirty="0">
-                <a:cs typeface="+mn-lt"/>
+              <a:rPr lang="en-US">
+                <a:ea typeface="Calibri"/>
+                <a:cs typeface="Calibri"/>
               </a:rPr>
-            </a:br>
-            <a:r>
-              <a:rPr lang="en-US" dirty="0"/>
-              <a:t>Hint 1: </a:t>
-            </a:r>
-            <a:r>
-              <a:rPr lang="en-US" dirty="0" err="1"/>
-              <a:t>window.location</a:t>
-            </a:r>
-            <a:r>
-              <a:rPr lang="en-US"/>
-              <a:t> can be manipulated</a:t>
-            </a:r>
-            <a:endParaRPr lang="en-US">
-              <a:ea typeface="Calibri"/>
-              <a:cs typeface="Calibri"/>
-            </a:endParaRPr>
-          </a:p>
-          <a:p>
-            <a:r>
-              <a:rPr lang="en-US"/>
-              <a:t>Hint 2: How you sneak in your malicious code now that we've identified the vulnerability?</a:t>
-            </a:r>
-          </a:p>
-          <a:p>
-            <a:endParaRPr lang="en-US" dirty="0"/>
-          </a:p>
-          <a:p>
-            <a:r>
-              <a:rPr lang="en-US" dirty="0"/>
-              <a:t>Solution: ' </a:t>
-            </a:r>
-            <a:r>
-              <a:rPr lang="en-US" dirty="0" err="1"/>
-              <a:t>onerror</a:t>
-            </a:r>
-            <a:r>
-              <a:rPr lang="en-US" dirty="0"/>
-              <a:t>="alert()"&gt; The key is the apostrophe breaks you out of the </a:t>
-            </a:r>
-            <a:r>
-              <a:rPr lang="en-US" dirty="0" err="1"/>
-              <a:t>src</a:t>
-            </a:r>
-            <a:r>
-              <a:rPr lang="en-US"/>
-              <a:t> attribute, allowing you to input your own script.</a:t>
-            </a:r>
-            <a:endParaRPr lang="en-US" dirty="0">
-              <a:ea typeface="Calibri"/>
-              <a:cs typeface="Calibri"/>
-            </a:endParaRPr>
+              <a:t>Teaches people about cross-site scripting. Cross-site scripting a web security vulnerability </a:t>
+            </a:r>
+          </a:p>
+          <a:p>
+            <a:r>
+              <a:rPr lang="en-US">
+                <a:ea typeface="Calibri"/>
+                <a:cs typeface="Calibri"/>
+              </a:rPr>
+              <a:t>where people can insert malicious scripts into websites. </a:t>
+            </a:r>
+          </a:p>
+          <a:p>
+            <a:r>
+              <a:rPr lang="en-US">
+                <a:ea typeface="Calibri"/>
+                <a:cs typeface="Calibri"/>
+              </a:rPr>
+              <a:t>The dangers can range heavily depending on the skills of the attacker and the lack of security on the website. </a:t>
+            </a:r>
+          </a:p>
+          <a:p>
+            <a:r>
+              <a:rPr lang="en-US">
+                <a:ea typeface="Calibri"/>
+                <a:cs typeface="Calibri"/>
+              </a:rPr>
+              <a:t>Attackers could cause many things to happen, such as data theft, account hijacking, redirection to malicious websites, </a:t>
+            </a:r>
+          </a:p>
+          <a:p>
+            <a:r>
+              <a:rPr lang="en-US">
+                <a:ea typeface="Calibri"/>
+                <a:cs typeface="Calibri"/>
+              </a:rPr>
+              <a:t>or simply popping an alert, as we will do in a minute with this website.</a:t>
+            </a:r>
+            <a:endParaRPr lang="en-US"/>
           </a:p>
         </p:txBody>
       </p:sp>
@@ -1823,8 +1646,592 @@
           <a:lstStyle/>
           <a:p>
             <a:fld id="{A3AD175B-9D4F-477E-BA2F-537557C3DD77}" type="slidenum">
+              <a:t>6</a:t>
+            </a:fld>
+            <a:endParaRPr lang="en-US"/>
+          </a:p>
+        </p:txBody>
+      </p:sp>
+    </p:spTree>
+    <p:extLst>
+      <p:ext uri="{BB962C8B-B14F-4D97-AF65-F5344CB8AC3E}">
+        <p14:creationId xmlns:p14="http://schemas.microsoft.com/office/powerpoint/2010/main" val="2714990103"/>
+      </p:ext>
+    </p:extLst>
+  </p:cSld>
+  <p:clrMapOvr>
+    <a:masterClrMapping/>
+  </p:clrMapOvr>
+</p:notes>
+</file>
+
+<file path=ppt/notesSlides/notesSlide5.xml><?xml version="1.0" encoding="utf-8"?>
+<p:notes xmlns:a="http://schemas.openxmlformats.org/drawingml/2006/main" xmlns:r="http://schemas.openxmlformats.org/officeDocument/2006/relationships" xmlns:p="http://schemas.openxmlformats.org/presentationml/2006/main">
+  <p:cSld>
+    <p:spTree>
+      <p:nvGrpSpPr>
+        <p:cNvPr id="1" name=""/>
+        <p:cNvGrpSpPr/>
+        <p:nvPr/>
+      </p:nvGrpSpPr>
+      <p:grpSpPr>
+        <a:xfrm>
+          <a:off x="0" y="0"/>
+          <a:ext cx="0" cy="0"/>
+          <a:chOff x="0" y="0"/>
+          <a:chExt cx="0" cy="0"/>
+        </a:xfrm>
+      </p:grpSpPr>
+      <p:sp>
+        <p:nvSpPr>
+          <p:cNvPr id="2" name="Slide Image Placeholder 1"/>
+          <p:cNvSpPr>
+            <a:spLocks noGrp="1" noRot="1" noChangeAspect="1"/>
+          </p:cNvSpPr>
+          <p:nvPr>
+            <p:ph type="sldImg"/>
+          </p:nvPr>
+        </p:nvSpPr>
+        <p:spPr/>
+      </p:sp>
+      <p:sp>
+        <p:nvSpPr>
+          <p:cNvPr id="3" name="Notes Placeholder 2"/>
+          <p:cNvSpPr>
+            <a:spLocks noGrp="1"/>
+          </p:cNvSpPr>
+          <p:nvPr>
+            <p:ph type="body" idx="1"/>
+          </p:nvPr>
+        </p:nvSpPr>
+        <p:spPr/>
+        <p:txBody>
+          <a:bodyPr/>
+          <a:lstStyle/>
+          <a:p>
+            <a:r>
+              <a:rPr lang="en-US">
+                <a:ea typeface="Calibri"/>
+                <a:cs typeface="Calibri"/>
+              </a:rPr>
+              <a:t>Our objective through all of these challenges will be to pop an alert at the top of the screen. </a:t>
+            </a:r>
+          </a:p>
+          <a:p>
+            <a:endParaRPr lang="en-US">
+              <a:ea typeface="Calibri"/>
+              <a:cs typeface="Calibri"/>
+            </a:endParaRPr>
+          </a:p>
+          <a:p>
+            <a:r>
+              <a:rPr lang="en-US">
+                <a:ea typeface="Calibri"/>
+                <a:cs typeface="Calibri"/>
+              </a:rPr>
+              <a:t>Hint 1: Open developer tools with f12, or right clicking then pressing inspect.</a:t>
+            </a:r>
+          </a:p>
+          <a:p>
+            <a:r>
+              <a:rPr lang="en-US">
+                <a:ea typeface="Calibri"/>
+                <a:cs typeface="Calibri"/>
+              </a:rPr>
+              <a:t>Hint 2: Tags or headings etc., such as &lt;h1&gt;Hello&lt;/h1&gt;, &lt;p&gt;, etc.</a:t>
+            </a:r>
+          </a:p>
+          <a:p>
+            <a:r>
+              <a:rPr lang="en-US">
+                <a:ea typeface="Calibri"/>
+                <a:cs typeface="Calibri"/>
+              </a:rPr>
+              <a:t>Hint 3: &lt;script&gt;&lt;/script&gt; allows you to execute </a:t>
+            </a:r>
+            <a:r>
+              <a:rPr lang="en-US" err="1">
+                <a:ea typeface="Calibri"/>
+                <a:cs typeface="Calibri"/>
+              </a:rPr>
+              <a:t>javascript</a:t>
+            </a:r>
+            <a:r>
+              <a:rPr lang="en-US">
+                <a:ea typeface="Calibri"/>
+                <a:cs typeface="Calibri"/>
+              </a:rPr>
+              <a:t> code in a webpage</a:t>
+            </a:r>
+          </a:p>
+          <a:p>
+            <a:endParaRPr lang="en-US">
+              <a:ea typeface="Calibri"/>
+              <a:cs typeface="Calibri"/>
+            </a:endParaRPr>
+          </a:p>
+          <a:p>
+            <a:r>
+              <a:rPr lang="en-US">
+                <a:ea typeface="Calibri"/>
+                <a:cs typeface="Calibri"/>
+              </a:rPr>
+              <a:t>Solution: &lt;script&gt;alert("We made an alert")&lt;/script&gt;</a:t>
+            </a:r>
+          </a:p>
+        </p:txBody>
+      </p:sp>
+      <p:sp>
+        <p:nvSpPr>
+          <p:cNvPr id="4" name="Slide Number Placeholder 3"/>
+          <p:cNvSpPr>
+            <a:spLocks noGrp="1"/>
+          </p:cNvSpPr>
+          <p:nvPr>
+            <p:ph type="sldNum" sz="quarter" idx="5"/>
+          </p:nvPr>
+        </p:nvSpPr>
+        <p:spPr/>
+        <p:txBody>
+          <a:bodyPr/>
+          <a:lstStyle/>
+          <a:p>
+            <a:fld id="{A3AD175B-9D4F-477E-BA2F-537557C3DD77}" type="slidenum">
+              <a:t>7</a:t>
+            </a:fld>
+            <a:endParaRPr lang="en-US"/>
+          </a:p>
+        </p:txBody>
+      </p:sp>
+    </p:spTree>
+    <p:extLst>
+      <p:ext uri="{BB962C8B-B14F-4D97-AF65-F5344CB8AC3E}">
+        <p14:creationId xmlns:p14="http://schemas.microsoft.com/office/powerpoint/2010/main" val="39394559"/>
+      </p:ext>
+    </p:extLst>
+  </p:cSld>
+  <p:clrMapOvr>
+    <a:masterClrMapping/>
+  </p:clrMapOvr>
+</p:notes>
+</file>
+
+<file path=ppt/notesSlides/notesSlide6.xml><?xml version="1.0" encoding="utf-8"?>
+<p:notes xmlns:a="http://schemas.openxmlformats.org/drawingml/2006/main" xmlns:r="http://schemas.openxmlformats.org/officeDocument/2006/relationships" xmlns:p="http://schemas.openxmlformats.org/presentationml/2006/main">
+  <p:cSld>
+    <p:spTree>
+      <p:nvGrpSpPr>
+        <p:cNvPr id="1" name=""/>
+        <p:cNvGrpSpPr/>
+        <p:nvPr/>
+      </p:nvGrpSpPr>
+      <p:grpSpPr>
+        <a:xfrm>
+          <a:off x="0" y="0"/>
+          <a:ext cx="0" cy="0"/>
+          <a:chOff x="0" y="0"/>
+          <a:chExt cx="0" cy="0"/>
+        </a:xfrm>
+      </p:grpSpPr>
+      <p:sp>
+        <p:nvSpPr>
+          <p:cNvPr id="2" name="Slide Image Placeholder 1"/>
+          <p:cNvSpPr>
+            <a:spLocks noGrp="1" noRot="1" noChangeAspect="1"/>
+          </p:cNvSpPr>
+          <p:nvPr>
+            <p:ph type="sldImg"/>
+          </p:nvPr>
+        </p:nvSpPr>
+        <p:spPr/>
+      </p:sp>
+      <p:sp>
+        <p:nvSpPr>
+          <p:cNvPr id="3" name="Notes Placeholder 2"/>
+          <p:cNvSpPr>
+            <a:spLocks noGrp="1"/>
+          </p:cNvSpPr>
+          <p:nvPr>
+            <p:ph type="body" idx="1"/>
+          </p:nvPr>
+        </p:nvSpPr>
+        <p:spPr/>
+        <p:txBody>
+          <a:bodyPr/>
+          <a:lstStyle/>
+          <a:p>
+            <a:r>
+              <a:rPr lang="en-US">
+                <a:ea typeface="Calibri"/>
+                <a:cs typeface="Calibri"/>
+              </a:rPr>
+              <a:t>Level 2 will be a bit tougher. Our solution from last problem isn't going to work on this one. (read prompt) </a:t>
+            </a:r>
+            <a:br>
+              <a:rPr lang="en-US">
+                <a:ea typeface="Calibri"/>
+                <a:cs typeface="Calibri"/>
+              </a:rPr>
+            </a:br>
+            <a:br>
+              <a:rPr lang="en-US">
+                <a:ea typeface="Calibri"/>
+                <a:cs typeface="Calibri"/>
+              </a:rPr>
+            </a:br>
+            <a:r>
+              <a:rPr lang="en-US">
+                <a:ea typeface="Calibri"/>
+                <a:cs typeface="Calibri"/>
+              </a:rPr>
+              <a:t>Execution sinks </a:t>
+            </a:r>
+            <a:br>
+              <a:rPr lang="en-US">
+                <a:ea typeface="Calibri"/>
+                <a:cs typeface="+mn-lt"/>
+              </a:rPr>
+            </a:br>
+            <a:br>
+              <a:rPr lang="en-US">
+                <a:ea typeface="Calibri"/>
+                <a:cs typeface="+mn-lt"/>
+              </a:rPr>
+            </a:br>
+            <a:r>
+              <a:rPr lang="en-US">
+                <a:ea typeface="Calibri"/>
+                <a:cs typeface="Calibri"/>
+              </a:rPr>
+              <a:t>Hint 1: You can see that the welcome message has HTML so simply typing &lt;script&gt; won't escape your posted status</a:t>
+            </a:r>
+          </a:p>
+          <a:p>
+            <a:r>
+              <a:rPr lang="en-US">
+                <a:ea typeface="Calibri"/>
+                <a:cs typeface="Calibri"/>
+              </a:rPr>
+              <a:t>Hint 2: Try a different </a:t>
+            </a:r>
+            <a:r>
+              <a:rPr lang="en-US" err="1">
+                <a:ea typeface="Calibri"/>
+                <a:cs typeface="Calibri"/>
+              </a:rPr>
+              <a:t>javascript</a:t>
+            </a:r>
+            <a:r>
+              <a:rPr lang="en-US">
+                <a:ea typeface="Calibri"/>
+                <a:cs typeface="Calibri"/>
+              </a:rPr>
+              <a:t> attribute, but which one?</a:t>
+            </a:r>
+            <a:br>
+              <a:rPr lang="en-US">
+                <a:ea typeface="Calibri"/>
+                <a:cs typeface="+mn-lt"/>
+              </a:rPr>
+            </a:br>
+            <a:r>
               <a:rPr lang="en-US"/>
-              <a:t>13</a:t>
+              <a:t>&lt;h1 style="</a:t>
+            </a:r>
+            <a:r>
+              <a:rPr lang="en-US" err="1"/>
+              <a:t>color:blue</a:t>
+            </a:r>
+            <a:r>
+              <a:rPr lang="en-US"/>
+              <a:t>;"&gt;This is a heading&lt;/h1&gt;</a:t>
+            </a:r>
+            <a:endParaRPr lang="en-US">
+              <a:ea typeface="Calibri"/>
+              <a:cs typeface="Calibri"/>
+            </a:endParaRPr>
+          </a:p>
+          <a:p>
+            <a:r>
+              <a:rPr lang="en-US">
+                <a:ea typeface="Calibri"/>
+                <a:cs typeface="Calibri"/>
+              </a:rPr>
+              <a:t>Hint 3: &lt;</a:t>
+            </a:r>
+            <a:r>
+              <a:rPr lang="en-US" err="1">
+                <a:ea typeface="Calibri"/>
+                <a:cs typeface="Calibri"/>
+              </a:rPr>
+              <a:t>img</a:t>
+            </a:r>
+            <a:r>
+              <a:rPr lang="en-US">
+                <a:ea typeface="Calibri"/>
+                <a:cs typeface="Calibri"/>
+              </a:rPr>
+              <a:t> </a:t>
+            </a:r>
+            <a:r>
+              <a:rPr lang="en-US" err="1">
+                <a:ea typeface="Calibri"/>
+                <a:cs typeface="Calibri"/>
+              </a:rPr>
+              <a:t>src</a:t>
+            </a:r>
+            <a:r>
+              <a:rPr lang="en-US">
+                <a:ea typeface="Calibri"/>
+                <a:cs typeface="Calibri"/>
+              </a:rPr>
+              <a:t>="", </a:t>
+            </a:r>
+            <a:r>
+              <a:rPr lang="en-US" err="1">
+                <a:ea typeface="Calibri"/>
+                <a:cs typeface="Calibri"/>
+              </a:rPr>
+              <a:t>onerror</a:t>
+            </a:r>
+            <a:r>
+              <a:rPr lang="en-US">
+                <a:ea typeface="Calibri"/>
+                <a:cs typeface="Calibri"/>
+              </a:rPr>
+              <a:t>=""&gt;</a:t>
+            </a:r>
+          </a:p>
+          <a:p>
+            <a:endParaRPr lang="en-US">
+              <a:ea typeface="Calibri"/>
+              <a:cs typeface="Calibri"/>
+            </a:endParaRPr>
+          </a:p>
+          <a:p>
+            <a:r>
+              <a:rPr lang="en-US">
+                <a:ea typeface="Calibri"/>
+                <a:cs typeface="Calibri"/>
+              </a:rPr>
+              <a:t>Solution: </a:t>
+            </a:r>
+            <a:r>
+              <a:rPr lang="en-US"/>
+              <a:t>&lt;</a:t>
+            </a:r>
+            <a:r>
+              <a:rPr lang="en-US" err="1"/>
+              <a:t>img</a:t>
+            </a:r>
+            <a:r>
+              <a:rPr lang="en-US"/>
+              <a:t> </a:t>
+            </a:r>
+            <a:r>
+              <a:rPr lang="en-US" err="1"/>
+              <a:t>src</a:t>
+            </a:r>
+            <a:r>
+              <a:rPr lang="en-US"/>
+              <a:t>="image.gif" </a:t>
+            </a:r>
+            <a:r>
+              <a:rPr lang="en-US" err="1"/>
+              <a:t>onerror</a:t>
+            </a:r>
+            <a:r>
+              <a:rPr lang="en-US"/>
+              <a:t>="alert()"&gt;</a:t>
+            </a:r>
+            <a:endParaRPr lang="en-US">
+              <a:ea typeface="Calibri"/>
+              <a:cs typeface="Calibri"/>
+            </a:endParaRPr>
+          </a:p>
+          <a:p>
+            <a:endParaRPr lang="en-US">
+              <a:ea typeface="Calibri"/>
+              <a:cs typeface="Calibri"/>
+            </a:endParaRPr>
+          </a:p>
+        </p:txBody>
+      </p:sp>
+      <p:sp>
+        <p:nvSpPr>
+          <p:cNvPr id="4" name="Slide Number Placeholder 3"/>
+          <p:cNvSpPr>
+            <a:spLocks noGrp="1"/>
+          </p:cNvSpPr>
+          <p:nvPr>
+            <p:ph type="sldNum" sz="quarter" idx="5"/>
+          </p:nvPr>
+        </p:nvSpPr>
+        <p:spPr/>
+        <p:txBody>
+          <a:bodyPr/>
+          <a:lstStyle/>
+          <a:p>
+            <a:fld id="{A3AD175B-9D4F-477E-BA2F-537557C3DD77}" type="slidenum">
+              <a:t>8</a:t>
+            </a:fld>
+            <a:endParaRPr lang="en-US"/>
+          </a:p>
+        </p:txBody>
+      </p:sp>
+    </p:spTree>
+    <p:extLst>
+      <p:ext uri="{BB962C8B-B14F-4D97-AF65-F5344CB8AC3E}">
+        <p14:creationId xmlns:p14="http://schemas.microsoft.com/office/powerpoint/2010/main" val="3484142675"/>
+      </p:ext>
+    </p:extLst>
+  </p:cSld>
+  <p:clrMapOvr>
+    <a:masterClrMapping/>
+  </p:clrMapOvr>
+</p:notes>
+</file>
+
+<file path=ppt/notesSlides/notesSlide7.xml><?xml version="1.0" encoding="utf-8"?>
+<p:notes xmlns:a="http://schemas.openxmlformats.org/drawingml/2006/main" xmlns:r="http://schemas.openxmlformats.org/officeDocument/2006/relationships" xmlns:p="http://schemas.openxmlformats.org/presentationml/2006/main">
+  <p:cSld>
+    <p:spTree>
+      <p:nvGrpSpPr>
+        <p:cNvPr id="1" name=""/>
+        <p:cNvGrpSpPr/>
+        <p:nvPr/>
+      </p:nvGrpSpPr>
+      <p:grpSpPr>
+        <a:xfrm>
+          <a:off x="0" y="0"/>
+          <a:ext cx="0" cy="0"/>
+          <a:chOff x="0" y="0"/>
+          <a:chExt cx="0" cy="0"/>
+        </a:xfrm>
+      </p:grpSpPr>
+      <p:sp>
+        <p:nvSpPr>
+          <p:cNvPr id="2" name="Slide Image Placeholder 1"/>
+          <p:cNvSpPr>
+            <a:spLocks noGrp="1" noRot="1" noChangeAspect="1"/>
+          </p:cNvSpPr>
+          <p:nvPr>
+            <p:ph type="sldImg"/>
+          </p:nvPr>
+        </p:nvSpPr>
+        <p:spPr/>
+      </p:sp>
+      <p:sp>
+        <p:nvSpPr>
+          <p:cNvPr id="3" name="Notes Placeholder 2"/>
+          <p:cNvSpPr>
+            <a:spLocks noGrp="1"/>
+          </p:cNvSpPr>
+          <p:nvPr>
+            <p:ph type="body" idx="1"/>
+          </p:nvPr>
+        </p:nvSpPr>
+        <p:spPr/>
+        <p:txBody>
+          <a:bodyPr/>
+          <a:lstStyle/>
+          <a:p>
+            <a:r>
+              <a:rPr lang="en-US"/>
+              <a:t>Level 3 is going a level further into execution sinks. </a:t>
+            </a:r>
+          </a:p>
+          <a:p>
+            <a:br>
+              <a:rPr lang="en-US">
+                <a:cs typeface="+mn-lt"/>
+              </a:rPr>
+            </a:br>
+            <a:r>
+              <a:rPr lang="en-US"/>
+              <a:t>Hint 1: </a:t>
+            </a:r>
+            <a:r>
+              <a:rPr lang="en-US" err="1"/>
+              <a:t>window.location</a:t>
+            </a:r>
+            <a:r>
+              <a:rPr lang="en-US"/>
+              <a:t> can be manipulated</a:t>
+            </a:r>
+            <a:endParaRPr lang="en-US">
+              <a:ea typeface="Calibri"/>
+              <a:cs typeface="Calibri"/>
+            </a:endParaRPr>
+          </a:p>
+          <a:p>
+            <a:r>
+              <a:rPr lang="en-US"/>
+              <a:t>Hint 2: How you sneak in your malicious code now that we've identified the vulnerability?</a:t>
+            </a:r>
+            <a:endParaRPr lang="en-US">
+              <a:ea typeface="Calibri"/>
+              <a:cs typeface="Calibri"/>
+            </a:endParaRPr>
+          </a:p>
+          <a:p>
+            <a:r>
+              <a:rPr lang="en-US">
+                <a:ea typeface="Calibri"/>
+                <a:cs typeface="Calibri"/>
+              </a:rPr>
+              <a:t>Ctrl f for alert() when typing in url</a:t>
+            </a:r>
+          </a:p>
+          <a:p>
+            <a:endParaRPr lang="en-US"/>
+          </a:p>
+          <a:p>
+            <a:r>
+              <a:rPr lang="en-US"/>
+              <a:t>Solution: ' </a:t>
+            </a:r>
+            <a:r>
+              <a:rPr lang="en-US" err="1"/>
+              <a:t>onerror</a:t>
+            </a:r>
+            <a:r>
+              <a:rPr lang="en-US"/>
+              <a:t>="alert()"&gt; The key is the apostrophe breaks you out of the </a:t>
+            </a:r>
+            <a:r>
+              <a:rPr lang="en-US" err="1"/>
+              <a:t>src</a:t>
+            </a:r>
+            <a:r>
+              <a:rPr lang="en-US"/>
+              <a:t> attribute, allowing you to input your own script.</a:t>
+            </a:r>
+            <a:endParaRPr lang="en-US">
+              <a:ea typeface="Calibri"/>
+              <a:cs typeface="Calibri"/>
+            </a:endParaRPr>
+          </a:p>
+        </p:txBody>
+      </p:sp>
+      <p:sp>
+        <p:nvSpPr>
+          <p:cNvPr id="4" name="Slide Number Placeholder 3"/>
+          <p:cNvSpPr>
+            <a:spLocks noGrp="1"/>
+          </p:cNvSpPr>
+          <p:nvPr>
+            <p:ph type="sldNum" sz="quarter" idx="5"/>
+          </p:nvPr>
+        </p:nvSpPr>
+        <p:spPr/>
+        <p:txBody>
+          <a:bodyPr/>
+          <a:lstStyle/>
+          <a:p>
+            <a:fld id="{A3AD175B-9D4F-477E-BA2F-537557C3DD77}" type="slidenum">
+              <a:rPr lang="en-US"/>
+              <a:t>9</a:t>
             </a:fld>
             <a:endParaRPr lang="en-US"/>
           </a:p>
@@ -1990,7 +2397,7 @@
           <a:p>
             <a:fld id="{2E4CB86E-2CCC-46A0-9B4A-DCFB23CBA353}" type="datetimeFigureOut">
               <a:rPr lang="en-US" smtClean="0"/>
-              <a:t>3/17/2025</a:t>
+              <a:t>3/25/2025</a:t>
             </a:fld>
             <a:endParaRPr lang="en-US"/>
           </a:p>
@@ -2188,7 +2595,7 @@
           <a:p>
             <a:fld id="{2E4CB86E-2CCC-46A0-9B4A-DCFB23CBA353}" type="datetimeFigureOut">
               <a:rPr lang="en-US" smtClean="0"/>
-              <a:t>3/17/2025</a:t>
+              <a:t>3/25/2025</a:t>
             </a:fld>
             <a:endParaRPr lang="en-US"/>
           </a:p>
@@ -2396,7 +2803,7 @@
           <a:p>
             <a:fld id="{2E4CB86E-2CCC-46A0-9B4A-DCFB23CBA353}" type="datetimeFigureOut">
               <a:rPr lang="en-US" smtClean="0"/>
-              <a:t>3/17/2025</a:t>
+              <a:t>3/25/2025</a:t>
             </a:fld>
             <a:endParaRPr lang="en-US"/>
           </a:p>
@@ -2594,7 +3001,7 @@
           <a:p>
             <a:fld id="{2E4CB86E-2CCC-46A0-9B4A-DCFB23CBA353}" type="datetimeFigureOut">
               <a:rPr lang="en-US" smtClean="0"/>
-              <a:t>3/17/2025</a:t>
+              <a:t>3/25/2025</a:t>
             </a:fld>
             <a:endParaRPr lang="en-US"/>
           </a:p>
@@ -2869,7 +3276,7 @@
           <a:p>
             <a:fld id="{2E4CB86E-2CCC-46A0-9B4A-DCFB23CBA353}" type="datetimeFigureOut">
               <a:rPr lang="en-US" smtClean="0"/>
-              <a:t>3/17/2025</a:t>
+              <a:t>3/25/2025</a:t>
             </a:fld>
             <a:endParaRPr lang="en-US"/>
           </a:p>
@@ -3134,7 +3541,7 @@
           <a:p>
             <a:fld id="{2E4CB86E-2CCC-46A0-9B4A-DCFB23CBA353}" type="datetimeFigureOut">
               <a:rPr lang="en-US" smtClean="0"/>
-              <a:t>3/17/2025</a:t>
+              <a:t>3/25/2025</a:t>
             </a:fld>
             <a:endParaRPr lang="en-US"/>
           </a:p>
@@ -3546,7 +3953,7 @@
           <a:p>
             <a:fld id="{2E4CB86E-2CCC-46A0-9B4A-DCFB23CBA353}" type="datetimeFigureOut">
               <a:rPr lang="en-US" smtClean="0"/>
-              <a:t>3/17/2025</a:t>
+              <a:t>3/25/2025</a:t>
             </a:fld>
             <a:endParaRPr lang="en-US"/>
           </a:p>
@@ -3687,7 +4094,7 @@
           <a:p>
             <a:fld id="{2E4CB86E-2CCC-46A0-9B4A-DCFB23CBA353}" type="datetimeFigureOut">
               <a:rPr lang="en-US" smtClean="0"/>
-              <a:t>3/17/2025</a:t>
+              <a:t>3/25/2025</a:t>
             </a:fld>
             <a:endParaRPr lang="en-US"/>
           </a:p>
@@ -3800,7 +4207,7 @@
           <a:p>
             <a:fld id="{2E4CB86E-2CCC-46A0-9B4A-DCFB23CBA353}" type="datetimeFigureOut">
               <a:rPr lang="en-US" smtClean="0"/>
-              <a:t>3/17/2025</a:t>
+              <a:t>3/25/2025</a:t>
             </a:fld>
             <a:endParaRPr lang="en-US"/>
           </a:p>
@@ -4111,7 +4518,7 @@
           <a:p>
             <a:fld id="{2E4CB86E-2CCC-46A0-9B4A-DCFB23CBA353}" type="datetimeFigureOut">
               <a:rPr lang="en-US" smtClean="0"/>
-              <a:t>3/17/2025</a:t>
+              <a:t>3/25/2025</a:t>
             </a:fld>
             <a:endParaRPr lang="en-US"/>
           </a:p>
@@ -4399,7 +4806,7 @@
           <a:p>
             <a:fld id="{2E4CB86E-2CCC-46A0-9B4A-DCFB23CBA353}" type="datetimeFigureOut">
               <a:rPr lang="en-US" smtClean="0"/>
-              <a:t>3/17/2025</a:t>
+              <a:t>3/25/2025</a:t>
             </a:fld>
             <a:endParaRPr lang="en-US"/>
           </a:p>
@@ -4640,7 +5047,7 @@
           <a:p>
             <a:fld id="{2E4CB86E-2CCC-46A0-9B4A-DCFB23CBA353}" type="datetimeFigureOut">
               <a:rPr lang="en-US" smtClean="0"/>
-              <a:t>3/17/2025</a:t>
+              <a:t>3/25/2025</a:t>
             </a:fld>
             <a:endParaRPr lang="en-US"/>
           </a:p>
@@ -5218,7 +5625,7 @@
           <a:p>
             <a:pPr algn="l"/>
             <a:r>
-              <a:rPr lang="en-US" sz="4000" dirty="0">
+              <a:rPr lang="en-US" sz="4000">
                 <a:solidFill>
                   <a:schemeClr val="tx2"/>
                 </a:solidFill>
@@ -5258,7 +5665,7 @@
           <a:p>
             <a:pPr algn="l"/>
             <a:r>
-              <a:rPr lang="en-US" sz="2000" dirty="0">
+              <a:rPr lang="en-US" sz="2000">
                 <a:solidFill>
                   <a:schemeClr val="tx2"/>
                 </a:solidFill>
@@ -5266,7 +5673,7 @@
               <a:t>Please be careful if you run malware </a:t>
             </a:r>
             <a:r>
-              <a:rPr lang="en-US" sz="2000" dirty="0">
+              <a:rPr lang="en-US" sz="2000">
                 <a:solidFill>
                   <a:schemeClr val="tx2"/>
                 </a:solidFill>
@@ -5274,7 +5681,7 @@
               </a:rPr>
               <a:t></a:t>
             </a:r>
-            <a:endParaRPr lang="en-US" sz="2000" dirty="0">
+            <a:endParaRPr lang="en-US" sz="2000">
               <a:solidFill>
                 <a:schemeClr val="tx2"/>
               </a:solidFill>
@@ -5297,13 +5704,13 @@
           <p:nvPr/>
         </p:nvPicPr>
         <p:blipFill>
-          <a:blip r:embed="rId2">
+          <a:blip r:embed="rId3">
             <a:extLst>
               <a:ext uri="{28A0092B-C50C-407E-A947-70E740481C1C}">
                 <a14:useLocalDpi xmlns:a14="http://schemas.microsoft.com/office/drawing/2010/main" val="0"/>
               </a:ext>
               <a:ext uri="{96DAC541-7B7A-43D3-8B79-37D633B846F1}">
-                <asvg:svgBlip xmlns:asvg="http://schemas.microsoft.com/office/drawing/2016/SVG/main" r:embed="rId3"/>
+                <asvg:svgBlip xmlns:asvg="http://schemas.microsoft.com/office/drawing/2016/SVG/main" r:embed="rId4"/>
               </a:ext>
             </a:extLst>
           </a:blip>
@@ -6010,7 +6417,7 @@
             <a:lstStyle/>
             <a:p>
               <a:pPr algn="ctr"/>
-              <a:endParaRPr lang="en-US" dirty="0"/>
+              <a:endParaRPr lang="en-US"/>
             </a:p>
           </p:txBody>
         </p:sp>
@@ -6703,7 +7110,7 @@
             <a:lstStyle/>
             <a:p>
               <a:pPr algn="ctr"/>
-              <a:endParaRPr lang="en-US" dirty="0"/>
+              <a:endParaRPr lang="en-US"/>
             </a:p>
           </p:txBody>
         </p:sp>
@@ -7396,7 +7803,7 @@
             <a:lstStyle/>
             <a:p>
               <a:pPr algn="ctr"/>
-              <a:endParaRPr lang="en-US" dirty="0"/>
+              <a:endParaRPr lang="en-US"/>
             </a:p>
           </p:txBody>
         </p:sp>
@@ -7415,614 +7822,6 @@
 </file>
 
 <file path=ppt/slides/slide10.xml><?xml version="1.0" encoding="utf-8"?>
-<p:sld xmlns:a="http://schemas.openxmlformats.org/drawingml/2006/main" xmlns:r="http://schemas.openxmlformats.org/officeDocument/2006/relationships" xmlns:p="http://schemas.openxmlformats.org/presentationml/2006/main">
-  <p:cSld>
-    <p:spTree>
-      <p:nvGrpSpPr>
-        <p:cNvPr id="1" name=""/>
-        <p:cNvGrpSpPr/>
-        <p:nvPr/>
-      </p:nvGrpSpPr>
-      <p:grpSpPr>
-        <a:xfrm>
-          <a:off x="0" y="0"/>
-          <a:ext cx="0" cy="0"/>
-          <a:chOff x="0" y="0"/>
-          <a:chExt cx="0" cy="0"/>
-        </a:xfrm>
-      </p:grpSpPr>
-      <p:sp>
-        <p:nvSpPr>
-          <p:cNvPr id="2" name="Title 1">
-            <a:extLst>
-              <a:ext uri="{FF2B5EF4-FFF2-40B4-BE49-F238E27FC236}">
-                <a16:creationId xmlns:a16="http://schemas.microsoft.com/office/drawing/2014/main" id="{A5918626-EF3A-E046-3C95-E2F226FEDB18}"/>
-              </a:ext>
-            </a:extLst>
-          </p:cNvPr>
-          <p:cNvSpPr>
-            <a:spLocks noGrp="1"/>
-          </p:cNvSpPr>
-          <p:nvPr>
-            <p:ph type="ctrTitle"/>
-          </p:nvPr>
-        </p:nvSpPr>
-        <p:spPr/>
-        <p:txBody>
-          <a:bodyPr/>
-          <a:lstStyle/>
-          <a:p>
-            <a:r>
-              <a:rPr lang="en-US"/>
-              <a:t>XSS</a:t>
-            </a:r>
-          </a:p>
-        </p:txBody>
-      </p:sp>
-      <p:sp>
-        <p:nvSpPr>
-          <p:cNvPr id="3" name="Subtitle 2">
-            <a:extLst>
-              <a:ext uri="{FF2B5EF4-FFF2-40B4-BE49-F238E27FC236}">
-                <a16:creationId xmlns:a16="http://schemas.microsoft.com/office/drawing/2014/main" id="{39895282-8A90-5D28-250E-9AB0A2998D52}"/>
-              </a:ext>
-            </a:extLst>
-          </p:cNvPr>
-          <p:cNvSpPr>
-            <a:spLocks noGrp="1"/>
-          </p:cNvSpPr>
-          <p:nvPr>
-            <p:ph type="subTitle" idx="1"/>
-          </p:nvPr>
-        </p:nvSpPr>
-        <p:spPr/>
-        <p:txBody>
-          <a:bodyPr vert="horz" lIns="91440" tIns="45720" rIns="91440" bIns="45720" rtlCol="0" anchor="t">
-            <a:normAutofit/>
-          </a:bodyPr>
-          <a:lstStyle/>
-          <a:p>
-            <a:r>
-              <a:rPr lang="en-US" dirty="0">
-                <a:ea typeface="+mn-lt"/>
-                <a:cs typeface="+mn-lt"/>
-                <a:hlinkClick r:id="rId3"/>
-              </a:rPr>
-              <a:t>https://xss-game.appspot.com/</a:t>
-            </a:r>
-            <a:r>
-              <a:rPr lang="en-US" dirty="0">
-                <a:ea typeface="+mn-lt"/>
-                <a:cs typeface="+mn-lt"/>
-              </a:rPr>
-              <a:t> </a:t>
-            </a:r>
-            <a:endParaRPr lang="en-US" dirty="0"/>
-          </a:p>
-          <a:p>
-            <a:endParaRPr lang="en-US" dirty="0"/>
-          </a:p>
-          <a:p>
-            <a:endParaRPr lang="en-US"/>
-          </a:p>
-        </p:txBody>
-      </p:sp>
-    </p:spTree>
-    <p:extLst>
-      <p:ext uri="{BB962C8B-B14F-4D97-AF65-F5344CB8AC3E}">
-        <p14:creationId xmlns:p14="http://schemas.microsoft.com/office/powerpoint/2010/main" val="2752528023"/>
-      </p:ext>
-    </p:extLst>
-  </p:cSld>
-  <p:clrMapOvr>
-    <a:masterClrMapping/>
-  </p:clrMapOvr>
-</p:sld>
-</file>
-
-<file path=ppt/slides/slide11.xml><?xml version="1.0" encoding="utf-8"?>
-<p:sld xmlns:a="http://schemas.openxmlformats.org/drawingml/2006/main" xmlns:r="http://schemas.openxmlformats.org/officeDocument/2006/relationships" xmlns:p="http://schemas.openxmlformats.org/presentationml/2006/main">
-  <p:cSld>
-    <p:spTree>
-      <p:nvGrpSpPr>
-        <p:cNvPr id="1" name=""/>
-        <p:cNvGrpSpPr/>
-        <p:nvPr/>
-      </p:nvGrpSpPr>
-      <p:grpSpPr>
-        <a:xfrm>
-          <a:off x="0" y="0"/>
-          <a:ext cx="0" cy="0"/>
-          <a:chOff x="0" y="0"/>
-          <a:chExt cx="0" cy="0"/>
-        </a:xfrm>
-      </p:grpSpPr>
-      <p:sp>
-        <p:nvSpPr>
-          <p:cNvPr id="2" name="Title 1">
-            <a:extLst>
-              <a:ext uri="{FF2B5EF4-FFF2-40B4-BE49-F238E27FC236}">
-                <a16:creationId xmlns:a16="http://schemas.microsoft.com/office/drawing/2014/main" id="{93612BF9-B276-ED92-58A9-1F4A9236E054}"/>
-              </a:ext>
-            </a:extLst>
-          </p:cNvPr>
-          <p:cNvSpPr>
-            <a:spLocks noGrp="1"/>
-          </p:cNvSpPr>
-          <p:nvPr>
-            <p:ph type="title"/>
-          </p:nvPr>
-        </p:nvSpPr>
-        <p:spPr/>
-        <p:txBody>
-          <a:bodyPr/>
-          <a:lstStyle/>
-          <a:p>
-            <a:r>
-              <a:rPr lang="en-US"/>
-              <a:t>Level 1</a:t>
-            </a:r>
-          </a:p>
-        </p:txBody>
-      </p:sp>
-      <p:pic>
-        <p:nvPicPr>
-          <p:cNvPr id="4" name="Content Placeholder 3">
-            <a:extLst>
-              <a:ext uri="{FF2B5EF4-FFF2-40B4-BE49-F238E27FC236}">
-                <a16:creationId xmlns:a16="http://schemas.microsoft.com/office/drawing/2014/main" id="{A2E22021-532B-94FF-C85C-58EFE77B6EFC}"/>
-              </a:ext>
-            </a:extLst>
-          </p:cNvPr>
-          <p:cNvPicPr>
-            <a:picLocks noGrp="1" noChangeAspect="1"/>
-          </p:cNvPicPr>
-          <p:nvPr>
-            <p:ph idx="1"/>
-          </p:nvPr>
-        </p:nvPicPr>
-        <p:blipFill>
-          <a:blip r:embed="rId3"/>
-          <a:stretch>
-            <a:fillRect/>
-          </a:stretch>
-        </p:blipFill>
-        <p:spPr>
-          <a:xfrm>
-            <a:off x="672576" y="2303948"/>
-            <a:ext cx="7029450" cy="790575"/>
-          </a:xfrm>
-        </p:spPr>
-      </p:pic>
-    </p:spTree>
-    <p:extLst>
-      <p:ext uri="{BB962C8B-B14F-4D97-AF65-F5344CB8AC3E}">
-        <p14:creationId xmlns:p14="http://schemas.microsoft.com/office/powerpoint/2010/main" val="1117155002"/>
-      </p:ext>
-    </p:extLst>
-  </p:cSld>
-  <p:clrMapOvr>
-    <a:masterClrMapping/>
-  </p:clrMapOvr>
-</p:sld>
-</file>
-
-<file path=ppt/slides/slide12.xml><?xml version="1.0" encoding="utf-8"?>
-<p:sld xmlns:a="http://schemas.openxmlformats.org/drawingml/2006/main" xmlns:r="http://schemas.openxmlformats.org/officeDocument/2006/relationships" xmlns:p="http://schemas.openxmlformats.org/presentationml/2006/main">
-  <p:cSld>
-    <p:spTree>
-      <p:nvGrpSpPr>
-        <p:cNvPr id="1" name=""/>
-        <p:cNvGrpSpPr/>
-        <p:nvPr/>
-      </p:nvGrpSpPr>
-      <p:grpSpPr>
-        <a:xfrm>
-          <a:off x="0" y="0"/>
-          <a:ext cx="0" cy="0"/>
-          <a:chOff x="0" y="0"/>
-          <a:chExt cx="0" cy="0"/>
-        </a:xfrm>
-      </p:grpSpPr>
-      <p:sp>
-        <p:nvSpPr>
-          <p:cNvPr id="2" name="Title 1">
-            <a:extLst>
-              <a:ext uri="{FF2B5EF4-FFF2-40B4-BE49-F238E27FC236}">
-                <a16:creationId xmlns:a16="http://schemas.microsoft.com/office/drawing/2014/main" id="{F6F90FE8-0148-8DD8-93A7-D9AD190B8D61}"/>
-              </a:ext>
-            </a:extLst>
-          </p:cNvPr>
-          <p:cNvSpPr>
-            <a:spLocks noGrp="1"/>
-          </p:cNvSpPr>
-          <p:nvPr>
-            <p:ph type="title"/>
-          </p:nvPr>
-        </p:nvSpPr>
-        <p:spPr/>
-        <p:txBody>
-          <a:bodyPr/>
-          <a:lstStyle/>
-          <a:p>
-            <a:r>
-              <a:rPr lang="en-US"/>
-              <a:t>Level 2</a:t>
-            </a:r>
-          </a:p>
-        </p:txBody>
-      </p:sp>
-      <p:sp>
-        <p:nvSpPr>
-          <p:cNvPr id="3" name="Content Placeholder 2">
-            <a:extLst>
-              <a:ext uri="{FF2B5EF4-FFF2-40B4-BE49-F238E27FC236}">
-                <a16:creationId xmlns:a16="http://schemas.microsoft.com/office/drawing/2014/main" id="{3B2AA6D7-6CBB-D6BD-3F21-EB114A380A9C}"/>
-              </a:ext>
-            </a:extLst>
-          </p:cNvPr>
-          <p:cNvSpPr>
-            <a:spLocks noGrp="1"/>
-          </p:cNvSpPr>
-          <p:nvPr>
-            <p:ph idx="1"/>
-          </p:nvPr>
-        </p:nvSpPr>
-        <p:spPr/>
-        <p:txBody>
-          <a:bodyPr/>
-          <a:lstStyle/>
-          <a:p>
-            <a:endParaRPr lang="en-US"/>
-          </a:p>
-        </p:txBody>
-      </p:sp>
-    </p:spTree>
-    <p:extLst>
-      <p:ext uri="{BB962C8B-B14F-4D97-AF65-F5344CB8AC3E}">
-        <p14:creationId xmlns:p14="http://schemas.microsoft.com/office/powerpoint/2010/main" val="172783545"/>
-      </p:ext>
-    </p:extLst>
-  </p:cSld>
-  <p:clrMapOvr>
-    <a:masterClrMapping/>
-  </p:clrMapOvr>
-</p:sld>
-</file>
-
-<file path=ppt/slides/slide13.xml><?xml version="1.0" encoding="utf-8"?>
-<p:sld xmlns:a="http://schemas.openxmlformats.org/drawingml/2006/main" xmlns:r="http://schemas.openxmlformats.org/officeDocument/2006/relationships" xmlns:p="http://schemas.openxmlformats.org/presentationml/2006/main">
-  <p:cSld>
-    <p:spTree>
-      <p:nvGrpSpPr>
-        <p:cNvPr id="1" name=""/>
-        <p:cNvGrpSpPr/>
-        <p:nvPr/>
-      </p:nvGrpSpPr>
-      <p:grpSpPr>
-        <a:xfrm>
-          <a:off x="0" y="0"/>
-          <a:ext cx="0" cy="0"/>
-          <a:chOff x="0" y="0"/>
-          <a:chExt cx="0" cy="0"/>
-        </a:xfrm>
-      </p:grpSpPr>
-      <p:sp>
-        <p:nvSpPr>
-          <p:cNvPr id="2" name="Title 1">
-            <a:extLst>
-              <a:ext uri="{FF2B5EF4-FFF2-40B4-BE49-F238E27FC236}">
-                <a16:creationId xmlns:a16="http://schemas.microsoft.com/office/drawing/2014/main" id="{63F65449-F4DF-022E-B6BD-6917E15DE0E0}"/>
-              </a:ext>
-            </a:extLst>
-          </p:cNvPr>
-          <p:cNvSpPr>
-            <a:spLocks noGrp="1"/>
-          </p:cNvSpPr>
-          <p:nvPr>
-            <p:ph type="title"/>
-          </p:nvPr>
-        </p:nvSpPr>
-        <p:spPr/>
-        <p:txBody>
-          <a:bodyPr/>
-          <a:lstStyle/>
-          <a:p>
-            <a:r>
-              <a:rPr lang="en-US"/>
-              <a:t>Level 3</a:t>
-            </a:r>
-          </a:p>
-        </p:txBody>
-      </p:sp>
-      <p:sp>
-        <p:nvSpPr>
-          <p:cNvPr id="3" name="Content Placeholder 2">
-            <a:extLst>
-              <a:ext uri="{FF2B5EF4-FFF2-40B4-BE49-F238E27FC236}">
-                <a16:creationId xmlns:a16="http://schemas.microsoft.com/office/drawing/2014/main" id="{9C3BE6AB-2A6F-AF85-445F-3D5CBBBBA2DF}"/>
-              </a:ext>
-            </a:extLst>
-          </p:cNvPr>
-          <p:cNvSpPr>
-            <a:spLocks noGrp="1"/>
-          </p:cNvSpPr>
-          <p:nvPr>
-            <p:ph idx="1"/>
-          </p:nvPr>
-        </p:nvSpPr>
-        <p:spPr/>
-        <p:txBody>
-          <a:bodyPr/>
-          <a:lstStyle/>
-          <a:p>
-            <a:endParaRPr lang="en-US"/>
-          </a:p>
-        </p:txBody>
-      </p:sp>
-    </p:spTree>
-    <p:extLst>
-      <p:ext uri="{BB962C8B-B14F-4D97-AF65-F5344CB8AC3E}">
-        <p14:creationId xmlns:p14="http://schemas.microsoft.com/office/powerpoint/2010/main" val="4268275556"/>
-      </p:ext>
-    </p:extLst>
-  </p:cSld>
-  <p:clrMapOvr>
-    <a:masterClrMapping/>
-  </p:clrMapOvr>
-</p:sld>
-</file>
-
-<file path=ppt/slides/slide14.xml><?xml version="1.0" encoding="utf-8"?>
-<p:sld xmlns:a="http://schemas.openxmlformats.org/drawingml/2006/main" xmlns:r="http://schemas.openxmlformats.org/officeDocument/2006/relationships" xmlns:p="http://schemas.openxmlformats.org/presentationml/2006/main">
-  <p:cSld>
-    <p:spTree>
-      <p:nvGrpSpPr>
-        <p:cNvPr id="1" name=""/>
-        <p:cNvGrpSpPr/>
-        <p:nvPr/>
-      </p:nvGrpSpPr>
-      <p:grpSpPr>
-        <a:xfrm>
-          <a:off x="0" y="0"/>
-          <a:ext cx="0" cy="0"/>
-          <a:chOff x="0" y="0"/>
-          <a:chExt cx="0" cy="0"/>
-        </a:xfrm>
-      </p:grpSpPr>
-      <p:sp>
-        <p:nvSpPr>
-          <p:cNvPr id="2" name="Title 1">
-            <a:extLst>
-              <a:ext uri="{FF2B5EF4-FFF2-40B4-BE49-F238E27FC236}">
-                <a16:creationId xmlns:a16="http://schemas.microsoft.com/office/drawing/2014/main" id="{18601794-0444-99A8-4D0D-F7EB44E86091}"/>
-              </a:ext>
-            </a:extLst>
-          </p:cNvPr>
-          <p:cNvSpPr>
-            <a:spLocks noGrp="1"/>
-          </p:cNvSpPr>
-          <p:nvPr>
-            <p:ph type="title"/>
-          </p:nvPr>
-        </p:nvSpPr>
-        <p:spPr/>
-        <p:txBody>
-          <a:bodyPr/>
-          <a:lstStyle/>
-          <a:p>
-            <a:r>
-              <a:rPr lang="en-US"/>
-              <a:t>Level 4</a:t>
-            </a:r>
-          </a:p>
-        </p:txBody>
-      </p:sp>
-      <p:sp>
-        <p:nvSpPr>
-          <p:cNvPr id="3" name="Content Placeholder 2">
-            <a:extLst>
-              <a:ext uri="{FF2B5EF4-FFF2-40B4-BE49-F238E27FC236}">
-                <a16:creationId xmlns:a16="http://schemas.microsoft.com/office/drawing/2014/main" id="{C24D26C4-0FF6-458A-AA98-556232B3E21B}"/>
-              </a:ext>
-            </a:extLst>
-          </p:cNvPr>
-          <p:cNvSpPr>
-            <a:spLocks noGrp="1"/>
-          </p:cNvSpPr>
-          <p:nvPr>
-            <p:ph idx="1"/>
-          </p:nvPr>
-        </p:nvSpPr>
-        <p:spPr/>
-        <p:txBody>
-          <a:bodyPr/>
-          <a:lstStyle/>
-          <a:p>
-            <a:endParaRPr lang="en-US"/>
-          </a:p>
-        </p:txBody>
-      </p:sp>
-    </p:spTree>
-    <p:extLst>
-      <p:ext uri="{BB962C8B-B14F-4D97-AF65-F5344CB8AC3E}">
-        <p14:creationId xmlns:p14="http://schemas.microsoft.com/office/powerpoint/2010/main" val="3590882102"/>
-      </p:ext>
-    </p:extLst>
-  </p:cSld>
-  <p:clrMapOvr>
-    <a:masterClrMapping/>
-  </p:clrMapOvr>
-</p:sld>
-</file>
-
-<file path=ppt/slides/slide15.xml><?xml version="1.0" encoding="utf-8"?>
-<p:sld xmlns:a="http://schemas.openxmlformats.org/drawingml/2006/main" xmlns:r="http://schemas.openxmlformats.org/officeDocument/2006/relationships" xmlns:p="http://schemas.openxmlformats.org/presentationml/2006/main">
-  <p:cSld>
-    <p:spTree>
-      <p:nvGrpSpPr>
-        <p:cNvPr id="1" name=""/>
-        <p:cNvGrpSpPr/>
-        <p:nvPr/>
-      </p:nvGrpSpPr>
-      <p:grpSpPr>
-        <a:xfrm>
-          <a:off x="0" y="0"/>
-          <a:ext cx="0" cy="0"/>
-          <a:chOff x="0" y="0"/>
-          <a:chExt cx="0" cy="0"/>
-        </a:xfrm>
-      </p:grpSpPr>
-      <p:sp>
-        <p:nvSpPr>
-          <p:cNvPr id="2" name="Title 1">
-            <a:extLst>
-              <a:ext uri="{FF2B5EF4-FFF2-40B4-BE49-F238E27FC236}">
-                <a16:creationId xmlns:a16="http://schemas.microsoft.com/office/drawing/2014/main" id="{1A7B3871-6F03-130D-714B-A4C5567F1A0C}"/>
-              </a:ext>
-            </a:extLst>
-          </p:cNvPr>
-          <p:cNvSpPr>
-            <a:spLocks noGrp="1"/>
-          </p:cNvSpPr>
-          <p:nvPr>
-            <p:ph type="title"/>
-          </p:nvPr>
-        </p:nvSpPr>
-        <p:spPr/>
-        <p:txBody>
-          <a:bodyPr/>
-          <a:lstStyle/>
-          <a:p>
-            <a:r>
-              <a:rPr lang="en-US"/>
-              <a:t>Level 5</a:t>
-            </a:r>
-          </a:p>
-        </p:txBody>
-      </p:sp>
-      <p:sp>
-        <p:nvSpPr>
-          <p:cNvPr id="3" name="Content Placeholder 2">
-            <a:extLst>
-              <a:ext uri="{FF2B5EF4-FFF2-40B4-BE49-F238E27FC236}">
-                <a16:creationId xmlns:a16="http://schemas.microsoft.com/office/drawing/2014/main" id="{3A55D104-98C5-700B-F02D-B1BF2418D73D}"/>
-              </a:ext>
-            </a:extLst>
-          </p:cNvPr>
-          <p:cNvSpPr>
-            <a:spLocks noGrp="1"/>
-          </p:cNvSpPr>
-          <p:nvPr>
-            <p:ph idx="1"/>
-          </p:nvPr>
-        </p:nvSpPr>
-        <p:spPr/>
-        <p:txBody>
-          <a:bodyPr/>
-          <a:lstStyle/>
-          <a:p>
-            <a:endParaRPr lang="en-US"/>
-          </a:p>
-        </p:txBody>
-      </p:sp>
-    </p:spTree>
-    <p:extLst>
-      <p:ext uri="{BB962C8B-B14F-4D97-AF65-F5344CB8AC3E}">
-        <p14:creationId xmlns:p14="http://schemas.microsoft.com/office/powerpoint/2010/main" val="2574752443"/>
-      </p:ext>
-    </p:extLst>
-  </p:cSld>
-  <p:clrMapOvr>
-    <a:masterClrMapping/>
-  </p:clrMapOvr>
-</p:sld>
-</file>
-
-<file path=ppt/slides/slide16.xml><?xml version="1.0" encoding="utf-8"?>
-<p:sld xmlns:a="http://schemas.openxmlformats.org/drawingml/2006/main" xmlns:r="http://schemas.openxmlformats.org/officeDocument/2006/relationships" xmlns:p="http://schemas.openxmlformats.org/presentationml/2006/main">
-  <p:cSld>
-    <p:spTree>
-      <p:nvGrpSpPr>
-        <p:cNvPr id="1" name=""/>
-        <p:cNvGrpSpPr/>
-        <p:nvPr/>
-      </p:nvGrpSpPr>
-      <p:grpSpPr>
-        <a:xfrm>
-          <a:off x="0" y="0"/>
-          <a:ext cx="0" cy="0"/>
-          <a:chOff x="0" y="0"/>
-          <a:chExt cx="0" cy="0"/>
-        </a:xfrm>
-      </p:grpSpPr>
-      <p:sp>
-        <p:nvSpPr>
-          <p:cNvPr id="2" name="Title 1">
-            <a:extLst>
-              <a:ext uri="{FF2B5EF4-FFF2-40B4-BE49-F238E27FC236}">
-                <a16:creationId xmlns:a16="http://schemas.microsoft.com/office/drawing/2014/main" id="{4556966C-E46D-D664-D91D-894FB51B5514}"/>
-              </a:ext>
-            </a:extLst>
-          </p:cNvPr>
-          <p:cNvSpPr>
-            <a:spLocks noGrp="1"/>
-          </p:cNvSpPr>
-          <p:nvPr>
-            <p:ph type="title"/>
-          </p:nvPr>
-        </p:nvSpPr>
-        <p:spPr/>
-        <p:txBody>
-          <a:bodyPr/>
-          <a:lstStyle/>
-          <a:p>
-            <a:r>
-              <a:rPr lang="en-US"/>
-              <a:t>Level 6</a:t>
-            </a:r>
-          </a:p>
-        </p:txBody>
-      </p:sp>
-      <p:sp>
-        <p:nvSpPr>
-          <p:cNvPr id="3" name="Content Placeholder 2">
-            <a:extLst>
-              <a:ext uri="{FF2B5EF4-FFF2-40B4-BE49-F238E27FC236}">
-                <a16:creationId xmlns:a16="http://schemas.microsoft.com/office/drawing/2014/main" id="{60E8DD77-F082-4E05-D03B-9FC377896F7E}"/>
-              </a:ext>
-            </a:extLst>
-          </p:cNvPr>
-          <p:cNvSpPr>
-            <a:spLocks noGrp="1"/>
-          </p:cNvSpPr>
-          <p:nvPr>
-            <p:ph idx="1"/>
-          </p:nvPr>
-        </p:nvSpPr>
-        <p:spPr/>
-        <p:txBody>
-          <a:bodyPr/>
-          <a:lstStyle/>
-          <a:p>
-            <a:endParaRPr lang="en-US"/>
-          </a:p>
-        </p:txBody>
-      </p:sp>
-    </p:spTree>
-    <p:extLst>
-      <p:ext uri="{BB962C8B-B14F-4D97-AF65-F5344CB8AC3E}">
-        <p14:creationId xmlns:p14="http://schemas.microsoft.com/office/powerpoint/2010/main" val="2526388626"/>
-      </p:ext>
-    </p:extLst>
-  </p:cSld>
-  <p:clrMapOvr>
-    <a:masterClrMapping/>
-  </p:clrMapOvr>
-</p:sld>
-</file>
-
-<file path=ppt/slides/slide17.xml><?xml version="1.0" encoding="utf-8"?>
 <p:sld xmlns:a="http://schemas.openxmlformats.org/drawingml/2006/main" xmlns:r="http://schemas.openxmlformats.org/officeDocument/2006/relationships" xmlns:p="http://schemas.openxmlformats.org/presentationml/2006/main">
   <p:cSld>
     <p:bg>
@@ -8940,7 +8739,7 @@
             <a:lstStyle/>
             <a:p>
               <a:pPr algn="ctr"/>
-              <a:endParaRPr lang="en-US" dirty="0"/>
+              <a:endParaRPr lang="en-US"/>
             </a:p>
           </p:txBody>
         </p:sp>
@@ -9633,7 +9432,7 @@
             <a:lstStyle/>
             <a:p>
               <a:pPr algn="ctr"/>
-              <a:endParaRPr lang="en-US" dirty="0"/>
+              <a:endParaRPr lang="en-US"/>
             </a:p>
           </p:txBody>
         </p:sp>
@@ -10326,7 +10125,7 @@
             <a:lstStyle/>
             <a:p>
               <a:pPr algn="ctr"/>
-              <a:endParaRPr lang="en-US" dirty="0"/>
+              <a:endParaRPr lang="en-US"/>
             </a:p>
           </p:txBody>
         </p:sp>
@@ -10458,15 +10257,15 @@
           <a:lstStyle/>
           <a:p>
             <a:r>
-              <a:rPr lang="en-US" sz="4200" dirty="0"/>
+              <a:rPr lang="en-US" sz="4200"/>
               <a:t>Golden Eye via </a:t>
             </a:r>
             <a:r>
-              <a:rPr lang="en-US" sz="4200" dirty="0" err="1"/>
+              <a:rPr lang="en-US" sz="4200" err="1"/>
               <a:t>uni</a:t>
             </a:r>
             <a:r>
-              <a:rPr lang="en-US" sz="4200" dirty="0"/>
+              <a:rPr lang="en-US" sz="4200"/>
               <a:t> key.exe (Ransomware) </a:t>
             </a:r>
           </a:p>
@@ -10801,15 +10600,15 @@
           <p:nvPr/>
         </p:nvPicPr>
         <p:blipFill>
-          <a:blip r:embed="rId2"/>
+          <a:blip r:embed="rId3"/>
           <a:stretch>
             <a:fillRect/>
           </a:stretch>
         </p:blipFill>
         <p:spPr>
           <a:xfrm>
-            <a:off x="4059936" y="1555410"/>
-            <a:ext cx="8119116" cy="4662510"/>
+            <a:off x="304800" y="0"/>
+            <a:ext cx="11798052" cy="6775188"/>
           </a:xfrm>
           <a:prstGeom prst="rect">
             <a:avLst/>
@@ -10851,6 +10650,301 @@
           <p:cNvPr id="2" name="Title 1">
             <a:extLst>
               <a:ext uri="{FF2B5EF4-FFF2-40B4-BE49-F238E27FC236}">
+                <a16:creationId xmlns:a16="http://schemas.microsoft.com/office/drawing/2014/main" id="{26B73B04-F5E7-0139-FB67-A7C55CABB107}"/>
+              </a:ext>
+            </a:extLst>
+          </p:cNvPr>
+          <p:cNvSpPr>
+            <a:spLocks noGrp="1"/>
+          </p:cNvSpPr>
+          <p:nvPr>
+            <p:ph type="title"/>
+          </p:nvPr>
+        </p:nvSpPr>
+        <p:spPr/>
+        <p:txBody>
+          <a:bodyPr/>
+          <a:lstStyle/>
+          <a:p>
+            <a:r>
+              <a:rPr lang="en-US"/>
+              <a:t>Salinewin.exe (Malware) (</a:t>
+            </a:r>
+            <a:r>
+              <a:rPr lang="en-US">
+                <a:solidFill>
+                  <a:srgbClr val="FF0000"/>
+                </a:solidFill>
+              </a:rPr>
+              <a:t>Warning: Flashing lights)</a:t>
+            </a:r>
+            <a:endParaRPr lang="en-US"/>
+          </a:p>
+        </p:txBody>
+      </p:sp>
+      <p:sp>
+        <p:nvSpPr>
+          <p:cNvPr id="3" name="Content Placeholder 2">
+            <a:extLst>
+              <a:ext uri="{FF2B5EF4-FFF2-40B4-BE49-F238E27FC236}">
+                <a16:creationId xmlns:a16="http://schemas.microsoft.com/office/drawing/2014/main" id="{93E09060-F771-5F81-53AA-1444DD51D162}"/>
+              </a:ext>
+            </a:extLst>
+          </p:cNvPr>
+          <p:cNvSpPr>
+            <a:spLocks noGrp="1"/>
+          </p:cNvSpPr>
+          <p:nvPr>
+            <p:ph idx="1"/>
+          </p:nvPr>
+        </p:nvSpPr>
+        <p:spPr>
+          <a:xfrm>
+            <a:off x="838200" y="1825625"/>
+            <a:ext cx="3708400" cy="4351338"/>
+          </a:xfrm>
+        </p:spPr>
+        <p:txBody>
+          <a:bodyPr>
+            <a:normAutofit lnSpcReduction="10000"/>
+          </a:bodyPr>
+          <a:lstStyle/>
+          <a:p>
+            <a:r>
+              <a:rPr lang="en-US"/>
+              <a:t>Leverages the windows graphics device interface (GDI) to execute disruptive visual effects</a:t>
+            </a:r>
+          </a:p>
+          <a:p>
+            <a:r>
+              <a:rPr lang="en-US"/>
+              <a:t>System is pretty much completely unusable</a:t>
+            </a:r>
+          </a:p>
+          <a:p>
+            <a:r>
+              <a:rPr lang="en-US"/>
+              <a:t>Spreads from spear-phishing</a:t>
+            </a:r>
+          </a:p>
+        </p:txBody>
+      </p:sp>
+      <p:pic>
+        <p:nvPicPr>
+          <p:cNvPr id="5" name="Picture 4">
+            <a:extLst>
+              <a:ext uri="{FF2B5EF4-FFF2-40B4-BE49-F238E27FC236}">
+                <a16:creationId xmlns:a16="http://schemas.microsoft.com/office/drawing/2014/main" id="{9C04EBDB-11C9-C3D0-C54A-21A96C97CCA6}"/>
+              </a:ext>
+            </a:extLst>
+          </p:cNvPr>
+          <p:cNvPicPr>
+            <a:picLocks noChangeAspect="1"/>
+          </p:cNvPicPr>
+          <p:nvPr/>
+        </p:nvPicPr>
+        <p:blipFill>
+          <a:blip r:embed="rId3"/>
+          <a:stretch>
+            <a:fillRect/>
+          </a:stretch>
+        </p:blipFill>
+        <p:spPr>
+          <a:xfrm>
+            <a:off x="4816721" y="1565521"/>
+            <a:ext cx="6537079" cy="4871545"/>
+          </a:xfrm>
+          <a:prstGeom prst="rect">
+            <a:avLst/>
+          </a:prstGeom>
+        </p:spPr>
+      </p:pic>
+    </p:spTree>
+    <p:extLst>
+      <p:ext uri="{BB962C8B-B14F-4D97-AF65-F5344CB8AC3E}">
+        <p14:creationId xmlns:p14="http://schemas.microsoft.com/office/powerpoint/2010/main" val="300458079"/>
+      </p:ext>
+    </p:extLst>
+  </p:cSld>
+  <p:clrMapOvr>
+    <a:masterClrMapping/>
+  </p:clrMapOvr>
+</p:sld>
+</file>
+
+<file path=ppt/slides/slide4.xml><?xml version="1.0" encoding="utf-8"?>
+<p:sld xmlns:a="http://schemas.openxmlformats.org/drawingml/2006/main" xmlns:r="http://schemas.openxmlformats.org/officeDocument/2006/relationships" xmlns:p="http://schemas.openxmlformats.org/presentationml/2006/main">
+  <p:cSld>
+    <p:spTree>
+      <p:nvGrpSpPr>
+        <p:cNvPr id="1" name=""/>
+        <p:cNvGrpSpPr/>
+        <p:nvPr/>
+      </p:nvGrpSpPr>
+      <p:grpSpPr>
+        <a:xfrm>
+          <a:off x="0" y="0"/>
+          <a:ext cx="0" cy="0"/>
+          <a:chOff x="0" y="0"/>
+          <a:chExt cx="0" cy="0"/>
+        </a:xfrm>
+      </p:grpSpPr>
+      <p:sp>
+        <p:nvSpPr>
+          <p:cNvPr id="2" name="Title 1">
+            <a:extLst>
+              <a:ext uri="{FF2B5EF4-FFF2-40B4-BE49-F238E27FC236}">
+                <a16:creationId xmlns:a16="http://schemas.microsoft.com/office/drawing/2014/main" id="{20C60E75-8AD5-E715-35CA-F58D609235BB}"/>
+              </a:ext>
+            </a:extLst>
+          </p:cNvPr>
+          <p:cNvSpPr>
+            <a:spLocks noGrp="1"/>
+          </p:cNvSpPr>
+          <p:nvPr>
+            <p:ph type="title"/>
+          </p:nvPr>
+        </p:nvSpPr>
+        <p:spPr/>
+        <p:txBody>
+          <a:bodyPr/>
+          <a:lstStyle/>
+          <a:p>
+            <a:r>
+              <a:rPr lang="en-US"/>
+              <a:t>Hydrogen.exe (Malware) (</a:t>
+            </a:r>
+            <a:r>
+              <a:rPr lang="en-US">
+                <a:solidFill>
+                  <a:srgbClr val="FF0000"/>
+                </a:solidFill>
+              </a:rPr>
+              <a:t>Warning: Flashing lights)</a:t>
+            </a:r>
+            <a:endParaRPr lang="en-US"/>
+          </a:p>
+        </p:txBody>
+      </p:sp>
+      <p:sp>
+        <p:nvSpPr>
+          <p:cNvPr id="3" name="Content Placeholder 2">
+            <a:extLst>
+              <a:ext uri="{FF2B5EF4-FFF2-40B4-BE49-F238E27FC236}">
+                <a16:creationId xmlns:a16="http://schemas.microsoft.com/office/drawing/2014/main" id="{82001FB9-2536-CD78-8A98-E4C490138D1C}"/>
+              </a:ext>
+            </a:extLst>
+          </p:cNvPr>
+          <p:cNvSpPr>
+            <a:spLocks noGrp="1"/>
+          </p:cNvSpPr>
+          <p:nvPr>
+            <p:ph idx="1"/>
+          </p:nvPr>
+        </p:nvSpPr>
+        <p:spPr>
+          <a:xfrm>
+            <a:off x="838200" y="1825625"/>
+            <a:ext cx="4262120" cy="4351338"/>
+          </a:xfrm>
+        </p:spPr>
+        <p:txBody>
+          <a:bodyPr/>
+          <a:lstStyle/>
+          <a:p>
+            <a:r>
+              <a:rPr lang="en-US"/>
+              <a:t>Another GDI malware</a:t>
+            </a:r>
+          </a:p>
+          <a:p>
+            <a:r>
+              <a:rPr lang="en-US"/>
+              <a:t>Super cool</a:t>
+            </a:r>
+          </a:p>
+          <a:p>
+            <a:endParaRPr lang="en-US"/>
+          </a:p>
+          <a:p>
+            <a:endParaRPr lang="en-US"/>
+          </a:p>
+          <a:p>
+            <a:endParaRPr lang="en-US"/>
+          </a:p>
+          <a:p>
+            <a:endParaRPr lang="en-US"/>
+          </a:p>
+          <a:p>
+            <a:endParaRPr lang="en-US"/>
+          </a:p>
+        </p:txBody>
+      </p:sp>
+      <p:pic>
+        <p:nvPicPr>
+          <p:cNvPr id="5" name="Picture 4">
+            <a:extLst>
+              <a:ext uri="{FF2B5EF4-FFF2-40B4-BE49-F238E27FC236}">
+                <a16:creationId xmlns:a16="http://schemas.microsoft.com/office/drawing/2014/main" id="{F74561F9-B85B-B9BC-52FB-4EEBA66D14A7}"/>
+              </a:ext>
+            </a:extLst>
+          </p:cNvPr>
+          <p:cNvPicPr>
+            <a:picLocks noChangeAspect="1"/>
+          </p:cNvPicPr>
+          <p:nvPr/>
+        </p:nvPicPr>
+        <p:blipFill>
+          <a:blip r:embed="rId2"/>
+          <a:stretch>
+            <a:fillRect/>
+          </a:stretch>
+        </p:blipFill>
+        <p:spPr>
+          <a:xfrm>
+            <a:off x="5201265" y="1153498"/>
+            <a:ext cx="6596901" cy="4978245"/>
+          </a:xfrm>
+          <a:prstGeom prst="rect">
+            <a:avLst/>
+          </a:prstGeom>
+        </p:spPr>
+      </p:pic>
+    </p:spTree>
+    <p:extLst>
+      <p:ext uri="{BB962C8B-B14F-4D97-AF65-F5344CB8AC3E}">
+        <p14:creationId xmlns:p14="http://schemas.microsoft.com/office/powerpoint/2010/main" val="673710426"/>
+      </p:ext>
+    </p:extLst>
+  </p:cSld>
+  <p:clrMapOvr>
+    <a:masterClrMapping/>
+  </p:clrMapOvr>
+</p:sld>
+</file>
+
+<file path=ppt/slides/slide5.xml><?xml version="1.0" encoding="utf-8"?>
+<p:sld xmlns:a="http://schemas.openxmlformats.org/drawingml/2006/main" xmlns:r="http://schemas.openxmlformats.org/officeDocument/2006/relationships" xmlns:p="http://schemas.openxmlformats.org/presentationml/2006/main">
+  <p:cSld>
+    <p:spTree>
+      <p:nvGrpSpPr>
+        <p:cNvPr id="1" name=""/>
+        <p:cNvGrpSpPr/>
+        <p:nvPr/>
+      </p:nvGrpSpPr>
+      <p:grpSpPr>
+        <a:xfrm>
+          <a:off x="0" y="0"/>
+          <a:ext cx="0" cy="0"/>
+          <a:chOff x="0" y="0"/>
+          <a:chExt cx="0" cy="0"/>
+        </a:xfrm>
+      </p:grpSpPr>
+      <p:sp>
+        <p:nvSpPr>
+          <p:cNvPr id="2" name="Title 1">
+            <a:extLst>
+              <a:ext uri="{FF2B5EF4-FFF2-40B4-BE49-F238E27FC236}">
                 <a16:creationId xmlns:a16="http://schemas.microsoft.com/office/drawing/2014/main" id="{38BC143C-D276-E65D-85B6-467A6C05540D}"/>
               </a:ext>
             </a:extLst>
@@ -10868,7 +10962,7 @@
           <a:lstStyle/>
           <a:p>
             <a:r>
-              <a:rPr lang="en-US" dirty="0"/>
+              <a:rPr lang="en-US"/>
               <a:t>Jigsaw.exe (Ransomware)</a:t>
             </a:r>
           </a:p>
@@ -10897,24 +10991,35 @@
           </a:xfrm>
         </p:spPr>
         <p:txBody>
-          <a:bodyPr/>
+          <a:bodyPr>
+            <a:normAutofit fontScale="92500" lnSpcReduction="20000"/>
+          </a:bodyPr>
           <a:lstStyle/>
           <a:p>
             <a:r>
-              <a:rPr lang="en-US" dirty="0"/>
+              <a:rPr lang="en-US"/>
               <a:t>Could be scary to average user</a:t>
             </a:r>
           </a:p>
           <a:p>
             <a:r>
-              <a:rPr lang="en-US" dirty="0"/>
+              <a:rPr lang="en-US"/>
               <a:t>Occurred through malicious attachments in emails</a:t>
             </a:r>
           </a:p>
           <a:p>
             <a:r>
-              <a:rPr lang="en-US" dirty="0"/>
+              <a:rPr lang="en-US"/>
               <a:t>Reboot Computer and Files are Still Encrypted</a:t>
+            </a:r>
+          </a:p>
+          <a:p>
+            <a:endParaRPr lang="en-US"/>
+          </a:p>
+          <a:p>
+            <a:r>
+              <a:rPr lang="en-US"/>
+              <a:t>This one takes some time to run, will run more malware if time prevails at end of presentation</a:t>
             </a:r>
           </a:p>
         </p:txBody>
@@ -10962,278 +11067,6 @@
 </p:sld>
 </file>
 
-<file path=ppt/slides/slide4.xml><?xml version="1.0" encoding="utf-8"?>
-<p:sld xmlns:a="http://schemas.openxmlformats.org/drawingml/2006/main" xmlns:r="http://schemas.openxmlformats.org/officeDocument/2006/relationships" xmlns:p="http://schemas.openxmlformats.org/presentationml/2006/main">
-  <p:cSld>
-    <p:spTree>
-      <p:nvGrpSpPr>
-        <p:cNvPr id="1" name=""/>
-        <p:cNvGrpSpPr/>
-        <p:nvPr/>
-      </p:nvGrpSpPr>
-      <p:grpSpPr>
-        <a:xfrm>
-          <a:off x="0" y="0"/>
-          <a:ext cx="0" cy="0"/>
-          <a:chOff x="0" y="0"/>
-          <a:chExt cx="0" cy="0"/>
-        </a:xfrm>
-      </p:grpSpPr>
-      <p:sp>
-        <p:nvSpPr>
-          <p:cNvPr id="2" name="Title 1">
-            <a:extLst>
-              <a:ext uri="{FF2B5EF4-FFF2-40B4-BE49-F238E27FC236}">
-                <a16:creationId xmlns:a16="http://schemas.microsoft.com/office/drawing/2014/main" id="{26B73B04-F5E7-0139-FB67-A7C55CABB107}"/>
-              </a:ext>
-            </a:extLst>
-          </p:cNvPr>
-          <p:cNvSpPr>
-            <a:spLocks noGrp="1"/>
-          </p:cNvSpPr>
-          <p:nvPr>
-            <p:ph type="title"/>
-          </p:nvPr>
-        </p:nvSpPr>
-        <p:spPr/>
-        <p:txBody>
-          <a:bodyPr/>
-          <a:lstStyle/>
-          <a:p>
-            <a:r>
-              <a:rPr lang="en-US" dirty="0"/>
-              <a:t>Salinewin.exe (Malware) (</a:t>
-            </a:r>
-            <a:r>
-              <a:rPr lang="en-US" dirty="0">
-                <a:solidFill>
-                  <a:srgbClr val="FF0000"/>
-                </a:solidFill>
-              </a:rPr>
-              <a:t>Warning: Flashing lights)</a:t>
-            </a:r>
-            <a:endParaRPr lang="en-US" dirty="0"/>
-          </a:p>
-        </p:txBody>
-      </p:sp>
-      <p:sp>
-        <p:nvSpPr>
-          <p:cNvPr id="3" name="Content Placeholder 2">
-            <a:extLst>
-              <a:ext uri="{FF2B5EF4-FFF2-40B4-BE49-F238E27FC236}">
-                <a16:creationId xmlns:a16="http://schemas.microsoft.com/office/drawing/2014/main" id="{93E09060-F771-5F81-53AA-1444DD51D162}"/>
-              </a:ext>
-            </a:extLst>
-          </p:cNvPr>
-          <p:cNvSpPr>
-            <a:spLocks noGrp="1"/>
-          </p:cNvSpPr>
-          <p:nvPr>
-            <p:ph idx="1"/>
-          </p:nvPr>
-        </p:nvSpPr>
-        <p:spPr>
-          <a:xfrm>
-            <a:off x="838200" y="1825625"/>
-            <a:ext cx="3708400" cy="4351338"/>
-          </a:xfrm>
-        </p:spPr>
-        <p:txBody>
-          <a:bodyPr/>
-          <a:lstStyle/>
-          <a:p>
-            <a:r>
-              <a:rPr lang="en-US" dirty="0"/>
-              <a:t>Leverages the windows graphics device interface (GDI) to execute disruptive visual effects</a:t>
-            </a:r>
-          </a:p>
-          <a:p>
-            <a:r>
-              <a:rPr lang="en-US" dirty="0"/>
-              <a:t>System is pretty much completely unusable</a:t>
-            </a:r>
-          </a:p>
-        </p:txBody>
-      </p:sp>
-      <p:pic>
-        <p:nvPicPr>
-          <p:cNvPr id="5" name="Picture 4">
-            <a:extLst>
-              <a:ext uri="{FF2B5EF4-FFF2-40B4-BE49-F238E27FC236}">
-                <a16:creationId xmlns:a16="http://schemas.microsoft.com/office/drawing/2014/main" id="{9C04EBDB-11C9-C3D0-C54A-21A96C97CCA6}"/>
-              </a:ext>
-            </a:extLst>
-          </p:cNvPr>
-          <p:cNvPicPr>
-            <a:picLocks noChangeAspect="1"/>
-          </p:cNvPicPr>
-          <p:nvPr/>
-        </p:nvPicPr>
-        <p:blipFill>
-          <a:blip r:embed="rId2"/>
-          <a:stretch>
-            <a:fillRect/>
-          </a:stretch>
-        </p:blipFill>
-        <p:spPr>
-          <a:xfrm>
-            <a:off x="4816721" y="1565521"/>
-            <a:ext cx="6537079" cy="4871545"/>
-          </a:xfrm>
-          <a:prstGeom prst="rect">
-            <a:avLst/>
-          </a:prstGeom>
-        </p:spPr>
-      </p:pic>
-    </p:spTree>
-    <p:extLst>
-      <p:ext uri="{BB962C8B-B14F-4D97-AF65-F5344CB8AC3E}">
-        <p14:creationId xmlns:p14="http://schemas.microsoft.com/office/powerpoint/2010/main" val="300458079"/>
-      </p:ext>
-    </p:extLst>
-  </p:cSld>
-  <p:clrMapOvr>
-    <a:masterClrMapping/>
-  </p:clrMapOvr>
-</p:sld>
-</file>
-
-<file path=ppt/slides/slide5.xml><?xml version="1.0" encoding="utf-8"?>
-<p:sld xmlns:a="http://schemas.openxmlformats.org/drawingml/2006/main" xmlns:r="http://schemas.openxmlformats.org/officeDocument/2006/relationships" xmlns:p="http://schemas.openxmlformats.org/presentationml/2006/main">
-  <p:cSld>
-    <p:spTree>
-      <p:nvGrpSpPr>
-        <p:cNvPr id="1" name=""/>
-        <p:cNvGrpSpPr/>
-        <p:nvPr/>
-      </p:nvGrpSpPr>
-      <p:grpSpPr>
-        <a:xfrm>
-          <a:off x="0" y="0"/>
-          <a:ext cx="0" cy="0"/>
-          <a:chOff x="0" y="0"/>
-          <a:chExt cx="0" cy="0"/>
-        </a:xfrm>
-      </p:grpSpPr>
-      <p:sp>
-        <p:nvSpPr>
-          <p:cNvPr id="2" name="Title 1">
-            <a:extLst>
-              <a:ext uri="{FF2B5EF4-FFF2-40B4-BE49-F238E27FC236}">
-                <a16:creationId xmlns:a16="http://schemas.microsoft.com/office/drawing/2014/main" id="{20C60E75-8AD5-E715-35CA-F58D609235BB}"/>
-              </a:ext>
-            </a:extLst>
-          </p:cNvPr>
-          <p:cNvSpPr>
-            <a:spLocks noGrp="1"/>
-          </p:cNvSpPr>
-          <p:nvPr>
-            <p:ph type="title"/>
-          </p:nvPr>
-        </p:nvSpPr>
-        <p:spPr/>
-        <p:txBody>
-          <a:bodyPr/>
-          <a:lstStyle/>
-          <a:p>
-            <a:r>
-              <a:rPr lang="en-US" dirty="0"/>
-              <a:t>Hydrogen.peaceful.exe (Malware) (</a:t>
-            </a:r>
-            <a:r>
-              <a:rPr lang="en-US" dirty="0">
-                <a:solidFill>
-                  <a:srgbClr val="FF0000"/>
-                </a:solidFill>
-              </a:rPr>
-              <a:t>Warning: Flashing lights)</a:t>
-            </a:r>
-            <a:endParaRPr lang="en-US" dirty="0"/>
-          </a:p>
-        </p:txBody>
-      </p:sp>
-      <p:sp>
-        <p:nvSpPr>
-          <p:cNvPr id="3" name="Content Placeholder 2">
-            <a:extLst>
-              <a:ext uri="{FF2B5EF4-FFF2-40B4-BE49-F238E27FC236}">
-                <a16:creationId xmlns:a16="http://schemas.microsoft.com/office/drawing/2014/main" id="{82001FB9-2536-CD78-8A98-E4C490138D1C}"/>
-              </a:ext>
-            </a:extLst>
-          </p:cNvPr>
-          <p:cNvSpPr>
-            <a:spLocks noGrp="1"/>
-          </p:cNvSpPr>
-          <p:nvPr>
-            <p:ph idx="1"/>
-          </p:nvPr>
-        </p:nvSpPr>
-        <p:spPr>
-          <a:xfrm>
-            <a:off x="838200" y="1825625"/>
-            <a:ext cx="4262120" cy="4351338"/>
-          </a:xfrm>
-        </p:spPr>
-        <p:txBody>
-          <a:bodyPr/>
-          <a:lstStyle/>
-          <a:p>
-            <a:r>
-              <a:rPr lang="en-US" dirty="0"/>
-              <a:t>Another GDI malware</a:t>
-            </a:r>
-          </a:p>
-          <a:p>
-            <a:r>
-              <a:rPr lang="en-US" dirty="0"/>
-              <a:t>Super cool</a:t>
-            </a:r>
-          </a:p>
-        </p:txBody>
-      </p:sp>
-      <p:pic>
-        <p:nvPicPr>
-          <p:cNvPr id="5" name="Picture 4">
-            <a:extLst>
-              <a:ext uri="{FF2B5EF4-FFF2-40B4-BE49-F238E27FC236}">
-                <a16:creationId xmlns:a16="http://schemas.microsoft.com/office/drawing/2014/main" id="{F74561F9-B85B-B9BC-52FB-4EEBA66D14A7}"/>
-              </a:ext>
-            </a:extLst>
-          </p:cNvPr>
-          <p:cNvPicPr>
-            <a:picLocks noChangeAspect="1"/>
-          </p:cNvPicPr>
-          <p:nvPr/>
-        </p:nvPicPr>
-        <p:blipFill>
-          <a:blip r:embed="rId2"/>
-          <a:stretch>
-            <a:fillRect/>
-          </a:stretch>
-        </p:blipFill>
-        <p:spPr>
-          <a:xfrm>
-            <a:off x="5913120" y="1690688"/>
-            <a:ext cx="5885046" cy="4441055"/>
-          </a:xfrm>
-          <a:prstGeom prst="rect">
-            <a:avLst/>
-          </a:prstGeom>
-        </p:spPr>
-      </p:pic>
-    </p:spTree>
-    <p:extLst>
-      <p:ext uri="{BB962C8B-B14F-4D97-AF65-F5344CB8AC3E}">
-        <p14:creationId xmlns:p14="http://schemas.microsoft.com/office/powerpoint/2010/main" val="673710426"/>
-      </p:ext>
-    </p:extLst>
-  </p:cSld>
-  <p:clrMapOvr>
-    <a:masterClrMapping/>
-  </p:clrMapOvr>
-</p:sld>
-</file>
-
 <file path=ppt/slides/slide6.xml><?xml version="1.0" encoding="utf-8"?>
 <p:sld xmlns:a="http://schemas.openxmlformats.org/drawingml/2006/main" xmlns:r="http://schemas.openxmlformats.org/officeDocument/2006/relationships" xmlns:p="http://schemas.openxmlformats.org/presentationml/2006/main">
   <p:cSld>
@@ -11256,7 +11089,7 @@
           <p:cNvPr id="2" name="Title 1">
             <a:extLst>
               <a:ext uri="{FF2B5EF4-FFF2-40B4-BE49-F238E27FC236}">
-                <a16:creationId xmlns:a16="http://schemas.microsoft.com/office/drawing/2014/main" id="{452F3815-4FD3-CD41-8EBD-804B987E7F8B}"/>
+                <a16:creationId xmlns:a16="http://schemas.microsoft.com/office/drawing/2014/main" id="{A5918626-EF3A-E046-3C95-E2F226FEDB18}"/>
               </a:ext>
             </a:extLst>
           </p:cNvPr>
@@ -11264,7 +11097,7 @@
             <a:spLocks noGrp="1"/>
           </p:cNvSpPr>
           <p:nvPr>
-            <p:ph type="title"/>
+            <p:ph type="ctrTitle"/>
           </p:nvPr>
         </p:nvSpPr>
         <p:spPr/>
@@ -11273,45 +11106,64 @@
           <a:lstStyle/>
           <a:p>
             <a:r>
-              <a:rPr lang="en-US" dirty="0"/>
-              <a:t>mamba.exe ???</a:t>
+              <a:rPr lang="en-US"/>
+              <a:t>XSS</a:t>
             </a:r>
           </a:p>
         </p:txBody>
       </p:sp>
-      <p:pic>
-        <p:nvPicPr>
-          <p:cNvPr id="5" name="Content Placeholder 4">
+      <p:sp>
+        <p:nvSpPr>
+          <p:cNvPr id="3" name="Subtitle 2">
             <a:extLst>
               <a:ext uri="{FF2B5EF4-FFF2-40B4-BE49-F238E27FC236}">
-                <a16:creationId xmlns:a16="http://schemas.microsoft.com/office/drawing/2014/main" id="{418B5995-9D99-23A9-23C3-6EAA83185D86}"/>
+                <a16:creationId xmlns:a16="http://schemas.microsoft.com/office/drawing/2014/main" id="{39895282-8A90-5D28-250E-9AB0A2998D52}"/>
               </a:ext>
             </a:extLst>
           </p:cNvPr>
-          <p:cNvPicPr>
-            <a:picLocks noGrp="1" noChangeAspect="1"/>
-          </p:cNvPicPr>
+          <p:cNvSpPr>
+            <a:spLocks noGrp="1"/>
+          </p:cNvSpPr>
           <p:nvPr>
-            <p:ph idx="1"/>
+            <p:ph type="subTitle" idx="1"/>
           </p:nvPr>
-        </p:nvPicPr>
-        <p:blipFill>
-          <a:blip r:embed="rId2"/>
-          <a:stretch>
-            <a:fillRect/>
-          </a:stretch>
-        </p:blipFill>
-        <p:spPr>
-          <a:xfrm>
-            <a:off x="2832496" y="1825625"/>
-            <a:ext cx="6527007" cy="4351338"/>
-          </a:xfrm>
-        </p:spPr>
-      </p:pic>
+        </p:nvSpPr>
+        <p:spPr/>
+        <p:txBody>
+          <a:bodyPr vert="horz" lIns="91440" tIns="45720" rIns="91440" bIns="45720" rtlCol="0" anchor="t">
+            <a:normAutofit/>
+          </a:bodyPr>
+          <a:lstStyle/>
+          <a:p>
+            <a:r>
+              <a:rPr lang="en-US">
+                <a:ea typeface="+mn-lt"/>
+                <a:cs typeface="+mn-lt"/>
+                <a:hlinkClick r:id="rId3"/>
+              </a:rPr>
+              <a:t>https://xss-game.appspot.com/</a:t>
+            </a:r>
+            <a:r>
+              <a:rPr lang="en-US">
+                <a:ea typeface="+mn-lt"/>
+                <a:cs typeface="+mn-lt"/>
+              </a:rPr>
+              <a:t> </a:t>
+            </a:r>
+            <a:endParaRPr lang="en-US"/>
+          </a:p>
+          <a:p>
+            <a:endParaRPr lang="en-US"/>
+          </a:p>
+          <a:p>
+            <a:endParaRPr lang="en-US"/>
+          </a:p>
+        </p:txBody>
+      </p:sp>
     </p:spTree>
     <p:extLst>
       <p:ext uri="{BB962C8B-B14F-4D97-AF65-F5344CB8AC3E}">
-        <p14:creationId xmlns:p14="http://schemas.microsoft.com/office/powerpoint/2010/main" val="2175494058"/>
+        <p14:creationId xmlns:p14="http://schemas.microsoft.com/office/powerpoint/2010/main" val="2752528023"/>
       </p:ext>
     </p:extLst>
   </p:cSld>
@@ -11343,7 +11195,7 @@
           <p:cNvPr id="2" name="Title 1">
             <a:extLst>
               <a:ext uri="{FF2B5EF4-FFF2-40B4-BE49-F238E27FC236}">
-                <a16:creationId xmlns:a16="http://schemas.microsoft.com/office/drawing/2014/main" id="{4D46AE18-E156-1DF4-4F10-1445DFE9FF94}"/>
+                <a16:creationId xmlns:a16="http://schemas.microsoft.com/office/drawing/2014/main" id="{93612BF9-B276-ED92-58A9-1F4A9236E054}"/>
               </a:ext>
             </a:extLst>
           </p:cNvPr>
@@ -11360,87 +11212,45 @@
           <a:lstStyle/>
           <a:p>
             <a:r>
-              <a:rPr lang="en-US" dirty="0"/>
-              <a:t>Petya2.exe</a:t>
+              <a:rPr lang="en-US"/>
+              <a:t>Level 1</a:t>
             </a:r>
           </a:p>
         </p:txBody>
       </p:sp>
       <p:pic>
         <p:nvPicPr>
-          <p:cNvPr id="5" name="Picture 4">
+          <p:cNvPr id="4" name="Content Placeholder 3">
             <a:extLst>
               <a:ext uri="{FF2B5EF4-FFF2-40B4-BE49-F238E27FC236}">
-                <a16:creationId xmlns:a16="http://schemas.microsoft.com/office/drawing/2014/main" id="{B75715AD-40CB-2FE8-DC31-4F48FBACB56D}"/>
+                <a16:creationId xmlns:a16="http://schemas.microsoft.com/office/drawing/2014/main" id="{A2E22021-532B-94FF-C85C-58EFE77B6EFC}"/>
               </a:ext>
             </a:extLst>
           </p:cNvPr>
           <p:cNvPicPr>
-            <a:picLocks noChangeAspect="1"/>
+            <a:picLocks noGrp="1" noChangeAspect="1"/>
           </p:cNvPicPr>
-          <p:nvPr/>
+          <p:nvPr>
+            <p:ph idx="1"/>
+          </p:nvPr>
         </p:nvPicPr>
         <p:blipFill>
-          <a:blip r:embed="rId2"/>
+          <a:blip r:embed="rId3"/>
           <a:stretch>
             <a:fillRect/>
           </a:stretch>
         </p:blipFill>
         <p:spPr>
           <a:xfrm>
-            <a:off x="233277" y="1614234"/>
-            <a:ext cx="6677957" cy="3629532"/>
+            <a:off x="672576" y="2303948"/>
+            <a:ext cx="7029450" cy="790575"/>
           </a:xfrm>
-          <a:prstGeom prst="rect">
-            <a:avLst/>
-          </a:prstGeom>
         </p:spPr>
       </p:pic>
-      <p:sp>
-        <p:nvSpPr>
-          <p:cNvPr id="6" name="TextBox 5">
-            <a:extLst>
-              <a:ext uri="{FF2B5EF4-FFF2-40B4-BE49-F238E27FC236}">
-                <a16:creationId xmlns:a16="http://schemas.microsoft.com/office/drawing/2014/main" id="{7B3C0BD2-FE73-15A0-44CB-27296569DEAF}"/>
-              </a:ext>
-            </a:extLst>
-          </p:cNvPr>
-          <p:cNvSpPr txBox="1"/>
-          <p:nvPr/>
-        </p:nvSpPr>
-        <p:spPr>
-          <a:xfrm>
-            <a:off x="7082118" y="1732488"/>
-            <a:ext cx="5109882" cy="646331"/>
-          </a:xfrm>
-          <a:prstGeom prst="rect">
-            <a:avLst/>
-          </a:prstGeom>
-          <a:noFill/>
-        </p:spPr>
-        <p:txBody>
-          <a:bodyPr wrap="square" rtlCol="0">
-            <a:spAutoFit/>
-          </a:bodyPr>
-          <a:lstStyle/>
-          <a:p>
-            <a:r>
-              <a:rPr lang="en-US" dirty="0">
-                <a:hlinkClick r:id="rId3"/>
-              </a:rPr>
-              <a:t>https://www.youtube.com/watch?v=FDveBXEnRn8</a:t>
-            </a:r>
-            <a:r>
-              <a:rPr lang="en-US" dirty="0"/>
-              <a:t> </a:t>
-            </a:r>
-          </a:p>
-        </p:txBody>
-      </p:sp>
     </p:spTree>
     <p:extLst>
       <p:ext uri="{BB962C8B-B14F-4D97-AF65-F5344CB8AC3E}">
-        <p14:creationId xmlns:p14="http://schemas.microsoft.com/office/powerpoint/2010/main" val="481389460"/>
+        <p14:creationId xmlns:p14="http://schemas.microsoft.com/office/powerpoint/2010/main" val="1117155002"/>
       </p:ext>
     </p:extLst>
   </p:cSld>
@@ -11472,7 +11282,7 @@
           <p:cNvPr id="2" name="Title 1">
             <a:extLst>
               <a:ext uri="{FF2B5EF4-FFF2-40B4-BE49-F238E27FC236}">
-                <a16:creationId xmlns:a16="http://schemas.microsoft.com/office/drawing/2014/main" id="{4A741A49-98FB-A315-07C2-E5CED3E069E5}"/>
+                <a16:creationId xmlns:a16="http://schemas.microsoft.com/office/drawing/2014/main" id="{F6F90FE8-0148-8DD8-93A7-D9AD190B8D61}"/>
               </a:ext>
             </a:extLst>
           </p:cNvPr>
@@ -11485,112 +11295,45 @@
         </p:nvSpPr>
         <p:spPr/>
         <p:txBody>
-          <a:bodyPr>
-            <a:normAutofit/>
-          </a:bodyPr>
+          <a:bodyPr/>
           <a:lstStyle/>
           <a:p>
             <a:r>
-              <a:rPr lang="en-US" dirty="0"/>
-              <a:t>WannaCrypt.exe</a:t>
+              <a:rPr lang="en-US"/>
+              <a:t>Level 2</a:t>
             </a:r>
           </a:p>
         </p:txBody>
       </p:sp>
-      <p:pic>
-        <p:nvPicPr>
-          <p:cNvPr id="5" name="Picture 4">
+      <p:sp>
+        <p:nvSpPr>
+          <p:cNvPr id="3" name="Content Placeholder 2">
             <a:extLst>
               <a:ext uri="{FF2B5EF4-FFF2-40B4-BE49-F238E27FC236}">
-                <a16:creationId xmlns:a16="http://schemas.microsoft.com/office/drawing/2014/main" id="{CB6BABB8-861D-1F7E-90A7-4933E2654779}"/>
+                <a16:creationId xmlns:a16="http://schemas.microsoft.com/office/drawing/2014/main" id="{3B2AA6D7-6CBB-D6BD-3F21-EB114A380A9C}"/>
               </a:ext>
             </a:extLst>
           </p:cNvPr>
-          <p:cNvPicPr>
-            <a:picLocks noChangeAspect="1"/>
-          </p:cNvPicPr>
-          <p:nvPr/>
-        </p:nvPicPr>
-        <p:blipFill>
-          <a:blip r:embed="rId2"/>
-          <a:stretch>
-            <a:fillRect/>
-          </a:stretch>
-        </p:blipFill>
-        <p:spPr>
-          <a:xfrm>
-            <a:off x="415566" y="1785957"/>
-            <a:ext cx="6422712" cy="4819836"/>
-          </a:xfrm>
-          <a:prstGeom prst="rect">
-            <a:avLst/>
-          </a:prstGeom>
-        </p:spPr>
-      </p:pic>
-      <p:pic>
-        <p:nvPicPr>
-          <p:cNvPr id="3" name="Picture 2" descr="WannaCry Ransomware">
-            <a:extLst>
-              <a:ext uri="{FF2B5EF4-FFF2-40B4-BE49-F238E27FC236}">
-                <a16:creationId xmlns:a16="http://schemas.microsoft.com/office/drawing/2014/main" id="{F6035CC9-F854-5799-F8E5-3967AF2BD189}"/>
-              </a:ext>
-            </a:extLst>
-          </p:cNvPr>
-          <p:cNvPicPr>
-            <a:picLocks noChangeAspect="1"/>
-          </p:cNvPicPr>
-          <p:nvPr/>
-        </p:nvPicPr>
-        <p:blipFill>
-          <a:blip r:embed="rId3"/>
-          <a:stretch>
-            <a:fillRect/>
-          </a:stretch>
-        </p:blipFill>
-        <p:spPr>
-          <a:xfrm>
-            <a:off x="3626922" y="3540149"/>
-            <a:ext cx="5445760" cy="2721029"/>
-          </a:xfrm>
-          <a:prstGeom prst="rect">
-            <a:avLst/>
-          </a:prstGeom>
-        </p:spPr>
-      </p:pic>
-      <p:pic>
-        <p:nvPicPr>
-          <p:cNvPr id="4" name="Picture 3" descr="WannaCry Malware Profile | Mandiant | Google Cloud Blog">
-            <a:extLst>
-              <a:ext uri="{FF2B5EF4-FFF2-40B4-BE49-F238E27FC236}">
-                <a16:creationId xmlns:a16="http://schemas.microsoft.com/office/drawing/2014/main" id="{58CE0FA4-BF40-DDF4-C3E3-4C131357433C}"/>
-              </a:ext>
-            </a:extLst>
-          </p:cNvPr>
-          <p:cNvPicPr>
-            <a:picLocks noChangeAspect="1"/>
-          </p:cNvPicPr>
-          <p:nvPr/>
-        </p:nvPicPr>
-        <p:blipFill>
-          <a:blip r:embed="rId4"/>
-          <a:stretch>
-            <a:fillRect/>
-          </a:stretch>
-        </p:blipFill>
-        <p:spPr>
-          <a:xfrm>
-            <a:off x="1209042" y="3429000"/>
-            <a:ext cx="4236719" cy="2943328"/>
-          </a:xfrm>
-          <a:prstGeom prst="rect">
-            <a:avLst/>
-          </a:prstGeom>
-        </p:spPr>
-      </p:pic>
+          <p:cNvSpPr>
+            <a:spLocks noGrp="1"/>
+          </p:cNvSpPr>
+          <p:nvPr>
+            <p:ph idx="1"/>
+          </p:nvPr>
+        </p:nvSpPr>
+        <p:spPr/>
+        <p:txBody>
+          <a:bodyPr/>
+          <a:lstStyle/>
+          <a:p>
+            <a:endParaRPr lang="en-US"/>
+          </a:p>
+        </p:txBody>
+      </p:sp>
     </p:spTree>
     <p:extLst>
       <p:ext uri="{BB962C8B-B14F-4D97-AF65-F5344CB8AC3E}">
-        <p14:creationId xmlns:p14="http://schemas.microsoft.com/office/powerpoint/2010/main" val="2111512407"/>
+        <p14:creationId xmlns:p14="http://schemas.microsoft.com/office/powerpoint/2010/main" val="172783545"/>
       </p:ext>
     </p:extLst>
   </p:cSld>
@@ -11622,7 +11365,7 @@
           <p:cNvPr id="2" name="Title 1">
             <a:extLst>
               <a:ext uri="{FF2B5EF4-FFF2-40B4-BE49-F238E27FC236}">
-                <a16:creationId xmlns:a16="http://schemas.microsoft.com/office/drawing/2014/main" id="{234CB306-7B8E-4722-0641-07DF2CC3B5A7}"/>
+                <a16:creationId xmlns:a16="http://schemas.microsoft.com/office/drawing/2014/main" id="{63F65449-F4DF-022E-B6BD-6917E15DE0E0}"/>
               </a:ext>
             </a:extLst>
           </p:cNvPr>
@@ -11639,8 +11382,8 @@
           <a:lstStyle/>
           <a:p>
             <a:r>
-              <a:rPr lang="en-US" dirty="0"/>
-              <a:t>ShellLocker.exe</a:t>
+              <a:rPr lang="en-US"/>
+              <a:t>Level 3</a:t>
             </a:r>
           </a:p>
         </p:txBody>
@@ -11650,7 +11393,7 @@
           <p:cNvPr id="3" name="Content Placeholder 2">
             <a:extLst>
               <a:ext uri="{FF2B5EF4-FFF2-40B4-BE49-F238E27FC236}">
-                <a16:creationId xmlns:a16="http://schemas.microsoft.com/office/drawing/2014/main" id="{741EA172-4E9F-4149-30C3-BA8B112FA88E}"/>
+                <a16:creationId xmlns:a16="http://schemas.microsoft.com/office/drawing/2014/main" id="{9C3BE6AB-2A6F-AF85-445F-3D5CBBBBA2DF}"/>
               </a:ext>
             </a:extLst>
           </p:cNvPr>
@@ -11666,31 +11409,14 @@
           <a:bodyPr/>
           <a:lstStyle/>
           <a:p>
-            <a:r>
-              <a:rPr lang="en-US" dirty="0"/>
-              <a:t>Funny and all but I literally just closed it in task manager</a:t>
-            </a:r>
-          </a:p>
-          <a:p>
-            <a:r>
-              <a:rPr lang="en-US" dirty="0"/>
-              <a:t>I think the </a:t>
-            </a:r>
-            <a:r>
-              <a:rPr lang="en-US" dirty="0" err="1"/>
-              <a:t>github</a:t>
-            </a:r>
-            <a:r>
-              <a:rPr lang="en-US" dirty="0"/>
-              <a:t> version I downloaded was changed?</a:t>
-            </a:r>
+            <a:endParaRPr lang="en-US"/>
           </a:p>
         </p:txBody>
       </p:sp>
     </p:spTree>
     <p:extLst>
       <p:ext uri="{BB962C8B-B14F-4D97-AF65-F5344CB8AC3E}">
-        <p14:creationId xmlns:p14="http://schemas.microsoft.com/office/powerpoint/2010/main" val="3811100687"/>
+        <p14:creationId xmlns:p14="http://schemas.microsoft.com/office/powerpoint/2010/main" val="4268275556"/>
       </p:ext>
     </p:extLst>
   </p:cSld>
